--- a/VideoSessionsMaterials/creating-write-requests.pptx
+++ b/VideoSessionsMaterials/creating-write-requests.pptx
@@ -5,16 +5,23 @@
     <p:sldMasterId id="2147483648" r:id="rId1"/>
   </p:sldMasterIdLst>
   <p:notesMasterIdLst>
-    <p:notesMasterId r:id="rId9"/>
+    <p:notesMasterId r:id="rId16"/>
   </p:notesMasterIdLst>
   <p:sldIdLst>
     <p:sldId id="364" r:id="rId2"/>
-    <p:sldId id="326" r:id="rId3"/>
-    <p:sldId id="367" r:id="rId4"/>
-    <p:sldId id="368" r:id="rId5"/>
-    <p:sldId id="369" r:id="rId6"/>
-    <p:sldId id="366" r:id="rId7"/>
-    <p:sldId id="322" r:id="rId8"/>
+    <p:sldId id="370" r:id="rId3"/>
+    <p:sldId id="371" r:id="rId4"/>
+    <p:sldId id="372" r:id="rId5"/>
+    <p:sldId id="373" r:id="rId6"/>
+    <p:sldId id="374" r:id="rId7"/>
+    <p:sldId id="375" r:id="rId8"/>
+    <p:sldId id="376" r:id="rId9"/>
+    <p:sldId id="326" r:id="rId10"/>
+    <p:sldId id="367" r:id="rId11"/>
+    <p:sldId id="368" r:id="rId12"/>
+    <p:sldId id="369" r:id="rId13"/>
+    <p:sldId id="366" r:id="rId14"/>
+    <p:sldId id="322" r:id="rId15"/>
   </p:sldIdLst>
   <p:sldSz cx="17327563" cy="9747250"/>
   <p:notesSz cx="6858000" cy="9144000"/>
@@ -229,7 +236,7 @@
             <a:fld id="{DDC063FE-8627-9A42-970F-0BBEEB02B587}" type="datetimeFigureOut">
               <a:rPr lang="en-US" smtClean="0"/>
               <a:pPr/>
-              <a:t>12/4/13</a:t>
+              <a:t>12/5/13</a:t>
             </a:fld>
             <a:endParaRPr lang="en-US" dirty="0"/>
           </a:p>
@@ -583,6 +590,457 @@
 </p:notes>
 </file>
 
+<file path=ppt/notesSlides/notesSlide10.xml><?xml version="1.0" encoding="utf-8"?>
+<p:notes xmlns:a="http://schemas.openxmlformats.org/drawingml/2006/main" xmlns:r="http://schemas.openxmlformats.org/officeDocument/2006/relationships" xmlns:p="http://schemas.openxmlformats.org/presentationml/2006/main">
+  <p:cSld>
+    <p:spTree>
+      <p:nvGrpSpPr>
+        <p:cNvPr id="1" name=""/>
+        <p:cNvGrpSpPr/>
+        <p:nvPr/>
+      </p:nvGrpSpPr>
+      <p:grpSpPr>
+        <a:xfrm>
+          <a:off x="0" y="0"/>
+          <a:ext cx="0" cy="0"/>
+          <a:chOff x="0" y="0"/>
+          <a:chExt cx="0" cy="0"/>
+        </a:xfrm>
+      </p:grpSpPr>
+      <p:sp>
+        <p:nvSpPr>
+          <p:cNvPr id="2" name="Slide Image Placeholder 1"/>
+          <p:cNvSpPr>
+            <a:spLocks noGrp="1" noRot="1" noChangeAspect="1"/>
+          </p:cNvSpPr>
+          <p:nvPr>
+            <p:ph type="sldImg"/>
+          </p:nvPr>
+        </p:nvSpPr>
+        <p:spPr/>
+      </p:sp>
+      <p:sp>
+        <p:nvSpPr>
+          <p:cNvPr id="3" name="Notes Placeholder 2"/>
+          <p:cNvSpPr>
+            <a:spLocks noGrp="1"/>
+          </p:cNvSpPr>
+          <p:nvPr>
+            <p:ph type="body" idx="1"/>
+          </p:nvPr>
+        </p:nvSpPr>
+        <p:spPr/>
+        <p:txBody>
+          <a:bodyPr/>
+          <a:lstStyle/>
+          <a:p>
+            <a:endParaRPr lang="en-US"/>
+          </a:p>
+        </p:txBody>
+      </p:sp>
+      <p:sp>
+        <p:nvSpPr>
+          <p:cNvPr id="4" name="Slide Number Placeholder 3"/>
+          <p:cNvSpPr>
+            <a:spLocks noGrp="1"/>
+          </p:cNvSpPr>
+          <p:nvPr>
+            <p:ph type="sldNum" sz="quarter" idx="10"/>
+          </p:nvPr>
+        </p:nvSpPr>
+        <p:spPr/>
+        <p:txBody>
+          <a:bodyPr/>
+          <a:lstStyle/>
+          <a:p>
+            <a:fld id="{3560C2FB-C494-1A46-A471-884A4E75440F}" type="slidenum">
+              <a:rPr lang="en-US" smtClean="0"/>
+              <a:pPr/>
+              <a:t>10</a:t>
+            </a:fld>
+            <a:endParaRPr lang="en-US" dirty="0"/>
+          </a:p>
+        </p:txBody>
+      </p:sp>
+    </p:spTree>
+    <p:extLst>
+      <p:ext uri="{BB962C8B-B14F-4D97-AF65-F5344CB8AC3E}">
+        <p14:creationId xmlns:p14="http://schemas.microsoft.com/office/powerpoint/2010/main" val="963676054"/>
+      </p:ext>
+    </p:extLst>
+  </p:cSld>
+  <p:clrMapOvr>
+    <a:masterClrMapping/>
+  </p:clrMapOvr>
+</p:notes>
+</file>
+
+<file path=ppt/notesSlides/notesSlide11.xml><?xml version="1.0" encoding="utf-8"?>
+<p:notes xmlns:a="http://schemas.openxmlformats.org/drawingml/2006/main" xmlns:r="http://schemas.openxmlformats.org/officeDocument/2006/relationships" xmlns:p="http://schemas.openxmlformats.org/presentationml/2006/main">
+  <p:cSld>
+    <p:spTree>
+      <p:nvGrpSpPr>
+        <p:cNvPr id="1" name=""/>
+        <p:cNvGrpSpPr/>
+        <p:nvPr/>
+      </p:nvGrpSpPr>
+      <p:grpSpPr>
+        <a:xfrm>
+          <a:off x="0" y="0"/>
+          <a:ext cx="0" cy="0"/>
+          <a:chOff x="0" y="0"/>
+          <a:chExt cx="0" cy="0"/>
+        </a:xfrm>
+      </p:grpSpPr>
+      <p:sp>
+        <p:nvSpPr>
+          <p:cNvPr id="2" name="Slide Image Placeholder 1"/>
+          <p:cNvSpPr>
+            <a:spLocks noGrp="1" noRot="1" noChangeAspect="1"/>
+          </p:cNvSpPr>
+          <p:nvPr>
+            <p:ph type="sldImg"/>
+          </p:nvPr>
+        </p:nvSpPr>
+        <p:spPr/>
+      </p:sp>
+      <p:sp>
+        <p:nvSpPr>
+          <p:cNvPr id="3" name="Notes Placeholder 2"/>
+          <p:cNvSpPr>
+            <a:spLocks noGrp="1"/>
+          </p:cNvSpPr>
+          <p:nvPr>
+            <p:ph type="body" idx="1"/>
+          </p:nvPr>
+        </p:nvSpPr>
+        <p:spPr/>
+        <p:txBody>
+          <a:bodyPr/>
+          <a:lstStyle/>
+          <a:p>
+            <a:endParaRPr lang="en-US"/>
+          </a:p>
+        </p:txBody>
+      </p:sp>
+      <p:sp>
+        <p:nvSpPr>
+          <p:cNvPr id="4" name="Slide Number Placeholder 3"/>
+          <p:cNvSpPr>
+            <a:spLocks noGrp="1"/>
+          </p:cNvSpPr>
+          <p:nvPr>
+            <p:ph type="sldNum" sz="quarter" idx="10"/>
+          </p:nvPr>
+        </p:nvSpPr>
+        <p:spPr/>
+        <p:txBody>
+          <a:bodyPr/>
+          <a:lstStyle/>
+          <a:p>
+            <a:fld id="{3560C2FB-C494-1A46-A471-884A4E75440F}" type="slidenum">
+              <a:rPr lang="en-US" smtClean="0"/>
+              <a:pPr/>
+              <a:t>11</a:t>
+            </a:fld>
+            <a:endParaRPr lang="en-US" dirty="0"/>
+          </a:p>
+        </p:txBody>
+      </p:sp>
+    </p:spTree>
+    <p:extLst>
+      <p:ext uri="{BB962C8B-B14F-4D97-AF65-F5344CB8AC3E}">
+        <p14:creationId xmlns:p14="http://schemas.microsoft.com/office/powerpoint/2010/main" val="963676054"/>
+      </p:ext>
+    </p:extLst>
+  </p:cSld>
+  <p:clrMapOvr>
+    <a:masterClrMapping/>
+  </p:clrMapOvr>
+</p:notes>
+</file>
+
+<file path=ppt/notesSlides/notesSlide12.xml><?xml version="1.0" encoding="utf-8"?>
+<p:notes xmlns:a="http://schemas.openxmlformats.org/drawingml/2006/main" xmlns:r="http://schemas.openxmlformats.org/officeDocument/2006/relationships" xmlns:p="http://schemas.openxmlformats.org/presentationml/2006/main">
+  <p:cSld>
+    <p:spTree>
+      <p:nvGrpSpPr>
+        <p:cNvPr id="1" name=""/>
+        <p:cNvGrpSpPr/>
+        <p:nvPr/>
+      </p:nvGrpSpPr>
+      <p:grpSpPr>
+        <a:xfrm>
+          <a:off x="0" y="0"/>
+          <a:ext cx="0" cy="0"/>
+          <a:chOff x="0" y="0"/>
+          <a:chExt cx="0" cy="0"/>
+        </a:xfrm>
+      </p:grpSpPr>
+      <p:sp>
+        <p:nvSpPr>
+          <p:cNvPr id="2" name="Slide Image Placeholder 1"/>
+          <p:cNvSpPr>
+            <a:spLocks noGrp="1" noRot="1" noChangeAspect="1"/>
+          </p:cNvSpPr>
+          <p:nvPr>
+            <p:ph type="sldImg"/>
+          </p:nvPr>
+        </p:nvSpPr>
+        <p:spPr/>
+      </p:sp>
+      <p:sp>
+        <p:nvSpPr>
+          <p:cNvPr id="3" name="Notes Placeholder 2"/>
+          <p:cNvSpPr>
+            <a:spLocks noGrp="1"/>
+          </p:cNvSpPr>
+          <p:nvPr>
+            <p:ph type="body" idx="1"/>
+          </p:nvPr>
+        </p:nvSpPr>
+        <p:spPr/>
+        <p:txBody>
+          <a:bodyPr/>
+          <a:lstStyle/>
+          <a:p>
+            <a:endParaRPr lang="en-US"/>
+          </a:p>
+        </p:txBody>
+      </p:sp>
+      <p:sp>
+        <p:nvSpPr>
+          <p:cNvPr id="4" name="Slide Number Placeholder 3"/>
+          <p:cNvSpPr>
+            <a:spLocks noGrp="1"/>
+          </p:cNvSpPr>
+          <p:nvPr>
+            <p:ph type="sldNum" sz="quarter" idx="10"/>
+          </p:nvPr>
+        </p:nvSpPr>
+        <p:spPr/>
+        <p:txBody>
+          <a:bodyPr/>
+          <a:lstStyle/>
+          <a:p>
+            <a:fld id="{3560C2FB-C494-1A46-A471-884A4E75440F}" type="slidenum">
+              <a:rPr lang="en-US" smtClean="0"/>
+              <a:pPr/>
+              <a:t>12</a:t>
+            </a:fld>
+            <a:endParaRPr lang="en-US" dirty="0"/>
+          </a:p>
+        </p:txBody>
+      </p:sp>
+    </p:spTree>
+    <p:extLst>
+      <p:ext uri="{BB962C8B-B14F-4D97-AF65-F5344CB8AC3E}">
+        <p14:creationId xmlns:p14="http://schemas.microsoft.com/office/powerpoint/2010/main" val="963676054"/>
+      </p:ext>
+    </p:extLst>
+  </p:cSld>
+  <p:clrMapOvr>
+    <a:masterClrMapping/>
+  </p:clrMapOvr>
+</p:notes>
+</file>
+
+<file path=ppt/notesSlides/notesSlide13.xml><?xml version="1.0" encoding="utf-8"?>
+<p:notes xmlns:a="http://schemas.openxmlformats.org/drawingml/2006/main" xmlns:r="http://schemas.openxmlformats.org/officeDocument/2006/relationships" xmlns:p="http://schemas.openxmlformats.org/presentationml/2006/main">
+  <p:cSld>
+    <p:spTree>
+      <p:nvGrpSpPr>
+        <p:cNvPr id="1" name=""/>
+        <p:cNvGrpSpPr/>
+        <p:nvPr/>
+      </p:nvGrpSpPr>
+      <p:grpSpPr>
+        <a:xfrm>
+          <a:off x="0" y="0"/>
+          <a:ext cx="0" cy="0"/>
+          <a:chOff x="0" y="0"/>
+          <a:chExt cx="0" cy="0"/>
+        </a:xfrm>
+      </p:grpSpPr>
+      <p:sp>
+        <p:nvSpPr>
+          <p:cNvPr id="304129" name="Rectangle 7"/>
+          <p:cNvSpPr txBox="1">
+            <a:spLocks noGrp="1" noChangeArrowheads="1"/>
+          </p:cNvSpPr>
+          <p:nvPr/>
+        </p:nvSpPr>
+        <p:spPr bwMode="auto">
+          <a:xfrm>
+            <a:off x="3886200" y="8686489"/>
+            <a:ext cx="2971800" cy="457512"/>
+          </a:xfrm>
+          <a:prstGeom prst="rect">
+            <a:avLst/>
+          </a:prstGeom>
+          <a:noFill/>
+          <a:ln>
+            <a:miter lim="800000"/>
+            <a:headEnd/>
+            <a:tailEnd/>
+          </a:ln>
+        </p:spPr>
+        <p:txBody>
+          <a:bodyPr anchor="b"/>
+          <a:lstStyle/>
+          <a:p>
+            <a:pPr algn="r" eaLnBrk="0" hangingPunct="0">
+              <a:defRPr/>
+            </a:pPr>
+            <a:fld id="{5639B2D1-4F62-47BF-B141-83C0868A9AB5}" type="slidenum">
+              <a:rPr lang="en-US" sz="1200">
+                <a:ea typeface="ＭＳ Ｐゴシック" pitchFamily="34" charset="-128"/>
+                <a:cs typeface="+mn-cs"/>
+              </a:rPr>
+              <a:pPr algn="r" eaLnBrk="0" hangingPunct="0">
+                <a:defRPr/>
+              </a:pPr>
+              <a:t>13</a:t>
+            </a:fld>
+            <a:endParaRPr lang="en-US" sz="1200" dirty="0">
+              <a:ea typeface="ＭＳ Ｐゴシック" pitchFamily="34" charset="-128"/>
+              <a:cs typeface="+mn-cs"/>
+            </a:endParaRPr>
+          </a:p>
+        </p:txBody>
+      </p:sp>
+      <p:sp>
+        <p:nvSpPr>
+          <p:cNvPr id="97282" name="Rectangle 2"/>
+          <p:cNvSpPr>
+            <a:spLocks noGrp="1" noRot="1" noChangeAspect="1" noChangeArrowheads="1" noTextEdit="1"/>
+          </p:cNvSpPr>
+          <p:nvPr>
+            <p:ph type="sldImg"/>
+          </p:nvPr>
+        </p:nvSpPr>
+        <p:spPr>
+          <a:ln/>
+        </p:spPr>
+      </p:sp>
+      <p:sp>
+        <p:nvSpPr>
+          <p:cNvPr id="97283" name="Rectangle 3"/>
+          <p:cNvSpPr>
+            <a:spLocks noGrp="1" noChangeArrowheads="1"/>
+          </p:cNvSpPr>
+          <p:nvPr>
+            <p:ph type="body" idx="1"/>
+          </p:nvPr>
+        </p:nvSpPr>
+        <p:spPr>
+          <a:noFill/>
+          <a:ln/>
+        </p:spPr>
+        <p:txBody>
+          <a:bodyPr/>
+          <a:lstStyle/>
+          <a:p>
+            <a:pPr eaLnBrk="1" hangingPunct="1"/>
+            <a:endParaRPr lang="en-US" dirty="0" smtClean="0">
+              <a:ea typeface="ＭＳ Ｐゴシック"/>
+            </a:endParaRPr>
+          </a:p>
+        </p:txBody>
+      </p:sp>
+    </p:spTree>
+  </p:cSld>
+  <p:clrMapOvr>
+    <a:masterClrMapping/>
+  </p:clrMapOvr>
+</p:notes>
+</file>
+
+<file path=ppt/notesSlides/notesSlide14.xml><?xml version="1.0" encoding="utf-8"?>
+<p:notes xmlns:a="http://schemas.openxmlformats.org/drawingml/2006/main" xmlns:r="http://schemas.openxmlformats.org/officeDocument/2006/relationships" xmlns:p="http://schemas.openxmlformats.org/presentationml/2006/main">
+  <p:cSld>
+    <p:spTree>
+      <p:nvGrpSpPr>
+        <p:cNvPr id="1" name=""/>
+        <p:cNvGrpSpPr/>
+        <p:nvPr/>
+      </p:nvGrpSpPr>
+      <p:grpSpPr>
+        <a:xfrm>
+          <a:off x="0" y="0"/>
+          <a:ext cx="0" cy="0"/>
+          <a:chOff x="0" y="0"/>
+          <a:chExt cx="0" cy="0"/>
+        </a:xfrm>
+      </p:grpSpPr>
+      <p:sp>
+        <p:nvSpPr>
+          <p:cNvPr id="2" name="Slide Image Placeholder 1"/>
+          <p:cNvSpPr>
+            <a:spLocks noGrp="1" noRot="1" noChangeAspect="1"/>
+          </p:cNvSpPr>
+          <p:nvPr>
+            <p:ph type="sldImg"/>
+          </p:nvPr>
+        </p:nvSpPr>
+        <p:spPr/>
+      </p:sp>
+      <p:sp>
+        <p:nvSpPr>
+          <p:cNvPr id="3" name="Notes Placeholder 2"/>
+          <p:cNvSpPr>
+            <a:spLocks noGrp="1"/>
+          </p:cNvSpPr>
+          <p:nvPr>
+            <p:ph type="body" idx="1"/>
+          </p:nvPr>
+        </p:nvSpPr>
+        <p:spPr/>
+        <p:txBody>
+          <a:bodyPr/>
+          <a:lstStyle/>
+          <a:p>
+            <a:endParaRPr lang="en-US"/>
+          </a:p>
+        </p:txBody>
+      </p:sp>
+      <p:sp>
+        <p:nvSpPr>
+          <p:cNvPr id="4" name="Slide Number Placeholder 3"/>
+          <p:cNvSpPr>
+            <a:spLocks noGrp="1"/>
+          </p:cNvSpPr>
+          <p:nvPr>
+            <p:ph type="sldNum" sz="quarter" idx="10"/>
+          </p:nvPr>
+        </p:nvSpPr>
+        <p:spPr/>
+        <p:txBody>
+          <a:bodyPr/>
+          <a:lstStyle/>
+          <a:p>
+            <a:fld id="{3560C2FB-C494-1A46-A471-884A4E75440F}" type="slidenum">
+              <a:rPr lang="en-US" smtClean="0"/>
+              <a:pPr/>
+              <a:t>14</a:t>
+            </a:fld>
+            <a:endParaRPr lang="en-US" dirty="0"/>
+          </a:p>
+        </p:txBody>
+      </p:sp>
+    </p:spTree>
+    <p:extLst>
+      <p:ext uri="{BB962C8B-B14F-4D97-AF65-F5344CB8AC3E}">
+        <p14:creationId xmlns:p14="http://schemas.microsoft.com/office/powerpoint/2010/main" val="1443086944"/>
+      </p:ext>
+    </p:extLst>
+  </p:cSld>
+  <p:clrMapOvr>
+    <a:masterClrMapping/>
+  </p:clrMapOvr>
+</p:notes>
+</file>
+
 <file path=ppt/notesSlides/notesSlide2.xml><?xml version="1.0" encoding="utf-8"?>
 <p:notes xmlns:a="http://schemas.openxmlformats.org/drawingml/2006/main" xmlns:r="http://schemas.openxmlformats.org/officeDocument/2006/relationships" xmlns:p="http://schemas.openxmlformats.org/presentationml/2006/main">
   <p:cSld>
@@ -602,65 +1060,250 @@
       </p:grpSpPr>
       <p:sp>
         <p:nvSpPr>
-          <p:cNvPr id="2" name="Slide Image Placeholder 1"/>
-          <p:cNvSpPr>
-            <a:spLocks noGrp="1" noRot="1" noChangeAspect="1"/>
-          </p:cNvSpPr>
-          <p:nvPr>
-            <p:ph type="sldImg"/>
-          </p:nvPr>
-        </p:nvSpPr>
-        <p:spPr/>
-      </p:sp>
-      <p:sp>
-        <p:nvSpPr>
-          <p:cNvPr id="3" name="Notes Placeholder 2"/>
-          <p:cNvSpPr>
-            <a:spLocks noGrp="1"/>
-          </p:cNvSpPr>
-          <p:nvPr>
-            <p:ph type="body" idx="1"/>
-          </p:nvPr>
-        </p:nvSpPr>
-        <p:spPr/>
-        <p:txBody>
-          <a:bodyPr/>
-          <a:lstStyle/>
-          <a:p>
-            <a:endParaRPr lang="en-US"/>
-          </a:p>
-        </p:txBody>
-      </p:sp>
-      <p:sp>
-        <p:nvSpPr>
-          <p:cNvPr id="4" name="Slide Number Placeholder 3"/>
-          <p:cNvSpPr>
-            <a:spLocks noGrp="1"/>
-          </p:cNvSpPr>
-          <p:nvPr>
-            <p:ph type="sldNum" sz="quarter" idx="10"/>
-          </p:nvPr>
-        </p:nvSpPr>
-        <p:spPr/>
-        <p:txBody>
-          <a:bodyPr/>
-          <a:lstStyle/>
-          <a:p>
-            <a:fld id="{3560C2FB-C494-1A46-A471-884A4E75440F}" type="slidenum">
-              <a:rPr lang="en-US" smtClean="0"/>
-              <a:pPr/>
+          <p:cNvPr id="70657" name="Rectangle 7"/>
+          <p:cNvSpPr txBox="1">
+            <a:spLocks noGrp="1" noChangeArrowheads="1"/>
+          </p:cNvSpPr>
+          <p:nvPr/>
+        </p:nvSpPr>
+        <p:spPr bwMode="auto">
+          <a:xfrm>
+            <a:off x="3886200" y="8686800"/>
+            <a:ext cx="2971800" cy="457200"/>
+          </a:xfrm>
+          <a:prstGeom prst="rect">
+            <a:avLst/>
+          </a:prstGeom>
+          <a:noFill/>
+          <a:ln>
+            <a:noFill/>
+          </a:ln>
+          <a:extLst>
+            <a:ext uri="{909E8E84-426E-40dd-AFC4-6F175D3DCCD1}">
+              <a14:hiddenFill xmlns:a14="http://schemas.microsoft.com/office/drawing/2010/main">
+                <a:solidFill>
+                  <a:srgbClr val="FFFFFF"/>
+                </a:solidFill>
+              </a14:hiddenFill>
+            </a:ext>
+            <a:ext uri="{91240B29-F687-4f45-9708-019B960494DF}">
+              <a14:hiddenLine xmlns:a14="http://schemas.microsoft.com/office/drawing/2010/main" w="9525">
+                <a:solidFill>
+                  <a:srgbClr val="000000"/>
+                </a:solidFill>
+                <a:miter lim="800000"/>
+                <a:headEnd/>
+                <a:tailEnd/>
+              </a14:hiddenLine>
+            </a:ext>
+          </a:extLst>
+        </p:spPr>
+        <p:txBody>
+          <a:bodyPr anchor="b"/>
+          <a:lstStyle>
+            <a:lvl1pPr eaLnBrk="0" hangingPunct="0">
+              <a:defRPr sz="3000">
+                <a:solidFill>
+                  <a:schemeClr val="tx1"/>
+                </a:solidFill>
+                <a:latin typeface="Arial" charset="0"/>
+                <a:ea typeface="ＭＳ Ｐゴシック" charset="0"/>
+                <a:cs typeface="ＭＳ Ｐゴシック" charset="0"/>
+              </a:defRPr>
+            </a:lvl1pPr>
+            <a:lvl2pPr marL="742950" indent="-285750" eaLnBrk="0" hangingPunct="0">
+              <a:defRPr sz="3000">
+                <a:solidFill>
+                  <a:schemeClr val="tx1"/>
+                </a:solidFill>
+                <a:latin typeface="Arial" charset="0"/>
+                <a:ea typeface="ＭＳ Ｐゴシック" charset="0"/>
+              </a:defRPr>
+            </a:lvl2pPr>
+            <a:lvl3pPr marL="1143000" indent="-228600" eaLnBrk="0" hangingPunct="0">
+              <a:defRPr sz="3000">
+                <a:solidFill>
+                  <a:schemeClr val="tx1"/>
+                </a:solidFill>
+                <a:latin typeface="Arial" charset="0"/>
+                <a:ea typeface="ＭＳ Ｐゴシック" charset="0"/>
+              </a:defRPr>
+            </a:lvl3pPr>
+            <a:lvl4pPr marL="1600200" indent="-228600" eaLnBrk="0" hangingPunct="0">
+              <a:defRPr sz="3000">
+                <a:solidFill>
+                  <a:schemeClr val="tx1"/>
+                </a:solidFill>
+                <a:latin typeface="Arial" charset="0"/>
+                <a:ea typeface="ＭＳ Ｐゴシック" charset="0"/>
+              </a:defRPr>
+            </a:lvl4pPr>
+            <a:lvl5pPr marL="2057400" indent="-228600" eaLnBrk="0" hangingPunct="0">
+              <a:defRPr sz="3000">
+                <a:solidFill>
+                  <a:schemeClr val="tx1"/>
+                </a:solidFill>
+                <a:latin typeface="Arial" charset="0"/>
+                <a:ea typeface="ＭＳ Ｐゴシック" charset="0"/>
+              </a:defRPr>
+            </a:lvl5pPr>
+            <a:lvl6pPr marL="2514600" indent="-228600" defTabSz="773113" eaLnBrk="0" fontAlgn="base" hangingPunct="0">
+              <a:spcBef>
+                <a:spcPct val="0"/>
+              </a:spcBef>
+              <a:spcAft>
+                <a:spcPct val="0"/>
+              </a:spcAft>
+              <a:defRPr sz="3000">
+                <a:solidFill>
+                  <a:schemeClr val="tx1"/>
+                </a:solidFill>
+                <a:latin typeface="Arial" charset="0"/>
+                <a:ea typeface="ＭＳ Ｐゴシック" charset="0"/>
+              </a:defRPr>
+            </a:lvl6pPr>
+            <a:lvl7pPr marL="2971800" indent="-228600" defTabSz="773113" eaLnBrk="0" fontAlgn="base" hangingPunct="0">
+              <a:spcBef>
+                <a:spcPct val="0"/>
+              </a:spcBef>
+              <a:spcAft>
+                <a:spcPct val="0"/>
+              </a:spcAft>
+              <a:defRPr sz="3000">
+                <a:solidFill>
+                  <a:schemeClr val="tx1"/>
+                </a:solidFill>
+                <a:latin typeface="Arial" charset="0"/>
+                <a:ea typeface="ＭＳ Ｐゴシック" charset="0"/>
+              </a:defRPr>
+            </a:lvl7pPr>
+            <a:lvl8pPr marL="3429000" indent="-228600" defTabSz="773113" eaLnBrk="0" fontAlgn="base" hangingPunct="0">
+              <a:spcBef>
+                <a:spcPct val="0"/>
+              </a:spcBef>
+              <a:spcAft>
+                <a:spcPct val="0"/>
+              </a:spcAft>
+              <a:defRPr sz="3000">
+                <a:solidFill>
+                  <a:schemeClr val="tx1"/>
+                </a:solidFill>
+                <a:latin typeface="Arial" charset="0"/>
+                <a:ea typeface="ＭＳ Ｐゴシック" charset="0"/>
+              </a:defRPr>
+            </a:lvl8pPr>
+            <a:lvl9pPr marL="3886200" indent="-228600" defTabSz="773113" eaLnBrk="0" fontAlgn="base" hangingPunct="0">
+              <a:spcBef>
+                <a:spcPct val="0"/>
+              </a:spcBef>
+              <a:spcAft>
+                <a:spcPct val="0"/>
+              </a:spcAft>
+              <a:defRPr sz="3000">
+                <a:solidFill>
+                  <a:schemeClr val="tx1"/>
+                </a:solidFill>
+                <a:latin typeface="Arial" charset="0"/>
+                <a:ea typeface="ＭＳ Ｐゴシック" charset="0"/>
+              </a:defRPr>
+            </a:lvl9pPr>
+          </a:lstStyle>
+          <a:p>
+            <a:pPr algn="r"/>
+            <a:fld id="{33BB980F-054A-5F42-98E6-89955F977F95}" type="slidenum">
+              <a:rPr lang="en-US" sz="1200"/>
+              <a:pPr algn="r"/>
               <a:t>2</a:t>
             </a:fld>
-            <a:endParaRPr lang="en-US" dirty="0"/>
+            <a:endParaRPr lang="en-US" sz="1200"/>
+          </a:p>
+        </p:txBody>
+      </p:sp>
+      <p:sp>
+        <p:nvSpPr>
+          <p:cNvPr id="70658" name="Rectangle 2"/>
+          <p:cNvSpPr>
+            <a:spLocks noGrp="1" noRot="1" noChangeAspect="1" noChangeArrowheads="1" noTextEdit="1"/>
+          </p:cNvSpPr>
+          <p:nvPr>
+            <p:ph type="sldImg"/>
+          </p:nvPr>
+        </p:nvSpPr>
+        <p:spPr bwMode="auto">
+          <a:noFill/>
+          <a:ln>
+            <a:solidFill>
+              <a:srgbClr val="000000"/>
+            </a:solidFill>
+            <a:miter lim="800000"/>
+            <a:headEnd/>
+            <a:tailEnd/>
+          </a:ln>
+          <a:extLst>
+            <a:ext uri="{909E8E84-426E-40dd-AFC4-6F175D3DCCD1}">
+              <a14:hiddenFill xmlns:a14="http://schemas.microsoft.com/office/drawing/2010/main">
+                <a:solidFill>
+                  <a:srgbClr val="FFFFFF"/>
+                </a:solidFill>
+              </a14:hiddenFill>
+            </a:ext>
+            <a:ext uri="{FAA26D3D-D897-4be2-8F04-BA451C77F1D7}">
+              <ma14:placeholderFlag xmlns:ma14="http://schemas.microsoft.com/office/mac/drawingml/2011/main" val="1"/>
+            </a:ext>
+          </a:extLst>
+        </p:spPr>
+      </p:sp>
+      <p:sp>
+        <p:nvSpPr>
+          <p:cNvPr id="70659" name="Rectangle 3"/>
+          <p:cNvSpPr>
+            <a:spLocks noGrp="1" noChangeArrowheads="1"/>
+          </p:cNvSpPr>
+          <p:nvPr>
+            <p:ph type="body" idx="1"/>
+          </p:nvPr>
+        </p:nvSpPr>
+        <p:spPr bwMode="auto">
+          <a:noFill/>
+          <a:extLst>
+            <a:ext uri="{909E8E84-426E-40dd-AFC4-6F175D3DCCD1}">
+              <a14:hiddenFill xmlns:a14="http://schemas.microsoft.com/office/drawing/2010/main">
+                <a:solidFill>
+                  <a:srgbClr val="FFFFFF"/>
+                </a:solidFill>
+              </a14:hiddenFill>
+            </a:ext>
+            <a:ext uri="{91240B29-F687-4f45-9708-019B960494DF}">
+              <a14:hiddenLine xmlns:a14="http://schemas.microsoft.com/office/drawing/2010/main" w="9525">
+                <a:solidFill>
+                  <a:srgbClr val="000000"/>
+                </a:solidFill>
+                <a:miter lim="800000"/>
+                <a:headEnd/>
+                <a:tailEnd/>
+              </a14:hiddenLine>
+            </a:ext>
+            <a:ext uri="{FAA26D3D-D897-4be2-8F04-BA451C77F1D7}">
+              <ma14:placeholderFlag xmlns:ma14="http://schemas.microsoft.com/office/mac/drawingml/2011/main" val="1"/>
+            </a:ext>
+          </a:extLst>
+        </p:spPr>
+        <p:txBody>
+          <a:bodyPr wrap="square" numCol="1" anchor="t" anchorCtr="0" compatLnSpc="1">
+            <a:prstTxWarp prst="textNoShape">
+              <a:avLst/>
+            </a:prstTxWarp>
+          </a:bodyPr>
+          <a:lstStyle/>
+          <a:p>
+            <a:pPr eaLnBrk="1" hangingPunct="1"/>
+            <a:endParaRPr lang="en-US">
+              <a:latin typeface="Calibri" charset="0"/>
+            </a:endParaRPr>
           </a:p>
         </p:txBody>
       </p:sp>
     </p:spTree>
-    <p:extLst>
-      <p:ext uri="{BB962C8B-B14F-4D97-AF65-F5344CB8AC3E}">
-        <p14:creationId xmlns:p14="http://schemas.microsoft.com/office/powerpoint/2010/main" val="963676054"/>
-      </p:ext>
-    </p:extLst>
   </p:cSld>
   <p:clrMapOvr>
     <a:masterClrMapping/>
@@ -687,65 +1330,88 @@
       </p:grpSpPr>
       <p:sp>
         <p:nvSpPr>
-          <p:cNvPr id="2" name="Slide Image Placeholder 1"/>
-          <p:cNvSpPr>
-            <a:spLocks noGrp="1" noRot="1" noChangeAspect="1"/>
+          <p:cNvPr id="74753" name="Rectangle 2"/>
+          <p:cNvSpPr>
+            <a:spLocks noGrp="1" noRot="1" noChangeAspect="1" noChangeArrowheads="1" noTextEdit="1"/>
           </p:cNvSpPr>
           <p:nvPr>
             <p:ph type="sldImg"/>
           </p:nvPr>
         </p:nvSpPr>
-        <p:spPr/>
-      </p:sp>
-      <p:sp>
-        <p:nvSpPr>
-          <p:cNvPr id="3" name="Notes Placeholder 2"/>
-          <p:cNvSpPr>
-            <a:spLocks noGrp="1"/>
+        <p:spPr bwMode="auto">
+          <a:noFill/>
+          <a:ln>
+            <a:solidFill>
+              <a:srgbClr val="000000"/>
+            </a:solidFill>
+            <a:miter lim="800000"/>
+            <a:headEnd/>
+            <a:tailEnd/>
+          </a:ln>
+          <a:extLst>
+            <a:ext uri="{909E8E84-426E-40dd-AFC4-6F175D3DCCD1}">
+              <a14:hiddenFill xmlns:a14="http://schemas.microsoft.com/office/drawing/2010/main">
+                <a:solidFill>
+                  <a:srgbClr val="FFFFFF"/>
+                </a:solidFill>
+              </a14:hiddenFill>
+            </a:ext>
+            <a:ext uri="{FAA26D3D-D897-4be2-8F04-BA451C77F1D7}">
+              <ma14:placeholderFlag xmlns:ma14="http://schemas.microsoft.com/office/mac/drawingml/2011/main" val="1"/>
+            </a:ext>
+          </a:extLst>
+        </p:spPr>
+      </p:sp>
+      <p:sp>
+        <p:nvSpPr>
+          <p:cNvPr id="74754" name="Rectangle 3"/>
+          <p:cNvSpPr>
+            <a:spLocks noGrp="1" noChangeArrowheads="1"/>
           </p:cNvSpPr>
           <p:nvPr>
             <p:ph type="body" idx="1"/>
           </p:nvPr>
         </p:nvSpPr>
-        <p:spPr/>
-        <p:txBody>
-          <a:bodyPr/>
+        <p:spPr bwMode="auto">
+          <a:noFill/>
+          <a:extLst>
+            <a:ext uri="{909E8E84-426E-40dd-AFC4-6F175D3DCCD1}">
+              <a14:hiddenFill xmlns:a14="http://schemas.microsoft.com/office/drawing/2010/main">
+                <a:solidFill>
+                  <a:srgbClr val="FFFFFF"/>
+                </a:solidFill>
+              </a14:hiddenFill>
+            </a:ext>
+            <a:ext uri="{91240B29-F687-4f45-9708-019B960494DF}">
+              <a14:hiddenLine xmlns:a14="http://schemas.microsoft.com/office/drawing/2010/main" w="9525">
+                <a:solidFill>
+                  <a:srgbClr val="000000"/>
+                </a:solidFill>
+                <a:miter lim="800000"/>
+                <a:headEnd/>
+                <a:tailEnd/>
+              </a14:hiddenLine>
+            </a:ext>
+            <a:ext uri="{FAA26D3D-D897-4be2-8F04-BA451C77F1D7}">
+              <ma14:placeholderFlag xmlns:ma14="http://schemas.microsoft.com/office/mac/drawingml/2011/main" val="1"/>
+            </a:ext>
+          </a:extLst>
+        </p:spPr>
+        <p:txBody>
+          <a:bodyPr wrap="square" numCol="1" anchor="t" anchorCtr="0" compatLnSpc="1">
+            <a:prstTxWarp prst="textNoShape">
+              <a:avLst/>
+            </a:prstTxWarp>
+          </a:bodyPr>
           <a:lstStyle/>
           <a:p>
-            <a:endParaRPr lang="en-US"/>
-          </a:p>
-        </p:txBody>
-      </p:sp>
-      <p:sp>
-        <p:nvSpPr>
-          <p:cNvPr id="4" name="Slide Number Placeholder 3"/>
-          <p:cNvSpPr>
-            <a:spLocks noGrp="1"/>
-          </p:cNvSpPr>
-          <p:nvPr>
-            <p:ph type="sldNum" sz="quarter" idx="10"/>
-          </p:nvPr>
-        </p:nvSpPr>
-        <p:spPr/>
-        <p:txBody>
-          <a:bodyPr/>
-          <a:lstStyle/>
-          <a:p>
-            <a:fld id="{3560C2FB-C494-1A46-A471-884A4E75440F}" type="slidenum">
-              <a:rPr lang="en-US" smtClean="0"/>
-              <a:pPr/>
-              <a:t>3</a:t>
-            </a:fld>
-            <a:endParaRPr lang="en-US" dirty="0"/>
+            <a:endParaRPr lang="en-US">
+              <a:latin typeface="Calibri" charset="0"/>
+            </a:endParaRPr>
           </a:p>
         </p:txBody>
       </p:sp>
     </p:spTree>
-    <p:extLst>
-      <p:ext uri="{BB962C8B-B14F-4D97-AF65-F5344CB8AC3E}">
-        <p14:creationId xmlns:p14="http://schemas.microsoft.com/office/powerpoint/2010/main" val="963676054"/>
-      </p:ext>
-    </p:extLst>
   </p:cSld>
   <p:clrMapOvr>
     <a:masterClrMapping/>
@@ -772,65 +1438,88 @@
       </p:grpSpPr>
       <p:sp>
         <p:nvSpPr>
-          <p:cNvPr id="2" name="Slide Image Placeholder 1"/>
-          <p:cNvSpPr>
-            <a:spLocks noGrp="1" noRot="1" noChangeAspect="1"/>
+          <p:cNvPr id="76801" name="Rectangle 2"/>
+          <p:cNvSpPr>
+            <a:spLocks noGrp="1" noRot="1" noChangeAspect="1" noChangeArrowheads="1" noTextEdit="1"/>
           </p:cNvSpPr>
           <p:nvPr>
             <p:ph type="sldImg"/>
           </p:nvPr>
         </p:nvSpPr>
-        <p:spPr/>
-      </p:sp>
-      <p:sp>
-        <p:nvSpPr>
-          <p:cNvPr id="3" name="Notes Placeholder 2"/>
-          <p:cNvSpPr>
-            <a:spLocks noGrp="1"/>
+        <p:spPr bwMode="auto">
+          <a:noFill/>
+          <a:ln>
+            <a:solidFill>
+              <a:srgbClr val="000000"/>
+            </a:solidFill>
+            <a:miter lim="800000"/>
+            <a:headEnd/>
+            <a:tailEnd/>
+          </a:ln>
+          <a:extLst>
+            <a:ext uri="{909E8E84-426E-40dd-AFC4-6F175D3DCCD1}">
+              <a14:hiddenFill xmlns:a14="http://schemas.microsoft.com/office/drawing/2010/main">
+                <a:solidFill>
+                  <a:srgbClr val="FFFFFF"/>
+                </a:solidFill>
+              </a14:hiddenFill>
+            </a:ext>
+            <a:ext uri="{FAA26D3D-D897-4be2-8F04-BA451C77F1D7}">
+              <ma14:placeholderFlag xmlns:ma14="http://schemas.microsoft.com/office/mac/drawingml/2011/main" val="1"/>
+            </a:ext>
+          </a:extLst>
+        </p:spPr>
+      </p:sp>
+      <p:sp>
+        <p:nvSpPr>
+          <p:cNvPr id="76802" name="Rectangle 3"/>
+          <p:cNvSpPr>
+            <a:spLocks noGrp="1" noChangeArrowheads="1"/>
           </p:cNvSpPr>
           <p:nvPr>
             <p:ph type="body" idx="1"/>
           </p:nvPr>
         </p:nvSpPr>
-        <p:spPr/>
-        <p:txBody>
-          <a:bodyPr/>
+        <p:spPr bwMode="auto">
+          <a:noFill/>
+          <a:extLst>
+            <a:ext uri="{909E8E84-426E-40dd-AFC4-6F175D3DCCD1}">
+              <a14:hiddenFill xmlns:a14="http://schemas.microsoft.com/office/drawing/2010/main">
+                <a:solidFill>
+                  <a:srgbClr val="FFFFFF"/>
+                </a:solidFill>
+              </a14:hiddenFill>
+            </a:ext>
+            <a:ext uri="{91240B29-F687-4f45-9708-019B960494DF}">
+              <a14:hiddenLine xmlns:a14="http://schemas.microsoft.com/office/drawing/2010/main" w="9525">
+                <a:solidFill>
+                  <a:srgbClr val="000000"/>
+                </a:solidFill>
+                <a:miter lim="800000"/>
+                <a:headEnd/>
+                <a:tailEnd/>
+              </a14:hiddenLine>
+            </a:ext>
+            <a:ext uri="{FAA26D3D-D897-4be2-8F04-BA451C77F1D7}">
+              <ma14:placeholderFlag xmlns:ma14="http://schemas.microsoft.com/office/mac/drawingml/2011/main" val="1"/>
+            </a:ext>
+          </a:extLst>
+        </p:spPr>
+        <p:txBody>
+          <a:bodyPr wrap="square" numCol="1" anchor="t" anchorCtr="0" compatLnSpc="1">
+            <a:prstTxWarp prst="textNoShape">
+              <a:avLst/>
+            </a:prstTxWarp>
+          </a:bodyPr>
           <a:lstStyle/>
           <a:p>
-            <a:endParaRPr lang="en-US"/>
-          </a:p>
-        </p:txBody>
-      </p:sp>
-      <p:sp>
-        <p:nvSpPr>
-          <p:cNvPr id="4" name="Slide Number Placeholder 3"/>
-          <p:cNvSpPr>
-            <a:spLocks noGrp="1"/>
-          </p:cNvSpPr>
-          <p:nvPr>
-            <p:ph type="sldNum" sz="quarter" idx="10"/>
-          </p:nvPr>
-        </p:nvSpPr>
-        <p:spPr/>
-        <p:txBody>
-          <a:bodyPr/>
-          <a:lstStyle/>
-          <a:p>
-            <a:fld id="{3560C2FB-C494-1A46-A471-884A4E75440F}" type="slidenum">
-              <a:rPr lang="en-US" smtClean="0"/>
-              <a:pPr/>
-              <a:t>4</a:t>
-            </a:fld>
-            <a:endParaRPr lang="en-US" dirty="0"/>
+            <a:endParaRPr lang="en-US">
+              <a:latin typeface="Calibri" charset="0"/>
+            </a:endParaRPr>
           </a:p>
         </p:txBody>
       </p:sp>
     </p:spTree>
-    <p:extLst>
-      <p:ext uri="{BB962C8B-B14F-4D97-AF65-F5344CB8AC3E}">
-        <p14:creationId xmlns:p14="http://schemas.microsoft.com/office/powerpoint/2010/main" val="963676054"/>
-      </p:ext>
-    </p:extLst>
   </p:cSld>
   <p:clrMapOvr>
     <a:masterClrMapping/>
@@ -857,65 +1546,88 @@
       </p:grpSpPr>
       <p:sp>
         <p:nvSpPr>
-          <p:cNvPr id="2" name="Slide Image Placeholder 1"/>
-          <p:cNvSpPr>
-            <a:spLocks noGrp="1" noRot="1" noChangeAspect="1"/>
+          <p:cNvPr id="78849" name="Rectangle 2"/>
+          <p:cNvSpPr>
+            <a:spLocks noGrp="1" noRot="1" noChangeAspect="1" noChangeArrowheads="1" noTextEdit="1"/>
           </p:cNvSpPr>
           <p:nvPr>
             <p:ph type="sldImg"/>
           </p:nvPr>
         </p:nvSpPr>
-        <p:spPr/>
-      </p:sp>
-      <p:sp>
-        <p:nvSpPr>
-          <p:cNvPr id="3" name="Notes Placeholder 2"/>
-          <p:cNvSpPr>
-            <a:spLocks noGrp="1"/>
+        <p:spPr bwMode="auto">
+          <a:noFill/>
+          <a:ln>
+            <a:solidFill>
+              <a:srgbClr val="000000"/>
+            </a:solidFill>
+            <a:miter lim="800000"/>
+            <a:headEnd/>
+            <a:tailEnd/>
+          </a:ln>
+          <a:extLst>
+            <a:ext uri="{909E8E84-426E-40dd-AFC4-6F175D3DCCD1}">
+              <a14:hiddenFill xmlns:a14="http://schemas.microsoft.com/office/drawing/2010/main">
+                <a:solidFill>
+                  <a:srgbClr val="FFFFFF"/>
+                </a:solidFill>
+              </a14:hiddenFill>
+            </a:ext>
+            <a:ext uri="{FAA26D3D-D897-4be2-8F04-BA451C77F1D7}">
+              <ma14:placeholderFlag xmlns:ma14="http://schemas.microsoft.com/office/mac/drawingml/2011/main" val="1"/>
+            </a:ext>
+          </a:extLst>
+        </p:spPr>
+      </p:sp>
+      <p:sp>
+        <p:nvSpPr>
+          <p:cNvPr id="78850" name="Rectangle 3"/>
+          <p:cNvSpPr>
+            <a:spLocks noGrp="1" noChangeArrowheads="1"/>
           </p:cNvSpPr>
           <p:nvPr>
             <p:ph type="body" idx="1"/>
           </p:nvPr>
         </p:nvSpPr>
-        <p:spPr/>
-        <p:txBody>
-          <a:bodyPr/>
+        <p:spPr bwMode="auto">
+          <a:noFill/>
+          <a:extLst>
+            <a:ext uri="{909E8E84-426E-40dd-AFC4-6F175D3DCCD1}">
+              <a14:hiddenFill xmlns:a14="http://schemas.microsoft.com/office/drawing/2010/main">
+                <a:solidFill>
+                  <a:srgbClr val="FFFFFF"/>
+                </a:solidFill>
+              </a14:hiddenFill>
+            </a:ext>
+            <a:ext uri="{91240B29-F687-4f45-9708-019B960494DF}">
+              <a14:hiddenLine xmlns:a14="http://schemas.microsoft.com/office/drawing/2010/main" w="9525">
+                <a:solidFill>
+                  <a:srgbClr val="000000"/>
+                </a:solidFill>
+                <a:miter lim="800000"/>
+                <a:headEnd/>
+                <a:tailEnd/>
+              </a14:hiddenLine>
+            </a:ext>
+            <a:ext uri="{FAA26D3D-D897-4be2-8F04-BA451C77F1D7}">
+              <ma14:placeholderFlag xmlns:ma14="http://schemas.microsoft.com/office/mac/drawingml/2011/main" val="1"/>
+            </a:ext>
+          </a:extLst>
+        </p:spPr>
+        <p:txBody>
+          <a:bodyPr wrap="square" numCol="1" anchor="t" anchorCtr="0" compatLnSpc="1">
+            <a:prstTxWarp prst="textNoShape">
+              <a:avLst/>
+            </a:prstTxWarp>
+          </a:bodyPr>
           <a:lstStyle/>
           <a:p>
-            <a:endParaRPr lang="en-US"/>
-          </a:p>
-        </p:txBody>
-      </p:sp>
-      <p:sp>
-        <p:nvSpPr>
-          <p:cNvPr id="4" name="Slide Number Placeholder 3"/>
-          <p:cNvSpPr>
-            <a:spLocks noGrp="1"/>
-          </p:cNvSpPr>
-          <p:nvPr>
-            <p:ph type="sldNum" sz="quarter" idx="10"/>
-          </p:nvPr>
-        </p:nvSpPr>
-        <p:spPr/>
-        <p:txBody>
-          <a:bodyPr/>
-          <a:lstStyle/>
-          <a:p>
-            <a:fld id="{3560C2FB-C494-1A46-A471-884A4E75440F}" type="slidenum">
-              <a:rPr lang="en-US" smtClean="0"/>
-              <a:pPr/>
-              <a:t>5</a:t>
-            </a:fld>
-            <a:endParaRPr lang="en-US" dirty="0"/>
+            <a:endParaRPr lang="en-US">
+              <a:latin typeface="Calibri" charset="0"/>
+            </a:endParaRPr>
           </a:p>
         </p:txBody>
       </p:sp>
     </p:spTree>
-    <p:extLst>
-      <p:ext uri="{BB962C8B-B14F-4D97-AF65-F5344CB8AC3E}">
-        <p14:creationId xmlns:p14="http://schemas.microsoft.com/office/powerpoint/2010/main" val="963676054"/>
-      </p:ext>
-    </p:extLst>
   </p:cSld>
   <p:clrMapOvr>
     <a:masterClrMapping/>
@@ -942,86 +1654,83 @@
       </p:grpSpPr>
       <p:sp>
         <p:nvSpPr>
-          <p:cNvPr id="304129" name="Rectangle 7"/>
-          <p:cNvSpPr txBox="1">
-            <a:spLocks noGrp="1" noChangeArrowheads="1"/>
-          </p:cNvSpPr>
-          <p:nvPr/>
+          <p:cNvPr id="80897" name="Rectangle 2"/>
+          <p:cNvSpPr>
+            <a:spLocks noGrp="1" noRot="1" noChangeAspect="1" noChangeArrowheads="1" noTextEdit="1"/>
+          </p:cNvSpPr>
+          <p:nvPr>
+            <p:ph type="sldImg"/>
+          </p:nvPr>
         </p:nvSpPr>
         <p:spPr bwMode="auto">
-          <a:xfrm>
-            <a:off x="3886200" y="8686489"/>
-            <a:ext cx="2971800" cy="457512"/>
-          </a:xfrm>
-          <a:prstGeom prst="rect">
-            <a:avLst/>
-          </a:prstGeom>
           <a:noFill/>
           <a:ln>
+            <a:solidFill>
+              <a:srgbClr val="000000"/>
+            </a:solidFill>
             <a:miter lim="800000"/>
             <a:headEnd/>
             <a:tailEnd/>
           </a:ln>
+          <a:extLst>
+            <a:ext uri="{909E8E84-426E-40dd-AFC4-6F175D3DCCD1}">
+              <a14:hiddenFill xmlns:a14="http://schemas.microsoft.com/office/drawing/2010/main">
+                <a:solidFill>
+                  <a:srgbClr val="FFFFFF"/>
+                </a:solidFill>
+              </a14:hiddenFill>
+            </a:ext>
+            <a:ext uri="{FAA26D3D-D897-4be2-8F04-BA451C77F1D7}">
+              <ma14:placeholderFlag xmlns:ma14="http://schemas.microsoft.com/office/mac/drawingml/2011/main" val="1"/>
+            </a:ext>
+          </a:extLst>
         </p:spPr>
-        <p:txBody>
-          <a:bodyPr anchor="b"/>
+      </p:sp>
+      <p:sp>
+        <p:nvSpPr>
+          <p:cNvPr id="80898" name="Rectangle 3"/>
+          <p:cNvSpPr>
+            <a:spLocks noGrp="1" noChangeArrowheads="1"/>
+          </p:cNvSpPr>
+          <p:nvPr>
+            <p:ph type="body" idx="1"/>
+          </p:nvPr>
+        </p:nvSpPr>
+        <p:spPr bwMode="auto">
+          <a:noFill/>
+          <a:extLst>
+            <a:ext uri="{909E8E84-426E-40dd-AFC4-6F175D3DCCD1}">
+              <a14:hiddenFill xmlns:a14="http://schemas.microsoft.com/office/drawing/2010/main">
+                <a:solidFill>
+                  <a:srgbClr val="FFFFFF"/>
+                </a:solidFill>
+              </a14:hiddenFill>
+            </a:ext>
+            <a:ext uri="{91240B29-F687-4f45-9708-019B960494DF}">
+              <a14:hiddenLine xmlns:a14="http://schemas.microsoft.com/office/drawing/2010/main" w="9525">
+                <a:solidFill>
+                  <a:srgbClr val="000000"/>
+                </a:solidFill>
+                <a:miter lim="800000"/>
+                <a:headEnd/>
+                <a:tailEnd/>
+              </a14:hiddenLine>
+            </a:ext>
+            <a:ext uri="{FAA26D3D-D897-4be2-8F04-BA451C77F1D7}">
+              <ma14:placeholderFlag xmlns:ma14="http://schemas.microsoft.com/office/mac/drawingml/2011/main" val="1"/>
+            </a:ext>
+          </a:extLst>
+        </p:spPr>
+        <p:txBody>
+          <a:bodyPr wrap="square" numCol="1" anchor="t" anchorCtr="0" compatLnSpc="1">
+            <a:prstTxWarp prst="textNoShape">
+              <a:avLst/>
+            </a:prstTxWarp>
+          </a:bodyPr>
           <a:lstStyle/>
           <a:p>
-            <a:pPr algn="r" eaLnBrk="0" hangingPunct="0">
-              <a:defRPr/>
-            </a:pPr>
-            <a:fld id="{5639B2D1-4F62-47BF-B141-83C0868A9AB5}" type="slidenum">
-              <a:rPr lang="en-US" sz="1200">
-                <a:ea typeface="ＭＳ Ｐゴシック" pitchFamily="34" charset="-128"/>
-                <a:cs typeface="+mn-cs"/>
-              </a:rPr>
-              <a:pPr algn="r" eaLnBrk="0" hangingPunct="0">
-                <a:defRPr/>
-              </a:pPr>
-              <a:t>6</a:t>
-            </a:fld>
-            <a:endParaRPr lang="en-US" sz="1200" dirty="0">
-              <a:ea typeface="ＭＳ Ｐゴシック" pitchFamily="34" charset="-128"/>
-              <a:cs typeface="+mn-cs"/>
-            </a:endParaRPr>
-          </a:p>
-        </p:txBody>
-      </p:sp>
-      <p:sp>
-        <p:nvSpPr>
-          <p:cNvPr id="97282" name="Rectangle 2"/>
-          <p:cNvSpPr>
-            <a:spLocks noGrp="1" noRot="1" noChangeAspect="1" noChangeArrowheads="1" noTextEdit="1"/>
-          </p:cNvSpPr>
-          <p:nvPr>
-            <p:ph type="sldImg"/>
-          </p:nvPr>
-        </p:nvSpPr>
-        <p:spPr>
-          <a:ln/>
-        </p:spPr>
-      </p:sp>
-      <p:sp>
-        <p:nvSpPr>
-          <p:cNvPr id="97283" name="Rectangle 3"/>
-          <p:cNvSpPr>
-            <a:spLocks noGrp="1" noChangeArrowheads="1"/>
-          </p:cNvSpPr>
-          <p:nvPr>
-            <p:ph type="body" idx="1"/>
-          </p:nvPr>
-        </p:nvSpPr>
-        <p:spPr>
-          <a:noFill/>
-          <a:ln/>
-        </p:spPr>
-        <p:txBody>
-          <a:bodyPr/>
-          <a:lstStyle/>
-          <a:p>
-            <a:pPr eaLnBrk="1" hangingPunct="1"/>
-            <a:endParaRPr lang="en-US" dirty="0" smtClean="0">
-              <a:ea typeface="ＭＳ Ｐゴシック"/>
+            <a:endParaRPr lang="en-US">
+              <a:latin typeface="Calibri" charset="0"/>
             </a:endParaRPr>
           </a:p>
         </p:txBody>
@@ -1053,6 +1762,222 @@
       </p:grpSpPr>
       <p:sp>
         <p:nvSpPr>
+          <p:cNvPr id="82945" name="Rectangle 2"/>
+          <p:cNvSpPr>
+            <a:spLocks noGrp="1" noRot="1" noChangeAspect="1" noChangeArrowheads="1" noTextEdit="1"/>
+          </p:cNvSpPr>
+          <p:nvPr>
+            <p:ph type="sldImg"/>
+          </p:nvPr>
+        </p:nvSpPr>
+        <p:spPr bwMode="auto">
+          <a:noFill/>
+          <a:ln>
+            <a:solidFill>
+              <a:srgbClr val="000000"/>
+            </a:solidFill>
+            <a:miter lim="800000"/>
+            <a:headEnd/>
+            <a:tailEnd/>
+          </a:ln>
+          <a:extLst>
+            <a:ext uri="{909E8E84-426E-40dd-AFC4-6F175D3DCCD1}">
+              <a14:hiddenFill xmlns:a14="http://schemas.microsoft.com/office/drawing/2010/main">
+                <a:solidFill>
+                  <a:srgbClr val="FFFFFF"/>
+                </a:solidFill>
+              </a14:hiddenFill>
+            </a:ext>
+            <a:ext uri="{FAA26D3D-D897-4be2-8F04-BA451C77F1D7}">
+              <ma14:placeholderFlag xmlns:ma14="http://schemas.microsoft.com/office/mac/drawingml/2011/main" val="1"/>
+            </a:ext>
+          </a:extLst>
+        </p:spPr>
+      </p:sp>
+      <p:sp>
+        <p:nvSpPr>
+          <p:cNvPr id="82946" name="Rectangle 3"/>
+          <p:cNvSpPr>
+            <a:spLocks noGrp="1" noChangeArrowheads="1"/>
+          </p:cNvSpPr>
+          <p:nvPr>
+            <p:ph type="body" idx="1"/>
+          </p:nvPr>
+        </p:nvSpPr>
+        <p:spPr bwMode="auto">
+          <a:noFill/>
+          <a:extLst>
+            <a:ext uri="{909E8E84-426E-40dd-AFC4-6F175D3DCCD1}">
+              <a14:hiddenFill xmlns:a14="http://schemas.microsoft.com/office/drawing/2010/main">
+                <a:solidFill>
+                  <a:srgbClr val="FFFFFF"/>
+                </a:solidFill>
+              </a14:hiddenFill>
+            </a:ext>
+            <a:ext uri="{91240B29-F687-4f45-9708-019B960494DF}">
+              <a14:hiddenLine xmlns:a14="http://schemas.microsoft.com/office/drawing/2010/main" w="9525">
+                <a:solidFill>
+                  <a:srgbClr val="000000"/>
+                </a:solidFill>
+                <a:miter lim="800000"/>
+                <a:headEnd/>
+                <a:tailEnd/>
+              </a14:hiddenLine>
+            </a:ext>
+            <a:ext uri="{FAA26D3D-D897-4be2-8F04-BA451C77F1D7}">
+              <ma14:placeholderFlag xmlns:ma14="http://schemas.microsoft.com/office/mac/drawingml/2011/main" val="1"/>
+            </a:ext>
+          </a:extLst>
+        </p:spPr>
+        <p:txBody>
+          <a:bodyPr wrap="square" numCol="1" anchor="t" anchorCtr="0" compatLnSpc="1">
+            <a:prstTxWarp prst="textNoShape">
+              <a:avLst/>
+            </a:prstTxWarp>
+          </a:bodyPr>
+          <a:lstStyle/>
+          <a:p>
+            <a:endParaRPr lang="en-US">
+              <a:latin typeface="Calibri" charset="0"/>
+            </a:endParaRPr>
+          </a:p>
+        </p:txBody>
+      </p:sp>
+    </p:spTree>
+  </p:cSld>
+  <p:clrMapOvr>
+    <a:masterClrMapping/>
+  </p:clrMapOvr>
+</p:notes>
+</file>
+
+<file path=ppt/notesSlides/notesSlide8.xml><?xml version="1.0" encoding="utf-8"?>
+<p:notes xmlns:a="http://schemas.openxmlformats.org/drawingml/2006/main" xmlns:r="http://schemas.openxmlformats.org/officeDocument/2006/relationships" xmlns:p="http://schemas.openxmlformats.org/presentationml/2006/main">
+  <p:cSld>
+    <p:spTree>
+      <p:nvGrpSpPr>
+        <p:cNvPr id="1" name=""/>
+        <p:cNvGrpSpPr/>
+        <p:nvPr/>
+      </p:nvGrpSpPr>
+      <p:grpSpPr>
+        <a:xfrm>
+          <a:off x="0" y="0"/>
+          <a:ext cx="0" cy="0"/>
+          <a:chOff x="0" y="0"/>
+          <a:chExt cx="0" cy="0"/>
+        </a:xfrm>
+      </p:grpSpPr>
+      <p:sp>
+        <p:nvSpPr>
+          <p:cNvPr id="84993" name="Rectangle 2"/>
+          <p:cNvSpPr>
+            <a:spLocks noGrp="1" noRot="1" noChangeAspect="1" noChangeArrowheads="1" noTextEdit="1"/>
+          </p:cNvSpPr>
+          <p:nvPr>
+            <p:ph type="sldImg"/>
+          </p:nvPr>
+        </p:nvSpPr>
+        <p:spPr bwMode="auto">
+          <a:noFill/>
+          <a:ln>
+            <a:solidFill>
+              <a:srgbClr val="000000"/>
+            </a:solidFill>
+            <a:miter lim="800000"/>
+            <a:headEnd/>
+            <a:tailEnd/>
+          </a:ln>
+          <a:extLst>
+            <a:ext uri="{909E8E84-426E-40dd-AFC4-6F175D3DCCD1}">
+              <a14:hiddenFill xmlns:a14="http://schemas.microsoft.com/office/drawing/2010/main">
+                <a:solidFill>
+                  <a:srgbClr val="FFFFFF"/>
+                </a:solidFill>
+              </a14:hiddenFill>
+            </a:ext>
+            <a:ext uri="{FAA26D3D-D897-4be2-8F04-BA451C77F1D7}">
+              <ma14:placeholderFlag xmlns:ma14="http://schemas.microsoft.com/office/mac/drawingml/2011/main" val="1"/>
+            </a:ext>
+          </a:extLst>
+        </p:spPr>
+      </p:sp>
+      <p:sp>
+        <p:nvSpPr>
+          <p:cNvPr id="84994" name="Rectangle 3"/>
+          <p:cNvSpPr>
+            <a:spLocks noGrp="1" noChangeArrowheads="1"/>
+          </p:cNvSpPr>
+          <p:nvPr>
+            <p:ph type="body" idx="1"/>
+          </p:nvPr>
+        </p:nvSpPr>
+        <p:spPr bwMode="auto">
+          <a:noFill/>
+          <a:extLst>
+            <a:ext uri="{909E8E84-426E-40dd-AFC4-6F175D3DCCD1}">
+              <a14:hiddenFill xmlns:a14="http://schemas.microsoft.com/office/drawing/2010/main">
+                <a:solidFill>
+                  <a:srgbClr val="FFFFFF"/>
+                </a:solidFill>
+              </a14:hiddenFill>
+            </a:ext>
+            <a:ext uri="{91240B29-F687-4f45-9708-019B960494DF}">
+              <a14:hiddenLine xmlns:a14="http://schemas.microsoft.com/office/drawing/2010/main" w="9525">
+                <a:solidFill>
+                  <a:srgbClr val="000000"/>
+                </a:solidFill>
+                <a:miter lim="800000"/>
+                <a:headEnd/>
+                <a:tailEnd/>
+              </a14:hiddenLine>
+            </a:ext>
+            <a:ext uri="{FAA26D3D-D897-4be2-8F04-BA451C77F1D7}">
+              <ma14:placeholderFlag xmlns:ma14="http://schemas.microsoft.com/office/mac/drawingml/2011/main" val="1"/>
+            </a:ext>
+          </a:extLst>
+        </p:spPr>
+        <p:txBody>
+          <a:bodyPr wrap="square" numCol="1" anchor="t" anchorCtr="0" compatLnSpc="1">
+            <a:prstTxWarp prst="textNoShape">
+              <a:avLst/>
+            </a:prstTxWarp>
+          </a:bodyPr>
+          <a:lstStyle/>
+          <a:p>
+            <a:endParaRPr lang="en-US">
+              <a:latin typeface="Calibri" charset="0"/>
+            </a:endParaRPr>
+          </a:p>
+        </p:txBody>
+      </p:sp>
+    </p:spTree>
+  </p:cSld>
+  <p:clrMapOvr>
+    <a:masterClrMapping/>
+  </p:clrMapOvr>
+</p:notes>
+</file>
+
+<file path=ppt/notesSlides/notesSlide9.xml><?xml version="1.0" encoding="utf-8"?>
+<p:notes xmlns:a="http://schemas.openxmlformats.org/drawingml/2006/main" xmlns:r="http://schemas.openxmlformats.org/officeDocument/2006/relationships" xmlns:p="http://schemas.openxmlformats.org/presentationml/2006/main">
+  <p:cSld>
+    <p:spTree>
+      <p:nvGrpSpPr>
+        <p:cNvPr id="1" name=""/>
+        <p:cNvGrpSpPr/>
+        <p:nvPr/>
+      </p:nvGrpSpPr>
+      <p:grpSpPr>
+        <a:xfrm>
+          <a:off x="0" y="0"/>
+          <a:ext cx="0" cy="0"/>
+          <a:chOff x="0" y="0"/>
+          <a:chExt cx="0" cy="0"/>
+        </a:xfrm>
+      </p:grpSpPr>
+      <p:sp>
+        <p:nvSpPr>
           <p:cNvPr id="2" name="Slide Image Placeholder 1"/>
           <p:cNvSpPr>
             <a:spLocks noGrp="1" noRot="1" noChangeAspect="1"/>
@@ -1100,7 +2025,7 @@
             <a:fld id="{3560C2FB-C494-1A46-A471-884A4E75440F}" type="slidenum">
               <a:rPr lang="en-US" smtClean="0"/>
               <a:pPr/>
-              <a:t>7</a:t>
+              <a:t>9</a:t>
             </a:fld>
             <a:endParaRPr lang="en-US" dirty="0"/>
           </a:p>
@@ -1109,7 +2034,7 @@
     </p:spTree>
     <p:extLst>
       <p:ext uri="{BB962C8B-B14F-4D97-AF65-F5344CB8AC3E}">
-        <p14:creationId xmlns:p14="http://schemas.microsoft.com/office/powerpoint/2010/main" val="1443086944"/>
+        <p14:creationId xmlns:p14="http://schemas.microsoft.com/office/powerpoint/2010/main" val="963676054"/>
       </p:ext>
     </p:extLst>
   </p:cSld>
@@ -5438,6 +6363,502 @@
 </p:sld>
 </file>
 
+<file path=ppt/slides/slide10.xml><?xml version="1.0" encoding="utf-8"?>
+<p:sld xmlns:a="http://schemas.openxmlformats.org/drawingml/2006/main" xmlns:r="http://schemas.openxmlformats.org/officeDocument/2006/relationships" xmlns:p="http://schemas.openxmlformats.org/presentationml/2006/main">
+  <p:cSld>
+    <p:spTree>
+      <p:nvGrpSpPr>
+        <p:cNvPr id="1" name=""/>
+        <p:cNvGrpSpPr/>
+        <p:nvPr/>
+      </p:nvGrpSpPr>
+      <p:grpSpPr>
+        <a:xfrm>
+          <a:off x="0" y="0"/>
+          <a:ext cx="0" cy="0"/>
+          <a:chOff x="0" y="0"/>
+          <a:chExt cx="0" cy="0"/>
+        </a:xfrm>
+      </p:grpSpPr>
+      <p:sp>
+        <p:nvSpPr>
+          <p:cNvPr id="3" name="Title 2"/>
+          <p:cNvSpPr>
+            <a:spLocks noGrp="1"/>
+          </p:cNvSpPr>
+          <p:nvPr>
+            <p:ph type="title"/>
+          </p:nvPr>
+        </p:nvSpPr>
+        <p:spPr/>
+        <p:txBody>
+          <a:bodyPr/>
+          <a:lstStyle/>
+          <a:p>
+            <a:r>
+              <a:rPr lang="en-US" dirty="0" smtClean="0"/>
+              <a:t>Title</a:t>
+            </a:r>
+            <a:endParaRPr lang="en-US" dirty="0"/>
+          </a:p>
+        </p:txBody>
+      </p:sp>
+      <p:sp>
+        <p:nvSpPr>
+          <p:cNvPr id="4" name="Content Placeholder 3"/>
+          <p:cNvSpPr>
+            <a:spLocks noGrp="1"/>
+          </p:cNvSpPr>
+          <p:nvPr>
+            <p:ph idx="1"/>
+          </p:nvPr>
+        </p:nvSpPr>
+        <p:spPr/>
+        <p:txBody>
+          <a:bodyPr>
+            <a:normAutofit/>
+          </a:bodyPr>
+          <a:lstStyle/>
+          <a:p>
+            <a:r>
+              <a:rPr lang="en-US" sz="3200" dirty="0" smtClean="0"/>
+              <a:t>Content</a:t>
+            </a:r>
+          </a:p>
+          <a:p>
+            <a:endParaRPr lang="en-US" sz="3200" dirty="0"/>
+          </a:p>
+        </p:txBody>
+      </p:sp>
+    </p:spTree>
+    <p:extLst>
+      <p:ext uri="{BB962C8B-B14F-4D97-AF65-F5344CB8AC3E}">
+        <p14:creationId xmlns:p14="http://schemas.microsoft.com/office/powerpoint/2010/main" val="2108713422"/>
+      </p:ext>
+    </p:extLst>
+  </p:cSld>
+  <p:clrMapOvr>
+    <a:masterClrMapping/>
+  </p:clrMapOvr>
+  <p:timing>
+    <p:tnLst>
+      <p:par>
+        <p:cTn xmlns:p14="http://schemas.microsoft.com/office/powerpoint/2010/main" id="1" dur="indefinite" restart="never" nodeType="tmRoot"/>
+      </p:par>
+    </p:tnLst>
+  </p:timing>
+</p:sld>
+</file>
+
+<file path=ppt/slides/slide11.xml><?xml version="1.0" encoding="utf-8"?>
+<p:sld xmlns:a="http://schemas.openxmlformats.org/drawingml/2006/main" xmlns:r="http://schemas.openxmlformats.org/officeDocument/2006/relationships" xmlns:p="http://schemas.openxmlformats.org/presentationml/2006/main">
+  <p:cSld>
+    <p:spTree>
+      <p:nvGrpSpPr>
+        <p:cNvPr id="1" name=""/>
+        <p:cNvGrpSpPr/>
+        <p:nvPr/>
+      </p:nvGrpSpPr>
+      <p:grpSpPr>
+        <a:xfrm>
+          <a:off x="0" y="0"/>
+          <a:ext cx="0" cy="0"/>
+          <a:chOff x="0" y="0"/>
+          <a:chExt cx="0" cy="0"/>
+        </a:xfrm>
+      </p:grpSpPr>
+      <p:sp>
+        <p:nvSpPr>
+          <p:cNvPr id="3" name="Title 2"/>
+          <p:cNvSpPr>
+            <a:spLocks noGrp="1"/>
+          </p:cNvSpPr>
+          <p:nvPr>
+            <p:ph type="title"/>
+          </p:nvPr>
+        </p:nvSpPr>
+        <p:spPr/>
+        <p:txBody>
+          <a:bodyPr/>
+          <a:lstStyle/>
+          <a:p>
+            <a:r>
+              <a:rPr lang="en-US" dirty="0" smtClean="0"/>
+              <a:t>Title</a:t>
+            </a:r>
+            <a:endParaRPr lang="en-US" dirty="0"/>
+          </a:p>
+        </p:txBody>
+      </p:sp>
+      <p:sp>
+        <p:nvSpPr>
+          <p:cNvPr id="4" name="Content Placeholder 3"/>
+          <p:cNvSpPr>
+            <a:spLocks noGrp="1"/>
+          </p:cNvSpPr>
+          <p:nvPr>
+            <p:ph idx="1"/>
+          </p:nvPr>
+        </p:nvSpPr>
+        <p:spPr/>
+        <p:txBody>
+          <a:bodyPr>
+            <a:normAutofit/>
+          </a:bodyPr>
+          <a:lstStyle/>
+          <a:p>
+            <a:r>
+              <a:rPr lang="en-US" sz="3200" dirty="0" smtClean="0"/>
+              <a:t>Content</a:t>
+            </a:r>
+          </a:p>
+          <a:p>
+            <a:endParaRPr lang="en-US" sz="3200" dirty="0"/>
+          </a:p>
+        </p:txBody>
+      </p:sp>
+    </p:spTree>
+    <p:extLst>
+      <p:ext uri="{BB962C8B-B14F-4D97-AF65-F5344CB8AC3E}">
+        <p14:creationId xmlns:p14="http://schemas.microsoft.com/office/powerpoint/2010/main" val="2805855639"/>
+      </p:ext>
+    </p:extLst>
+  </p:cSld>
+  <p:clrMapOvr>
+    <a:masterClrMapping/>
+  </p:clrMapOvr>
+  <p:timing>
+    <p:tnLst>
+      <p:par>
+        <p:cTn xmlns:p14="http://schemas.microsoft.com/office/powerpoint/2010/main" id="1" dur="indefinite" restart="never" nodeType="tmRoot"/>
+      </p:par>
+    </p:tnLst>
+  </p:timing>
+</p:sld>
+</file>
+
+<file path=ppt/slides/slide12.xml><?xml version="1.0" encoding="utf-8"?>
+<p:sld xmlns:a="http://schemas.openxmlformats.org/drawingml/2006/main" xmlns:r="http://schemas.openxmlformats.org/officeDocument/2006/relationships" xmlns:p="http://schemas.openxmlformats.org/presentationml/2006/main">
+  <p:cSld>
+    <p:spTree>
+      <p:nvGrpSpPr>
+        <p:cNvPr id="1" name=""/>
+        <p:cNvGrpSpPr/>
+        <p:nvPr/>
+      </p:nvGrpSpPr>
+      <p:grpSpPr>
+        <a:xfrm>
+          <a:off x="0" y="0"/>
+          <a:ext cx="0" cy="0"/>
+          <a:chOff x="0" y="0"/>
+          <a:chExt cx="0" cy="0"/>
+        </a:xfrm>
+      </p:grpSpPr>
+      <p:sp>
+        <p:nvSpPr>
+          <p:cNvPr id="3" name="Title 2"/>
+          <p:cNvSpPr>
+            <a:spLocks noGrp="1"/>
+          </p:cNvSpPr>
+          <p:nvPr>
+            <p:ph type="title"/>
+          </p:nvPr>
+        </p:nvSpPr>
+        <p:spPr/>
+        <p:txBody>
+          <a:bodyPr/>
+          <a:lstStyle/>
+          <a:p>
+            <a:r>
+              <a:rPr lang="en-US" dirty="0" smtClean="0"/>
+              <a:t>Title</a:t>
+            </a:r>
+            <a:endParaRPr lang="en-US" dirty="0"/>
+          </a:p>
+        </p:txBody>
+      </p:sp>
+      <p:sp>
+        <p:nvSpPr>
+          <p:cNvPr id="4" name="Content Placeholder 3"/>
+          <p:cNvSpPr>
+            <a:spLocks noGrp="1"/>
+          </p:cNvSpPr>
+          <p:nvPr>
+            <p:ph idx="1"/>
+          </p:nvPr>
+        </p:nvSpPr>
+        <p:spPr/>
+        <p:txBody>
+          <a:bodyPr>
+            <a:normAutofit/>
+          </a:bodyPr>
+          <a:lstStyle/>
+          <a:p>
+            <a:r>
+              <a:rPr lang="en-US" sz="3200" dirty="0" smtClean="0"/>
+              <a:t>Content</a:t>
+            </a:r>
+          </a:p>
+          <a:p>
+            <a:endParaRPr lang="en-US" sz="3200" dirty="0"/>
+          </a:p>
+        </p:txBody>
+      </p:sp>
+    </p:spTree>
+    <p:extLst>
+      <p:ext uri="{BB962C8B-B14F-4D97-AF65-F5344CB8AC3E}">
+        <p14:creationId xmlns:p14="http://schemas.microsoft.com/office/powerpoint/2010/main" val="2514608167"/>
+      </p:ext>
+    </p:extLst>
+  </p:cSld>
+  <p:clrMapOvr>
+    <a:masterClrMapping/>
+  </p:clrMapOvr>
+  <p:timing>
+    <p:tnLst>
+      <p:par>
+        <p:cTn xmlns:p14="http://schemas.microsoft.com/office/powerpoint/2010/main" id="1" dur="indefinite" restart="never" nodeType="tmRoot"/>
+      </p:par>
+    </p:tnLst>
+  </p:timing>
+</p:sld>
+</file>
+
+<file path=ppt/slides/slide13.xml><?xml version="1.0" encoding="utf-8"?>
+<p:sld xmlns:a="http://schemas.openxmlformats.org/drawingml/2006/main" xmlns:r="http://schemas.openxmlformats.org/officeDocument/2006/relationships" xmlns:p="http://schemas.openxmlformats.org/presentationml/2006/main">
+  <p:cSld>
+    <p:spTree>
+      <p:nvGrpSpPr>
+        <p:cNvPr id="1" name=""/>
+        <p:cNvGrpSpPr/>
+        <p:nvPr/>
+      </p:nvGrpSpPr>
+      <p:grpSpPr>
+        <a:xfrm>
+          <a:off x="0" y="0"/>
+          <a:ext cx="0" cy="0"/>
+          <a:chOff x="0" y="0"/>
+          <a:chExt cx="0" cy="0"/>
+        </a:xfrm>
+      </p:grpSpPr>
+      <p:sp>
+        <p:nvSpPr>
+          <p:cNvPr id="303106" name="Slide Number Placeholder 3"/>
+          <p:cNvSpPr txBox="1">
+            <a:spLocks noGrp="1"/>
+          </p:cNvSpPr>
+          <p:nvPr/>
+        </p:nvSpPr>
+        <p:spPr bwMode="auto">
+          <a:xfrm>
+            <a:off x="315868" y="9189943"/>
+            <a:ext cx="866378" cy="541514"/>
+          </a:xfrm>
+          <a:prstGeom prst="rect">
+            <a:avLst/>
+          </a:prstGeom>
+          <a:noFill/>
+          <a:ln>
+            <a:miter lim="800000"/>
+            <a:headEnd/>
+            <a:tailEnd/>
+          </a:ln>
+        </p:spPr>
+        <p:txBody>
+          <a:bodyPr lIns="154707" tIns="77354" rIns="154707" bIns="77354"/>
+          <a:lstStyle/>
+          <a:p>
+            <a:pPr eaLnBrk="0" hangingPunct="0">
+              <a:defRPr/>
+            </a:pPr>
+            <a:fld id="{1BD3BB7B-F997-4B7C-BCBE-A063D59C732E}" type="slidenum">
+              <a:rPr lang="en-US" sz="1500" b="1">
+                <a:solidFill>
+                  <a:srgbClr val="7B7B7B"/>
+                </a:solidFill>
+                <a:ea typeface="ＭＳ Ｐゴシック" pitchFamily="34" charset="-128"/>
+                <a:cs typeface="+mn-cs"/>
+              </a:rPr>
+              <a:pPr eaLnBrk="0" hangingPunct="0">
+                <a:defRPr/>
+              </a:pPr>
+              <a:t>13</a:t>
+            </a:fld>
+            <a:endParaRPr lang="en-US" sz="1500" b="1" dirty="0">
+              <a:solidFill>
+                <a:srgbClr val="7B7B7B"/>
+              </a:solidFill>
+              <a:ea typeface="ＭＳ Ｐゴシック" pitchFamily="34" charset="-128"/>
+              <a:cs typeface="+mn-cs"/>
+            </a:endParaRPr>
+          </a:p>
+        </p:txBody>
+      </p:sp>
+      <p:sp>
+        <p:nvSpPr>
+          <p:cNvPr id="5" name="Text Placeholder 4"/>
+          <p:cNvSpPr>
+            <a:spLocks noGrp="1"/>
+          </p:cNvSpPr>
+          <p:nvPr>
+            <p:ph type="body" sz="quarter" idx="10"/>
+          </p:nvPr>
+        </p:nvSpPr>
+        <p:spPr/>
+        <p:txBody>
+          <a:bodyPr/>
+          <a:lstStyle/>
+          <a:p>
+            <a:r>
+              <a:rPr lang="en-US" dirty="0" smtClean="0"/>
+              <a:t>Demo 9: Constructing an API Write Request</a:t>
+            </a:r>
+          </a:p>
+        </p:txBody>
+      </p:sp>
+    </p:spTree>
+    <p:extLst>
+      <p:ext uri="{BB962C8B-B14F-4D97-AF65-F5344CB8AC3E}">
+        <p14:creationId xmlns:p14="http://schemas.microsoft.com/office/powerpoint/2010/main" val="3539376714"/>
+      </p:ext>
+    </p:extLst>
+  </p:cSld>
+  <p:clrMapOvr>
+    <a:masterClrMapping/>
+  </p:clrMapOvr>
+  <p:transition xmlns:p14="http://schemas.microsoft.com/office/powerpoint/2010/main"/>
+  <p:timing>
+    <p:tnLst>
+      <p:par>
+        <p:cTn xmlns:p14="http://schemas.microsoft.com/office/powerpoint/2010/main" id="1" dur="indefinite" restart="never" nodeType="tmRoot"/>
+      </p:par>
+    </p:tnLst>
+  </p:timing>
+</p:sld>
+</file>
+
+<file path=ppt/slides/slide14.xml><?xml version="1.0" encoding="utf-8"?>
+<p:sld xmlns:a="http://schemas.openxmlformats.org/drawingml/2006/main" xmlns:r="http://schemas.openxmlformats.org/officeDocument/2006/relationships" xmlns:p="http://schemas.openxmlformats.org/presentationml/2006/main">
+  <p:cSld>
+    <p:spTree>
+      <p:nvGrpSpPr>
+        <p:cNvPr id="1" name=""/>
+        <p:cNvGrpSpPr/>
+        <p:nvPr/>
+      </p:nvGrpSpPr>
+      <p:grpSpPr>
+        <a:xfrm>
+          <a:off x="0" y="0"/>
+          <a:ext cx="0" cy="0"/>
+          <a:chOff x="0" y="0"/>
+          <a:chExt cx="0" cy="0"/>
+        </a:xfrm>
+      </p:grpSpPr>
+      <p:sp>
+        <p:nvSpPr>
+          <p:cNvPr id="3" name="Text Placeholder 2"/>
+          <p:cNvSpPr>
+            <a:spLocks noGrp="1"/>
+          </p:cNvSpPr>
+          <p:nvPr>
+            <p:ph type="body" sz="quarter" idx="11"/>
+          </p:nvPr>
+        </p:nvSpPr>
+        <p:spPr/>
+        <p:txBody>
+          <a:bodyPr/>
+          <a:lstStyle/>
+          <a:p>
+            <a:r>
+              <a:rPr lang="en-US" sz="4700" dirty="0"/>
+              <a:t>Thank you</a:t>
+            </a:r>
+          </a:p>
+        </p:txBody>
+      </p:sp>
+      <p:sp>
+        <p:nvSpPr>
+          <p:cNvPr id="5" name="Text Placeholder 4"/>
+          <p:cNvSpPr>
+            <a:spLocks noGrp="1"/>
+          </p:cNvSpPr>
+          <p:nvPr>
+            <p:ph type="body" sz="quarter" idx="12"/>
+          </p:nvPr>
+        </p:nvSpPr>
+        <p:spPr/>
+        <p:txBody>
+          <a:bodyPr/>
+          <a:lstStyle/>
+          <a:p>
+            <a:r>
+              <a:rPr lang="en-US" dirty="0" smtClean="0"/>
+              <a:t>Brightcove Learning</a:t>
+            </a:r>
+            <a:endParaRPr lang="en-US" dirty="0"/>
+          </a:p>
+        </p:txBody>
+      </p:sp>
+      <p:sp>
+        <p:nvSpPr>
+          <p:cNvPr id="4" name="Slide Number Placeholder 3"/>
+          <p:cNvSpPr>
+            <a:spLocks noGrp="1"/>
+          </p:cNvSpPr>
+          <p:nvPr>
+            <p:ph type="sldNum" sz="quarter" idx="4294967295"/>
+          </p:nvPr>
+        </p:nvSpPr>
+        <p:spPr>
+          <a:xfrm>
+            <a:off x="1" y="9253119"/>
+            <a:ext cx="812230" cy="403878"/>
+          </a:xfrm>
+          <a:prstGeom prst="rect">
+            <a:avLst/>
+          </a:prstGeom>
+        </p:spPr>
+        <p:txBody>
+          <a:bodyPr/>
+          <a:lstStyle/>
+          <a:p>
+            <a:pPr>
+              <a:defRPr/>
+            </a:pPr>
+            <a:fld id="{E089BD15-BC77-46D6-86B9-64976AF1A8F1}" type="slidenum">
+              <a:rPr lang="en-US" smtClean="0"/>
+              <a:pPr>
+                <a:defRPr/>
+              </a:pPr>
+              <a:t>14</a:t>
+            </a:fld>
+            <a:endParaRPr lang="en-US" dirty="0"/>
+          </a:p>
+        </p:txBody>
+      </p:sp>
+    </p:spTree>
+    <p:extLst>
+      <p:ext uri="{BB962C8B-B14F-4D97-AF65-F5344CB8AC3E}">
+        <p14:creationId xmlns:p14="http://schemas.microsoft.com/office/powerpoint/2010/main" val="3700295984"/>
+      </p:ext>
+    </p:extLst>
+  </p:cSld>
+  <p:clrMapOvr>
+    <a:masterClrMapping/>
+  </p:clrMapOvr>
+  <p:transition xmlns:p14="http://schemas.microsoft.com/office/powerpoint/2010/main" spd="med">
+    <p:fade/>
+  </p:transition>
+  <p:timing>
+    <p:tnLst>
+      <p:par>
+        <p:cTn xmlns:p14="http://schemas.microsoft.com/office/powerpoint/2010/main" id="1" dur="indefinite" restart="never" nodeType="tmRoot"/>
+      </p:par>
+    </p:tnLst>
+  </p:timing>
+</p:sld>
+</file>
+
 <file path=ppt/slides/slide2.xml><?xml version="1.0" encoding="utf-8"?>
 <p:sld xmlns:a="http://schemas.openxmlformats.org/drawingml/2006/main" xmlns:r="http://schemas.openxmlformats.org/officeDocument/2006/relationships" xmlns:p="http://schemas.openxmlformats.org/presentationml/2006/main">
   <p:cSld>
@@ -5457,30 +6878,206 @@
       </p:grpSpPr>
       <p:sp>
         <p:nvSpPr>
-          <p:cNvPr id="3" name="Title 2"/>
-          <p:cNvSpPr>
+          <p:cNvPr id="69633" name="Slide Number Placeholder 4"/>
+          <p:cNvSpPr txBox="1">
             <a:spLocks noGrp="1"/>
           </p:cNvSpPr>
+          <p:nvPr/>
+        </p:nvSpPr>
+        <p:spPr bwMode="auto">
+          <a:xfrm>
+            <a:off x="315913" y="9190038"/>
+            <a:ext cx="866775" cy="541337"/>
+          </a:xfrm>
+          <a:prstGeom prst="rect">
+            <a:avLst/>
+          </a:prstGeom>
+          <a:noFill/>
+          <a:ln>
+            <a:noFill/>
+          </a:ln>
+          <a:extLst>
+            <a:ext uri="{909E8E84-426E-40dd-AFC4-6F175D3DCCD1}">
+              <a14:hiddenFill xmlns:a14="http://schemas.microsoft.com/office/drawing/2010/main">
+                <a:solidFill>
+                  <a:srgbClr val="FFFFFF"/>
+                </a:solidFill>
+              </a14:hiddenFill>
+            </a:ext>
+            <a:ext uri="{91240B29-F687-4f45-9708-019B960494DF}">
+              <a14:hiddenLine xmlns:a14="http://schemas.microsoft.com/office/drawing/2010/main" w="9525">
+                <a:solidFill>
+                  <a:srgbClr val="000000"/>
+                </a:solidFill>
+                <a:miter lim="800000"/>
+                <a:headEnd/>
+                <a:tailEnd/>
+              </a14:hiddenLine>
+            </a:ext>
+          </a:extLst>
+        </p:spPr>
+        <p:txBody>
+          <a:bodyPr lIns="154707" tIns="77354" rIns="154707" bIns="77354"/>
+          <a:lstStyle>
+            <a:lvl1pPr eaLnBrk="0" hangingPunct="0">
+              <a:defRPr sz="3000">
+                <a:solidFill>
+                  <a:schemeClr val="tx1"/>
+                </a:solidFill>
+                <a:latin typeface="Arial" charset="0"/>
+                <a:ea typeface="ＭＳ Ｐゴシック" charset="0"/>
+                <a:cs typeface="ＭＳ Ｐゴシック" charset="0"/>
+              </a:defRPr>
+            </a:lvl1pPr>
+            <a:lvl2pPr marL="742950" indent="-285750" eaLnBrk="0" hangingPunct="0">
+              <a:defRPr sz="3000">
+                <a:solidFill>
+                  <a:schemeClr val="tx1"/>
+                </a:solidFill>
+                <a:latin typeface="Arial" charset="0"/>
+                <a:ea typeface="ＭＳ Ｐゴシック" charset="0"/>
+              </a:defRPr>
+            </a:lvl2pPr>
+            <a:lvl3pPr marL="1143000" indent="-228600" eaLnBrk="0" hangingPunct="0">
+              <a:defRPr sz="3000">
+                <a:solidFill>
+                  <a:schemeClr val="tx1"/>
+                </a:solidFill>
+                <a:latin typeface="Arial" charset="0"/>
+                <a:ea typeface="ＭＳ Ｐゴシック" charset="0"/>
+              </a:defRPr>
+            </a:lvl3pPr>
+            <a:lvl4pPr marL="1600200" indent="-228600" eaLnBrk="0" hangingPunct="0">
+              <a:defRPr sz="3000">
+                <a:solidFill>
+                  <a:schemeClr val="tx1"/>
+                </a:solidFill>
+                <a:latin typeface="Arial" charset="0"/>
+                <a:ea typeface="ＭＳ Ｐゴシック" charset="0"/>
+              </a:defRPr>
+            </a:lvl4pPr>
+            <a:lvl5pPr marL="2057400" indent="-228600" eaLnBrk="0" hangingPunct="0">
+              <a:defRPr sz="3000">
+                <a:solidFill>
+                  <a:schemeClr val="tx1"/>
+                </a:solidFill>
+                <a:latin typeface="Arial" charset="0"/>
+                <a:ea typeface="ＭＳ Ｐゴシック" charset="0"/>
+              </a:defRPr>
+            </a:lvl5pPr>
+            <a:lvl6pPr marL="2514600" indent="-228600" defTabSz="773113" eaLnBrk="0" fontAlgn="base" hangingPunct="0">
+              <a:spcBef>
+                <a:spcPct val="0"/>
+              </a:spcBef>
+              <a:spcAft>
+                <a:spcPct val="0"/>
+              </a:spcAft>
+              <a:defRPr sz="3000">
+                <a:solidFill>
+                  <a:schemeClr val="tx1"/>
+                </a:solidFill>
+                <a:latin typeface="Arial" charset="0"/>
+                <a:ea typeface="ＭＳ Ｐゴシック" charset="0"/>
+              </a:defRPr>
+            </a:lvl6pPr>
+            <a:lvl7pPr marL="2971800" indent="-228600" defTabSz="773113" eaLnBrk="0" fontAlgn="base" hangingPunct="0">
+              <a:spcBef>
+                <a:spcPct val="0"/>
+              </a:spcBef>
+              <a:spcAft>
+                <a:spcPct val="0"/>
+              </a:spcAft>
+              <a:defRPr sz="3000">
+                <a:solidFill>
+                  <a:schemeClr val="tx1"/>
+                </a:solidFill>
+                <a:latin typeface="Arial" charset="0"/>
+                <a:ea typeface="ＭＳ Ｐゴシック" charset="0"/>
+              </a:defRPr>
+            </a:lvl7pPr>
+            <a:lvl8pPr marL="3429000" indent="-228600" defTabSz="773113" eaLnBrk="0" fontAlgn="base" hangingPunct="0">
+              <a:spcBef>
+                <a:spcPct val="0"/>
+              </a:spcBef>
+              <a:spcAft>
+                <a:spcPct val="0"/>
+              </a:spcAft>
+              <a:defRPr sz="3000">
+                <a:solidFill>
+                  <a:schemeClr val="tx1"/>
+                </a:solidFill>
+                <a:latin typeface="Arial" charset="0"/>
+                <a:ea typeface="ＭＳ Ｐゴシック" charset="0"/>
+              </a:defRPr>
+            </a:lvl8pPr>
+            <a:lvl9pPr marL="3886200" indent="-228600" defTabSz="773113" eaLnBrk="0" fontAlgn="base" hangingPunct="0">
+              <a:spcBef>
+                <a:spcPct val="0"/>
+              </a:spcBef>
+              <a:spcAft>
+                <a:spcPct val="0"/>
+              </a:spcAft>
+              <a:defRPr sz="3000">
+                <a:solidFill>
+                  <a:schemeClr val="tx1"/>
+                </a:solidFill>
+                <a:latin typeface="Arial" charset="0"/>
+                <a:ea typeface="ＭＳ Ｐゴシック" charset="0"/>
+              </a:defRPr>
+            </a:lvl9pPr>
+          </a:lstStyle>
+          <a:p>
+            <a:fld id="{7787B529-270C-0E4E-A9F5-6632F332FF66}" type="slidenum">
+              <a:rPr lang="en-US" sz="1500" b="1">
+                <a:solidFill>
+                  <a:srgbClr val="7B7B7B"/>
+                </a:solidFill>
+              </a:rPr>
+              <a:pPr/>
+              <a:t>2</a:t>
+            </a:fld>
+            <a:endParaRPr lang="en-US" sz="1500" b="1">
+              <a:solidFill>
+                <a:srgbClr val="7B7B7B"/>
+              </a:solidFill>
+            </a:endParaRPr>
+          </a:p>
+        </p:txBody>
+      </p:sp>
+      <p:sp>
+        <p:nvSpPr>
+          <p:cNvPr id="69634" name="Rectangle 2"/>
+          <p:cNvSpPr>
+            <a:spLocks noGrp="1" noChangeArrowheads="1"/>
+          </p:cNvSpPr>
           <p:nvPr>
             <p:ph type="title"/>
           </p:nvPr>
         </p:nvSpPr>
-        <p:spPr/>
+        <p:spPr>
+          <a:xfrm>
+            <a:off x="541338" y="300038"/>
+            <a:ext cx="14724062" cy="1449387"/>
+          </a:xfrm>
+        </p:spPr>
         <p:txBody>
           <a:bodyPr/>
           <a:lstStyle/>
           <a:p>
-            <a:r>
-              <a:rPr lang="en-US" dirty="0" smtClean="0"/>
-              <a:t>Title</a:t>
-            </a:r>
-            <a:endParaRPr lang="en-US" dirty="0"/>
-          </a:p>
-        </p:txBody>
-      </p:sp>
-      <p:sp>
-        <p:nvSpPr>
-          <p:cNvPr id="4" name="Content Placeholder 3"/>
+            <a:pPr eaLnBrk="1" hangingPunct="1"/>
+            <a:r>
+              <a:rPr lang="en-US">
+                <a:latin typeface="Arial" charset="0"/>
+                <a:ea typeface="ＭＳ Ｐゴシック" charset="0"/>
+              </a:rPr>
+              <a:t>Write API</a:t>
+            </a:r>
+          </a:p>
+        </p:txBody>
+      </p:sp>
+      <p:sp>
+        <p:nvSpPr>
+          <p:cNvPr id="69635" name="Content Placeholder 4"/>
           <p:cNvSpPr>
             <a:spLocks noGrp="1"/>
           </p:cNvSpPr>
@@ -5488,33 +7085,246 @@
             <p:ph idx="1"/>
           </p:nvPr>
         </p:nvSpPr>
-        <p:spPr/>
-        <p:txBody>
-          <a:bodyPr>
-            <a:normAutofit/>
-          </a:bodyPr>
+        <p:spPr>
+          <a:xfrm>
+            <a:off x="541338" y="1911350"/>
+            <a:ext cx="15878175" cy="6202363"/>
+          </a:xfrm>
+        </p:spPr>
+        <p:txBody>
+          <a:bodyPr/>
           <a:lstStyle/>
           <a:p>
-            <a:r>
-              <a:rPr lang="en-US" sz="3200" dirty="0" smtClean="0"/>
-              <a:t>Content</a:t>
-            </a:r>
-          </a:p>
-          <a:p>
-            <a:endParaRPr lang="en-US" sz="3200" dirty="0"/>
+            <a:pPr marL="479425" indent="-479425">
+              <a:spcBef>
+                <a:spcPct val="50000"/>
+              </a:spcBef>
+              <a:buFontTx/>
+              <a:buBlip>
+                <a:blip r:embed="rId3"/>
+              </a:buBlip>
+            </a:pPr>
+            <a:r>
+              <a:rPr lang="en-US" sz="3000">
+                <a:latin typeface="Arial" charset="0"/>
+                <a:ea typeface="ＭＳ Ｐゴシック" charset="0"/>
+                <a:cs typeface="ＭＳ Ｐゴシック" charset="0"/>
+              </a:rPr>
+              <a:t>Methods that create, update, or delete videos and playlists </a:t>
+            </a:r>
+            <a:endParaRPr lang="en-US" sz="3000">
+              <a:solidFill>
+                <a:srgbClr val="23383A"/>
+              </a:solidFill>
+              <a:latin typeface="Arial" charset="0"/>
+              <a:ea typeface="ＭＳ Ｐゴシック" charset="0"/>
+              <a:cs typeface="ＭＳ Ｐゴシック" charset="0"/>
+            </a:endParaRPr>
+          </a:p>
+          <a:p>
+            <a:pPr marL="479425" indent="-479425">
+              <a:spcBef>
+                <a:spcPct val="50000"/>
+              </a:spcBef>
+              <a:buFontTx/>
+              <a:buBlip>
+                <a:blip r:embed="rId3"/>
+              </a:buBlip>
+            </a:pPr>
+            <a:r>
+              <a:rPr lang="en-US" sz="3000">
+                <a:solidFill>
+                  <a:srgbClr val="23383A"/>
+                </a:solidFill>
+                <a:latin typeface="Arial" charset="0"/>
+                <a:ea typeface="ＭＳ Ｐゴシック" charset="0"/>
+                <a:cs typeface="ＭＳ Ｐゴシック" charset="0"/>
+              </a:rPr>
+              <a:t>Calling the WRITE API</a:t>
+            </a:r>
+          </a:p>
+          <a:p>
+            <a:pPr marL="1169988" lvl="1" indent="-396875">
+              <a:spcBef>
+                <a:spcPct val="15000"/>
+              </a:spcBef>
+              <a:spcAft>
+                <a:spcPct val="5000"/>
+              </a:spcAft>
+              <a:buFontTx/>
+              <a:buBlip>
+                <a:blip r:embed="rId4"/>
+              </a:buBlip>
+            </a:pPr>
+            <a:r>
+              <a:rPr lang="en-US" sz="3000">
+                <a:solidFill>
+                  <a:srgbClr val="23383A"/>
+                </a:solidFill>
+                <a:latin typeface="Arial" charset="0"/>
+                <a:ea typeface="ＭＳ Ｐゴシック" charset="0"/>
+                <a:cs typeface="ＭＳ Ｐゴシック" charset="0"/>
+              </a:rPr>
+              <a:t>HTTP POST Request</a:t>
+            </a:r>
+          </a:p>
+          <a:p>
+            <a:pPr marL="1169988" lvl="1" indent="-396875">
+              <a:spcBef>
+                <a:spcPct val="15000"/>
+              </a:spcBef>
+              <a:spcAft>
+                <a:spcPct val="5000"/>
+              </a:spcAft>
+              <a:buFontTx/>
+              <a:buBlip>
+                <a:blip r:embed="rId4"/>
+              </a:buBlip>
+            </a:pPr>
+            <a:r>
+              <a:rPr lang="en-US" sz="3000">
+                <a:latin typeface="Arial" charset="0"/>
+                <a:ea typeface="ＭＳ Ｐゴシック" charset="0"/>
+                <a:cs typeface="ＭＳ Ｐゴシック" charset="0"/>
+              </a:rPr>
+              <a:t>application/x-www-form-urlencoded or multipart/form-data</a:t>
+            </a:r>
+            <a:endParaRPr lang="en-US" sz="3000">
+              <a:solidFill>
+                <a:srgbClr val="23383A"/>
+              </a:solidFill>
+              <a:latin typeface="Arial" charset="0"/>
+              <a:ea typeface="ＭＳ Ｐゴシック" charset="0"/>
+              <a:cs typeface="ＭＳ Ｐゴシック" charset="0"/>
+            </a:endParaRPr>
+          </a:p>
+          <a:p>
+            <a:pPr marL="1169988" lvl="1" indent="-396875">
+              <a:spcBef>
+                <a:spcPct val="15000"/>
+              </a:spcBef>
+              <a:spcAft>
+                <a:spcPct val="5000"/>
+              </a:spcAft>
+              <a:buFontTx/>
+              <a:buBlip>
+                <a:blip r:embed="rId4"/>
+              </a:buBlip>
+            </a:pPr>
+            <a:r>
+              <a:rPr lang="en-US" sz="3000">
+                <a:solidFill>
+                  <a:srgbClr val="23383A"/>
+                </a:solidFill>
+                <a:latin typeface="Arial" charset="0"/>
+                <a:ea typeface="ＭＳ Ｐゴシック" charset="0"/>
+                <a:cs typeface="ＭＳ Ｐゴシック" charset="0"/>
+              </a:rPr>
+              <a:t>method-name and parameters in the body as JSON-RPC</a:t>
+            </a:r>
+          </a:p>
+          <a:p>
+            <a:pPr marL="1169988" lvl="1" indent="-396875">
+              <a:spcBef>
+                <a:spcPct val="15000"/>
+              </a:spcBef>
+              <a:spcAft>
+                <a:spcPct val="5000"/>
+              </a:spcAft>
+              <a:buFontTx/>
+              <a:buBlip>
+                <a:blip r:embed="rId4"/>
+              </a:buBlip>
+            </a:pPr>
+            <a:r>
+              <a:rPr lang="en-US" sz="3000">
+                <a:solidFill>
+                  <a:srgbClr val="23383A"/>
+                </a:solidFill>
+                <a:latin typeface="Arial" charset="0"/>
+                <a:ea typeface="ＭＳ Ｐゴシック" charset="0"/>
+                <a:cs typeface="ＭＳ Ｐゴシック" charset="0"/>
+              </a:rPr>
+              <a:t>must provide WRITE Token</a:t>
+            </a:r>
+          </a:p>
+          <a:p>
+            <a:pPr marL="1169988" lvl="1" indent="-396875">
+              <a:spcBef>
+                <a:spcPct val="15000"/>
+              </a:spcBef>
+              <a:spcAft>
+                <a:spcPct val="5000"/>
+              </a:spcAft>
+              <a:buFontTx/>
+              <a:buBlip>
+                <a:blip r:embed="rId4"/>
+              </a:buBlip>
+            </a:pPr>
+            <a:r>
+              <a:rPr lang="en-US" sz="3000">
+                <a:solidFill>
+                  <a:srgbClr val="23383A"/>
+                </a:solidFill>
+                <a:latin typeface="Arial" charset="0"/>
+                <a:ea typeface="ＭＳ Ｐゴシック" charset="0"/>
+                <a:cs typeface="ＭＳ Ｐゴシック" charset="0"/>
+              </a:rPr>
+              <a:t>ISO-8859-1 for special characters</a:t>
+            </a:r>
+          </a:p>
+          <a:p>
+            <a:pPr marL="479425" indent="-479425">
+              <a:spcBef>
+                <a:spcPct val="15000"/>
+              </a:spcBef>
+              <a:spcAft>
+                <a:spcPct val="5000"/>
+              </a:spcAft>
+              <a:buFontTx/>
+              <a:buBlip>
+                <a:blip r:embed="rId4"/>
+              </a:buBlip>
+            </a:pPr>
+            <a:r>
+              <a:rPr lang="en-US" sz="3000" i="1">
+                <a:solidFill>
+                  <a:srgbClr val="23383A"/>
+                </a:solidFill>
+                <a:latin typeface="Arial" charset="0"/>
+                <a:ea typeface="ＭＳ Ｐゴシック" charset="0"/>
+                <a:cs typeface="ＭＳ Ｐゴシック" charset="0"/>
+              </a:rPr>
+              <a:t>Write methods should not be made on the client-side except in exceptionally secure situations, as your Write Token will be exposed in the source code</a:t>
+            </a:r>
+            <a:endParaRPr lang="en-US" sz="3000" i="1">
+              <a:latin typeface="Arial" charset="0"/>
+              <a:ea typeface="ＭＳ Ｐゴシック" charset="0"/>
+              <a:cs typeface="ＭＳ Ｐゴシック" charset="0"/>
+            </a:endParaRPr>
+          </a:p>
+          <a:p>
+            <a:pPr marL="479425" indent="-479425"/>
+            <a:endParaRPr lang="en-US" sz="3000">
+              <a:latin typeface="Arial" charset="0"/>
+              <a:ea typeface="ＭＳ Ｐゴシック" charset="0"/>
+            </a:endParaRPr>
           </a:p>
         </p:txBody>
       </p:sp>
     </p:spTree>
     <p:extLst>
       <p:ext uri="{BB962C8B-B14F-4D97-AF65-F5344CB8AC3E}">
-        <p14:creationId xmlns:p14="http://schemas.microsoft.com/office/powerpoint/2010/main" val="1723545958"/>
+        <p14:creationId xmlns:p14="http://schemas.microsoft.com/office/powerpoint/2010/main" val="2928590387"/>
       </p:ext>
     </p:extLst>
   </p:cSld>
   <p:clrMapOvr>
     <a:masterClrMapping/>
   </p:clrMapOvr>
+  <p:transition xmlns:p14="http://schemas.microsoft.com/office/powerpoint/2010/main">
+    <p:fade/>
+  </p:transition>
   <p:timing>
     <p:tnLst>
       <p:par>
@@ -5544,58 +7354,91 @@
       </p:grpSpPr>
       <p:sp>
         <p:nvSpPr>
-          <p:cNvPr id="3" name="Title 2"/>
-          <p:cNvSpPr>
-            <a:spLocks noGrp="1"/>
+          <p:cNvPr id="73729" name="Rectangle 2"/>
+          <p:cNvSpPr>
+            <a:spLocks noGrp="1" noChangeArrowheads="1"/>
           </p:cNvSpPr>
           <p:nvPr>
             <p:ph type="title"/>
           </p:nvPr>
         </p:nvSpPr>
-        <p:spPr/>
+        <p:spPr>
+          <a:xfrm>
+            <a:off x="541338" y="300038"/>
+            <a:ext cx="14724062" cy="1449387"/>
+          </a:xfrm>
+        </p:spPr>
         <p:txBody>
           <a:bodyPr/>
           <a:lstStyle/>
           <a:p>
             <a:r>
-              <a:rPr lang="en-US" dirty="0" smtClean="0"/>
-              <a:t>Title</a:t>
-            </a:r>
-            <a:endParaRPr lang="en-US" dirty="0"/>
-          </a:p>
-        </p:txBody>
-      </p:sp>
-      <p:sp>
-        <p:nvSpPr>
-          <p:cNvPr id="4" name="Content Placeholder 3"/>
-          <p:cNvSpPr>
-            <a:spLocks noGrp="1"/>
+              <a:rPr lang="en-US">
+                <a:latin typeface="Arial" charset="0"/>
+                <a:ea typeface="ＭＳ Ｐゴシック" charset="0"/>
+              </a:rPr>
+              <a:t>JSON-RPC</a:t>
+            </a:r>
+          </a:p>
+        </p:txBody>
+      </p:sp>
+      <p:sp>
+        <p:nvSpPr>
+          <p:cNvPr id="73730" name="Rectangle 3"/>
+          <p:cNvSpPr>
+            <a:spLocks noGrp="1" noChangeArrowheads="1"/>
           </p:cNvSpPr>
           <p:nvPr>
             <p:ph idx="1"/>
           </p:nvPr>
         </p:nvSpPr>
-        <p:spPr/>
-        <p:txBody>
-          <a:bodyPr>
-            <a:normAutofit/>
-          </a:bodyPr>
+        <p:spPr>
+          <a:xfrm>
+            <a:off x="541338" y="1911350"/>
+            <a:ext cx="15878175" cy="6202363"/>
+          </a:xfrm>
+        </p:spPr>
+        <p:txBody>
+          <a:bodyPr/>
           <a:lstStyle/>
           <a:p>
             <a:r>
-              <a:rPr lang="en-US" sz="3200" dirty="0" smtClean="0"/>
-              <a:t>Content</a:t>
-            </a:r>
-          </a:p>
-          <a:p>
-            <a:endParaRPr lang="en-US" sz="3200" dirty="0"/>
+              <a:rPr lang="en-US" sz="3000">
+                <a:latin typeface="Arial" charset="0"/>
+                <a:ea typeface="ＭＳ Ｐゴシック" charset="0"/>
+              </a:rPr>
+              <a:t>Remote Procedure Calls with JSON</a:t>
+            </a:r>
+          </a:p>
+          <a:p>
+            <a:r>
+              <a:rPr lang="en-US" sz="3000">
+                <a:latin typeface="Arial" charset="0"/>
+                <a:ea typeface="ＭＳ Ｐゴシック" charset="0"/>
+              </a:rPr>
+              <a:t>request and response are well-defined JSON objects</a:t>
+            </a:r>
+          </a:p>
+          <a:p>
+            <a:r>
+              <a:rPr lang="en-US" sz="3000">
+                <a:latin typeface="Arial" charset="0"/>
+                <a:ea typeface="ＭＳ Ｐゴシック" charset="0"/>
+                <a:hlinkClick r:id="rId3"/>
+              </a:rPr>
+              <a:t>http://json-rpc.org/</a:t>
+            </a:r>
+            <a:endParaRPr lang="en-US" sz="3000">
+              <a:latin typeface="Arial" charset="0"/>
+              <a:ea typeface="ＭＳ Ｐゴシック" charset="0"/>
+            </a:endParaRPr>
           </a:p>
         </p:txBody>
       </p:sp>
     </p:spTree>
     <p:extLst>
       <p:ext uri="{BB962C8B-B14F-4D97-AF65-F5344CB8AC3E}">
-        <p14:creationId xmlns:p14="http://schemas.microsoft.com/office/powerpoint/2010/main" val="2108713422"/>
+        <p14:creationId xmlns:p14="http://schemas.microsoft.com/office/powerpoint/2010/main" val="3529968541"/>
       </p:ext>
     </p:extLst>
   </p:cSld>
@@ -5631,58 +7474,229 @@
       </p:grpSpPr>
       <p:sp>
         <p:nvSpPr>
-          <p:cNvPr id="3" name="Title 2"/>
-          <p:cNvSpPr>
-            <a:spLocks noGrp="1"/>
+          <p:cNvPr id="75777" name="Rectangle 2"/>
+          <p:cNvSpPr>
+            <a:spLocks noGrp="1" noChangeArrowheads="1"/>
           </p:cNvSpPr>
           <p:nvPr>
             <p:ph type="title"/>
           </p:nvPr>
         </p:nvSpPr>
-        <p:spPr/>
+        <p:spPr>
+          <a:xfrm>
+            <a:off x="541338" y="300038"/>
+            <a:ext cx="14724062" cy="1449387"/>
+          </a:xfrm>
+        </p:spPr>
         <p:txBody>
           <a:bodyPr/>
           <a:lstStyle/>
           <a:p>
             <a:r>
-              <a:rPr lang="en-US" dirty="0" smtClean="0"/>
-              <a:t>Title</a:t>
-            </a:r>
-            <a:endParaRPr lang="en-US" dirty="0"/>
-          </a:p>
-        </p:txBody>
-      </p:sp>
-      <p:sp>
-        <p:nvSpPr>
-          <p:cNvPr id="4" name="Content Placeholder 3"/>
-          <p:cNvSpPr>
-            <a:spLocks noGrp="1"/>
+              <a:rPr lang="en-US">
+                <a:latin typeface="Arial" charset="0"/>
+                <a:ea typeface="ＭＳ Ｐゴシック" charset="0"/>
+              </a:rPr>
+              <a:t>Media API JSON-RPC Request</a:t>
+            </a:r>
+          </a:p>
+        </p:txBody>
+      </p:sp>
+      <p:sp>
+        <p:nvSpPr>
+          <p:cNvPr id="75778" name="Rectangle 3"/>
+          <p:cNvSpPr>
+            <a:spLocks noGrp="1" noChangeArrowheads="1"/>
           </p:cNvSpPr>
           <p:nvPr>
             <p:ph idx="1"/>
           </p:nvPr>
         </p:nvSpPr>
-        <p:spPr/>
-        <p:txBody>
-          <a:bodyPr>
-            <a:normAutofit/>
-          </a:bodyPr>
+        <p:spPr>
+          <a:xfrm>
+            <a:off x="541338" y="1911350"/>
+            <a:ext cx="15878175" cy="6202363"/>
+          </a:xfrm>
+        </p:spPr>
+        <p:txBody>
+          <a:bodyPr/>
           <a:lstStyle/>
           <a:p>
-            <a:r>
-              <a:rPr lang="en-US" sz="3200" dirty="0" smtClean="0"/>
-              <a:t>Content</a:t>
-            </a:r>
-          </a:p>
-          <a:p>
-            <a:endParaRPr lang="en-US" sz="3200" dirty="0"/>
+            <a:pPr>
+              <a:lnSpc>
+                <a:spcPct val="90000"/>
+              </a:lnSpc>
+              <a:buFontTx/>
+              <a:buNone/>
+            </a:pPr>
+            <a:r>
+              <a:rPr lang="en-US" sz="3700">
+                <a:latin typeface="Consolas" charset="0"/>
+                <a:ea typeface="ＭＳ Ｐゴシック" charset="0"/>
+                <a:cs typeface="Consolas" charset="0"/>
+              </a:rPr>
+              <a:t>{</a:t>
+            </a:r>
+          </a:p>
+          <a:p>
+            <a:pPr>
+              <a:lnSpc>
+                <a:spcPct val="90000"/>
+              </a:lnSpc>
+              <a:buFontTx/>
+              <a:buNone/>
+            </a:pPr>
+            <a:r>
+              <a:rPr lang="en-US" sz="3700">
+                <a:latin typeface="Consolas" charset="0"/>
+                <a:ea typeface="ＭＳ Ｐゴシック" charset="0"/>
+                <a:cs typeface="Consolas" charset="0"/>
+              </a:rPr>
+              <a:t>    "method": "update_video",</a:t>
+            </a:r>
+          </a:p>
+          <a:p>
+            <a:pPr>
+              <a:lnSpc>
+                <a:spcPct val="90000"/>
+              </a:lnSpc>
+              <a:buFontTx/>
+              <a:buNone/>
+            </a:pPr>
+            <a:r>
+              <a:rPr lang="en-US" sz="3700">
+                <a:latin typeface="Consolas" charset="0"/>
+                <a:ea typeface="ＭＳ Ｐゴシック" charset="0"/>
+                <a:cs typeface="Consolas" charset="0"/>
+              </a:rPr>
+              <a:t>    "params": {</a:t>
+            </a:r>
+          </a:p>
+          <a:p>
+            <a:pPr>
+              <a:lnSpc>
+                <a:spcPct val="90000"/>
+              </a:lnSpc>
+              <a:buFontTx/>
+              <a:buNone/>
+            </a:pPr>
+            <a:r>
+              <a:rPr lang="en-US" sz="3700">
+                <a:latin typeface="Consolas" charset="0"/>
+                <a:ea typeface="ＭＳ Ｐゴシック" charset="0"/>
+                <a:cs typeface="Consolas" charset="0"/>
+              </a:rPr>
+              <a:t>        "token": "...",</a:t>
+            </a:r>
+          </a:p>
+          <a:p>
+            <a:pPr>
+              <a:lnSpc>
+                <a:spcPct val="90000"/>
+              </a:lnSpc>
+              <a:buFontTx/>
+              <a:buNone/>
+            </a:pPr>
+            <a:r>
+              <a:rPr lang="en-US" sz="3700">
+                <a:latin typeface="Consolas" charset="0"/>
+                <a:ea typeface="ＭＳ Ｐゴシック" charset="0"/>
+                <a:cs typeface="Consolas" charset="0"/>
+              </a:rPr>
+              <a:t>        "video" : {</a:t>
+            </a:r>
+          </a:p>
+          <a:p>
+            <a:pPr>
+              <a:lnSpc>
+                <a:spcPct val="90000"/>
+              </a:lnSpc>
+              <a:buFontTx/>
+              <a:buNone/>
+            </a:pPr>
+            <a:r>
+              <a:rPr lang="en-US" sz="3700">
+                <a:latin typeface="Consolas" charset="0"/>
+                <a:ea typeface="ＭＳ Ｐゴシック" charset="0"/>
+                <a:cs typeface="Consolas" charset="0"/>
+              </a:rPr>
+              <a:t>            "id" : 1234,</a:t>
+            </a:r>
+          </a:p>
+          <a:p>
+            <a:pPr>
+              <a:lnSpc>
+                <a:spcPct val="90000"/>
+              </a:lnSpc>
+              <a:buFontTx/>
+              <a:buNone/>
+            </a:pPr>
+            <a:r>
+              <a:rPr lang="en-US" sz="3700">
+                <a:latin typeface="Consolas" charset="0"/>
+                <a:ea typeface="ＭＳ Ｐゴシック" charset="0"/>
+                <a:cs typeface="Consolas" charset="0"/>
+              </a:rPr>
+              <a:t>            "name" : "new name"</a:t>
+            </a:r>
+          </a:p>
+          <a:p>
+            <a:pPr>
+              <a:lnSpc>
+                <a:spcPct val="90000"/>
+              </a:lnSpc>
+              <a:buFontTx/>
+              <a:buNone/>
+            </a:pPr>
+            <a:r>
+              <a:rPr lang="en-US" sz="3700">
+                <a:latin typeface="Consolas" charset="0"/>
+                <a:ea typeface="ＭＳ Ｐゴシック" charset="0"/>
+                <a:cs typeface="Consolas" charset="0"/>
+              </a:rPr>
+              <a:t>        } </a:t>
+            </a:r>
+          </a:p>
+          <a:p>
+            <a:pPr>
+              <a:lnSpc>
+                <a:spcPct val="90000"/>
+              </a:lnSpc>
+              <a:buFontTx/>
+              <a:buNone/>
+            </a:pPr>
+            <a:r>
+              <a:rPr lang="en-US" sz="3700">
+                <a:latin typeface="Consolas" charset="0"/>
+                <a:ea typeface="ＭＳ Ｐゴシック" charset="0"/>
+                <a:cs typeface="Consolas" charset="0"/>
+              </a:rPr>
+              <a:t>    }</a:t>
+            </a:r>
+          </a:p>
+          <a:p>
+            <a:pPr>
+              <a:lnSpc>
+                <a:spcPct val="90000"/>
+              </a:lnSpc>
+              <a:buFontTx/>
+              <a:buNone/>
+            </a:pPr>
+            <a:r>
+              <a:rPr lang="en-US" sz="3700">
+                <a:latin typeface="Consolas" charset="0"/>
+                <a:ea typeface="ＭＳ Ｐゴシック" charset="0"/>
+                <a:cs typeface="Consolas" charset="0"/>
+              </a:rPr>
+              <a:t>}</a:t>
+            </a:r>
           </a:p>
         </p:txBody>
       </p:sp>
     </p:spTree>
     <p:extLst>
       <p:ext uri="{BB962C8B-B14F-4D97-AF65-F5344CB8AC3E}">
-        <p14:creationId xmlns:p14="http://schemas.microsoft.com/office/powerpoint/2010/main" val="2805855639"/>
+        <p14:creationId xmlns:p14="http://schemas.microsoft.com/office/powerpoint/2010/main" val="2192278482"/>
       </p:ext>
     </p:extLst>
   </p:cSld>
@@ -5718,58 +7732,299 @@
       </p:grpSpPr>
       <p:sp>
         <p:nvSpPr>
-          <p:cNvPr id="3" name="Title 2"/>
-          <p:cNvSpPr>
-            <a:spLocks noGrp="1"/>
+          <p:cNvPr id="77825" name="Rectangle 2"/>
+          <p:cNvSpPr>
+            <a:spLocks noGrp="1" noChangeArrowheads="1"/>
           </p:cNvSpPr>
           <p:nvPr>
             <p:ph type="title"/>
           </p:nvPr>
         </p:nvSpPr>
-        <p:spPr/>
+        <p:spPr>
+          <a:xfrm>
+            <a:off x="541338" y="300038"/>
+            <a:ext cx="14724062" cy="1449387"/>
+          </a:xfrm>
+        </p:spPr>
         <p:txBody>
           <a:bodyPr/>
           <a:lstStyle/>
           <a:p>
             <a:r>
-              <a:rPr lang="en-US" dirty="0" smtClean="0"/>
-              <a:t>Title</a:t>
-            </a:r>
-            <a:endParaRPr lang="en-US" dirty="0"/>
-          </a:p>
-        </p:txBody>
-      </p:sp>
-      <p:sp>
-        <p:nvSpPr>
-          <p:cNvPr id="4" name="Content Placeholder 3"/>
-          <p:cNvSpPr>
-            <a:spLocks noGrp="1"/>
+              <a:rPr lang="en-US">
+                <a:latin typeface="Arial" charset="0"/>
+                <a:ea typeface="ＭＳ Ｐゴシック" charset="0"/>
+              </a:rPr>
+              <a:t>JSON-RPC Response</a:t>
+            </a:r>
+          </a:p>
+        </p:txBody>
+      </p:sp>
+      <p:sp>
+        <p:nvSpPr>
+          <p:cNvPr id="77826" name="Rectangle 3"/>
+          <p:cNvSpPr>
+            <a:spLocks noGrp="1" noChangeArrowheads="1"/>
           </p:cNvSpPr>
           <p:nvPr>
             <p:ph idx="1"/>
           </p:nvPr>
         </p:nvSpPr>
-        <p:spPr/>
-        <p:txBody>
-          <a:bodyPr>
-            <a:normAutofit/>
-          </a:bodyPr>
+        <p:spPr>
+          <a:xfrm>
+            <a:off x="541338" y="1911350"/>
+            <a:ext cx="15878175" cy="6202363"/>
+          </a:xfrm>
+        </p:spPr>
+        <p:txBody>
+          <a:bodyPr/>
           <a:lstStyle/>
           <a:p>
-            <a:r>
-              <a:rPr lang="en-US" sz="3200" dirty="0" smtClean="0"/>
-              <a:t>Content</a:t>
-            </a:r>
-          </a:p>
-          <a:p>
-            <a:endParaRPr lang="en-US" sz="3200" dirty="0"/>
+            <a:pPr>
+              <a:lnSpc>
+                <a:spcPct val="80000"/>
+              </a:lnSpc>
+              <a:buFontTx/>
+              <a:buNone/>
+            </a:pPr>
+            <a:r>
+              <a:rPr lang="en-US" sz="3700">
+                <a:latin typeface="Consolas" charset="0"/>
+                <a:ea typeface="ＭＳ Ｐゴシック" charset="0"/>
+                <a:cs typeface="Consolas" charset="0"/>
+              </a:rPr>
+              <a:t>{</a:t>
+            </a:r>
+          </a:p>
+          <a:p>
+            <a:pPr>
+              <a:lnSpc>
+                <a:spcPct val="80000"/>
+              </a:lnSpc>
+              <a:buFontTx/>
+              <a:buNone/>
+            </a:pPr>
+            <a:r>
+              <a:rPr lang="en-US" sz="3700">
+                <a:latin typeface="Consolas" charset="0"/>
+                <a:ea typeface="ＭＳ Ｐゴシック" charset="0"/>
+                <a:cs typeface="Consolas" charset="0"/>
+              </a:rPr>
+              <a:t>    "result": {</a:t>
+            </a:r>
+          </a:p>
+          <a:p>
+            <a:pPr>
+              <a:lnSpc>
+                <a:spcPct val="80000"/>
+              </a:lnSpc>
+              <a:buFontTx/>
+              <a:buNone/>
+            </a:pPr>
+            <a:r>
+              <a:rPr lang="en-US" sz="3700">
+                <a:latin typeface="Consolas" charset="0"/>
+                <a:ea typeface="ＭＳ Ｐゴシック" charset="0"/>
+                <a:cs typeface="Consolas" charset="0"/>
+              </a:rPr>
+              <a:t>        "video" : {</a:t>
+            </a:r>
+          </a:p>
+          <a:p>
+            <a:pPr>
+              <a:lnSpc>
+                <a:spcPct val="80000"/>
+              </a:lnSpc>
+              <a:buFontTx/>
+              <a:buNone/>
+            </a:pPr>
+            <a:r>
+              <a:rPr lang="en-US" sz="3700">
+                <a:latin typeface="Consolas" charset="0"/>
+                <a:ea typeface="ＭＳ Ｐゴシック" charset="0"/>
+                <a:cs typeface="Consolas" charset="0"/>
+              </a:rPr>
+              <a:t>            "id": 1234,</a:t>
+            </a:r>
+          </a:p>
+          <a:p>
+            <a:pPr>
+              <a:lnSpc>
+                <a:spcPct val="80000"/>
+              </a:lnSpc>
+              <a:buFontTx/>
+              <a:buNone/>
+            </a:pPr>
+            <a:r>
+              <a:rPr lang="en-US" sz="3700">
+                <a:latin typeface="Consolas" charset="0"/>
+                <a:ea typeface="ＭＳ Ｐゴシック" charset="0"/>
+                <a:cs typeface="Consolas" charset="0"/>
+              </a:rPr>
+              <a:t>            "name" : "new name"</a:t>
+            </a:r>
+          </a:p>
+          <a:p>
+            <a:pPr>
+              <a:lnSpc>
+                <a:spcPct val="80000"/>
+              </a:lnSpc>
+              <a:buFontTx/>
+              <a:buNone/>
+            </a:pPr>
+            <a:r>
+              <a:rPr lang="en-US" sz="3700">
+                <a:latin typeface="Consolas" charset="0"/>
+                <a:ea typeface="ＭＳ Ｐゴシック" charset="0"/>
+                <a:cs typeface="Consolas" charset="0"/>
+              </a:rPr>
+              <a:t>        } </a:t>
+            </a:r>
+          </a:p>
+          <a:p>
+            <a:pPr>
+              <a:lnSpc>
+                <a:spcPct val="80000"/>
+              </a:lnSpc>
+              <a:buFontTx/>
+              <a:buNone/>
+            </a:pPr>
+            <a:r>
+              <a:rPr lang="en-US" sz="3700">
+                <a:latin typeface="Consolas" charset="0"/>
+                <a:ea typeface="ＭＳ Ｐゴシック" charset="0"/>
+                <a:cs typeface="Consolas" charset="0"/>
+              </a:rPr>
+              <a:t>    },</a:t>
+            </a:r>
+          </a:p>
+          <a:p>
+            <a:pPr>
+              <a:lnSpc>
+                <a:spcPct val="80000"/>
+              </a:lnSpc>
+              <a:buFontTx/>
+              <a:buNone/>
+            </a:pPr>
+            <a:r>
+              <a:rPr lang="en-US" sz="3700">
+                <a:latin typeface="Consolas" charset="0"/>
+                <a:ea typeface="ＭＳ Ｐゴシック" charset="0"/>
+                <a:cs typeface="Consolas" charset="0"/>
+              </a:rPr>
+              <a:t>    "error": null</a:t>
+            </a:r>
+          </a:p>
+          <a:p>
+            <a:pPr>
+              <a:lnSpc>
+                <a:spcPct val="80000"/>
+              </a:lnSpc>
+              <a:buFontTx/>
+              <a:buNone/>
+            </a:pPr>
+            <a:r>
+              <a:rPr lang="en-US" sz="3700">
+                <a:latin typeface="Consolas" charset="0"/>
+                <a:ea typeface="ＭＳ Ｐゴシック" charset="0"/>
+                <a:cs typeface="Consolas" charset="0"/>
+              </a:rPr>
+              <a:t>}</a:t>
+            </a:r>
+          </a:p>
+          <a:p>
+            <a:pPr>
+              <a:lnSpc>
+                <a:spcPct val="80000"/>
+              </a:lnSpc>
+              <a:buFontTx/>
+              <a:buNone/>
+            </a:pPr>
+            <a:endParaRPr lang="en-US" sz="3700">
+              <a:latin typeface="Arial" charset="0"/>
+              <a:ea typeface="ＭＳ Ｐゴシック" charset="0"/>
+            </a:endParaRPr>
+          </a:p>
+          <a:p>
+            <a:pPr>
+              <a:lnSpc>
+                <a:spcPct val="80000"/>
+              </a:lnSpc>
+            </a:pPr>
+            <a:r>
+              <a:rPr lang="en-US" sz="3700">
+                <a:latin typeface="Arial" charset="0"/>
+                <a:ea typeface="ＭＳ Ｐゴシック" charset="0"/>
+              </a:rPr>
+              <a:t>either </a:t>
+            </a:r>
+            <a:r>
+              <a:rPr lang="ja-JP" altLang="en-US" sz="3700">
+                <a:latin typeface="Arial" charset="0"/>
+                <a:ea typeface="ＭＳ Ｐゴシック" charset="0"/>
+              </a:rPr>
+              <a:t>“</a:t>
+            </a:r>
+            <a:r>
+              <a:rPr lang="en-US" altLang="ja-JP" sz="3700">
+                <a:latin typeface="Arial" charset="0"/>
+                <a:ea typeface="ＭＳ Ｐゴシック" charset="0"/>
+              </a:rPr>
+              <a:t>result</a:t>
+            </a:r>
+            <a:r>
+              <a:rPr lang="ja-JP" altLang="en-US" sz="3700">
+                <a:latin typeface="Arial" charset="0"/>
+                <a:ea typeface="ＭＳ Ｐゴシック" charset="0"/>
+              </a:rPr>
+              <a:t>”</a:t>
+            </a:r>
+            <a:r>
+              <a:rPr lang="en-US" altLang="ja-JP" sz="3700">
+                <a:latin typeface="Arial" charset="0"/>
+                <a:ea typeface="ＭＳ Ｐゴシック" charset="0"/>
+              </a:rPr>
+              <a:t> or </a:t>
+            </a:r>
+            <a:r>
+              <a:rPr lang="ja-JP" altLang="en-US" sz="3700">
+                <a:latin typeface="Arial" charset="0"/>
+                <a:ea typeface="ＭＳ Ｐゴシック" charset="0"/>
+              </a:rPr>
+              <a:t>“</a:t>
+            </a:r>
+            <a:r>
+              <a:rPr lang="en-US" altLang="ja-JP" sz="3700">
+                <a:latin typeface="Arial" charset="0"/>
+                <a:ea typeface="ＭＳ Ｐゴシック" charset="0"/>
+              </a:rPr>
+              <a:t>error</a:t>
+            </a:r>
+            <a:r>
+              <a:rPr lang="ja-JP" altLang="en-US" sz="3700">
+                <a:latin typeface="Arial" charset="0"/>
+                <a:ea typeface="ＭＳ Ｐゴシック" charset="0"/>
+              </a:rPr>
+              <a:t>”</a:t>
+            </a:r>
+            <a:r>
+              <a:rPr lang="en-US" altLang="ja-JP" sz="3700">
+                <a:latin typeface="Arial" charset="0"/>
+                <a:ea typeface="ＭＳ Ｐゴシック" charset="0"/>
+              </a:rPr>
+              <a:t> will be null</a:t>
+            </a:r>
+            <a:endParaRPr lang="en-US" sz="3700">
+              <a:latin typeface="Arial" charset="0"/>
+              <a:ea typeface="ＭＳ Ｐゴシック" charset="0"/>
+            </a:endParaRPr>
           </a:p>
         </p:txBody>
       </p:sp>
     </p:spTree>
     <p:extLst>
       <p:ext uri="{BB962C8B-B14F-4D97-AF65-F5344CB8AC3E}">
-        <p14:creationId xmlns:p14="http://schemas.microsoft.com/office/powerpoint/2010/main" val="2514608167"/>
+        <p14:creationId xmlns:p14="http://schemas.microsoft.com/office/powerpoint/2010/main" val="4161345460"/>
       </p:ext>
     </p:extLst>
   </p:cSld>
@@ -5805,98 +8060,275 @@
       </p:grpSpPr>
       <p:sp>
         <p:nvSpPr>
-          <p:cNvPr id="303106" name="Slide Number Placeholder 3"/>
-          <p:cNvSpPr txBox="1">
-            <a:spLocks noGrp="1"/>
-          </p:cNvSpPr>
-          <p:nvPr/>
-        </p:nvSpPr>
-        <p:spPr bwMode="auto">
+          <p:cNvPr id="79873" name="Rectangle 2"/>
+          <p:cNvSpPr>
+            <a:spLocks noGrp="1" noChangeArrowheads="1"/>
+          </p:cNvSpPr>
+          <p:nvPr>
+            <p:ph type="title"/>
+          </p:nvPr>
+        </p:nvSpPr>
+        <p:spPr>
           <a:xfrm>
-            <a:off x="315868" y="9189943"/>
-            <a:ext cx="866378" cy="541514"/>
+            <a:off x="541338" y="300038"/>
+            <a:ext cx="14724062" cy="1449387"/>
           </a:xfrm>
-          <a:prstGeom prst="rect">
-            <a:avLst/>
-          </a:prstGeom>
-          <a:noFill/>
-          <a:ln>
-            <a:miter lim="800000"/>
-            <a:headEnd/>
-            <a:tailEnd/>
-          </a:ln>
         </p:spPr>
-        <p:txBody>
-          <a:bodyPr lIns="154707" tIns="77354" rIns="154707" bIns="77354"/>
-          <a:lstStyle/>
-          <a:p>
-            <a:pPr eaLnBrk="0" hangingPunct="0">
-              <a:defRPr/>
-            </a:pPr>
-            <a:fld id="{1BD3BB7B-F997-4B7C-BCBE-A063D59C732E}" type="slidenum">
-              <a:rPr lang="en-US" sz="1500" b="1">
-                <a:solidFill>
-                  <a:srgbClr val="7B7B7B"/>
-                </a:solidFill>
-                <a:ea typeface="ＭＳ Ｐゴシック" pitchFamily="34" charset="-128"/>
-                <a:cs typeface="+mn-cs"/>
-              </a:rPr>
-              <a:pPr eaLnBrk="0" hangingPunct="0">
-                <a:defRPr/>
-              </a:pPr>
-              <a:t>6</a:t>
-            </a:fld>
-            <a:endParaRPr lang="en-US" sz="1500" b="1" dirty="0">
-              <a:solidFill>
-                <a:srgbClr val="7B7B7B"/>
-              </a:solidFill>
-              <a:ea typeface="ＭＳ Ｐゴシック" pitchFamily="34" charset="-128"/>
-              <a:cs typeface="+mn-cs"/>
-            </a:endParaRPr>
-          </a:p>
-        </p:txBody>
-      </p:sp>
-      <p:sp>
-        <p:nvSpPr>
-          <p:cNvPr id="5" name="Text Placeholder 4"/>
-          <p:cNvSpPr>
-            <a:spLocks noGrp="1"/>
-          </p:cNvSpPr>
-          <p:nvPr>
-            <p:ph type="body" sz="quarter" idx="10"/>
-          </p:nvPr>
-        </p:nvSpPr>
-        <p:spPr/>
         <p:txBody>
           <a:bodyPr/>
           <a:lstStyle/>
           <a:p>
             <a:r>
-              <a:rPr lang="en-US" dirty="0" smtClean="0"/>
-              <a:t>Demo 9: Constructing </a:t>
-            </a:r>
-            <a:r>
-              <a:rPr lang="en-US" dirty="0" smtClean="0"/>
-              <a:t>an API </a:t>
-            </a:r>
-            <a:r>
-              <a:rPr lang="en-US" dirty="0" smtClean="0"/>
-              <a:t>Write Request</a:t>
-            </a:r>
+              <a:rPr lang="en-US">
+                <a:latin typeface="Arial" charset="0"/>
+                <a:ea typeface="ＭＳ Ｐゴシック" charset="0"/>
+              </a:rPr>
+              <a:t>Constructing a Write API Request</a:t>
+            </a:r>
+          </a:p>
+        </p:txBody>
+      </p:sp>
+      <p:sp>
+        <p:nvSpPr>
+          <p:cNvPr id="79874" name="Rectangle 3"/>
+          <p:cNvSpPr>
+            <a:spLocks noGrp="1" noChangeArrowheads="1"/>
+          </p:cNvSpPr>
+          <p:nvPr>
+            <p:ph idx="1"/>
+          </p:nvPr>
+        </p:nvSpPr>
+        <p:spPr>
+          <a:xfrm>
+            <a:off x="541338" y="1911350"/>
+            <a:ext cx="15878175" cy="6202363"/>
+          </a:xfrm>
+        </p:spPr>
+        <p:txBody>
+          <a:bodyPr/>
+          <a:lstStyle/>
+          <a:p>
+            <a:r>
+              <a:rPr lang="en-US" sz="3000">
+                <a:latin typeface="Arial" charset="0"/>
+                <a:ea typeface="ＭＳ Ｐゴシック" charset="0"/>
+              </a:rPr>
+              <a:t>http://api.brightcove.com/services/post</a:t>
+            </a:r>
+          </a:p>
+          <a:p>
+            <a:r>
+              <a:rPr lang="en-US" sz="3000">
+                <a:latin typeface="Arial" charset="0"/>
+                <a:ea typeface="ＭＳ Ｐゴシック" charset="0"/>
+              </a:rPr>
+              <a:t>{</a:t>
+            </a:r>
+            <a:r>
+              <a:rPr lang="ja-JP" altLang="en-US" sz="3000">
+                <a:latin typeface="Arial" charset="0"/>
+                <a:ea typeface="ＭＳ Ｐゴシック" charset="0"/>
+              </a:rPr>
+              <a:t>“</a:t>
+            </a:r>
+            <a:r>
+              <a:rPr lang="en-US" altLang="ja-JP" sz="3000">
+                <a:latin typeface="Arial" charset="0"/>
+                <a:ea typeface="ＭＳ Ｐゴシック" charset="0"/>
+              </a:rPr>
+              <a:t>method</a:t>
+            </a:r>
+            <a:r>
+              <a:rPr lang="ja-JP" altLang="en-US" sz="3000">
+                <a:latin typeface="Arial" charset="0"/>
+                <a:ea typeface="ＭＳ Ｐゴシック" charset="0"/>
+              </a:rPr>
+              <a:t>”</a:t>
+            </a:r>
+            <a:r>
+              <a:rPr lang="en-US" altLang="ja-JP" sz="3000">
+                <a:latin typeface="Arial" charset="0"/>
+                <a:ea typeface="ＭＳ Ｐゴシック" charset="0"/>
+              </a:rPr>
+              <a:t> : </a:t>
+            </a:r>
+            <a:r>
+              <a:rPr lang="ja-JP" altLang="en-US" sz="3000">
+                <a:latin typeface="Arial" charset="0"/>
+                <a:ea typeface="ＭＳ Ｐゴシック" charset="0"/>
+              </a:rPr>
+              <a:t>“</a:t>
+            </a:r>
+            <a:r>
+              <a:rPr lang="en-US" altLang="ja-JP" sz="3000">
+                <a:latin typeface="Arial" charset="0"/>
+                <a:ea typeface="ＭＳ Ｐゴシック" charset="0"/>
+              </a:rPr>
+              <a:t>update_video</a:t>
+            </a:r>
+            <a:r>
+              <a:rPr lang="ja-JP" altLang="en-US" sz="3000">
+                <a:latin typeface="Arial" charset="0"/>
+                <a:ea typeface="ＭＳ Ｐゴシック" charset="0"/>
+              </a:rPr>
+              <a:t>”</a:t>
+            </a:r>
+            <a:r>
+              <a:rPr lang="en-US" altLang="ja-JP" sz="3000">
+                <a:latin typeface="Arial" charset="0"/>
+                <a:ea typeface="ＭＳ Ｐゴシック" charset="0"/>
+              </a:rPr>
+              <a:t>,</a:t>
+            </a:r>
+          </a:p>
+          <a:p>
+            <a:r>
+              <a:rPr lang="ja-JP" altLang="en-US" sz="3000">
+                <a:latin typeface="Arial" charset="0"/>
+                <a:ea typeface="ＭＳ Ｐゴシック" charset="0"/>
+              </a:rPr>
+              <a:t>“</a:t>
+            </a:r>
+            <a:r>
+              <a:rPr lang="en-US" altLang="ja-JP" sz="3000">
+                <a:latin typeface="Arial" charset="0"/>
+                <a:ea typeface="ＭＳ Ｐゴシック" charset="0"/>
+              </a:rPr>
+              <a:t>params</a:t>
+            </a:r>
+            <a:r>
+              <a:rPr lang="ja-JP" altLang="en-US" sz="3000">
+                <a:latin typeface="Arial" charset="0"/>
+                <a:ea typeface="ＭＳ Ｐゴシック" charset="0"/>
+              </a:rPr>
+              <a:t>”</a:t>
+            </a:r>
+            <a:r>
+              <a:rPr lang="en-US" altLang="ja-JP" sz="3000">
+                <a:latin typeface="Arial" charset="0"/>
+                <a:ea typeface="ＭＳ Ｐゴシック" charset="0"/>
+              </a:rPr>
+              <a:t> : {</a:t>
+            </a:r>
+            <a:r>
+              <a:rPr lang="ja-JP" altLang="en-US" sz="3000">
+                <a:latin typeface="Arial" charset="0"/>
+                <a:ea typeface="ＭＳ Ｐゴシック" charset="0"/>
+              </a:rPr>
+              <a:t>“</a:t>
+            </a:r>
+            <a:r>
+              <a:rPr lang="en-US" altLang="ja-JP" sz="3000">
+                <a:latin typeface="Arial" charset="0"/>
+                <a:ea typeface="ＭＳ Ｐゴシック" charset="0"/>
+              </a:rPr>
+              <a:t>token</a:t>
+            </a:r>
+            <a:r>
+              <a:rPr lang="ja-JP" altLang="en-US" sz="3000">
+                <a:latin typeface="Arial" charset="0"/>
+                <a:ea typeface="ＭＳ Ｐゴシック" charset="0"/>
+              </a:rPr>
+              <a:t>”</a:t>
+            </a:r>
+            <a:r>
+              <a:rPr lang="en-US" altLang="ja-JP" sz="3000">
+                <a:latin typeface="Arial" charset="0"/>
+                <a:ea typeface="ＭＳ Ｐゴシック" charset="0"/>
+              </a:rPr>
+              <a:t> : </a:t>
+            </a:r>
+            <a:r>
+              <a:rPr lang="ja-JP" altLang="en-US" sz="3000">
+                <a:latin typeface="Arial" charset="0"/>
+                <a:ea typeface="ＭＳ Ｐゴシック" charset="0"/>
+              </a:rPr>
+              <a:t>“</a:t>
+            </a:r>
+            <a:r>
+              <a:rPr lang="en-US" altLang="ja-JP" sz="3000">
+                <a:latin typeface="Arial" charset="0"/>
+                <a:ea typeface="ＭＳ Ｐゴシック" charset="0"/>
+              </a:rPr>
+              <a:t>…</a:t>
+            </a:r>
+            <a:r>
+              <a:rPr lang="ja-JP" altLang="en-US" sz="3000">
+                <a:latin typeface="Arial" charset="0"/>
+                <a:ea typeface="ＭＳ Ｐゴシック" charset="0"/>
+              </a:rPr>
+              <a:t>”</a:t>
+            </a:r>
+            <a:r>
+              <a:rPr lang="en-US" altLang="ja-JP" sz="3000">
+                <a:latin typeface="Arial" charset="0"/>
+                <a:ea typeface="ＭＳ Ｐゴシック" charset="0"/>
+              </a:rPr>
+              <a:t>, …}}</a:t>
+            </a:r>
+          </a:p>
+          <a:p>
+            <a:r>
+              <a:rPr lang="en-US" sz="3000">
+                <a:latin typeface="Arial" charset="0"/>
+                <a:ea typeface="ＭＳ Ｐゴシック" charset="0"/>
+              </a:rPr>
+              <a:t>parameter order does not matter</a:t>
+            </a:r>
+          </a:p>
+          <a:p>
+            <a:r>
+              <a:rPr lang="en-US" sz="3000">
+                <a:latin typeface="Arial" charset="0"/>
+                <a:ea typeface="ＭＳ Ｐゴシック" charset="0"/>
+              </a:rPr>
+              <a:t>most methods use application/x-www-form-urlencoded, with </a:t>
+            </a:r>
+            <a:r>
+              <a:rPr lang="ja-JP" altLang="en-US" sz="3000">
+                <a:latin typeface="Arial" charset="0"/>
+                <a:ea typeface="ＭＳ Ｐゴシック" charset="0"/>
+              </a:rPr>
+              <a:t>“</a:t>
+            </a:r>
+            <a:r>
+              <a:rPr lang="en-US" altLang="ja-JP" sz="3000">
+                <a:latin typeface="Arial" charset="0"/>
+                <a:ea typeface="ＭＳ Ｐゴシック" charset="0"/>
+              </a:rPr>
+              <a:t>json</a:t>
+            </a:r>
+            <a:r>
+              <a:rPr lang="ja-JP" altLang="en-US" sz="3000">
+                <a:latin typeface="Arial" charset="0"/>
+                <a:ea typeface="ＭＳ Ｐゴシック" charset="0"/>
+              </a:rPr>
+              <a:t>”</a:t>
+            </a:r>
+            <a:r>
+              <a:rPr lang="en-US" altLang="ja-JP" sz="3000">
+                <a:latin typeface="Arial" charset="0"/>
+                <a:ea typeface="ＭＳ Ｐゴシック" charset="0"/>
+              </a:rPr>
+              <a:t> as the name of the JSON-RPC data</a:t>
+            </a:r>
+            <a:endParaRPr lang="en-US" sz="3000">
+              <a:latin typeface="Arial" charset="0"/>
+              <a:ea typeface="ＭＳ Ｐゴシック" charset="0"/>
+            </a:endParaRPr>
           </a:p>
         </p:txBody>
       </p:sp>
     </p:spTree>
     <p:extLst>
       <p:ext uri="{BB962C8B-B14F-4D97-AF65-F5344CB8AC3E}">
-        <p14:creationId xmlns:p14="http://schemas.microsoft.com/office/powerpoint/2010/main" val="3539376714"/>
+        <p14:creationId xmlns:p14="http://schemas.microsoft.com/office/powerpoint/2010/main" val="1132370560"/>
       </p:ext>
     </p:extLst>
   </p:cSld>
   <p:clrMapOvr>
     <a:masterClrMapping/>
   </p:clrMapOvr>
-  <p:transition xmlns:p14="http://schemas.microsoft.com/office/powerpoint/2010/main"/>
   <p:timing>
     <p:tnLst>
       <p:par>
@@ -5926,99 +8358,340 @@
       </p:grpSpPr>
       <p:sp>
         <p:nvSpPr>
-          <p:cNvPr id="3" name="Text Placeholder 2"/>
-          <p:cNvSpPr>
-            <a:spLocks noGrp="1"/>
-          </p:cNvSpPr>
-          <p:nvPr>
-            <p:ph type="body" sz="quarter" idx="11"/>
-          </p:nvPr>
-        </p:nvSpPr>
-        <p:spPr/>
+          <p:cNvPr id="81921" name="Rectangle 2"/>
+          <p:cNvSpPr>
+            <a:spLocks noGrp="1" noChangeArrowheads="1"/>
+          </p:cNvSpPr>
+          <p:nvPr>
+            <p:ph type="title"/>
+          </p:nvPr>
+        </p:nvSpPr>
+        <p:spPr>
+          <a:xfrm>
+            <a:off x="541338" y="300038"/>
+            <a:ext cx="14724062" cy="1449387"/>
+          </a:xfrm>
+        </p:spPr>
         <p:txBody>
           <a:bodyPr/>
           <a:lstStyle/>
           <a:p>
             <a:r>
-              <a:rPr lang="en-US" sz="4700" dirty="0"/>
-              <a:t>Thank you</a:t>
-            </a:r>
-          </a:p>
-        </p:txBody>
-      </p:sp>
-      <p:sp>
-        <p:nvSpPr>
-          <p:cNvPr id="5" name="Text Placeholder 4"/>
-          <p:cNvSpPr>
-            <a:spLocks noGrp="1"/>
-          </p:cNvSpPr>
-          <p:nvPr>
-            <p:ph type="body" sz="quarter" idx="12"/>
-          </p:nvPr>
-        </p:nvSpPr>
-        <p:spPr/>
+              <a:rPr lang="en-US" sz="3400">
+                <a:latin typeface="Arial" charset="0"/>
+                <a:ea typeface="ＭＳ Ｐゴシック" charset="0"/>
+              </a:rPr>
+              <a:t>Constructing a Write API Request with Upload</a:t>
+            </a:r>
+          </a:p>
+        </p:txBody>
+      </p:sp>
+      <p:sp>
+        <p:nvSpPr>
+          <p:cNvPr id="81922" name="Rectangle 3"/>
+          <p:cNvSpPr>
+            <a:spLocks noGrp="1" noChangeArrowheads="1"/>
+          </p:cNvSpPr>
+          <p:nvPr>
+            <p:ph idx="1"/>
+          </p:nvPr>
+        </p:nvSpPr>
+        <p:spPr>
+          <a:xfrm>
+            <a:off x="541338" y="1911350"/>
+            <a:ext cx="15878175" cy="6202363"/>
+          </a:xfrm>
+        </p:spPr>
         <p:txBody>
           <a:bodyPr/>
           <a:lstStyle/>
           <a:p>
             <a:r>
-              <a:rPr lang="en-US" dirty="0" smtClean="0"/>
-              <a:t>Brightcove Learning</a:t>
-            </a:r>
-            <a:endParaRPr lang="en-US" dirty="0"/>
-          </a:p>
-        </p:txBody>
-      </p:sp>
-      <p:sp>
-        <p:nvSpPr>
-          <p:cNvPr id="4" name="Slide Number Placeholder 3"/>
-          <p:cNvSpPr>
-            <a:spLocks noGrp="1"/>
-          </p:cNvSpPr>
-          <p:nvPr>
-            <p:ph type="sldNum" sz="quarter" idx="4294967295"/>
-          </p:nvPr>
-        </p:nvSpPr>
-        <p:spPr>
-          <a:xfrm>
-            <a:off x="1" y="9253119"/>
-            <a:ext cx="812230" cy="403878"/>
-          </a:xfrm>
-          <a:prstGeom prst="rect">
-            <a:avLst/>
-          </a:prstGeom>
-        </p:spPr>
-        <p:txBody>
-          <a:bodyPr/>
-          <a:lstStyle/>
-          <a:p>
-            <a:pPr>
-              <a:defRPr/>
-            </a:pPr>
-            <a:fld id="{E089BD15-BC77-46D6-86B9-64976AF1A8F1}" type="slidenum">
-              <a:rPr lang="en-US" smtClean="0"/>
-              <a:pPr>
-                <a:defRPr/>
-              </a:pPr>
-              <a:t>7</a:t>
-            </a:fld>
-            <a:endParaRPr lang="en-US" dirty="0"/>
+              <a:rPr lang="en-US" sz="3000">
+                <a:latin typeface="Arial" charset="0"/>
+                <a:ea typeface="ＭＳ Ｐゴシック" charset="0"/>
+              </a:rPr>
+              <a:t>upload methods (create_video, add_image) use multipart/form-data POST</a:t>
+            </a:r>
+          </a:p>
+          <a:p>
+            <a:r>
+              <a:rPr lang="en-US" sz="3000">
+                <a:latin typeface="Arial" charset="0"/>
+                <a:ea typeface="ＭＳ Ｐゴシック" charset="0"/>
+              </a:rPr>
+              <a:t>JSON-RPC must come first</a:t>
+            </a:r>
+          </a:p>
+          <a:p>
+            <a:r>
+              <a:rPr lang="en-US" sz="3000">
+                <a:latin typeface="Arial" charset="0"/>
+                <a:ea typeface="ＭＳ Ｐゴシック" charset="0"/>
+              </a:rPr>
+              <a:t>followed by a File part</a:t>
+            </a:r>
           </a:p>
         </p:txBody>
       </p:sp>
     </p:spTree>
     <p:extLst>
       <p:ext uri="{BB962C8B-B14F-4D97-AF65-F5344CB8AC3E}">
-        <p14:creationId xmlns:p14="http://schemas.microsoft.com/office/powerpoint/2010/main" val="3700295984"/>
+        <p14:creationId xmlns:p14="http://schemas.microsoft.com/office/powerpoint/2010/main" val="1717267429"/>
       </p:ext>
     </p:extLst>
   </p:cSld>
   <p:clrMapOvr>
     <a:masterClrMapping/>
   </p:clrMapOvr>
-  <p:transition xmlns:p14="http://schemas.microsoft.com/office/powerpoint/2010/main" spd="med">
-    <p:fade/>
-  </p:transition>
+  <p:timing>
+    <p:tnLst>
+      <p:par>
+        <p:cTn xmlns:p14="http://schemas.microsoft.com/office/powerpoint/2010/main" id="1" dur="indefinite" restart="never" nodeType="tmRoot"/>
+      </p:par>
+    </p:tnLst>
+  </p:timing>
+</p:sld>
+</file>
+
+<file path=ppt/slides/slide8.xml><?xml version="1.0" encoding="utf-8"?>
+<p:sld xmlns:a="http://schemas.openxmlformats.org/drawingml/2006/main" xmlns:r="http://schemas.openxmlformats.org/officeDocument/2006/relationships" xmlns:p="http://schemas.openxmlformats.org/presentationml/2006/main">
+  <p:cSld>
+    <p:spTree>
+      <p:nvGrpSpPr>
+        <p:cNvPr id="1" name=""/>
+        <p:cNvGrpSpPr/>
+        <p:nvPr/>
+      </p:nvGrpSpPr>
+      <p:grpSpPr>
+        <a:xfrm>
+          <a:off x="0" y="0"/>
+          <a:ext cx="0" cy="0"/>
+          <a:chOff x="0" y="0"/>
+          <a:chExt cx="0" cy="0"/>
+        </a:xfrm>
+      </p:grpSpPr>
+      <p:sp>
+        <p:nvSpPr>
+          <p:cNvPr id="83969" name="Rectangle 2"/>
+          <p:cNvSpPr>
+            <a:spLocks noGrp="1" noChangeArrowheads="1"/>
+          </p:cNvSpPr>
+          <p:nvPr>
+            <p:ph type="title"/>
+          </p:nvPr>
+        </p:nvSpPr>
+        <p:spPr>
+          <a:xfrm>
+            <a:off x="541338" y="300038"/>
+            <a:ext cx="14724062" cy="1449387"/>
+          </a:xfrm>
+        </p:spPr>
+        <p:txBody>
+          <a:bodyPr/>
+          <a:lstStyle/>
+          <a:p>
+            <a:r>
+              <a:rPr lang="en-US">
+                <a:latin typeface="Arial" charset="0"/>
+                <a:ea typeface="ＭＳ Ｐゴシック" charset="0"/>
+              </a:rPr>
+              <a:t>Write API Debugging Tools</a:t>
+            </a:r>
+          </a:p>
+        </p:txBody>
+      </p:sp>
+      <p:sp>
+        <p:nvSpPr>
+          <p:cNvPr id="83970" name="Rectangle 3"/>
+          <p:cNvSpPr>
+            <a:spLocks noGrp="1" noChangeArrowheads="1"/>
+          </p:cNvSpPr>
+          <p:nvPr>
+            <p:ph idx="1"/>
+          </p:nvPr>
+        </p:nvSpPr>
+        <p:spPr>
+          <a:xfrm>
+            <a:off x="541338" y="1911350"/>
+            <a:ext cx="15878175" cy="6202363"/>
+          </a:xfrm>
+        </p:spPr>
+        <p:txBody>
+          <a:bodyPr/>
+          <a:lstStyle/>
+          <a:p>
+            <a:r>
+              <a:rPr lang="en-US" sz="3000">
+                <a:latin typeface="Arial" charset="0"/>
+                <a:ea typeface="ＭＳ Ｐゴシック" charset="0"/>
+                <a:hlinkClick r:id="rId3"/>
+              </a:rPr>
+              <a:t>http://jsonlint.com</a:t>
+            </a:r>
+            <a:endParaRPr lang="en-US" sz="3000">
+              <a:latin typeface="Arial" charset="0"/>
+              <a:ea typeface="ＭＳ Ｐゴシック" charset="0"/>
+            </a:endParaRPr>
+          </a:p>
+          <a:p>
+            <a:pPr lvl="1"/>
+            <a:r>
+              <a:rPr lang="en-US" sz="3000">
+                <a:latin typeface="Arial" charset="0"/>
+                <a:ea typeface="ＭＳ Ｐゴシック" charset="0"/>
+              </a:rPr>
+              <a:t>ensure your JSON post is valid</a:t>
+            </a:r>
+          </a:p>
+          <a:p>
+            <a:r>
+              <a:rPr lang="en-US" sz="3000">
+                <a:latin typeface="Arial" charset="0"/>
+                <a:ea typeface="ＭＳ Ｐゴシック" charset="0"/>
+              </a:rPr>
+              <a:t>HTTP proxy</a:t>
+            </a:r>
+          </a:p>
+          <a:p>
+            <a:pPr lvl="1"/>
+            <a:r>
+              <a:rPr lang="en-US" sz="3000">
+                <a:latin typeface="Arial" charset="0"/>
+                <a:ea typeface="ＭＳ Ｐゴシック" charset="0"/>
+                <a:hlinkClick r:id="rId4"/>
+              </a:rPr>
+              <a:t>http://www.charlesproxy.com/</a:t>
+            </a:r>
+            <a:endParaRPr lang="en-US" sz="3000">
+              <a:latin typeface="Arial" charset="0"/>
+              <a:ea typeface="ＭＳ Ｐゴシック" charset="0"/>
+            </a:endParaRPr>
+          </a:p>
+          <a:p>
+            <a:pPr lvl="1"/>
+            <a:r>
+              <a:rPr lang="en-US" sz="3000">
+                <a:latin typeface="Arial" charset="0"/>
+                <a:ea typeface="ＭＳ Ｐゴシック" charset="0"/>
+                <a:hlinkClick r:id="rId5"/>
+              </a:rPr>
+              <a:t>http://www.kevinlangdon.com/serviceCapture/</a:t>
+            </a:r>
+            <a:endParaRPr lang="en-US" sz="3000">
+              <a:latin typeface="Arial" charset="0"/>
+              <a:ea typeface="ＭＳ Ｐゴシック" charset="0"/>
+            </a:endParaRPr>
+          </a:p>
+          <a:p>
+            <a:pPr lvl="1"/>
+            <a:r>
+              <a:rPr lang="en-US" sz="3000">
+                <a:latin typeface="Arial" charset="0"/>
+                <a:ea typeface="ＭＳ Ｐゴシック" charset="0"/>
+              </a:rPr>
+              <a:t>verify that your POST is formed correctly</a:t>
+            </a:r>
+          </a:p>
+        </p:txBody>
+      </p:sp>
+    </p:spTree>
+    <p:extLst>
+      <p:ext uri="{BB962C8B-B14F-4D97-AF65-F5344CB8AC3E}">
+        <p14:creationId xmlns:p14="http://schemas.microsoft.com/office/powerpoint/2010/main" val="3462573243"/>
+      </p:ext>
+    </p:extLst>
+  </p:cSld>
+  <p:clrMapOvr>
+    <a:masterClrMapping/>
+  </p:clrMapOvr>
+  <p:timing>
+    <p:tnLst>
+      <p:par>
+        <p:cTn xmlns:p14="http://schemas.microsoft.com/office/powerpoint/2010/main" id="1" dur="indefinite" restart="never" nodeType="tmRoot"/>
+      </p:par>
+    </p:tnLst>
+  </p:timing>
+</p:sld>
+</file>
+
+<file path=ppt/slides/slide9.xml><?xml version="1.0" encoding="utf-8"?>
+<p:sld xmlns:a="http://schemas.openxmlformats.org/drawingml/2006/main" xmlns:r="http://schemas.openxmlformats.org/officeDocument/2006/relationships" xmlns:p="http://schemas.openxmlformats.org/presentationml/2006/main">
+  <p:cSld>
+    <p:spTree>
+      <p:nvGrpSpPr>
+        <p:cNvPr id="1" name=""/>
+        <p:cNvGrpSpPr/>
+        <p:nvPr/>
+      </p:nvGrpSpPr>
+      <p:grpSpPr>
+        <a:xfrm>
+          <a:off x="0" y="0"/>
+          <a:ext cx="0" cy="0"/>
+          <a:chOff x="0" y="0"/>
+          <a:chExt cx="0" cy="0"/>
+        </a:xfrm>
+      </p:grpSpPr>
+      <p:sp>
+        <p:nvSpPr>
+          <p:cNvPr id="3" name="Title 2"/>
+          <p:cNvSpPr>
+            <a:spLocks noGrp="1"/>
+          </p:cNvSpPr>
+          <p:nvPr>
+            <p:ph type="title"/>
+          </p:nvPr>
+        </p:nvSpPr>
+        <p:spPr/>
+        <p:txBody>
+          <a:bodyPr/>
+          <a:lstStyle/>
+          <a:p>
+            <a:r>
+              <a:rPr lang="en-US" dirty="0" smtClean="0"/>
+              <a:t>Title</a:t>
+            </a:r>
+            <a:endParaRPr lang="en-US" dirty="0"/>
+          </a:p>
+        </p:txBody>
+      </p:sp>
+      <p:sp>
+        <p:nvSpPr>
+          <p:cNvPr id="4" name="Content Placeholder 3"/>
+          <p:cNvSpPr>
+            <a:spLocks noGrp="1"/>
+          </p:cNvSpPr>
+          <p:nvPr>
+            <p:ph idx="1"/>
+          </p:nvPr>
+        </p:nvSpPr>
+        <p:spPr/>
+        <p:txBody>
+          <a:bodyPr>
+            <a:normAutofit/>
+          </a:bodyPr>
+          <a:lstStyle/>
+          <a:p>
+            <a:r>
+              <a:rPr lang="en-US" sz="3200" dirty="0" smtClean="0"/>
+              <a:t>Content</a:t>
+            </a:r>
+          </a:p>
+          <a:p>
+            <a:endParaRPr lang="en-US" sz="3200" dirty="0"/>
+          </a:p>
+        </p:txBody>
+      </p:sp>
+    </p:spTree>
+    <p:extLst>
+      <p:ext uri="{BB962C8B-B14F-4D97-AF65-F5344CB8AC3E}">
+        <p14:creationId xmlns:p14="http://schemas.microsoft.com/office/powerpoint/2010/main" val="1723545958"/>
+      </p:ext>
+    </p:extLst>
+  </p:cSld>
+  <p:clrMapOvr>
+    <a:masterClrMapping/>
+  </p:clrMapOvr>
   <p:timing>
     <p:tnLst>
       <p:par>

--- a/VideoSessionsMaterials/creating-write-requests.pptx
+++ b/VideoSessionsMaterials/creating-write-requests.pptx
@@ -1,27 +1,21 @@
 
 <file path=ppt/presentation.xml><?xml version="1.0" encoding="utf-8"?>
-<p:presentation xmlns:a="http://schemas.openxmlformats.org/drawingml/2006/main" xmlns:r="http://schemas.openxmlformats.org/officeDocument/2006/relationships" xmlns:p="http://schemas.openxmlformats.org/presentationml/2006/main" showSpecialPlsOnTitleSld="0" saveSubsetFonts="1" autoCompressPictures="0">
+<p:presentation xmlns:a="http://schemas.openxmlformats.org/drawingml/2006/main" xmlns:r="http://schemas.openxmlformats.org/officeDocument/2006/relationships" xmlns:mc="http://schemas.openxmlformats.org/markup-compatibility/2006" xmlns:mv="urn:schemas-microsoft-com:mac:vml" xmlns:p="http://schemas.openxmlformats.org/presentationml/2006/main" mc:Ignorable="mv" mc:PreserveAttributes="mv:*" showSpecialPlsOnTitleSld="0" saveSubsetFonts="1" autoCompressPictures="0">
   <p:sldMasterIdLst>
     <p:sldMasterId id="2147483648" r:id="rId1"/>
   </p:sldMasterIdLst>
   <p:notesMasterIdLst>
-    <p:notesMasterId r:id="rId16"/>
+    <p:notesMasterId r:id="rId10"/>
   </p:notesMasterIdLst>
   <p:sldIdLst>
     <p:sldId id="364" r:id="rId2"/>
-    <p:sldId id="370" r:id="rId3"/>
-    <p:sldId id="371" r:id="rId4"/>
-    <p:sldId id="372" r:id="rId5"/>
-    <p:sldId id="373" r:id="rId6"/>
-    <p:sldId id="374" r:id="rId7"/>
-    <p:sldId id="375" r:id="rId8"/>
-    <p:sldId id="376" r:id="rId9"/>
-    <p:sldId id="326" r:id="rId10"/>
-    <p:sldId id="367" r:id="rId11"/>
-    <p:sldId id="368" r:id="rId12"/>
-    <p:sldId id="369" r:id="rId13"/>
-    <p:sldId id="366" r:id="rId14"/>
-    <p:sldId id="322" r:id="rId15"/>
+    <p:sldId id="371" r:id="rId3"/>
+    <p:sldId id="372" r:id="rId4"/>
+    <p:sldId id="373" r:id="rId5"/>
+    <p:sldId id="374" r:id="rId6"/>
+    <p:sldId id="376" r:id="rId7"/>
+    <p:sldId id="366" r:id="rId8"/>
+    <p:sldId id="322" r:id="rId9"/>
   </p:sldIdLst>
   <p:sldSz cx="17327563" cy="9747250"/>
   <p:notesSz cx="6858000" cy="9144000"/>
@@ -154,7 +148,7 @@
 </file>
 
 <file path=ppt/notesMasters/notesMaster1.xml><?xml version="1.0" encoding="utf-8"?>
-<p:notesMaster xmlns:a="http://schemas.openxmlformats.org/drawingml/2006/main" xmlns:r="http://schemas.openxmlformats.org/officeDocument/2006/relationships" xmlns:p="http://schemas.openxmlformats.org/presentationml/2006/main">
+<p:notesMaster xmlns:a="http://schemas.openxmlformats.org/drawingml/2006/main" xmlns:r="http://schemas.openxmlformats.org/officeDocument/2006/relationships" xmlns:mc="http://schemas.openxmlformats.org/markup-compatibility/2006" xmlns:mv="urn:schemas-microsoft-com:mac:vml" xmlns:p="http://schemas.openxmlformats.org/presentationml/2006/main" mc:Ignorable="mv" mc:PreserveAttributes="mv:*">
   <p:cSld>
     <p:bg>
       <p:bgRef idx="1001">
@@ -236,7 +230,7 @@
             <a:fld id="{DDC063FE-8627-9A42-970F-0BBEEB02B587}" type="datetimeFigureOut">
               <a:rPr lang="en-US" smtClean="0"/>
               <a:pPr/>
-              <a:t>12/5/13</a:t>
+              <a:t>12/9/13</a:t>
             </a:fld>
             <a:endParaRPr lang="en-US" dirty="0"/>
           </a:p>
@@ -405,7 +399,7 @@
     </p:spTree>
     <p:extLst>
       <p:ext uri="{BB962C8B-B14F-4D97-AF65-F5344CB8AC3E}">
-        <p14:creationId xmlns:p14="http://schemas.microsoft.com/office/powerpoint/2010/main" val="4045051341"/>
+        <p14:creationId xmlns:p14="http://schemas.microsoft.com/office/powerpoint/2010/main" xmlns:p="http://schemas.openxmlformats.org/presentationml/2006/main" xmlns:r="http://schemas.openxmlformats.org/officeDocument/2006/relationships" xmlns:a="http://schemas.openxmlformats.org/drawingml/2006/main" xmlns="" val="4045051341"/>
       </p:ext>
     </p:extLst>
   </p:cSld>
@@ -506,7 +500,7 @@
 </file>
 
 <file path=ppt/notesSlides/notesSlide1.xml><?xml version="1.0" encoding="utf-8"?>
-<p:notes xmlns:a="http://schemas.openxmlformats.org/drawingml/2006/main" xmlns:r="http://schemas.openxmlformats.org/officeDocument/2006/relationships" xmlns:p="http://schemas.openxmlformats.org/presentationml/2006/main">
+<p:notes xmlns:a="http://schemas.openxmlformats.org/drawingml/2006/main" xmlns:r="http://schemas.openxmlformats.org/officeDocument/2006/relationships" xmlns:mc="http://schemas.openxmlformats.org/markup-compatibility/2006" xmlns:mv="urn:schemas-microsoft-com:mac:vml" xmlns:p="http://schemas.openxmlformats.org/presentationml/2006/main" mc:Ignorable="mv" mc:PreserveAttributes="mv:*">
   <p:cSld>
     <p:spTree>
       <p:nvGrpSpPr>
@@ -580,7 +574,7 @@
     </p:spTree>
     <p:extLst>
       <p:ext uri="{BB962C8B-B14F-4D97-AF65-F5344CB8AC3E}">
-        <p14:creationId xmlns:p14="http://schemas.microsoft.com/office/powerpoint/2010/main" val="3250658828"/>
+        <p14:creationId xmlns:p14="http://schemas.microsoft.com/office/powerpoint/2010/main" xmlns:p="http://schemas.openxmlformats.org/presentationml/2006/main" xmlns:r="http://schemas.openxmlformats.org/officeDocument/2006/relationships" xmlns:a="http://schemas.openxmlformats.org/drawingml/2006/main" xmlns="" val="3250658828"/>
       </p:ext>
     </p:extLst>
   </p:cSld>
@@ -590,8 +584,8 @@
 </p:notes>
 </file>
 
-<file path=ppt/notesSlides/notesSlide10.xml><?xml version="1.0" encoding="utf-8"?>
-<p:notes xmlns:a="http://schemas.openxmlformats.org/drawingml/2006/main" xmlns:r="http://schemas.openxmlformats.org/officeDocument/2006/relationships" xmlns:p="http://schemas.openxmlformats.org/presentationml/2006/main">
+<file path=ppt/notesSlides/notesSlide2.xml><?xml version="1.0" encoding="utf-8"?>
+<p:notes xmlns:a="http://schemas.openxmlformats.org/drawingml/2006/main" xmlns:r="http://schemas.openxmlformats.org/officeDocument/2006/relationships" xmlns:mc="http://schemas.openxmlformats.org/markup-compatibility/2006" xmlns:mv="urn:schemas-microsoft-com:mac:vml" xmlns:p="http://schemas.openxmlformats.org/presentationml/2006/main" mc:Ignorable="mv" mc:PreserveAttributes="mv:*">
   <p:cSld>
     <p:spTree>
       <p:nvGrpSpPr>
@@ -609,65 +603,88 @@
       </p:grpSpPr>
       <p:sp>
         <p:nvSpPr>
-          <p:cNvPr id="2" name="Slide Image Placeholder 1"/>
-          <p:cNvSpPr>
-            <a:spLocks noGrp="1" noRot="1" noChangeAspect="1"/>
+          <p:cNvPr id="74753" name="Rectangle 2"/>
+          <p:cNvSpPr>
+            <a:spLocks noGrp="1" noRot="1" noChangeAspect="1" noChangeArrowheads="1" noTextEdit="1"/>
           </p:cNvSpPr>
           <p:nvPr>
             <p:ph type="sldImg"/>
           </p:nvPr>
         </p:nvSpPr>
-        <p:spPr/>
-      </p:sp>
-      <p:sp>
-        <p:nvSpPr>
-          <p:cNvPr id="3" name="Notes Placeholder 2"/>
-          <p:cNvSpPr>
-            <a:spLocks noGrp="1"/>
+        <p:spPr bwMode="auto">
+          <a:noFill/>
+          <a:ln>
+            <a:solidFill>
+              <a:srgbClr val="000000"/>
+            </a:solidFill>
+            <a:miter lim="800000"/>
+            <a:headEnd/>
+            <a:tailEnd/>
+          </a:ln>
+          <a:extLst>
+            <a:ext uri="{909E8E84-426E-40dd-AFC4-6F175D3DCCD1}">
+              <a14:hiddenFill xmlns:a14="http://schemas.microsoft.com/office/drawing/2010/main" xmlns:p="http://schemas.openxmlformats.org/presentationml/2006/main" xmlns:r="http://schemas.openxmlformats.org/officeDocument/2006/relationships" xmlns:a="http://schemas.openxmlformats.org/drawingml/2006/main" xmlns="">
+                <a:solidFill>
+                  <a:srgbClr val="FFFFFF"/>
+                </a:solidFill>
+              </a14:hiddenFill>
+            </a:ext>
+            <a:ext uri="{FAA26D3D-D897-4be2-8F04-BA451C77F1D7}">
+              <ma14:placeholderFlag xmlns:ma14="http://schemas.microsoft.com/office/mac/drawingml/2011/main" xmlns:p="http://schemas.openxmlformats.org/presentationml/2006/main" xmlns:r="http://schemas.openxmlformats.org/officeDocument/2006/relationships" xmlns:a="http://schemas.openxmlformats.org/drawingml/2006/main" xmlns="" val="1"/>
+            </a:ext>
+          </a:extLst>
+        </p:spPr>
+      </p:sp>
+      <p:sp>
+        <p:nvSpPr>
+          <p:cNvPr id="74754" name="Rectangle 3"/>
+          <p:cNvSpPr>
+            <a:spLocks noGrp="1" noChangeArrowheads="1"/>
           </p:cNvSpPr>
           <p:nvPr>
             <p:ph type="body" idx="1"/>
           </p:nvPr>
         </p:nvSpPr>
-        <p:spPr/>
-        <p:txBody>
-          <a:bodyPr/>
+        <p:spPr bwMode="auto">
+          <a:noFill/>
+          <a:extLst>
+            <a:ext uri="{909E8E84-426E-40dd-AFC4-6F175D3DCCD1}">
+              <a14:hiddenFill xmlns:a14="http://schemas.microsoft.com/office/drawing/2010/main" xmlns:p="http://schemas.openxmlformats.org/presentationml/2006/main" xmlns:r="http://schemas.openxmlformats.org/officeDocument/2006/relationships" xmlns:a="http://schemas.openxmlformats.org/drawingml/2006/main" xmlns="">
+                <a:solidFill>
+                  <a:srgbClr val="FFFFFF"/>
+                </a:solidFill>
+              </a14:hiddenFill>
+            </a:ext>
+            <a:ext uri="{91240B29-F687-4f45-9708-019B960494DF}">
+              <a14:hiddenLine xmlns:a14="http://schemas.microsoft.com/office/drawing/2010/main" xmlns:p="http://schemas.openxmlformats.org/presentationml/2006/main" xmlns:r="http://schemas.openxmlformats.org/officeDocument/2006/relationships" xmlns:a="http://schemas.openxmlformats.org/drawingml/2006/main" xmlns="" w="9525">
+                <a:solidFill>
+                  <a:srgbClr val="000000"/>
+                </a:solidFill>
+                <a:miter lim="800000"/>
+                <a:headEnd/>
+                <a:tailEnd/>
+              </a14:hiddenLine>
+            </a:ext>
+            <a:ext uri="{FAA26D3D-D897-4be2-8F04-BA451C77F1D7}">
+              <ma14:placeholderFlag xmlns:ma14="http://schemas.microsoft.com/office/mac/drawingml/2011/main" xmlns:p="http://schemas.openxmlformats.org/presentationml/2006/main" xmlns:r="http://schemas.openxmlformats.org/officeDocument/2006/relationships" xmlns:a="http://schemas.openxmlformats.org/drawingml/2006/main" xmlns="" val="1"/>
+            </a:ext>
+          </a:extLst>
+        </p:spPr>
+        <p:txBody>
+          <a:bodyPr wrap="square" numCol="1" anchor="t" anchorCtr="0" compatLnSpc="1">
+            <a:prstTxWarp prst="textNoShape">
+              <a:avLst/>
+            </a:prstTxWarp>
+          </a:bodyPr>
           <a:lstStyle/>
           <a:p>
-            <a:endParaRPr lang="en-US"/>
-          </a:p>
-        </p:txBody>
-      </p:sp>
-      <p:sp>
-        <p:nvSpPr>
-          <p:cNvPr id="4" name="Slide Number Placeholder 3"/>
-          <p:cNvSpPr>
-            <a:spLocks noGrp="1"/>
-          </p:cNvSpPr>
-          <p:nvPr>
-            <p:ph type="sldNum" sz="quarter" idx="10"/>
-          </p:nvPr>
-        </p:nvSpPr>
-        <p:spPr/>
-        <p:txBody>
-          <a:bodyPr/>
-          <a:lstStyle/>
-          <a:p>
-            <a:fld id="{3560C2FB-C494-1A46-A471-884A4E75440F}" type="slidenum">
-              <a:rPr lang="en-US" smtClean="0"/>
-              <a:pPr/>
-              <a:t>10</a:t>
-            </a:fld>
-            <a:endParaRPr lang="en-US" dirty="0"/>
+            <a:endParaRPr lang="en-US">
+              <a:latin typeface="Calibri" charset="0"/>
+            </a:endParaRPr>
           </a:p>
         </p:txBody>
       </p:sp>
     </p:spTree>
-    <p:extLst>
-      <p:ext uri="{BB962C8B-B14F-4D97-AF65-F5344CB8AC3E}">
-        <p14:creationId xmlns:p14="http://schemas.microsoft.com/office/powerpoint/2010/main" val="963676054"/>
-      </p:ext>
-    </p:extLst>
   </p:cSld>
   <p:clrMapOvr>
     <a:masterClrMapping/>
@@ -675,8 +692,8 @@
 </p:notes>
 </file>
 
-<file path=ppt/notesSlides/notesSlide11.xml><?xml version="1.0" encoding="utf-8"?>
-<p:notes xmlns:a="http://schemas.openxmlformats.org/drawingml/2006/main" xmlns:r="http://schemas.openxmlformats.org/officeDocument/2006/relationships" xmlns:p="http://schemas.openxmlformats.org/presentationml/2006/main">
+<file path=ppt/notesSlides/notesSlide3.xml><?xml version="1.0" encoding="utf-8"?>
+<p:notes xmlns:a="http://schemas.openxmlformats.org/drawingml/2006/main" xmlns:r="http://schemas.openxmlformats.org/officeDocument/2006/relationships" xmlns:mc="http://schemas.openxmlformats.org/markup-compatibility/2006" xmlns:mv="urn:schemas-microsoft-com:mac:vml" xmlns:p="http://schemas.openxmlformats.org/presentationml/2006/main" mc:Ignorable="mv" mc:PreserveAttributes="mv:*">
   <p:cSld>
     <p:spTree>
       <p:nvGrpSpPr>
@@ -694,65 +711,88 @@
       </p:grpSpPr>
       <p:sp>
         <p:nvSpPr>
-          <p:cNvPr id="2" name="Slide Image Placeholder 1"/>
-          <p:cNvSpPr>
-            <a:spLocks noGrp="1" noRot="1" noChangeAspect="1"/>
+          <p:cNvPr id="76801" name="Rectangle 2"/>
+          <p:cNvSpPr>
+            <a:spLocks noGrp="1" noRot="1" noChangeAspect="1" noChangeArrowheads="1" noTextEdit="1"/>
           </p:cNvSpPr>
           <p:nvPr>
             <p:ph type="sldImg"/>
           </p:nvPr>
         </p:nvSpPr>
-        <p:spPr/>
-      </p:sp>
-      <p:sp>
-        <p:nvSpPr>
-          <p:cNvPr id="3" name="Notes Placeholder 2"/>
-          <p:cNvSpPr>
-            <a:spLocks noGrp="1"/>
+        <p:spPr bwMode="auto">
+          <a:noFill/>
+          <a:ln>
+            <a:solidFill>
+              <a:srgbClr val="000000"/>
+            </a:solidFill>
+            <a:miter lim="800000"/>
+            <a:headEnd/>
+            <a:tailEnd/>
+          </a:ln>
+          <a:extLst>
+            <a:ext uri="{909E8E84-426E-40dd-AFC4-6F175D3DCCD1}">
+              <a14:hiddenFill xmlns:a14="http://schemas.microsoft.com/office/drawing/2010/main" xmlns:p="http://schemas.openxmlformats.org/presentationml/2006/main" xmlns:r="http://schemas.openxmlformats.org/officeDocument/2006/relationships" xmlns:a="http://schemas.openxmlformats.org/drawingml/2006/main" xmlns="">
+                <a:solidFill>
+                  <a:srgbClr val="FFFFFF"/>
+                </a:solidFill>
+              </a14:hiddenFill>
+            </a:ext>
+            <a:ext uri="{FAA26D3D-D897-4be2-8F04-BA451C77F1D7}">
+              <ma14:placeholderFlag xmlns:ma14="http://schemas.microsoft.com/office/mac/drawingml/2011/main" xmlns:p="http://schemas.openxmlformats.org/presentationml/2006/main" xmlns:r="http://schemas.openxmlformats.org/officeDocument/2006/relationships" xmlns:a="http://schemas.openxmlformats.org/drawingml/2006/main" xmlns="" val="1"/>
+            </a:ext>
+          </a:extLst>
+        </p:spPr>
+      </p:sp>
+      <p:sp>
+        <p:nvSpPr>
+          <p:cNvPr id="76802" name="Rectangle 3"/>
+          <p:cNvSpPr>
+            <a:spLocks noGrp="1" noChangeArrowheads="1"/>
           </p:cNvSpPr>
           <p:nvPr>
             <p:ph type="body" idx="1"/>
           </p:nvPr>
         </p:nvSpPr>
-        <p:spPr/>
-        <p:txBody>
-          <a:bodyPr/>
+        <p:spPr bwMode="auto">
+          <a:noFill/>
+          <a:extLst>
+            <a:ext uri="{909E8E84-426E-40dd-AFC4-6F175D3DCCD1}">
+              <a14:hiddenFill xmlns:a14="http://schemas.microsoft.com/office/drawing/2010/main" xmlns:p="http://schemas.openxmlformats.org/presentationml/2006/main" xmlns:r="http://schemas.openxmlformats.org/officeDocument/2006/relationships" xmlns:a="http://schemas.openxmlformats.org/drawingml/2006/main" xmlns="">
+                <a:solidFill>
+                  <a:srgbClr val="FFFFFF"/>
+                </a:solidFill>
+              </a14:hiddenFill>
+            </a:ext>
+            <a:ext uri="{91240B29-F687-4f45-9708-019B960494DF}">
+              <a14:hiddenLine xmlns:a14="http://schemas.microsoft.com/office/drawing/2010/main" xmlns:p="http://schemas.openxmlformats.org/presentationml/2006/main" xmlns:r="http://schemas.openxmlformats.org/officeDocument/2006/relationships" xmlns:a="http://schemas.openxmlformats.org/drawingml/2006/main" xmlns="" w="9525">
+                <a:solidFill>
+                  <a:srgbClr val="000000"/>
+                </a:solidFill>
+                <a:miter lim="800000"/>
+                <a:headEnd/>
+                <a:tailEnd/>
+              </a14:hiddenLine>
+            </a:ext>
+            <a:ext uri="{FAA26D3D-D897-4be2-8F04-BA451C77F1D7}">
+              <ma14:placeholderFlag xmlns:ma14="http://schemas.microsoft.com/office/mac/drawingml/2011/main" xmlns:p="http://schemas.openxmlformats.org/presentationml/2006/main" xmlns:r="http://schemas.openxmlformats.org/officeDocument/2006/relationships" xmlns:a="http://schemas.openxmlformats.org/drawingml/2006/main" xmlns="" val="1"/>
+            </a:ext>
+          </a:extLst>
+        </p:spPr>
+        <p:txBody>
+          <a:bodyPr wrap="square" numCol="1" anchor="t" anchorCtr="0" compatLnSpc="1">
+            <a:prstTxWarp prst="textNoShape">
+              <a:avLst/>
+            </a:prstTxWarp>
+          </a:bodyPr>
           <a:lstStyle/>
           <a:p>
-            <a:endParaRPr lang="en-US"/>
-          </a:p>
-        </p:txBody>
-      </p:sp>
-      <p:sp>
-        <p:nvSpPr>
-          <p:cNvPr id="4" name="Slide Number Placeholder 3"/>
-          <p:cNvSpPr>
-            <a:spLocks noGrp="1"/>
-          </p:cNvSpPr>
-          <p:nvPr>
-            <p:ph type="sldNum" sz="quarter" idx="10"/>
-          </p:nvPr>
-        </p:nvSpPr>
-        <p:spPr/>
-        <p:txBody>
-          <a:bodyPr/>
-          <a:lstStyle/>
-          <a:p>
-            <a:fld id="{3560C2FB-C494-1A46-A471-884A4E75440F}" type="slidenum">
-              <a:rPr lang="en-US" smtClean="0"/>
-              <a:pPr/>
-              <a:t>11</a:t>
-            </a:fld>
-            <a:endParaRPr lang="en-US" dirty="0"/>
+            <a:endParaRPr lang="en-US">
+              <a:latin typeface="Calibri" charset="0"/>
+            </a:endParaRPr>
           </a:p>
         </p:txBody>
       </p:sp>
     </p:spTree>
-    <p:extLst>
-      <p:ext uri="{BB962C8B-B14F-4D97-AF65-F5344CB8AC3E}">
-        <p14:creationId xmlns:p14="http://schemas.microsoft.com/office/powerpoint/2010/main" val="963676054"/>
-      </p:ext>
-    </p:extLst>
   </p:cSld>
   <p:clrMapOvr>
     <a:masterClrMapping/>
@@ -760,8 +800,8 @@
 </p:notes>
 </file>
 
-<file path=ppt/notesSlides/notesSlide12.xml><?xml version="1.0" encoding="utf-8"?>
-<p:notes xmlns:a="http://schemas.openxmlformats.org/drawingml/2006/main" xmlns:r="http://schemas.openxmlformats.org/officeDocument/2006/relationships" xmlns:p="http://schemas.openxmlformats.org/presentationml/2006/main">
+<file path=ppt/notesSlides/notesSlide4.xml><?xml version="1.0" encoding="utf-8"?>
+<p:notes xmlns:a="http://schemas.openxmlformats.org/drawingml/2006/main" xmlns:r="http://schemas.openxmlformats.org/officeDocument/2006/relationships" xmlns:mc="http://schemas.openxmlformats.org/markup-compatibility/2006" xmlns:mv="urn:schemas-microsoft-com:mac:vml" xmlns:p="http://schemas.openxmlformats.org/presentationml/2006/main" mc:Ignorable="mv" mc:PreserveAttributes="mv:*">
   <p:cSld>
     <p:spTree>
       <p:nvGrpSpPr>
@@ -779,65 +819,88 @@
       </p:grpSpPr>
       <p:sp>
         <p:nvSpPr>
-          <p:cNvPr id="2" name="Slide Image Placeholder 1"/>
-          <p:cNvSpPr>
-            <a:spLocks noGrp="1" noRot="1" noChangeAspect="1"/>
+          <p:cNvPr id="78849" name="Rectangle 2"/>
+          <p:cNvSpPr>
+            <a:spLocks noGrp="1" noRot="1" noChangeAspect="1" noChangeArrowheads="1" noTextEdit="1"/>
           </p:cNvSpPr>
           <p:nvPr>
             <p:ph type="sldImg"/>
           </p:nvPr>
         </p:nvSpPr>
-        <p:spPr/>
-      </p:sp>
-      <p:sp>
-        <p:nvSpPr>
-          <p:cNvPr id="3" name="Notes Placeholder 2"/>
-          <p:cNvSpPr>
-            <a:spLocks noGrp="1"/>
+        <p:spPr bwMode="auto">
+          <a:noFill/>
+          <a:ln>
+            <a:solidFill>
+              <a:srgbClr val="000000"/>
+            </a:solidFill>
+            <a:miter lim="800000"/>
+            <a:headEnd/>
+            <a:tailEnd/>
+          </a:ln>
+          <a:extLst>
+            <a:ext uri="{909E8E84-426E-40dd-AFC4-6F175D3DCCD1}">
+              <a14:hiddenFill xmlns:a14="http://schemas.microsoft.com/office/drawing/2010/main" xmlns:p="http://schemas.openxmlformats.org/presentationml/2006/main" xmlns:r="http://schemas.openxmlformats.org/officeDocument/2006/relationships" xmlns:a="http://schemas.openxmlformats.org/drawingml/2006/main" xmlns="">
+                <a:solidFill>
+                  <a:srgbClr val="FFFFFF"/>
+                </a:solidFill>
+              </a14:hiddenFill>
+            </a:ext>
+            <a:ext uri="{FAA26D3D-D897-4be2-8F04-BA451C77F1D7}">
+              <ma14:placeholderFlag xmlns:ma14="http://schemas.microsoft.com/office/mac/drawingml/2011/main" xmlns:p="http://schemas.openxmlformats.org/presentationml/2006/main" xmlns:r="http://schemas.openxmlformats.org/officeDocument/2006/relationships" xmlns:a="http://schemas.openxmlformats.org/drawingml/2006/main" xmlns="" val="1"/>
+            </a:ext>
+          </a:extLst>
+        </p:spPr>
+      </p:sp>
+      <p:sp>
+        <p:nvSpPr>
+          <p:cNvPr id="78850" name="Rectangle 3"/>
+          <p:cNvSpPr>
+            <a:spLocks noGrp="1" noChangeArrowheads="1"/>
           </p:cNvSpPr>
           <p:nvPr>
             <p:ph type="body" idx="1"/>
           </p:nvPr>
         </p:nvSpPr>
-        <p:spPr/>
-        <p:txBody>
-          <a:bodyPr/>
+        <p:spPr bwMode="auto">
+          <a:noFill/>
+          <a:extLst>
+            <a:ext uri="{909E8E84-426E-40dd-AFC4-6F175D3DCCD1}">
+              <a14:hiddenFill xmlns:a14="http://schemas.microsoft.com/office/drawing/2010/main" xmlns:p="http://schemas.openxmlformats.org/presentationml/2006/main" xmlns:r="http://schemas.openxmlformats.org/officeDocument/2006/relationships" xmlns:a="http://schemas.openxmlformats.org/drawingml/2006/main" xmlns="">
+                <a:solidFill>
+                  <a:srgbClr val="FFFFFF"/>
+                </a:solidFill>
+              </a14:hiddenFill>
+            </a:ext>
+            <a:ext uri="{91240B29-F687-4f45-9708-019B960494DF}">
+              <a14:hiddenLine xmlns:a14="http://schemas.microsoft.com/office/drawing/2010/main" xmlns:p="http://schemas.openxmlformats.org/presentationml/2006/main" xmlns:r="http://schemas.openxmlformats.org/officeDocument/2006/relationships" xmlns:a="http://schemas.openxmlformats.org/drawingml/2006/main" xmlns="" w="9525">
+                <a:solidFill>
+                  <a:srgbClr val="000000"/>
+                </a:solidFill>
+                <a:miter lim="800000"/>
+                <a:headEnd/>
+                <a:tailEnd/>
+              </a14:hiddenLine>
+            </a:ext>
+            <a:ext uri="{FAA26D3D-D897-4be2-8F04-BA451C77F1D7}">
+              <ma14:placeholderFlag xmlns:ma14="http://schemas.microsoft.com/office/mac/drawingml/2011/main" xmlns:p="http://schemas.openxmlformats.org/presentationml/2006/main" xmlns:r="http://schemas.openxmlformats.org/officeDocument/2006/relationships" xmlns:a="http://schemas.openxmlformats.org/drawingml/2006/main" xmlns="" val="1"/>
+            </a:ext>
+          </a:extLst>
+        </p:spPr>
+        <p:txBody>
+          <a:bodyPr wrap="square" numCol="1" anchor="t" anchorCtr="0" compatLnSpc="1">
+            <a:prstTxWarp prst="textNoShape">
+              <a:avLst/>
+            </a:prstTxWarp>
+          </a:bodyPr>
           <a:lstStyle/>
           <a:p>
-            <a:endParaRPr lang="en-US"/>
-          </a:p>
-        </p:txBody>
-      </p:sp>
-      <p:sp>
-        <p:nvSpPr>
-          <p:cNvPr id="4" name="Slide Number Placeholder 3"/>
-          <p:cNvSpPr>
-            <a:spLocks noGrp="1"/>
-          </p:cNvSpPr>
-          <p:nvPr>
-            <p:ph type="sldNum" sz="quarter" idx="10"/>
-          </p:nvPr>
-        </p:nvSpPr>
-        <p:spPr/>
-        <p:txBody>
-          <a:bodyPr/>
-          <a:lstStyle/>
-          <a:p>
-            <a:fld id="{3560C2FB-C494-1A46-A471-884A4E75440F}" type="slidenum">
-              <a:rPr lang="en-US" smtClean="0"/>
-              <a:pPr/>
-              <a:t>12</a:t>
-            </a:fld>
-            <a:endParaRPr lang="en-US" dirty="0"/>
+            <a:endParaRPr lang="en-US">
+              <a:latin typeface="Calibri" charset="0"/>
+            </a:endParaRPr>
           </a:p>
         </p:txBody>
       </p:sp>
     </p:spTree>
-    <p:extLst>
-      <p:ext uri="{BB962C8B-B14F-4D97-AF65-F5344CB8AC3E}">
-        <p14:creationId xmlns:p14="http://schemas.microsoft.com/office/powerpoint/2010/main" val="963676054"/>
-      </p:ext>
-    </p:extLst>
   </p:cSld>
   <p:clrMapOvr>
     <a:masterClrMapping/>
@@ -845,8 +908,8 @@
 </p:notes>
 </file>
 
-<file path=ppt/notesSlides/notesSlide13.xml><?xml version="1.0" encoding="utf-8"?>
-<p:notes xmlns:a="http://schemas.openxmlformats.org/drawingml/2006/main" xmlns:r="http://schemas.openxmlformats.org/officeDocument/2006/relationships" xmlns:p="http://schemas.openxmlformats.org/presentationml/2006/main">
+<file path=ppt/notesSlides/notesSlide5.xml><?xml version="1.0" encoding="utf-8"?>
+<p:notes xmlns:a="http://schemas.openxmlformats.org/drawingml/2006/main" xmlns:r="http://schemas.openxmlformats.org/officeDocument/2006/relationships" xmlns:mc="http://schemas.openxmlformats.org/markup-compatibility/2006" xmlns:mv="urn:schemas-microsoft-com:mac:vml" xmlns:p="http://schemas.openxmlformats.org/presentationml/2006/main" mc:Ignorable="mv" mc:PreserveAttributes="mv:*">
   <p:cSld>
     <p:spTree>
       <p:nvGrpSpPr>
@@ -864,6 +927,222 @@
       </p:grpSpPr>
       <p:sp>
         <p:nvSpPr>
+          <p:cNvPr id="80897" name="Rectangle 2"/>
+          <p:cNvSpPr>
+            <a:spLocks noGrp="1" noRot="1" noChangeAspect="1" noChangeArrowheads="1" noTextEdit="1"/>
+          </p:cNvSpPr>
+          <p:nvPr>
+            <p:ph type="sldImg"/>
+          </p:nvPr>
+        </p:nvSpPr>
+        <p:spPr bwMode="auto">
+          <a:noFill/>
+          <a:ln>
+            <a:solidFill>
+              <a:srgbClr val="000000"/>
+            </a:solidFill>
+            <a:miter lim="800000"/>
+            <a:headEnd/>
+            <a:tailEnd/>
+          </a:ln>
+          <a:extLst>
+            <a:ext uri="{909E8E84-426E-40dd-AFC4-6F175D3DCCD1}">
+              <a14:hiddenFill xmlns:a14="http://schemas.microsoft.com/office/drawing/2010/main" xmlns:p="http://schemas.openxmlformats.org/presentationml/2006/main" xmlns:r="http://schemas.openxmlformats.org/officeDocument/2006/relationships" xmlns:a="http://schemas.openxmlformats.org/drawingml/2006/main" xmlns="">
+                <a:solidFill>
+                  <a:srgbClr val="FFFFFF"/>
+                </a:solidFill>
+              </a14:hiddenFill>
+            </a:ext>
+            <a:ext uri="{FAA26D3D-D897-4be2-8F04-BA451C77F1D7}">
+              <ma14:placeholderFlag xmlns:ma14="http://schemas.microsoft.com/office/mac/drawingml/2011/main" xmlns:p="http://schemas.openxmlformats.org/presentationml/2006/main" xmlns:r="http://schemas.openxmlformats.org/officeDocument/2006/relationships" xmlns:a="http://schemas.openxmlformats.org/drawingml/2006/main" xmlns="" val="1"/>
+            </a:ext>
+          </a:extLst>
+        </p:spPr>
+      </p:sp>
+      <p:sp>
+        <p:nvSpPr>
+          <p:cNvPr id="80898" name="Rectangle 3"/>
+          <p:cNvSpPr>
+            <a:spLocks noGrp="1" noChangeArrowheads="1"/>
+          </p:cNvSpPr>
+          <p:nvPr>
+            <p:ph type="body" idx="1"/>
+          </p:nvPr>
+        </p:nvSpPr>
+        <p:spPr bwMode="auto">
+          <a:noFill/>
+          <a:extLst>
+            <a:ext uri="{909E8E84-426E-40dd-AFC4-6F175D3DCCD1}">
+              <a14:hiddenFill xmlns:a14="http://schemas.microsoft.com/office/drawing/2010/main" xmlns:p="http://schemas.openxmlformats.org/presentationml/2006/main" xmlns:r="http://schemas.openxmlformats.org/officeDocument/2006/relationships" xmlns:a="http://schemas.openxmlformats.org/drawingml/2006/main" xmlns="">
+                <a:solidFill>
+                  <a:srgbClr val="FFFFFF"/>
+                </a:solidFill>
+              </a14:hiddenFill>
+            </a:ext>
+            <a:ext uri="{91240B29-F687-4f45-9708-019B960494DF}">
+              <a14:hiddenLine xmlns:a14="http://schemas.microsoft.com/office/drawing/2010/main" xmlns:p="http://schemas.openxmlformats.org/presentationml/2006/main" xmlns:r="http://schemas.openxmlformats.org/officeDocument/2006/relationships" xmlns:a="http://schemas.openxmlformats.org/drawingml/2006/main" xmlns="" w="9525">
+                <a:solidFill>
+                  <a:srgbClr val="000000"/>
+                </a:solidFill>
+                <a:miter lim="800000"/>
+                <a:headEnd/>
+                <a:tailEnd/>
+              </a14:hiddenLine>
+            </a:ext>
+            <a:ext uri="{FAA26D3D-D897-4be2-8F04-BA451C77F1D7}">
+              <ma14:placeholderFlag xmlns:ma14="http://schemas.microsoft.com/office/mac/drawingml/2011/main" xmlns:p="http://schemas.openxmlformats.org/presentationml/2006/main" xmlns:r="http://schemas.openxmlformats.org/officeDocument/2006/relationships" xmlns:a="http://schemas.openxmlformats.org/drawingml/2006/main" xmlns="" val="1"/>
+            </a:ext>
+          </a:extLst>
+        </p:spPr>
+        <p:txBody>
+          <a:bodyPr wrap="square" numCol="1" anchor="t" anchorCtr="0" compatLnSpc="1">
+            <a:prstTxWarp prst="textNoShape">
+              <a:avLst/>
+            </a:prstTxWarp>
+          </a:bodyPr>
+          <a:lstStyle/>
+          <a:p>
+            <a:endParaRPr lang="en-US">
+              <a:latin typeface="Calibri" charset="0"/>
+            </a:endParaRPr>
+          </a:p>
+        </p:txBody>
+      </p:sp>
+    </p:spTree>
+  </p:cSld>
+  <p:clrMapOvr>
+    <a:masterClrMapping/>
+  </p:clrMapOvr>
+</p:notes>
+</file>
+
+<file path=ppt/notesSlides/notesSlide6.xml><?xml version="1.0" encoding="utf-8"?>
+<p:notes xmlns:a="http://schemas.openxmlformats.org/drawingml/2006/main" xmlns:r="http://schemas.openxmlformats.org/officeDocument/2006/relationships" xmlns:mc="http://schemas.openxmlformats.org/markup-compatibility/2006" xmlns:mv="urn:schemas-microsoft-com:mac:vml" xmlns:p="http://schemas.openxmlformats.org/presentationml/2006/main" mc:Ignorable="mv" mc:PreserveAttributes="mv:*">
+  <p:cSld>
+    <p:spTree>
+      <p:nvGrpSpPr>
+        <p:cNvPr id="1" name=""/>
+        <p:cNvGrpSpPr/>
+        <p:nvPr/>
+      </p:nvGrpSpPr>
+      <p:grpSpPr>
+        <a:xfrm>
+          <a:off x="0" y="0"/>
+          <a:ext cx="0" cy="0"/>
+          <a:chOff x="0" y="0"/>
+          <a:chExt cx="0" cy="0"/>
+        </a:xfrm>
+      </p:grpSpPr>
+      <p:sp>
+        <p:nvSpPr>
+          <p:cNvPr id="84993" name="Rectangle 2"/>
+          <p:cNvSpPr>
+            <a:spLocks noGrp="1" noRot="1" noChangeAspect="1" noChangeArrowheads="1" noTextEdit="1"/>
+          </p:cNvSpPr>
+          <p:nvPr>
+            <p:ph type="sldImg"/>
+          </p:nvPr>
+        </p:nvSpPr>
+        <p:spPr bwMode="auto">
+          <a:noFill/>
+          <a:ln>
+            <a:solidFill>
+              <a:srgbClr val="000000"/>
+            </a:solidFill>
+            <a:miter lim="800000"/>
+            <a:headEnd/>
+            <a:tailEnd/>
+          </a:ln>
+          <a:extLst>
+            <a:ext uri="{909E8E84-426E-40dd-AFC4-6F175D3DCCD1}">
+              <a14:hiddenFill xmlns:a14="http://schemas.microsoft.com/office/drawing/2010/main" xmlns:p="http://schemas.openxmlformats.org/presentationml/2006/main" xmlns:r="http://schemas.openxmlformats.org/officeDocument/2006/relationships" xmlns:a="http://schemas.openxmlformats.org/drawingml/2006/main" xmlns="">
+                <a:solidFill>
+                  <a:srgbClr val="FFFFFF"/>
+                </a:solidFill>
+              </a14:hiddenFill>
+            </a:ext>
+            <a:ext uri="{FAA26D3D-D897-4be2-8F04-BA451C77F1D7}">
+              <ma14:placeholderFlag xmlns:ma14="http://schemas.microsoft.com/office/mac/drawingml/2011/main" xmlns:p="http://schemas.openxmlformats.org/presentationml/2006/main" xmlns:r="http://schemas.openxmlformats.org/officeDocument/2006/relationships" xmlns:a="http://schemas.openxmlformats.org/drawingml/2006/main" xmlns="" val="1"/>
+            </a:ext>
+          </a:extLst>
+        </p:spPr>
+      </p:sp>
+      <p:sp>
+        <p:nvSpPr>
+          <p:cNvPr id="84994" name="Rectangle 3"/>
+          <p:cNvSpPr>
+            <a:spLocks noGrp="1" noChangeArrowheads="1"/>
+          </p:cNvSpPr>
+          <p:nvPr>
+            <p:ph type="body" idx="1"/>
+          </p:nvPr>
+        </p:nvSpPr>
+        <p:spPr bwMode="auto">
+          <a:noFill/>
+          <a:extLst>
+            <a:ext uri="{909E8E84-426E-40dd-AFC4-6F175D3DCCD1}">
+              <a14:hiddenFill xmlns:a14="http://schemas.microsoft.com/office/drawing/2010/main" xmlns:p="http://schemas.openxmlformats.org/presentationml/2006/main" xmlns:r="http://schemas.openxmlformats.org/officeDocument/2006/relationships" xmlns:a="http://schemas.openxmlformats.org/drawingml/2006/main" xmlns="">
+                <a:solidFill>
+                  <a:srgbClr val="FFFFFF"/>
+                </a:solidFill>
+              </a14:hiddenFill>
+            </a:ext>
+            <a:ext uri="{91240B29-F687-4f45-9708-019B960494DF}">
+              <a14:hiddenLine xmlns:a14="http://schemas.microsoft.com/office/drawing/2010/main" xmlns:p="http://schemas.openxmlformats.org/presentationml/2006/main" xmlns:r="http://schemas.openxmlformats.org/officeDocument/2006/relationships" xmlns:a="http://schemas.openxmlformats.org/drawingml/2006/main" xmlns="" w="9525">
+                <a:solidFill>
+                  <a:srgbClr val="000000"/>
+                </a:solidFill>
+                <a:miter lim="800000"/>
+                <a:headEnd/>
+                <a:tailEnd/>
+              </a14:hiddenLine>
+            </a:ext>
+            <a:ext uri="{FAA26D3D-D897-4be2-8F04-BA451C77F1D7}">
+              <ma14:placeholderFlag xmlns:ma14="http://schemas.microsoft.com/office/mac/drawingml/2011/main" xmlns:p="http://schemas.openxmlformats.org/presentationml/2006/main" xmlns:r="http://schemas.openxmlformats.org/officeDocument/2006/relationships" xmlns:a="http://schemas.openxmlformats.org/drawingml/2006/main" xmlns="" val="1"/>
+            </a:ext>
+          </a:extLst>
+        </p:spPr>
+        <p:txBody>
+          <a:bodyPr wrap="square" numCol="1" anchor="t" anchorCtr="0" compatLnSpc="1">
+            <a:prstTxWarp prst="textNoShape">
+              <a:avLst/>
+            </a:prstTxWarp>
+          </a:bodyPr>
+          <a:lstStyle/>
+          <a:p>
+            <a:endParaRPr lang="en-US">
+              <a:latin typeface="Calibri" charset="0"/>
+            </a:endParaRPr>
+          </a:p>
+        </p:txBody>
+      </p:sp>
+    </p:spTree>
+  </p:cSld>
+  <p:clrMapOvr>
+    <a:masterClrMapping/>
+  </p:clrMapOvr>
+</p:notes>
+</file>
+
+<file path=ppt/notesSlides/notesSlide7.xml><?xml version="1.0" encoding="utf-8"?>
+<p:notes xmlns:a="http://schemas.openxmlformats.org/drawingml/2006/main" xmlns:r="http://schemas.openxmlformats.org/officeDocument/2006/relationships" xmlns:mc="http://schemas.openxmlformats.org/markup-compatibility/2006" xmlns:mv="urn:schemas-microsoft-com:mac:vml" xmlns:p="http://schemas.openxmlformats.org/presentationml/2006/main" mc:Ignorable="mv" mc:PreserveAttributes="mv:*">
+  <p:cSld>
+    <p:spTree>
+      <p:nvGrpSpPr>
+        <p:cNvPr id="1" name=""/>
+        <p:cNvGrpSpPr/>
+        <p:nvPr/>
+      </p:nvGrpSpPr>
+      <p:grpSpPr>
+        <a:xfrm>
+          <a:off x="0" y="0"/>
+          <a:ext cx="0" cy="0"/>
+          <a:chOff x="0" y="0"/>
+          <a:chExt cx="0" cy="0"/>
+        </a:xfrm>
+      </p:grpSpPr>
+      <p:sp>
+        <p:nvSpPr>
           <p:cNvPr id="304129" name="Rectangle 7"/>
           <p:cNvSpPr txBox="1">
             <a:spLocks noGrp="1" noChangeArrowheads="1"/>
@@ -900,7 +1179,7 @@
               <a:pPr algn="r" eaLnBrk="0" hangingPunct="0">
                 <a:defRPr/>
               </a:pPr>
-              <a:t>13</a:t>
+              <a:t>7</a:t>
             </a:fld>
             <a:endParaRPr lang="en-US" sz="1200" dirty="0">
               <a:ea typeface="ＭＳ Ｐゴシック" pitchFamily="34" charset="-128"/>
@@ -956,8 +1235,8 @@
 </p:notes>
 </file>
 
-<file path=ppt/notesSlides/notesSlide14.xml><?xml version="1.0" encoding="utf-8"?>
-<p:notes xmlns:a="http://schemas.openxmlformats.org/drawingml/2006/main" xmlns:r="http://schemas.openxmlformats.org/officeDocument/2006/relationships" xmlns:p="http://schemas.openxmlformats.org/presentationml/2006/main">
+<file path=ppt/notesSlides/notesSlide8.xml><?xml version="1.0" encoding="utf-8"?>
+<p:notes xmlns:a="http://schemas.openxmlformats.org/drawingml/2006/main" xmlns:r="http://schemas.openxmlformats.org/officeDocument/2006/relationships" xmlns:mc="http://schemas.openxmlformats.org/markup-compatibility/2006" xmlns:mv="urn:schemas-microsoft-com:mac:vml" xmlns:p="http://schemas.openxmlformats.org/presentationml/2006/main" mc:Ignorable="mv" mc:PreserveAttributes="mv:*">
   <p:cSld>
     <p:spTree>
       <p:nvGrpSpPr>
@@ -1022,7 +1301,7 @@
             <a:fld id="{3560C2FB-C494-1A46-A471-884A4E75440F}" type="slidenum">
               <a:rPr lang="en-US" smtClean="0"/>
               <a:pPr/>
-              <a:t>14</a:t>
+              <a:t>8</a:t>
             </a:fld>
             <a:endParaRPr lang="en-US" dirty="0"/>
           </a:p>
@@ -1031,1010 +1310,7 @@
     </p:spTree>
     <p:extLst>
       <p:ext uri="{BB962C8B-B14F-4D97-AF65-F5344CB8AC3E}">
-        <p14:creationId xmlns:p14="http://schemas.microsoft.com/office/powerpoint/2010/main" val="1443086944"/>
-      </p:ext>
-    </p:extLst>
-  </p:cSld>
-  <p:clrMapOvr>
-    <a:masterClrMapping/>
-  </p:clrMapOvr>
-</p:notes>
-</file>
-
-<file path=ppt/notesSlides/notesSlide2.xml><?xml version="1.0" encoding="utf-8"?>
-<p:notes xmlns:a="http://schemas.openxmlformats.org/drawingml/2006/main" xmlns:r="http://schemas.openxmlformats.org/officeDocument/2006/relationships" xmlns:p="http://schemas.openxmlformats.org/presentationml/2006/main">
-  <p:cSld>
-    <p:spTree>
-      <p:nvGrpSpPr>
-        <p:cNvPr id="1" name=""/>
-        <p:cNvGrpSpPr/>
-        <p:nvPr/>
-      </p:nvGrpSpPr>
-      <p:grpSpPr>
-        <a:xfrm>
-          <a:off x="0" y="0"/>
-          <a:ext cx="0" cy="0"/>
-          <a:chOff x="0" y="0"/>
-          <a:chExt cx="0" cy="0"/>
-        </a:xfrm>
-      </p:grpSpPr>
-      <p:sp>
-        <p:nvSpPr>
-          <p:cNvPr id="70657" name="Rectangle 7"/>
-          <p:cNvSpPr txBox="1">
-            <a:spLocks noGrp="1" noChangeArrowheads="1"/>
-          </p:cNvSpPr>
-          <p:nvPr/>
-        </p:nvSpPr>
-        <p:spPr bwMode="auto">
-          <a:xfrm>
-            <a:off x="3886200" y="8686800"/>
-            <a:ext cx="2971800" cy="457200"/>
-          </a:xfrm>
-          <a:prstGeom prst="rect">
-            <a:avLst/>
-          </a:prstGeom>
-          <a:noFill/>
-          <a:ln>
-            <a:noFill/>
-          </a:ln>
-          <a:extLst>
-            <a:ext uri="{909E8E84-426E-40dd-AFC4-6F175D3DCCD1}">
-              <a14:hiddenFill xmlns:a14="http://schemas.microsoft.com/office/drawing/2010/main">
-                <a:solidFill>
-                  <a:srgbClr val="FFFFFF"/>
-                </a:solidFill>
-              </a14:hiddenFill>
-            </a:ext>
-            <a:ext uri="{91240B29-F687-4f45-9708-019B960494DF}">
-              <a14:hiddenLine xmlns:a14="http://schemas.microsoft.com/office/drawing/2010/main" w="9525">
-                <a:solidFill>
-                  <a:srgbClr val="000000"/>
-                </a:solidFill>
-                <a:miter lim="800000"/>
-                <a:headEnd/>
-                <a:tailEnd/>
-              </a14:hiddenLine>
-            </a:ext>
-          </a:extLst>
-        </p:spPr>
-        <p:txBody>
-          <a:bodyPr anchor="b"/>
-          <a:lstStyle>
-            <a:lvl1pPr eaLnBrk="0" hangingPunct="0">
-              <a:defRPr sz="3000">
-                <a:solidFill>
-                  <a:schemeClr val="tx1"/>
-                </a:solidFill>
-                <a:latin typeface="Arial" charset="0"/>
-                <a:ea typeface="ＭＳ Ｐゴシック" charset="0"/>
-                <a:cs typeface="ＭＳ Ｐゴシック" charset="0"/>
-              </a:defRPr>
-            </a:lvl1pPr>
-            <a:lvl2pPr marL="742950" indent="-285750" eaLnBrk="0" hangingPunct="0">
-              <a:defRPr sz="3000">
-                <a:solidFill>
-                  <a:schemeClr val="tx1"/>
-                </a:solidFill>
-                <a:latin typeface="Arial" charset="0"/>
-                <a:ea typeface="ＭＳ Ｐゴシック" charset="0"/>
-              </a:defRPr>
-            </a:lvl2pPr>
-            <a:lvl3pPr marL="1143000" indent="-228600" eaLnBrk="0" hangingPunct="0">
-              <a:defRPr sz="3000">
-                <a:solidFill>
-                  <a:schemeClr val="tx1"/>
-                </a:solidFill>
-                <a:latin typeface="Arial" charset="0"/>
-                <a:ea typeface="ＭＳ Ｐゴシック" charset="0"/>
-              </a:defRPr>
-            </a:lvl3pPr>
-            <a:lvl4pPr marL="1600200" indent="-228600" eaLnBrk="0" hangingPunct="0">
-              <a:defRPr sz="3000">
-                <a:solidFill>
-                  <a:schemeClr val="tx1"/>
-                </a:solidFill>
-                <a:latin typeface="Arial" charset="0"/>
-                <a:ea typeface="ＭＳ Ｐゴシック" charset="0"/>
-              </a:defRPr>
-            </a:lvl4pPr>
-            <a:lvl5pPr marL="2057400" indent="-228600" eaLnBrk="0" hangingPunct="0">
-              <a:defRPr sz="3000">
-                <a:solidFill>
-                  <a:schemeClr val="tx1"/>
-                </a:solidFill>
-                <a:latin typeface="Arial" charset="0"/>
-                <a:ea typeface="ＭＳ Ｐゴシック" charset="0"/>
-              </a:defRPr>
-            </a:lvl5pPr>
-            <a:lvl6pPr marL="2514600" indent="-228600" defTabSz="773113" eaLnBrk="0" fontAlgn="base" hangingPunct="0">
-              <a:spcBef>
-                <a:spcPct val="0"/>
-              </a:spcBef>
-              <a:spcAft>
-                <a:spcPct val="0"/>
-              </a:spcAft>
-              <a:defRPr sz="3000">
-                <a:solidFill>
-                  <a:schemeClr val="tx1"/>
-                </a:solidFill>
-                <a:latin typeface="Arial" charset="0"/>
-                <a:ea typeface="ＭＳ Ｐゴシック" charset="0"/>
-              </a:defRPr>
-            </a:lvl6pPr>
-            <a:lvl7pPr marL="2971800" indent="-228600" defTabSz="773113" eaLnBrk="0" fontAlgn="base" hangingPunct="0">
-              <a:spcBef>
-                <a:spcPct val="0"/>
-              </a:spcBef>
-              <a:spcAft>
-                <a:spcPct val="0"/>
-              </a:spcAft>
-              <a:defRPr sz="3000">
-                <a:solidFill>
-                  <a:schemeClr val="tx1"/>
-                </a:solidFill>
-                <a:latin typeface="Arial" charset="0"/>
-                <a:ea typeface="ＭＳ Ｐゴシック" charset="0"/>
-              </a:defRPr>
-            </a:lvl7pPr>
-            <a:lvl8pPr marL="3429000" indent="-228600" defTabSz="773113" eaLnBrk="0" fontAlgn="base" hangingPunct="0">
-              <a:spcBef>
-                <a:spcPct val="0"/>
-              </a:spcBef>
-              <a:spcAft>
-                <a:spcPct val="0"/>
-              </a:spcAft>
-              <a:defRPr sz="3000">
-                <a:solidFill>
-                  <a:schemeClr val="tx1"/>
-                </a:solidFill>
-                <a:latin typeface="Arial" charset="0"/>
-                <a:ea typeface="ＭＳ Ｐゴシック" charset="0"/>
-              </a:defRPr>
-            </a:lvl8pPr>
-            <a:lvl9pPr marL="3886200" indent="-228600" defTabSz="773113" eaLnBrk="0" fontAlgn="base" hangingPunct="0">
-              <a:spcBef>
-                <a:spcPct val="0"/>
-              </a:spcBef>
-              <a:spcAft>
-                <a:spcPct val="0"/>
-              </a:spcAft>
-              <a:defRPr sz="3000">
-                <a:solidFill>
-                  <a:schemeClr val="tx1"/>
-                </a:solidFill>
-                <a:latin typeface="Arial" charset="0"/>
-                <a:ea typeface="ＭＳ Ｐゴシック" charset="0"/>
-              </a:defRPr>
-            </a:lvl9pPr>
-          </a:lstStyle>
-          <a:p>
-            <a:pPr algn="r"/>
-            <a:fld id="{33BB980F-054A-5F42-98E6-89955F977F95}" type="slidenum">
-              <a:rPr lang="en-US" sz="1200"/>
-              <a:pPr algn="r"/>
-              <a:t>2</a:t>
-            </a:fld>
-            <a:endParaRPr lang="en-US" sz="1200"/>
-          </a:p>
-        </p:txBody>
-      </p:sp>
-      <p:sp>
-        <p:nvSpPr>
-          <p:cNvPr id="70658" name="Rectangle 2"/>
-          <p:cNvSpPr>
-            <a:spLocks noGrp="1" noRot="1" noChangeAspect="1" noChangeArrowheads="1" noTextEdit="1"/>
-          </p:cNvSpPr>
-          <p:nvPr>
-            <p:ph type="sldImg"/>
-          </p:nvPr>
-        </p:nvSpPr>
-        <p:spPr bwMode="auto">
-          <a:noFill/>
-          <a:ln>
-            <a:solidFill>
-              <a:srgbClr val="000000"/>
-            </a:solidFill>
-            <a:miter lim="800000"/>
-            <a:headEnd/>
-            <a:tailEnd/>
-          </a:ln>
-          <a:extLst>
-            <a:ext uri="{909E8E84-426E-40dd-AFC4-6F175D3DCCD1}">
-              <a14:hiddenFill xmlns:a14="http://schemas.microsoft.com/office/drawing/2010/main">
-                <a:solidFill>
-                  <a:srgbClr val="FFFFFF"/>
-                </a:solidFill>
-              </a14:hiddenFill>
-            </a:ext>
-            <a:ext uri="{FAA26D3D-D897-4be2-8F04-BA451C77F1D7}">
-              <ma14:placeholderFlag xmlns:ma14="http://schemas.microsoft.com/office/mac/drawingml/2011/main" val="1"/>
-            </a:ext>
-          </a:extLst>
-        </p:spPr>
-      </p:sp>
-      <p:sp>
-        <p:nvSpPr>
-          <p:cNvPr id="70659" name="Rectangle 3"/>
-          <p:cNvSpPr>
-            <a:spLocks noGrp="1" noChangeArrowheads="1"/>
-          </p:cNvSpPr>
-          <p:nvPr>
-            <p:ph type="body" idx="1"/>
-          </p:nvPr>
-        </p:nvSpPr>
-        <p:spPr bwMode="auto">
-          <a:noFill/>
-          <a:extLst>
-            <a:ext uri="{909E8E84-426E-40dd-AFC4-6F175D3DCCD1}">
-              <a14:hiddenFill xmlns:a14="http://schemas.microsoft.com/office/drawing/2010/main">
-                <a:solidFill>
-                  <a:srgbClr val="FFFFFF"/>
-                </a:solidFill>
-              </a14:hiddenFill>
-            </a:ext>
-            <a:ext uri="{91240B29-F687-4f45-9708-019B960494DF}">
-              <a14:hiddenLine xmlns:a14="http://schemas.microsoft.com/office/drawing/2010/main" w="9525">
-                <a:solidFill>
-                  <a:srgbClr val="000000"/>
-                </a:solidFill>
-                <a:miter lim="800000"/>
-                <a:headEnd/>
-                <a:tailEnd/>
-              </a14:hiddenLine>
-            </a:ext>
-            <a:ext uri="{FAA26D3D-D897-4be2-8F04-BA451C77F1D7}">
-              <ma14:placeholderFlag xmlns:ma14="http://schemas.microsoft.com/office/mac/drawingml/2011/main" val="1"/>
-            </a:ext>
-          </a:extLst>
-        </p:spPr>
-        <p:txBody>
-          <a:bodyPr wrap="square" numCol="1" anchor="t" anchorCtr="0" compatLnSpc="1">
-            <a:prstTxWarp prst="textNoShape">
-              <a:avLst/>
-            </a:prstTxWarp>
-          </a:bodyPr>
-          <a:lstStyle/>
-          <a:p>
-            <a:pPr eaLnBrk="1" hangingPunct="1"/>
-            <a:endParaRPr lang="en-US">
-              <a:latin typeface="Calibri" charset="0"/>
-            </a:endParaRPr>
-          </a:p>
-        </p:txBody>
-      </p:sp>
-    </p:spTree>
-  </p:cSld>
-  <p:clrMapOvr>
-    <a:masterClrMapping/>
-  </p:clrMapOvr>
-</p:notes>
-</file>
-
-<file path=ppt/notesSlides/notesSlide3.xml><?xml version="1.0" encoding="utf-8"?>
-<p:notes xmlns:a="http://schemas.openxmlformats.org/drawingml/2006/main" xmlns:r="http://schemas.openxmlformats.org/officeDocument/2006/relationships" xmlns:p="http://schemas.openxmlformats.org/presentationml/2006/main">
-  <p:cSld>
-    <p:spTree>
-      <p:nvGrpSpPr>
-        <p:cNvPr id="1" name=""/>
-        <p:cNvGrpSpPr/>
-        <p:nvPr/>
-      </p:nvGrpSpPr>
-      <p:grpSpPr>
-        <a:xfrm>
-          <a:off x="0" y="0"/>
-          <a:ext cx="0" cy="0"/>
-          <a:chOff x="0" y="0"/>
-          <a:chExt cx="0" cy="0"/>
-        </a:xfrm>
-      </p:grpSpPr>
-      <p:sp>
-        <p:nvSpPr>
-          <p:cNvPr id="74753" name="Rectangle 2"/>
-          <p:cNvSpPr>
-            <a:spLocks noGrp="1" noRot="1" noChangeAspect="1" noChangeArrowheads="1" noTextEdit="1"/>
-          </p:cNvSpPr>
-          <p:nvPr>
-            <p:ph type="sldImg"/>
-          </p:nvPr>
-        </p:nvSpPr>
-        <p:spPr bwMode="auto">
-          <a:noFill/>
-          <a:ln>
-            <a:solidFill>
-              <a:srgbClr val="000000"/>
-            </a:solidFill>
-            <a:miter lim="800000"/>
-            <a:headEnd/>
-            <a:tailEnd/>
-          </a:ln>
-          <a:extLst>
-            <a:ext uri="{909E8E84-426E-40dd-AFC4-6F175D3DCCD1}">
-              <a14:hiddenFill xmlns:a14="http://schemas.microsoft.com/office/drawing/2010/main">
-                <a:solidFill>
-                  <a:srgbClr val="FFFFFF"/>
-                </a:solidFill>
-              </a14:hiddenFill>
-            </a:ext>
-            <a:ext uri="{FAA26D3D-D897-4be2-8F04-BA451C77F1D7}">
-              <ma14:placeholderFlag xmlns:ma14="http://schemas.microsoft.com/office/mac/drawingml/2011/main" val="1"/>
-            </a:ext>
-          </a:extLst>
-        </p:spPr>
-      </p:sp>
-      <p:sp>
-        <p:nvSpPr>
-          <p:cNvPr id="74754" name="Rectangle 3"/>
-          <p:cNvSpPr>
-            <a:spLocks noGrp="1" noChangeArrowheads="1"/>
-          </p:cNvSpPr>
-          <p:nvPr>
-            <p:ph type="body" idx="1"/>
-          </p:nvPr>
-        </p:nvSpPr>
-        <p:spPr bwMode="auto">
-          <a:noFill/>
-          <a:extLst>
-            <a:ext uri="{909E8E84-426E-40dd-AFC4-6F175D3DCCD1}">
-              <a14:hiddenFill xmlns:a14="http://schemas.microsoft.com/office/drawing/2010/main">
-                <a:solidFill>
-                  <a:srgbClr val="FFFFFF"/>
-                </a:solidFill>
-              </a14:hiddenFill>
-            </a:ext>
-            <a:ext uri="{91240B29-F687-4f45-9708-019B960494DF}">
-              <a14:hiddenLine xmlns:a14="http://schemas.microsoft.com/office/drawing/2010/main" w="9525">
-                <a:solidFill>
-                  <a:srgbClr val="000000"/>
-                </a:solidFill>
-                <a:miter lim="800000"/>
-                <a:headEnd/>
-                <a:tailEnd/>
-              </a14:hiddenLine>
-            </a:ext>
-            <a:ext uri="{FAA26D3D-D897-4be2-8F04-BA451C77F1D7}">
-              <ma14:placeholderFlag xmlns:ma14="http://schemas.microsoft.com/office/mac/drawingml/2011/main" val="1"/>
-            </a:ext>
-          </a:extLst>
-        </p:spPr>
-        <p:txBody>
-          <a:bodyPr wrap="square" numCol="1" anchor="t" anchorCtr="0" compatLnSpc="1">
-            <a:prstTxWarp prst="textNoShape">
-              <a:avLst/>
-            </a:prstTxWarp>
-          </a:bodyPr>
-          <a:lstStyle/>
-          <a:p>
-            <a:endParaRPr lang="en-US">
-              <a:latin typeface="Calibri" charset="0"/>
-            </a:endParaRPr>
-          </a:p>
-        </p:txBody>
-      </p:sp>
-    </p:spTree>
-  </p:cSld>
-  <p:clrMapOvr>
-    <a:masterClrMapping/>
-  </p:clrMapOvr>
-</p:notes>
-</file>
-
-<file path=ppt/notesSlides/notesSlide4.xml><?xml version="1.0" encoding="utf-8"?>
-<p:notes xmlns:a="http://schemas.openxmlformats.org/drawingml/2006/main" xmlns:r="http://schemas.openxmlformats.org/officeDocument/2006/relationships" xmlns:p="http://schemas.openxmlformats.org/presentationml/2006/main">
-  <p:cSld>
-    <p:spTree>
-      <p:nvGrpSpPr>
-        <p:cNvPr id="1" name=""/>
-        <p:cNvGrpSpPr/>
-        <p:nvPr/>
-      </p:nvGrpSpPr>
-      <p:grpSpPr>
-        <a:xfrm>
-          <a:off x="0" y="0"/>
-          <a:ext cx="0" cy="0"/>
-          <a:chOff x="0" y="0"/>
-          <a:chExt cx="0" cy="0"/>
-        </a:xfrm>
-      </p:grpSpPr>
-      <p:sp>
-        <p:nvSpPr>
-          <p:cNvPr id="76801" name="Rectangle 2"/>
-          <p:cNvSpPr>
-            <a:spLocks noGrp="1" noRot="1" noChangeAspect="1" noChangeArrowheads="1" noTextEdit="1"/>
-          </p:cNvSpPr>
-          <p:nvPr>
-            <p:ph type="sldImg"/>
-          </p:nvPr>
-        </p:nvSpPr>
-        <p:spPr bwMode="auto">
-          <a:noFill/>
-          <a:ln>
-            <a:solidFill>
-              <a:srgbClr val="000000"/>
-            </a:solidFill>
-            <a:miter lim="800000"/>
-            <a:headEnd/>
-            <a:tailEnd/>
-          </a:ln>
-          <a:extLst>
-            <a:ext uri="{909E8E84-426E-40dd-AFC4-6F175D3DCCD1}">
-              <a14:hiddenFill xmlns:a14="http://schemas.microsoft.com/office/drawing/2010/main">
-                <a:solidFill>
-                  <a:srgbClr val="FFFFFF"/>
-                </a:solidFill>
-              </a14:hiddenFill>
-            </a:ext>
-            <a:ext uri="{FAA26D3D-D897-4be2-8F04-BA451C77F1D7}">
-              <ma14:placeholderFlag xmlns:ma14="http://schemas.microsoft.com/office/mac/drawingml/2011/main" val="1"/>
-            </a:ext>
-          </a:extLst>
-        </p:spPr>
-      </p:sp>
-      <p:sp>
-        <p:nvSpPr>
-          <p:cNvPr id="76802" name="Rectangle 3"/>
-          <p:cNvSpPr>
-            <a:spLocks noGrp="1" noChangeArrowheads="1"/>
-          </p:cNvSpPr>
-          <p:nvPr>
-            <p:ph type="body" idx="1"/>
-          </p:nvPr>
-        </p:nvSpPr>
-        <p:spPr bwMode="auto">
-          <a:noFill/>
-          <a:extLst>
-            <a:ext uri="{909E8E84-426E-40dd-AFC4-6F175D3DCCD1}">
-              <a14:hiddenFill xmlns:a14="http://schemas.microsoft.com/office/drawing/2010/main">
-                <a:solidFill>
-                  <a:srgbClr val="FFFFFF"/>
-                </a:solidFill>
-              </a14:hiddenFill>
-            </a:ext>
-            <a:ext uri="{91240B29-F687-4f45-9708-019B960494DF}">
-              <a14:hiddenLine xmlns:a14="http://schemas.microsoft.com/office/drawing/2010/main" w="9525">
-                <a:solidFill>
-                  <a:srgbClr val="000000"/>
-                </a:solidFill>
-                <a:miter lim="800000"/>
-                <a:headEnd/>
-                <a:tailEnd/>
-              </a14:hiddenLine>
-            </a:ext>
-            <a:ext uri="{FAA26D3D-D897-4be2-8F04-BA451C77F1D7}">
-              <ma14:placeholderFlag xmlns:ma14="http://schemas.microsoft.com/office/mac/drawingml/2011/main" val="1"/>
-            </a:ext>
-          </a:extLst>
-        </p:spPr>
-        <p:txBody>
-          <a:bodyPr wrap="square" numCol="1" anchor="t" anchorCtr="0" compatLnSpc="1">
-            <a:prstTxWarp prst="textNoShape">
-              <a:avLst/>
-            </a:prstTxWarp>
-          </a:bodyPr>
-          <a:lstStyle/>
-          <a:p>
-            <a:endParaRPr lang="en-US">
-              <a:latin typeface="Calibri" charset="0"/>
-            </a:endParaRPr>
-          </a:p>
-        </p:txBody>
-      </p:sp>
-    </p:spTree>
-  </p:cSld>
-  <p:clrMapOvr>
-    <a:masterClrMapping/>
-  </p:clrMapOvr>
-</p:notes>
-</file>
-
-<file path=ppt/notesSlides/notesSlide5.xml><?xml version="1.0" encoding="utf-8"?>
-<p:notes xmlns:a="http://schemas.openxmlformats.org/drawingml/2006/main" xmlns:r="http://schemas.openxmlformats.org/officeDocument/2006/relationships" xmlns:p="http://schemas.openxmlformats.org/presentationml/2006/main">
-  <p:cSld>
-    <p:spTree>
-      <p:nvGrpSpPr>
-        <p:cNvPr id="1" name=""/>
-        <p:cNvGrpSpPr/>
-        <p:nvPr/>
-      </p:nvGrpSpPr>
-      <p:grpSpPr>
-        <a:xfrm>
-          <a:off x="0" y="0"/>
-          <a:ext cx="0" cy="0"/>
-          <a:chOff x="0" y="0"/>
-          <a:chExt cx="0" cy="0"/>
-        </a:xfrm>
-      </p:grpSpPr>
-      <p:sp>
-        <p:nvSpPr>
-          <p:cNvPr id="78849" name="Rectangle 2"/>
-          <p:cNvSpPr>
-            <a:spLocks noGrp="1" noRot="1" noChangeAspect="1" noChangeArrowheads="1" noTextEdit="1"/>
-          </p:cNvSpPr>
-          <p:nvPr>
-            <p:ph type="sldImg"/>
-          </p:nvPr>
-        </p:nvSpPr>
-        <p:spPr bwMode="auto">
-          <a:noFill/>
-          <a:ln>
-            <a:solidFill>
-              <a:srgbClr val="000000"/>
-            </a:solidFill>
-            <a:miter lim="800000"/>
-            <a:headEnd/>
-            <a:tailEnd/>
-          </a:ln>
-          <a:extLst>
-            <a:ext uri="{909E8E84-426E-40dd-AFC4-6F175D3DCCD1}">
-              <a14:hiddenFill xmlns:a14="http://schemas.microsoft.com/office/drawing/2010/main">
-                <a:solidFill>
-                  <a:srgbClr val="FFFFFF"/>
-                </a:solidFill>
-              </a14:hiddenFill>
-            </a:ext>
-            <a:ext uri="{FAA26D3D-D897-4be2-8F04-BA451C77F1D7}">
-              <ma14:placeholderFlag xmlns:ma14="http://schemas.microsoft.com/office/mac/drawingml/2011/main" val="1"/>
-            </a:ext>
-          </a:extLst>
-        </p:spPr>
-      </p:sp>
-      <p:sp>
-        <p:nvSpPr>
-          <p:cNvPr id="78850" name="Rectangle 3"/>
-          <p:cNvSpPr>
-            <a:spLocks noGrp="1" noChangeArrowheads="1"/>
-          </p:cNvSpPr>
-          <p:nvPr>
-            <p:ph type="body" idx="1"/>
-          </p:nvPr>
-        </p:nvSpPr>
-        <p:spPr bwMode="auto">
-          <a:noFill/>
-          <a:extLst>
-            <a:ext uri="{909E8E84-426E-40dd-AFC4-6F175D3DCCD1}">
-              <a14:hiddenFill xmlns:a14="http://schemas.microsoft.com/office/drawing/2010/main">
-                <a:solidFill>
-                  <a:srgbClr val="FFFFFF"/>
-                </a:solidFill>
-              </a14:hiddenFill>
-            </a:ext>
-            <a:ext uri="{91240B29-F687-4f45-9708-019B960494DF}">
-              <a14:hiddenLine xmlns:a14="http://schemas.microsoft.com/office/drawing/2010/main" w="9525">
-                <a:solidFill>
-                  <a:srgbClr val="000000"/>
-                </a:solidFill>
-                <a:miter lim="800000"/>
-                <a:headEnd/>
-                <a:tailEnd/>
-              </a14:hiddenLine>
-            </a:ext>
-            <a:ext uri="{FAA26D3D-D897-4be2-8F04-BA451C77F1D7}">
-              <ma14:placeholderFlag xmlns:ma14="http://schemas.microsoft.com/office/mac/drawingml/2011/main" val="1"/>
-            </a:ext>
-          </a:extLst>
-        </p:spPr>
-        <p:txBody>
-          <a:bodyPr wrap="square" numCol="1" anchor="t" anchorCtr="0" compatLnSpc="1">
-            <a:prstTxWarp prst="textNoShape">
-              <a:avLst/>
-            </a:prstTxWarp>
-          </a:bodyPr>
-          <a:lstStyle/>
-          <a:p>
-            <a:endParaRPr lang="en-US">
-              <a:latin typeface="Calibri" charset="0"/>
-            </a:endParaRPr>
-          </a:p>
-        </p:txBody>
-      </p:sp>
-    </p:spTree>
-  </p:cSld>
-  <p:clrMapOvr>
-    <a:masterClrMapping/>
-  </p:clrMapOvr>
-</p:notes>
-</file>
-
-<file path=ppt/notesSlides/notesSlide6.xml><?xml version="1.0" encoding="utf-8"?>
-<p:notes xmlns:a="http://schemas.openxmlformats.org/drawingml/2006/main" xmlns:r="http://schemas.openxmlformats.org/officeDocument/2006/relationships" xmlns:p="http://schemas.openxmlformats.org/presentationml/2006/main">
-  <p:cSld>
-    <p:spTree>
-      <p:nvGrpSpPr>
-        <p:cNvPr id="1" name=""/>
-        <p:cNvGrpSpPr/>
-        <p:nvPr/>
-      </p:nvGrpSpPr>
-      <p:grpSpPr>
-        <a:xfrm>
-          <a:off x="0" y="0"/>
-          <a:ext cx="0" cy="0"/>
-          <a:chOff x="0" y="0"/>
-          <a:chExt cx="0" cy="0"/>
-        </a:xfrm>
-      </p:grpSpPr>
-      <p:sp>
-        <p:nvSpPr>
-          <p:cNvPr id="80897" name="Rectangle 2"/>
-          <p:cNvSpPr>
-            <a:spLocks noGrp="1" noRot="1" noChangeAspect="1" noChangeArrowheads="1" noTextEdit="1"/>
-          </p:cNvSpPr>
-          <p:nvPr>
-            <p:ph type="sldImg"/>
-          </p:nvPr>
-        </p:nvSpPr>
-        <p:spPr bwMode="auto">
-          <a:noFill/>
-          <a:ln>
-            <a:solidFill>
-              <a:srgbClr val="000000"/>
-            </a:solidFill>
-            <a:miter lim="800000"/>
-            <a:headEnd/>
-            <a:tailEnd/>
-          </a:ln>
-          <a:extLst>
-            <a:ext uri="{909E8E84-426E-40dd-AFC4-6F175D3DCCD1}">
-              <a14:hiddenFill xmlns:a14="http://schemas.microsoft.com/office/drawing/2010/main">
-                <a:solidFill>
-                  <a:srgbClr val="FFFFFF"/>
-                </a:solidFill>
-              </a14:hiddenFill>
-            </a:ext>
-            <a:ext uri="{FAA26D3D-D897-4be2-8F04-BA451C77F1D7}">
-              <ma14:placeholderFlag xmlns:ma14="http://schemas.microsoft.com/office/mac/drawingml/2011/main" val="1"/>
-            </a:ext>
-          </a:extLst>
-        </p:spPr>
-      </p:sp>
-      <p:sp>
-        <p:nvSpPr>
-          <p:cNvPr id="80898" name="Rectangle 3"/>
-          <p:cNvSpPr>
-            <a:spLocks noGrp="1" noChangeArrowheads="1"/>
-          </p:cNvSpPr>
-          <p:nvPr>
-            <p:ph type="body" idx="1"/>
-          </p:nvPr>
-        </p:nvSpPr>
-        <p:spPr bwMode="auto">
-          <a:noFill/>
-          <a:extLst>
-            <a:ext uri="{909E8E84-426E-40dd-AFC4-6F175D3DCCD1}">
-              <a14:hiddenFill xmlns:a14="http://schemas.microsoft.com/office/drawing/2010/main">
-                <a:solidFill>
-                  <a:srgbClr val="FFFFFF"/>
-                </a:solidFill>
-              </a14:hiddenFill>
-            </a:ext>
-            <a:ext uri="{91240B29-F687-4f45-9708-019B960494DF}">
-              <a14:hiddenLine xmlns:a14="http://schemas.microsoft.com/office/drawing/2010/main" w="9525">
-                <a:solidFill>
-                  <a:srgbClr val="000000"/>
-                </a:solidFill>
-                <a:miter lim="800000"/>
-                <a:headEnd/>
-                <a:tailEnd/>
-              </a14:hiddenLine>
-            </a:ext>
-            <a:ext uri="{FAA26D3D-D897-4be2-8F04-BA451C77F1D7}">
-              <ma14:placeholderFlag xmlns:ma14="http://schemas.microsoft.com/office/mac/drawingml/2011/main" val="1"/>
-            </a:ext>
-          </a:extLst>
-        </p:spPr>
-        <p:txBody>
-          <a:bodyPr wrap="square" numCol="1" anchor="t" anchorCtr="0" compatLnSpc="1">
-            <a:prstTxWarp prst="textNoShape">
-              <a:avLst/>
-            </a:prstTxWarp>
-          </a:bodyPr>
-          <a:lstStyle/>
-          <a:p>
-            <a:endParaRPr lang="en-US">
-              <a:latin typeface="Calibri" charset="0"/>
-            </a:endParaRPr>
-          </a:p>
-        </p:txBody>
-      </p:sp>
-    </p:spTree>
-  </p:cSld>
-  <p:clrMapOvr>
-    <a:masterClrMapping/>
-  </p:clrMapOvr>
-</p:notes>
-</file>
-
-<file path=ppt/notesSlides/notesSlide7.xml><?xml version="1.0" encoding="utf-8"?>
-<p:notes xmlns:a="http://schemas.openxmlformats.org/drawingml/2006/main" xmlns:r="http://schemas.openxmlformats.org/officeDocument/2006/relationships" xmlns:p="http://schemas.openxmlformats.org/presentationml/2006/main">
-  <p:cSld>
-    <p:spTree>
-      <p:nvGrpSpPr>
-        <p:cNvPr id="1" name=""/>
-        <p:cNvGrpSpPr/>
-        <p:nvPr/>
-      </p:nvGrpSpPr>
-      <p:grpSpPr>
-        <a:xfrm>
-          <a:off x="0" y="0"/>
-          <a:ext cx="0" cy="0"/>
-          <a:chOff x="0" y="0"/>
-          <a:chExt cx="0" cy="0"/>
-        </a:xfrm>
-      </p:grpSpPr>
-      <p:sp>
-        <p:nvSpPr>
-          <p:cNvPr id="82945" name="Rectangle 2"/>
-          <p:cNvSpPr>
-            <a:spLocks noGrp="1" noRot="1" noChangeAspect="1" noChangeArrowheads="1" noTextEdit="1"/>
-          </p:cNvSpPr>
-          <p:nvPr>
-            <p:ph type="sldImg"/>
-          </p:nvPr>
-        </p:nvSpPr>
-        <p:spPr bwMode="auto">
-          <a:noFill/>
-          <a:ln>
-            <a:solidFill>
-              <a:srgbClr val="000000"/>
-            </a:solidFill>
-            <a:miter lim="800000"/>
-            <a:headEnd/>
-            <a:tailEnd/>
-          </a:ln>
-          <a:extLst>
-            <a:ext uri="{909E8E84-426E-40dd-AFC4-6F175D3DCCD1}">
-              <a14:hiddenFill xmlns:a14="http://schemas.microsoft.com/office/drawing/2010/main">
-                <a:solidFill>
-                  <a:srgbClr val="FFFFFF"/>
-                </a:solidFill>
-              </a14:hiddenFill>
-            </a:ext>
-            <a:ext uri="{FAA26D3D-D897-4be2-8F04-BA451C77F1D7}">
-              <ma14:placeholderFlag xmlns:ma14="http://schemas.microsoft.com/office/mac/drawingml/2011/main" val="1"/>
-            </a:ext>
-          </a:extLst>
-        </p:spPr>
-      </p:sp>
-      <p:sp>
-        <p:nvSpPr>
-          <p:cNvPr id="82946" name="Rectangle 3"/>
-          <p:cNvSpPr>
-            <a:spLocks noGrp="1" noChangeArrowheads="1"/>
-          </p:cNvSpPr>
-          <p:nvPr>
-            <p:ph type="body" idx="1"/>
-          </p:nvPr>
-        </p:nvSpPr>
-        <p:spPr bwMode="auto">
-          <a:noFill/>
-          <a:extLst>
-            <a:ext uri="{909E8E84-426E-40dd-AFC4-6F175D3DCCD1}">
-              <a14:hiddenFill xmlns:a14="http://schemas.microsoft.com/office/drawing/2010/main">
-                <a:solidFill>
-                  <a:srgbClr val="FFFFFF"/>
-                </a:solidFill>
-              </a14:hiddenFill>
-            </a:ext>
-            <a:ext uri="{91240B29-F687-4f45-9708-019B960494DF}">
-              <a14:hiddenLine xmlns:a14="http://schemas.microsoft.com/office/drawing/2010/main" w="9525">
-                <a:solidFill>
-                  <a:srgbClr val="000000"/>
-                </a:solidFill>
-                <a:miter lim="800000"/>
-                <a:headEnd/>
-                <a:tailEnd/>
-              </a14:hiddenLine>
-            </a:ext>
-            <a:ext uri="{FAA26D3D-D897-4be2-8F04-BA451C77F1D7}">
-              <ma14:placeholderFlag xmlns:ma14="http://schemas.microsoft.com/office/mac/drawingml/2011/main" val="1"/>
-            </a:ext>
-          </a:extLst>
-        </p:spPr>
-        <p:txBody>
-          <a:bodyPr wrap="square" numCol="1" anchor="t" anchorCtr="0" compatLnSpc="1">
-            <a:prstTxWarp prst="textNoShape">
-              <a:avLst/>
-            </a:prstTxWarp>
-          </a:bodyPr>
-          <a:lstStyle/>
-          <a:p>
-            <a:endParaRPr lang="en-US">
-              <a:latin typeface="Calibri" charset="0"/>
-            </a:endParaRPr>
-          </a:p>
-        </p:txBody>
-      </p:sp>
-    </p:spTree>
-  </p:cSld>
-  <p:clrMapOvr>
-    <a:masterClrMapping/>
-  </p:clrMapOvr>
-</p:notes>
-</file>
-
-<file path=ppt/notesSlides/notesSlide8.xml><?xml version="1.0" encoding="utf-8"?>
-<p:notes xmlns:a="http://schemas.openxmlformats.org/drawingml/2006/main" xmlns:r="http://schemas.openxmlformats.org/officeDocument/2006/relationships" xmlns:p="http://schemas.openxmlformats.org/presentationml/2006/main">
-  <p:cSld>
-    <p:spTree>
-      <p:nvGrpSpPr>
-        <p:cNvPr id="1" name=""/>
-        <p:cNvGrpSpPr/>
-        <p:nvPr/>
-      </p:nvGrpSpPr>
-      <p:grpSpPr>
-        <a:xfrm>
-          <a:off x="0" y="0"/>
-          <a:ext cx="0" cy="0"/>
-          <a:chOff x="0" y="0"/>
-          <a:chExt cx="0" cy="0"/>
-        </a:xfrm>
-      </p:grpSpPr>
-      <p:sp>
-        <p:nvSpPr>
-          <p:cNvPr id="84993" name="Rectangle 2"/>
-          <p:cNvSpPr>
-            <a:spLocks noGrp="1" noRot="1" noChangeAspect="1" noChangeArrowheads="1" noTextEdit="1"/>
-          </p:cNvSpPr>
-          <p:nvPr>
-            <p:ph type="sldImg"/>
-          </p:nvPr>
-        </p:nvSpPr>
-        <p:spPr bwMode="auto">
-          <a:noFill/>
-          <a:ln>
-            <a:solidFill>
-              <a:srgbClr val="000000"/>
-            </a:solidFill>
-            <a:miter lim="800000"/>
-            <a:headEnd/>
-            <a:tailEnd/>
-          </a:ln>
-          <a:extLst>
-            <a:ext uri="{909E8E84-426E-40dd-AFC4-6F175D3DCCD1}">
-              <a14:hiddenFill xmlns:a14="http://schemas.microsoft.com/office/drawing/2010/main">
-                <a:solidFill>
-                  <a:srgbClr val="FFFFFF"/>
-                </a:solidFill>
-              </a14:hiddenFill>
-            </a:ext>
-            <a:ext uri="{FAA26D3D-D897-4be2-8F04-BA451C77F1D7}">
-              <ma14:placeholderFlag xmlns:ma14="http://schemas.microsoft.com/office/mac/drawingml/2011/main" val="1"/>
-            </a:ext>
-          </a:extLst>
-        </p:spPr>
-      </p:sp>
-      <p:sp>
-        <p:nvSpPr>
-          <p:cNvPr id="84994" name="Rectangle 3"/>
-          <p:cNvSpPr>
-            <a:spLocks noGrp="1" noChangeArrowheads="1"/>
-          </p:cNvSpPr>
-          <p:nvPr>
-            <p:ph type="body" idx="1"/>
-          </p:nvPr>
-        </p:nvSpPr>
-        <p:spPr bwMode="auto">
-          <a:noFill/>
-          <a:extLst>
-            <a:ext uri="{909E8E84-426E-40dd-AFC4-6F175D3DCCD1}">
-              <a14:hiddenFill xmlns:a14="http://schemas.microsoft.com/office/drawing/2010/main">
-                <a:solidFill>
-                  <a:srgbClr val="FFFFFF"/>
-                </a:solidFill>
-              </a14:hiddenFill>
-            </a:ext>
-            <a:ext uri="{91240B29-F687-4f45-9708-019B960494DF}">
-              <a14:hiddenLine xmlns:a14="http://schemas.microsoft.com/office/drawing/2010/main" w="9525">
-                <a:solidFill>
-                  <a:srgbClr val="000000"/>
-                </a:solidFill>
-                <a:miter lim="800000"/>
-                <a:headEnd/>
-                <a:tailEnd/>
-              </a14:hiddenLine>
-            </a:ext>
-            <a:ext uri="{FAA26D3D-D897-4be2-8F04-BA451C77F1D7}">
-              <ma14:placeholderFlag xmlns:ma14="http://schemas.microsoft.com/office/mac/drawingml/2011/main" val="1"/>
-            </a:ext>
-          </a:extLst>
-        </p:spPr>
-        <p:txBody>
-          <a:bodyPr wrap="square" numCol="1" anchor="t" anchorCtr="0" compatLnSpc="1">
-            <a:prstTxWarp prst="textNoShape">
-              <a:avLst/>
-            </a:prstTxWarp>
-          </a:bodyPr>
-          <a:lstStyle/>
-          <a:p>
-            <a:endParaRPr lang="en-US">
-              <a:latin typeface="Calibri" charset="0"/>
-            </a:endParaRPr>
-          </a:p>
-        </p:txBody>
-      </p:sp>
-    </p:spTree>
-  </p:cSld>
-  <p:clrMapOvr>
-    <a:masterClrMapping/>
-  </p:clrMapOvr>
-</p:notes>
-</file>
-
-<file path=ppt/notesSlides/notesSlide9.xml><?xml version="1.0" encoding="utf-8"?>
-<p:notes xmlns:a="http://schemas.openxmlformats.org/drawingml/2006/main" xmlns:r="http://schemas.openxmlformats.org/officeDocument/2006/relationships" xmlns:p="http://schemas.openxmlformats.org/presentationml/2006/main">
-  <p:cSld>
-    <p:spTree>
-      <p:nvGrpSpPr>
-        <p:cNvPr id="1" name=""/>
-        <p:cNvGrpSpPr/>
-        <p:nvPr/>
-      </p:nvGrpSpPr>
-      <p:grpSpPr>
-        <a:xfrm>
-          <a:off x="0" y="0"/>
-          <a:ext cx="0" cy="0"/>
-          <a:chOff x="0" y="0"/>
-          <a:chExt cx="0" cy="0"/>
-        </a:xfrm>
-      </p:grpSpPr>
-      <p:sp>
-        <p:nvSpPr>
-          <p:cNvPr id="2" name="Slide Image Placeholder 1"/>
-          <p:cNvSpPr>
-            <a:spLocks noGrp="1" noRot="1" noChangeAspect="1"/>
-          </p:cNvSpPr>
-          <p:nvPr>
-            <p:ph type="sldImg"/>
-          </p:nvPr>
-        </p:nvSpPr>
-        <p:spPr/>
-      </p:sp>
-      <p:sp>
-        <p:nvSpPr>
-          <p:cNvPr id="3" name="Notes Placeholder 2"/>
-          <p:cNvSpPr>
-            <a:spLocks noGrp="1"/>
-          </p:cNvSpPr>
-          <p:nvPr>
-            <p:ph type="body" idx="1"/>
-          </p:nvPr>
-        </p:nvSpPr>
-        <p:spPr/>
-        <p:txBody>
-          <a:bodyPr/>
-          <a:lstStyle/>
-          <a:p>
-            <a:endParaRPr lang="en-US"/>
-          </a:p>
-        </p:txBody>
-      </p:sp>
-      <p:sp>
-        <p:nvSpPr>
-          <p:cNvPr id="4" name="Slide Number Placeholder 3"/>
-          <p:cNvSpPr>
-            <a:spLocks noGrp="1"/>
-          </p:cNvSpPr>
-          <p:nvPr>
-            <p:ph type="sldNum" sz="quarter" idx="10"/>
-          </p:nvPr>
-        </p:nvSpPr>
-        <p:spPr/>
-        <p:txBody>
-          <a:bodyPr/>
-          <a:lstStyle/>
-          <a:p>
-            <a:fld id="{3560C2FB-C494-1A46-A471-884A4E75440F}" type="slidenum">
-              <a:rPr lang="en-US" smtClean="0"/>
-              <a:pPr/>
-              <a:t>9</a:t>
-            </a:fld>
-            <a:endParaRPr lang="en-US" dirty="0"/>
-          </a:p>
-        </p:txBody>
-      </p:sp>
-    </p:spTree>
-    <p:extLst>
-      <p:ext uri="{BB962C8B-B14F-4D97-AF65-F5344CB8AC3E}">
-        <p14:creationId xmlns:p14="http://schemas.microsoft.com/office/powerpoint/2010/main" val="963676054"/>
+        <p14:creationId xmlns:p14="http://schemas.microsoft.com/office/powerpoint/2010/main" xmlns:p="http://schemas.openxmlformats.org/presentationml/2006/main" xmlns:r="http://schemas.openxmlformats.org/officeDocument/2006/relationships" xmlns:a="http://schemas.openxmlformats.org/drawingml/2006/main" xmlns="" val="1443086944"/>
       </p:ext>
     </p:extLst>
   </p:cSld>
@@ -2045,7 +1321,7 @@
 </file>
 
 <file path=ppt/slideLayouts/slideLayout1.xml><?xml version="1.0" encoding="utf-8"?>
-<p:sldLayout xmlns:a="http://schemas.openxmlformats.org/drawingml/2006/main" xmlns:r="http://schemas.openxmlformats.org/officeDocument/2006/relationships" xmlns:p="http://schemas.openxmlformats.org/presentationml/2006/main" type="title" preserve="1">
+<p:sldLayout xmlns:a="http://schemas.openxmlformats.org/drawingml/2006/main" xmlns:r="http://schemas.openxmlformats.org/officeDocument/2006/relationships" xmlns:mc="http://schemas.openxmlformats.org/markup-compatibility/2006" xmlns:mv="urn:schemas-microsoft-com:mac:vml" xmlns:p="http://schemas.openxmlformats.org/presentationml/2006/main" mc:Ignorable="mv" mc:PreserveAttributes="mv:*" type="title" preserve="1">
   <p:cSld name="Title Slide">
     <p:bg>
       <p:bgPr>
@@ -2269,7 +1545,7 @@
 </file>
 
 <file path=ppt/slideLayouts/slideLayout10.xml><?xml version="1.0" encoding="utf-8"?>
-<p:sldLayout xmlns:a="http://schemas.openxmlformats.org/drawingml/2006/main" xmlns:r="http://schemas.openxmlformats.org/officeDocument/2006/relationships" xmlns:p="http://schemas.openxmlformats.org/presentationml/2006/main" preserve="1" userDrawn="1">
+<p:sldLayout xmlns:a="http://schemas.openxmlformats.org/drawingml/2006/main" xmlns:r="http://schemas.openxmlformats.org/officeDocument/2006/relationships" xmlns:mc="http://schemas.openxmlformats.org/markup-compatibility/2006" xmlns:mv="urn:schemas-microsoft-com:mac:vml" xmlns:p="http://schemas.openxmlformats.org/presentationml/2006/main" mc:Ignorable="mv" mc:PreserveAttributes="mv:*" preserve="1" userDrawn="1">
   <p:cSld name="Impact Slide - Pink">
     <p:bg>
       <p:bgPr>
@@ -2342,7 +1618,7 @@
 </file>
 
 <file path=ppt/slideLayouts/slideLayout11.xml><?xml version="1.0" encoding="utf-8"?>
-<p:sldLayout xmlns:a="http://schemas.openxmlformats.org/drawingml/2006/main" xmlns:r="http://schemas.openxmlformats.org/officeDocument/2006/relationships" xmlns:p="http://schemas.openxmlformats.org/presentationml/2006/main" preserve="1" userDrawn="1">
+<p:sldLayout xmlns:a="http://schemas.openxmlformats.org/drawingml/2006/main" xmlns:r="http://schemas.openxmlformats.org/officeDocument/2006/relationships" xmlns:mc="http://schemas.openxmlformats.org/markup-compatibility/2006" xmlns:mv="urn:schemas-microsoft-com:mac:vml" xmlns:p="http://schemas.openxmlformats.org/presentationml/2006/main" mc:Ignorable="mv" mc:PreserveAttributes="mv:*" preserve="1" userDrawn="1">
   <p:cSld name="Quote Slide - Neutral">
     <p:bg>
       <p:bgPr>
@@ -2501,7 +1777,7 @@
 </file>
 
 <file path=ppt/slideLayouts/slideLayout12.xml><?xml version="1.0" encoding="utf-8"?>
-<p:sldLayout xmlns:a="http://schemas.openxmlformats.org/drawingml/2006/main" xmlns:r="http://schemas.openxmlformats.org/officeDocument/2006/relationships" xmlns:p="http://schemas.openxmlformats.org/presentationml/2006/main" preserve="1" userDrawn="1">
+<p:sldLayout xmlns:a="http://schemas.openxmlformats.org/drawingml/2006/main" xmlns:r="http://schemas.openxmlformats.org/officeDocument/2006/relationships" xmlns:mc="http://schemas.openxmlformats.org/markup-compatibility/2006" xmlns:mv="urn:schemas-microsoft-com:mac:vml" xmlns:p="http://schemas.openxmlformats.org/presentationml/2006/main" mc:Ignorable="mv" mc:PreserveAttributes="mv:*" preserve="1" userDrawn="1">
   <p:cSld name="Quote Slide - Teal">
     <p:bg>
       <p:bgPr>
@@ -2654,7 +1930,7 @@
 </file>
 
 <file path=ppt/slideLayouts/slideLayout13.xml><?xml version="1.0" encoding="utf-8"?>
-<p:sldLayout xmlns:a="http://schemas.openxmlformats.org/drawingml/2006/main" xmlns:r="http://schemas.openxmlformats.org/officeDocument/2006/relationships" xmlns:p="http://schemas.openxmlformats.org/presentationml/2006/main" preserve="1" userDrawn="1">
+<p:sldLayout xmlns:a="http://schemas.openxmlformats.org/drawingml/2006/main" xmlns:r="http://schemas.openxmlformats.org/officeDocument/2006/relationships" xmlns:mc="http://schemas.openxmlformats.org/markup-compatibility/2006" xmlns:mv="urn:schemas-microsoft-com:mac:vml" xmlns:p="http://schemas.openxmlformats.org/presentationml/2006/main" mc:Ignorable="mv" mc:PreserveAttributes="mv:*" preserve="1" userDrawn="1">
   <p:cSld name="Quote Slide - Green">
     <p:bg>
       <p:bgPr>
@@ -2807,7 +2083,7 @@
 </file>
 
 <file path=ppt/slideLayouts/slideLayout14.xml><?xml version="1.0" encoding="utf-8"?>
-<p:sldLayout xmlns:a="http://schemas.openxmlformats.org/drawingml/2006/main" xmlns:r="http://schemas.openxmlformats.org/officeDocument/2006/relationships" xmlns:p="http://schemas.openxmlformats.org/presentationml/2006/main" preserve="1" userDrawn="1">
+<p:sldLayout xmlns:a="http://schemas.openxmlformats.org/drawingml/2006/main" xmlns:r="http://schemas.openxmlformats.org/officeDocument/2006/relationships" xmlns:mc="http://schemas.openxmlformats.org/markup-compatibility/2006" xmlns:mv="urn:schemas-microsoft-com:mac:vml" xmlns:p="http://schemas.openxmlformats.org/presentationml/2006/main" mc:Ignorable="mv" mc:PreserveAttributes="mv:*" preserve="1" userDrawn="1">
   <p:cSld name="Orange Quote Slide">
     <p:bg>
       <p:bgPr>
@@ -2960,7 +2236,7 @@
 </file>
 
 <file path=ppt/slideLayouts/slideLayout15.xml><?xml version="1.0" encoding="utf-8"?>
-<p:sldLayout xmlns:a="http://schemas.openxmlformats.org/drawingml/2006/main" xmlns:r="http://schemas.openxmlformats.org/officeDocument/2006/relationships" xmlns:p="http://schemas.openxmlformats.org/presentationml/2006/main" preserve="1" userDrawn="1">
+<p:sldLayout xmlns:a="http://schemas.openxmlformats.org/drawingml/2006/main" xmlns:r="http://schemas.openxmlformats.org/officeDocument/2006/relationships" xmlns:mc="http://schemas.openxmlformats.org/markup-compatibility/2006" xmlns:mv="urn:schemas-microsoft-com:mac:vml" xmlns:p="http://schemas.openxmlformats.org/presentationml/2006/main" mc:Ignorable="mv" mc:PreserveAttributes="mv:*" preserve="1" userDrawn="1">
   <p:cSld name="Quote Slide - Pink">
     <p:bg>
       <p:bgPr>
@@ -3113,7 +2389,7 @@
 </file>
 
 <file path=ppt/slideLayouts/slideLayout16.xml><?xml version="1.0" encoding="utf-8"?>
-<p:sldLayout xmlns:a="http://schemas.openxmlformats.org/drawingml/2006/main" xmlns:r="http://schemas.openxmlformats.org/officeDocument/2006/relationships" xmlns:p="http://schemas.openxmlformats.org/presentationml/2006/main" preserve="1" userDrawn="1">
+<p:sldLayout xmlns:a="http://schemas.openxmlformats.org/drawingml/2006/main" xmlns:r="http://schemas.openxmlformats.org/officeDocument/2006/relationships" xmlns:mc="http://schemas.openxmlformats.org/markup-compatibility/2006" xmlns:mv="urn:schemas-microsoft-com:mac:vml" xmlns:p="http://schemas.openxmlformats.org/presentationml/2006/main" mc:Ignorable="mv" mc:PreserveAttributes="mv:*" preserve="1" userDrawn="1">
   <p:cSld name="Thank You - Teal">
     <p:bg>
       <p:bgPr>
@@ -3244,7 +2520,7 @@
 </file>
 
 <file path=ppt/slideLayouts/slideLayout17.xml><?xml version="1.0" encoding="utf-8"?>
-<p:sldLayout xmlns:a="http://schemas.openxmlformats.org/drawingml/2006/main" xmlns:r="http://schemas.openxmlformats.org/officeDocument/2006/relationships" xmlns:p="http://schemas.openxmlformats.org/presentationml/2006/main" preserve="1" userDrawn="1">
+<p:sldLayout xmlns:a="http://schemas.openxmlformats.org/drawingml/2006/main" xmlns:r="http://schemas.openxmlformats.org/officeDocument/2006/relationships" xmlns:mc="http://schemas.openxmlformats.org/markup-compatibility/2006" xmlns:mv="urn:schemas-microsoft-com:mac:vml" xmlns:p="http://schemas.openxmlformats.org/presentationml/2006/main" mc:Ignorable="mv" mc:PreserveAttributes="mv:*" preserve="1" userDrawn="1">
   <p:cSld name="Thank You - Green">
     <p:bg>
       <p:bgPr>
@@ -3375,7 +2651,7 @@
 </file>
 
 <file path=ppt/slideLayouts/slideLayout18.xml><?xml version="1.0" encoding="utf-8"?>
-<p:sldLayout xmlns:a="http://schemas.openxmlformats.org/drawingml/2006/main" xmlns:r="http://schemas.openxmlformats.org/officeDocument/2006/relationships" xmlns:p="http://schemas.openxmlformats.org/presentationml/2006/main" userDrawn="1">
+<p:sldLayout xmlns:a="http://schemas.openxmlformats.org/drawingml/2006/main" xmlns:r="http://schemas.openxmlformats.org/officeDocument/2006/relationships" xmlns:mc="http://schemas.openxmlformats.org/markup-compatibility/2006" xmlns:mv="urn:schemas-microsoft-com:mac:vml" xmlns:p="http://schemas.openxmlformats.org/presentationml/2006/main" mc:Ignorable="mv" mc:PreserveAttributes="mv:*" userDrawn="1">
   <p:cSld name="Thank You - Orange">
     <p:bg>
       <p:bgPr>
@@ -3506,7 +2782,7 @@
 </file>
 
 <file path=ppt/slideLayouts/slideLayout19.xml><?xml version="1.0" encoding="utf-8"?>
-<p:sldLayout xmlns:a="http://schemas.openxmlformats.org/drawingml/2006/main" xmlns:r="http://schemas.openxmlformats.org/officeDocument/2006/relationships" xmlns:p="http://schemas.openxmlformats.org/presentationml/2006/main" userDrawn="1">
+<p:sldLayout xmlns:a="http://schemas.openxmlformats.org/drawingml/2006/main" xmlns:r="http://schemas.openxmlformats.org/officeDocument/2006/relationships" xmlns:mc="http://schemas.openxmlformats.org/markup-compatibility/2006" xmlns:mv="urn:schemas-microsoft-com:mac:vml" xmlns:p="http://schemas.openxmlformats.org/presentationml/2006/main" mc:Ignorable="mv" mc:PreserveAttributes="mv:*" userDrawn="1">
   <p:cSld name="Thank You - Pink">
     <p:bg>
       <p:bgPr>
@@ -3637,7 +2913,7 @@
 </file>
 
 <file path=ppt/slideLayouts/slideLayout2.xml><?xml version="1.0" encoding="utf-8"?>
-<p:sldLayout xmlns:a="http://schemas.openxmlformats.org/drawingml/2006/main" xmlns:r="http://schemas.openxmlformats.org/officeDocument/2006/relationships" xmlns:p="http://schemas.openxmlformats.org/presentationml/2006/main" preserve="1" userDrawn="1">
+<p:sldLayout xmlns:a="http://schemas.openxmlformats.org/drawingml/2006/main" xmlns:r="http://schemas.openxmlformats.org/officeDocument/2006/relationships" xmlns:mc="http://schemas.openxmlformats.org/markup-compatibility/2006" xmlns:mv="urn:schemas-microsoft-com:mac:vml" xmlns:p="http://schemas.openxmlformats.org/presentationml/2006/main" mc:Ignorable="mv" mc:PreserveAttributes="mv:*" preserve="1" userDrawn="1">
   <p:cSld name="Title and Single Element">
     <p:spTree>
       <p:nvGrpSpPr>
@@ -3968,7 +3244,7 @@
 </file>
 
 <file path=ppt/slideLayouts/slideLayout3.xml><?xml version="1.0" encoding="utf-8"?>
-<p:sldLayout xmlns:a="http://schemas.openxmlformats.org/drawingml/2006/main" xmlns:r="http://schemas.openxmlformats.org/officeDocument/2006/relationships" xmlns:p="http://schemas.openxmlformats.org/presentationml/2006/main" preserve="1" userDrawn="1">
+<p:sldLayout xmlns:a="http://schemas.openxmlformats.org/drawingml/2006/main" xmlns:r="http://schemas.openxmlformats.org/officeDocument/2006/relationships" xmlns:mc="http://schemas.openxmlformats.org/markup-compatibility/2006" xmlns:mv="urn:schemas-microsoft-com:mac:vml" xmlns:p="http://schemas.openxmlformats.org/presentationml/2006/main" mc:Ignorable="mv" mc:PreserveAttributes="mv:*" preserve="1" userDrawn="1">
   <p:cSld name="Title and Two Element">
     <p:spTree>
       <p:nvGrpSpPr>
@@ -4360,7 +3636,7 @@
 </file>
 
 <file path=ppt/slideLayouts/slideLayout4.xml><?xml version="1.0" encoding="utf-8"?>
-<p:sldLayout xmlns:a="http://schemas.openxmlformats.org/drawingml/2006/main" xmlns:r="http://schemas.openxmlformats.org/officeDocument/2006/relationships" xmlns:p="http://schemas.openxmlformats.org/presentationml/2006/main" preserve="1" userDrawn="1">
+<p:sldLayout xmlns:a="http://schemas.openxmlformats.org/drawingml/2006/main" xmlns:r="http://schemas.openxmlformats.org/officeDocument/2006/relationships" xmlns:mc="http://schemas.openxmlformats.org/markup-compatibility/2006" xmlns:mv="urn:schemas-microsoft-com:mac:vml" xmlns:p="http://schemas.openxmlformats.org/presentationml/2006/main" mc:Ignorable="mv" mc:PreserveAttributes="mv:*" preserve="1" userDrawn="1">
   <p:cSld name="Title Only and Blank">
     <p:spTree>
       <p:nvGrpSpPr>
@@ -4634,7 +3910,7 @@
 </file>
 
 <file path=ppt/slideLayouts/slideLayout5.xml><?xml version="1.0" encoding="utf-8"?>
-<p:sldLayout xmlns:a="http://schemas.openxmlformats.org/drawingml/2006/main" xmlns:r="http://schemas.openxmlformats.org/officeDocument/2006/relationships" xmlns:p="http://schemas.openxmlformats.org/presentationml/2006/main" userDrawn="1">
+<p:sldLayout xmlns:a="http://schemas.openxmlformats.org/drawingml/2006/main" xmlns:r="http://schemas.openxmlformats.org/officeDocument/2006/relationships" xmlns:mc="http://schemas.openxmlformats.org/markup-compatibility/2006" xmlns:mv="urn:schemas-microsoft-com:mac:vml" xmlns:p="http://schemas.openxmlformats.org/presentationml/2006/main" mc:Ignorable="mv" mc:PreserveAttributes="mv:*" userDrawn="1">
   <p:cSld name="Left Text and Right Image">
     <p:spTree>
       <p:nvGrpSpPr>
@@ -4995,7 +4271,7 @@
 </file>
 
 <file path=ppt/slideLayouts/slideLayout6.xml><?xml version="1.0" encoding="utf-8"?>
-<p:sldLayout xmlns:a="http://schemas.openxmlformats.org/drawingml/2006/main" xmlns:r="http://schemas.openxmlformats.org/officeDocument/2006/relationships" xmlns:p="http://schemas.openxmlformats.org/presentationml/2006/main" preserve="1" userDrawn="1">
+<p:sldLayout xmlns:a="http://schemas.openxmlformats.org/drawingml/2006/main" xmlns:r="http://schemas.openxmlformats.org/officeDocument/2006/relationships" xmlns:mc="http://schemas.openxmlformats.org/markup-compatibility/2006" xmlns:mv="urn:schemas-microsoft-com:mac:vml" xmlns:p="http://schemas.openxmlformats.org/presentationml/2006/main" mc:Ignorable="mv" mc:PreserveAttributes="mv:*" preserve="1" userDrawn="1">
   <p:cSld name="Left Image and Right Text">
     <p:spTree>
       <p:nvGrpSpPr>
@@ -5356,7 +4632,7 @@
 </file>
 
 <file path=ppt/slideLayouts/slideLayout7.xml><?xml version="1.0" encoding="utf-8"?>
-<p:sldLayout xmlns:a="http://schemas.openxmlformats.org/drawingml/2006/main" xmlns:r="http://schemas.openxmlformats.org/officeDocument/2006/relationships" xmlns:p="http://schemas.openxmlformats.org/presentationml/2006/main" preserve="1" userDrawn="1">
+<p:sldLayout xmlns:a="http://schemas.openxmlformats.org/drawingml/2006/main" xmlns:r="http://schemas.openxmlformats.org/officeDocument/2006/relationships" xmlns:mc="http://schemas.openxmlformats.org/markup-compatibility/2006" xmlns:mv="urn:schemas-microsoft-com:mac:vml" xmlns:p="http://schemas.openxmlformats.org/presentationml/2006/main" mc:Ignorable="mv" mc:PreserveAttributes="mv:*" preserve="1" userDrawn="1">
   <p:cSld name="Impact Slide - Teal">
     <p:bg>
       <p:bgPr>
@@ -5451,7 +4727,7 @@
 </file>
 
 <file path=ppt/slideLayouts/slideLayout8.xml><?xml version="1.0" encoding="utf-8"?>
-<p:sldLayout xmlns:a="http://schemas.openxmlformats.org/drawingml/2006/main" xmlns:r="http://schemas.openxmlformats.org/officeDocument/2006/relationships" xmlns:p="http://schemas.openxmlformats.org/presentationml/2006/main" preserve="1" userDrawn="1">
+<p:sldLayout xmlns:a="http://schemas.openxmlformats.org/drawingml/2006/main" xmlns:r="http://schemas.openxmlformats.org/officeDocument/2006/relationships" xmlns:mc="http://schemas.openxmlformats.org/markup-compatibility/2006" xmlns:mv="urn:schemas-microsoft-com:mac:vml" xmlns:p="http://schemas.openxmlformats.org/presentationml/2006/main" mc:Ignorable="mv" mc:PreserveAttributes="mv:*" preserve="1" userDrawn="1">
   <p:cSld name="Impact Slide - Green">
     <p:bg>
       <p:bgPr>
@@ -5546,7 +4822,7 @@
 </file>
 
 <file path=ppt/slideLayouts/slideLayout9.xml><?xml version="1.0" encoding="utf-8"?>
-<p:sldLayout xmlns:a="http://schemas.openxmlformats.org/drawingml/2006/main" xmlns:r="http://schemas.openxmlformats.org/officeDocument/2006/relationships" xmlns:p="http://schemas.openxmlformats.org/presentationml/2006/main" preserve="1" userDrawn="1">
+<p:sldLayout xmlns:a="http://schemas.openxmlformats.org/drawingml/2006/main" xmlns:r="http://schemas.openxmlformats.org/officeDocument/2006/relationships" xmlns:mc="http://schemas.openxmlformats.org/markup-compatibility/2006" xmlns:mv="urn:schemas-microsoft-com:mac:vml" xmlns:p="http://schemas.openxmlformats.org/presentationml/2006/main" mc:Ignorable="mv" mc:PreserveAttributes="mv:*" preserve="1" userDrawn="1">
   <p:cSld name="Impact Slide - Orange">
     <p:bg>
       <p:bgPr>
@@ -5641,7 +4917,7 @@
 </file>
 
 <file path=ppt/slideMasters/slideMaster1.xml><?xml version="1.0" encoding="utf-8"?>
-<p:sldMaster xmlns:a="http://schemas.openxmlformats.org/drawingml/2006/main" xmlns:r="http://schemas.openxmlformats.org/officeDocument/2006/relationships" xmlns:p="http://schemas.openxmlformats.org/presentationml/2006/main">
+<p:sldMaster xmlns:a="http://schemas.openxmlformats.org/drawingml/2006/main" xmlns:r="http://schemas.openxmlformats.org/officeDocument/2006/relationships" xmlns:mc="http://schemas.openxmlformats.org/markup-compatibility/2006" xmlns:mv="urn:schemas-microsoft-com:mac:vml" xmlns:p="http://schemas.openxmlformats.org/presentationml/2006/main" mc:Ignorable="mv" mc:PreserveAttributes="mv:*">
   <p:cSld>
     <p:bg>
       <p:bgPr>
@@ -6263,7 +5539,7 @@
 </file>
 
 <file path=ppt/slides/slide1.xml><?xml version="1.0" encoding="utf-8"?>
-<p:sld xmlns:a="http://schemas.openxmlformats.org/drawingml/2006/main" xmlns:r="http://schemas.openxmlformats.org/officeDocument/2006/relationships" xmlns:p="http://schemas.openxmlformats.org/presentationml/2006/main">
+<p:sld xmlns:a="http://schemas.openxmlformats.org/drawingml/2006/main" xmlns:r="http://schemas.openxmlformats.org/officeDocument/2006/relationships" xmlns:mc="http://schemas.openxmlformats.org/markup-compatibility/2006" xmlns:mv="urn:schemas-microsoft-com:mac:vml" xmlns:p="http://schemas.openxmlformats.org/presentationml/2006/main" mc:Ignorable="mv" mc:PreserveAttributes="mv:*">
   <p:cSld>
     <p:spTree>
       <p:nvGrpSpPr>
@@ -6343,28 +5619,28 @@
     </p:spTree>
     <p:extLst>
       <p:ext uri="{BB962C8B-B14F-4D97-AF65-F5344CB8AC3E}">
-        <p14:creationId xmlns:p14="http://schemas.microsoft.com/office/powerpoint/2010/main" val="2352184382"/>
+        <p14:creationId xmlns:p14="http://schemas.microsoft.com/office/powerpoint/2010/main" xmlns:p="http://schemas.openxmlformats.org/presentationml/2006/main" xmlns:r="http://schemas.openxmlformats.org/officeDocument/2006/relationships" xmlns:a="http://schemas.openxmlformats.org/drawingml/2006/main" xmlns="" val="2352184382"/>
       </p:ext>
     </p:extLst>
   </p:cSld>
   <p:clrMapOvr>
     <a:masterClrMapping/>
   </p:clrMapOvr>
-  <p:transition xmlns:p14="http://schemas.microsoft.com/office/powerpoint/2010/main" spd="med">
+  <p:transition spd="med">
     <p:fade/>
   </p:transition>
   <p:timing>
     <p:tnLst>
       <p:par>
-        <p:cTn xmlns:p14="http://schemas.microsoft.com/office/powerpoint/2010/main" id="1" dur="indefinite" restart="never" nodeType="tmRoot"/>
+        <p:cTn id="1" dur="indefinite" restart="never" nodeType="tmRoot"/>
       </p:par>
     </p:tnLst>
   </p:timing>
 </p:sld>
 </file>
 
-<file path=ppt/slides/slide10.xml><?xml version="1.0" encoding="utf-8"?>
-<p:sld xmlns:a="http://schemas.openxmlformats.org/drawingml/2006/main" xmlns:r="http://schemas.openxmlformats.org/officeDocument/2006/relationships" xmlns:p="http://schemas.openxmlformats.org/presentationml/2006/main">
+<file path=ppt/slides/slide2.xml><?xml version="1.0" encoding="utf-8"?>
+<p:sld xmlns:a="http://schemas.openxmlformats.org/drawingml/2006/main" xmlns:r="http://schemas.openxmlformats.org/officeDocument/2006/relationships" xmlns:mc="http://schemas.openxmlformats.org/markup-compatibility/2006" xmlns:mv="urn:schemas-microsoft-com:mac:vml" xmlns:p="http://schemas.openxmlformats.org/presentationml/2006/main" mc:Ignorable="mv" mc:PreserveAttributes="mv:*">
   <p:cSld>
     <p:spTree>
       <p:nvGrpSpPr>
@@ -6382,58 +5658,194 @@
       </p:grpSpPr>
       <p:sp>
         <p:nvSpPr>
-          <p:cNvPr id="3" name="Title 2"/>
-          <p:cNvSpPr>
-            <a:spLocks noGrp="1"/>
+          <p:cNvPr id="73729" name="Rectangle 2"/>
+          <p:cNvSpPr>
+            <a:spLocks noGrp="1" noChangeArrowheads="1"/>
           </p:cNvSpPr>
           <p:nvPr>
             <p:ph type="title"/>
           </p:nvPr>
         </p:nvSpPr>
-        <p:spPr/>
+        <p:spPr>
+          <a:xfrm>
+            <a:off x="541338" y="300038"/>
+            <a:ext cx="14724062" cy="1449387"/>
+          </a:xfrm>
+        </p:spPr>
         <p:txBody>
           <a:bodyPr/>
           <a:lstStyle/>
           <a:p>
             <a:r>
-              <a:rPr lang="en-US" dirty="0" smtClean="0"/>
-              <a:t>Title</a:t>
-            </a:r>
-            <a:endParaRPr lang="en-US" dirty="0"/>
-          </a:p>
-        </p:txBody>
-      </p:sp>
-      <p:sp>
-        <p:nvSpPr>
-          <p:cNvPr id="4" name="Content Placeholder 3"/>
-          <p:cNvSpPr>
-            <a:spLocks noGrp="1"/>
+              <a:rPr lang="en-US" dirty="0" smtClean="0">
+                <a:latin typeface="Arial" charset="0"/>
+                <a:ea typeface="ＭＳ Ｐゴシック" charset="0"/>
+              </a:rPr>
+              <a:t>Write requests with JSON</a:t>
+            </a:r>
+            <a:r>
+              <a:rPr lang="en-US" dirty="0">
+                <a:latin typeface="Arial" charset="0"/>
+                <a:ea typeface="ＭＳ Ｐゴシック" charset="0"/>
+              </a:rPr>
+              <a:t>-RPC</a:t>
+            </a:r>
+          </a:p>
+        </p:txBody>
+      </p:sp>
+      <p:sp>
+        <p:nvSpPr>
+          <p:cNvPr id="73730" name="Rectangle 3"/>
+          <p:cNvSpPr>
+            <a:spLocks noGrp="1" noChangeArrowheads="1"/>
           </p:cNvSpPr>
           <p:nvPr>
             <p:ph idx="1"/>
           </p:nvPr>
         </p:nvSpPr>
-        <p:spPr/>
-        <p:txBody>
-          <a:bodyPr>
-            <a:normAutofit/>
-          </a:bodyPr>
+        <p:spPr>
+          <a:xfrm>
+            <a:off x="541338" y="1911350"/>
+            <a:ext cx="15878175" cy="6202363"/>
+          </a:xfrm>
+        </p:spPr>
+        <p:txBody>
+          <a:bodyPr/>
           <a:lstStyle/>
           <a:p>
             <a:r>
-              <a:rPr lang="en-US" sz="3200" dirty="0" smtClean="0"/>
-              <a:t>Content</a:t>
-            </a:r>
-          </a:p>
-          <a:p>
-            <a:endParaRPr lang="en-US" sz="3200" dirty="0"/>
+              <a:rPr lang="en-US" sz="3000" dirty="0">
+                <a:latin typeface="Arial" charset="0"/>
+                <a:ea typeface="ＭＳ Ｐゴシック" charset="0"/>
+              </a:rPr>
+              <a:t>Remote Procedure Calls with </a:t>
+            </a:r>
+            <a:r>
+              <a:rPr lang="en-US" sz="3000" dirty="0" smtClean="0">
+                <a:latin typeface="Arial" charset="0"/>
+                <a:ea typeface="ＭＳ Ｐゴシック" charset="0"/>
+              </a:rPr>
+              <a:t>JSON</a:t>
+            </a:r>
+          </a:p>
+          <a:p>
+            <a:pPr lvl="1"/>
+            <a:r>
+              <a:rPr lang="en-US" sz="3000" dirty="0" smtClean="0">
+                <a:latin typeface="Arial" charset="0"/>
+                <a:ea typeface="ＭＳ Ｐゴシック" charset="0"/>
+              </a:rPr>
+              <a:t>Request elements</a:t>
+            </a:r>
+          </a:p>
+          <a:p>
+            <a:pPr lvl="2"/>
+            <a:r>
+              <a:rPr lang="en-US" sz="3000" dirty="0" smtClean="0">
+                <a:latin typeface="Arial" charset="0"/>
+                <a:ea typeface="ＭＳ Ｐゴシック" charset="0"/>
+              </a:rPr>
+              <a:t>The name of the method to be invoked</a:t>
+            </a:r>
+          </a:p>
+          <a:p>
+            <a:pPr lvl="2"/>
+            <a:r>
+              <a:rPr lang="en-US" sz="3000" dirty="0" smtClean="0">
+                <a:latin typeface="Arial" charset="0"/>
+                <a:ea typeface="ＭＳ Ｐゴシック" charset="0"/>
+              </a:rPr>
+              <a:t>An array of parameter objects</a:t>
+            </a:r>
+          </a:p>
+          <a:p>
+            <a:pPr lvl="2"/>
+            <a:r>
+              <a:rPr lang="en-US" sz="3000" dirty="0" smtClean="0">
+                <a:latin typeface="Arial" charset="0"/>
+                <a:ea typeface="ＭＳ Ｐゴシック" charset="0"/>
+              </a:rPr>
+              <a:t>Your WRITE token</a:t>
+            </a:r>
+          </a:p>
+          <a:p>
+            <a:pPr lvl="1"/>
+            <a:r>
+              <a:rPr lang="en-US" sz="3000" dirty="0" smtClean="0">
+                <a:latin typeface="Arial" charset="0"/>
+                <a:ea typeface="ＭＳ Ｐゴシック" charset="0"/>
+              </a:rPr>
+              <a:t>Response elements</a:t>
+            </a:r>
+          </a:p>
+          <a:p>
+            <a:pPr lvl="2"/>
+            <a:r>
+              <a:rPr lang="en-US" sz="3000" dirty="0" smtClean="0">
+                <a:latin typeface="Arial" charset="0"/>
+                <a:ea typeface="ＭＳ Ｐゴシック" charset="0"/>
+              </a:rPr>
+              <a:t>Result data returned from the called method</a:t>
+            </a:r>
+          </a:p>
+          <a:p>
+            <a:pPr lvl="2"/>
+            <a:r>
+              <a:rPr lang="en-US" sz="3000" dirty="0" smtClean="0">
+                <a:latin typeface="Arial" charset="0"/>
+                <a:ea typeface="ＭＳ Ｐゴシック" charset="0"/>
+              </a:rPr>
+              <a:t>Error code</a:t>
+            </a:r>
+            <a:endParaRPr lang="en-US" sz="3000" dirty="0" smtClean="0">
+              <a:latin typeface="Arial" charset="0"/>
+              <a:ea typeface="ＭＳ Ｐゴシック" charset="0"/>
+            </a:endParaRPr>
+          </a:p>
+          <a:p>
+            <a:r>
+              <a:rPr lang="en-US" sz="3000" dirty="0">
+                <a:latin typeface="Arial" charset="0"/>
+                <a:ea typeface="ＭＳ Ｐゴシック" charset="0"/>
+              </a:rPr>
+              <a:t>R</a:t>
+            </a:r>
+            <a:r>
+              <a:rPr lang="en-US" sz="3000" dirty="0" smtClean="0">
+                <a:latin typeface="Arial" charset="0"/>
+                <a:ea typeface="ＭＳ Ｐゴシック" charset="0"/>
+              </a:rPr>
+              <a:t>equest </a:t>
+            </a:r>
+            <a:r>
+              <a:rPr lang="en-US" sz="3000" dirty="0">
+                <a:latin typeface="Arial" charset="0"/>
+                <a:ea typeface="ＭＳ Ｐゴシック" charset="0"/>
+              </a:rPr>
+              <a:t>and response are well-defined JSON objects</a:t>
+            </a:r>
+          </a:p>
+          <a:p>
+            <a:pPr lvl="1"/>
+            <a:r>
+              <a:rPr lang="en-US" sz="3000" dirty="0">
+                <a:latin typeface="Arial" charset="0"/>
+                <a:ea typeface="ＭＳ Ｐゴシック" charset="0"/>
+                <a:hlinkClick r:id="rId3"/>
+              </a:rPr>
+              <a:t>http://json-rpc.org/</a:t>
+            </a:r>
+            <a:endParaRPr lang="en-US" sz="3000" dirty="0">
+              <a:latin typeface="Arial" charset="0"/>
+              <a:ea typeface="ＭＳ Ｐゴシック" charset="0"/>
+            </a:endParaRPr>
           </a:p>
         </p:txBody>
       </p:sp>
     </p:spTree>
     <p:extLst>
       <p:ext uri="{BB962C8B-B14F-4D97-AF65-F5344CB8AC3E}">
-        <p14:creationId xmlns:p14="http://schemas.microsoft.com/office/powerpoint/2010/main" val="2108713422"/>
+        <p14:creationId xmlns:p14="http://schemas.microsoft.com/office/powerpoint/2010/main" xmlns:p="http://schemas.openxmlformats.org/presentationml/2006/main" xmlns:r="http://schemas.openxmlformats.org/officeDocument/2006/relationships" xmlns:a="http://schemas.openxmlformats.org/drawingml/2006/main" xmlns="" val="3529968541"/>
       </p:ext>
     </p:extLst>
   </p:cSld>
@@ -6443,15 +5855,15 @@
   <p:timing>
     <p:tnLst>
       <p:par>
-        <p:cTn xmlns:p14="http://schemas.microsoft.com/office/powerpoint/2010/main" id="1" dur="indefinite" restart="never" nodeType="tmRoot"/>
+        <p:cTn id="1" dur="indefinite" restart="never" nodeType="tmRoot"/>
       </p:par>
     </p:tnLst>
   </p:timing>
 </p:sld>
 </file>
 
-<file path=ppt/slides/slide11.xml><?xml version="1.0" encoding="utf-8"?>
-<p:sld xmlns:a="http://schemas.openxmlformats.org/drawingml/2006/main" xmlns:r="http://schemas.openxmlformats.org/officeDocument/2006/relationships" xmlns:p="http://schemas.openxmlformats.org/presentationml/2006/main">
+<file path=ppt/slides/slide3.xml><?xml version="1.0" encoding="utf-8"?>
+<p:sld xmlns:a="http://schemas.openxmlformats.org/drawingml/2006/main" xmlns:r="http://schemas.openxmlformats.org/officeDocument/2006/relationships" xmlns:mc="http://schemas.openxmlformats.org/markup-compatibility/2006" xmlns:mv="urn:schemas-microsoft-com:mac:vml" xmlns:p="http://schemas.openxmlformats.org/presentationml/2006/main" mc:Ignorable="mv" mc:PreserveAttributes="mv:*">
   <p:cSld>
     <p:spTree>
       <p:nvGrpSpPr>
@@ -6469,58 +5881,236 @@
       </p:grpSpPr>
       <p:sp>
         <p:nvSpPr>
-          <p:cNvPr id="3" name="Title 2"/>
-          <p:cNvSpPr>
-            <a:spLocks noGrp="1"/>
+          <p:cNvPr id="75777" name="Rectangle 2"/>
+          <p:cNvSpPr>
+            <a:spLocks noGrp="1" noChangeArrowheads="1"/>
           </p:cNvSpPr>
           <p:nvPr>
             <p:ph type="title"/>
           </p:nvPr>
         </p:nvSpPr>
-        <p:spPr/>
+        <p:spPr>
+          <a:xfrm>
+            <a:off x="541338" y="300038"/>
+            <a:ext cx="14724062" cy="1449387"/>
+          </a:xfrm>
+        </p:spPr>
         <p:txBody>
           <a:bodyPr/>
           <a:lstStyle/>
           <a:p>
             <a:r>
-              <a:rPr lang="en-US" dirty="0" smtClean="0"/>
-              <a:t>Title</a:t>
-            </a:r>
-            <a:endParaRPr lang="en-US" dirty="0"/>
-          </a:p>
-        </p:txBody>
-      </p:sp>
-      <p:sp>
-        <p:nvSpPr>
-          <p:cNvPr id="4" name="Content Placeholder 3"/>
-          <p:cNvSpPr>
-            <a:spLocks noGrp="1"/>
+              <a:rPr lang="en-US" dirty="0" smtClean="0">
+                <a:latin typeface="Arial" charset="0"/>
+                <a:ea typeface="ＭＳ Ｐゴシック" charset="0"/>
+              </a:rPr>
+              <a:t>JSON</a:t>
+            </a:r>
+            <a:r>
+              <a:rPr lang="en-US" dirty="0">
+                <a:latin typeface="Arial" charset="0"/>
+                <a:ea typeface="ＭＳ Ｐゴシック" charset="0"/>
+              </a:rPr>
+              <a:t>-RPC Request</a:t>
+            </a:r>
+          </a:p>
+        </p:txBody>
+      </p:sp>
+      <p:sp>
+        <p:nvSpPr>
+          <p:cNvPr id="75778" name="Rectangle 3"/>
+          <p:cNvSpPr>
+            <a:spLocks noGrp="1" noChangeArrowheads="1"/>
           </p:cNvSpPr>
           <p:nvPr>
             <p:ph idx="1"/>
           </p:nvPr>
         </p:nvSpPr>
-        <p:spPr/>
-        <p:txBody>
-          <a:bodyPr>
-            <a:normAutofit/>
-          </a:bodyPr>
+        <p:spPr>
+          <a:xfrm>
+            <a:off x="541338" y="1911350"/>
+            <a:ext cx="15878175" cy="6202363"/>
+          </a:xfrm>
+        </p:spPr>
+        <p:txBody>
+          <a:bodyPr/>
           <a:lstStyle/>
           <a:p>
-            <a:r>
-              <a:rPr lang="en-US" sz="3200" dirty="0" smtClean="0"/>
-              <a:t>Content</a:t>
-            </a:r>
-          </a:p>
-          <a:p>
-            <a:endParaRPr lang="en-US" sz="3200" dirty="0"/>
+            <a:pPr>
+              <a:lnSpc>
+                <a:spcPct val="90000"/>
+              </a:lnSpc>
+              <a:buFontTx/>
+              <a:buNone/>
+            </a:pPr>
+            <a:r>
+              <a:rPr lang="en-US" sz="3700">
+                <a:latin typeface="Consolas" charset="0"/>
+                <a:ea typeface="ＭＳ Ｐゴシック" charset="0"/>
+                <a:cs typeface="Consolas" charset="0"/>
+              </a:rPr>
+              <a:t>{</a:t>
+            </a:r>
+          </a:p>
+          <a:p>
+            <a:pPr>
+              <a:lnSpc>
+                <a:spcPct val="90000"/>
+              </a:lnSpc>
+              <a:buFontTx/>
+              <a:buNone/>
+            </a:pPr>
+            <a:r>
+              <a:rPr lang="en-US" sz="3700">
+                <a:latin typeface="Consolas" charset="0"/>
+                <a:ea typeface="ＭＳ Ｐゴシック" charset="0"/>
+                <a:cs typeface="Consolas" charset="0"/>
+              </a:rPr>
+              <a:t>    "method": "update_video",</a:t>
+            </a:r>
+          </a:p>
+          <a:p>
+            <a:pPr>
+              <a:lnSpc>
+                <a:spcPct val="90000"/>
+              </a:lnSpc>
+              <a:buFontTx/>
+              <a:buNone/>
+            </a:pPr>
+            <a:r>
+              <a:rPr lang="en-US" sz="3700">
+                <a:latin typeface="Consolas" charset="0"/>
+                <a:ea typeface="ＭＳ Ｐゴシック" charset="0"/>
+                <a:cs typeface="Consolas" charset="0"/>
+              </a:rPr>
+              <a:t>    "params": {</a:t>
+            </a:r>
+          </a:p>
+          <a:p>
+            <a:pPr>
+              <a:lnSpc>
+                <a:spcPct val="90000"/>
+              </a:lnSpc>
+              <a:buFontTx/>
+              <a:buNone/>
+            </a:pPr>
+            <a:r>
+              <a:rPr lang="en-US" sz="3700">
+                <a:latin typeface="Consolas" charset="0"/>
+                <a:ea typeface="ＭＳ Ｐゴシック" charset="0"/>
+                <a:cs typeface="Consolas" charset="0"/>
+              </a:rPr>
+              <a:t>        "token": "...",</a:t>
+            </a:r>
+          </a:p>
+          <a:p>
+            <a:pPr>
+              <a:lnSpc>
+                <a:spcPct val="90000"/>
+              </a:lnSpc>
+              <a:buFontTx/>
+              <a:buNone/>
+            </a:pPr>
+            <a:r>
+              <a:rPr lang="en-US" sz="3700">
+                <a:latin typeface="Consolas" charset="0"/>
+                <a:ea typeface="ＭＳ Ｐゴシック" charset="0"/>
+                <a:cs typeface="Consolas" charset="0"/>
+              </a:rPr>
+              <a:t>        "video" : {</a:t>
+            </a:r>
+          </a:p>
+          <a:p>
+            <a:pPr>
+              <a:lnSpc>
+                <a:spcPct val="90000"/>
+              </a:lnSpc>
+              <a:buFontTx/>
+              <a:buNone/>
+            </a:pPr>
+            <a:r>
+              <a:rPr lang="en-US" sz="3700">
+                <a:latin typeface="Consolas" charset="0"/>
+                <a:ea typeface="ＭＳ Ｐゴシック" charset="0"/>
+                <a:cs typeface="Consolas" charset="0"/>
+              </a:rPr>
+              <a:t>            "id" : 1234,</a:t>
+            </a:r>
+          </a:p>
+          <a:p>
+            <a:pPr>
+              <a:lnSpc>
+                <a:spcPct val="90000"/>
+              </a:lnSpc>
+              <a:buFontTx/>
+              <a:buNone/>
+            </a:pPr>
+            <a:r>
+              <a:rPr lang="en-US" sz="3700">
+                <a:latin typeface="Consolas" charset="0"/>
+                <a:ea typeface="ＭＳ Ｐゴシック" charset="0"/>
+                <a:cs typeface="Consolas" charset="0"/>
+              </a:rPr>
+              <a:t>            "name" : "new name"</a:t>
+            </a:r>
+          </a:p>
+          <a:p>
+            <a:pPr>
+              <a:lnSpc>
+                <a:spcPct val="90000"/>
+              </a:lnSpc>
+              <a:buFontTx/>
+              <a:buNone/>
+            </a:pPr>
+            <a:r>
+              <a:rPr lang="en-US" sz="3700">
+                <a:latin typeface="Consolas" charset="0"/>
+                <a:ea typeface="ＭＳ Ｐゴシック" charset="0"/>
+                <a:cs typeface="Consolas" charset="0"/>
+              </a:rPr>
+              <a:t>        } </a:t>
+            </a:r>
+          </a:p>
+          <a:p>
+            <a:pPr>
+              <a:lnSpc>
+                <a:spcPct val="90000"/>
+              </a:lnSpc>
+              <a:buFontTx/>
+              <a:buNone/>
+            </a:pPr>
+            <a:r>
+              <a:rPr lang="en-US" sz="3700">
+                <a:latin typeface="Consolas" charset="0"/>
+                <a:ea typeface="ＭＳ Ｐゴシック" charset="0"/>
+                <a:cs typeface="Consolas" charset="0"/>
+              </a:rPr>
+              <a:t>    }</a:t>
+            </a:r>
+          </a:p>
+          <a:p>
+            <a:pPr>
+              <a:lnSpc>
+                <a:spcPct val="90000"/>
+              </a:lnSpc>
+              <a:buFontTx/>
+              <a:buNone/>
+            </a:pPr>
+            <a:r>
+              <a:rPr lang="en-US" sz="3700">
+                <a:latin typeface="Consolas" charset="0"/>
+                <a:ea typeface="ＭＳ Ｐゴシック" charset="0"/>
+                <a:cs typeface="Consolas" charset="0"/>
+              </a:rPr>
+              <a:t>}</a:t>
+            </a:r>
           </a:p>
         </p:txBody>
       </p:sp>
     </p:spTree>
     <p:extLst>
       <p:ext uri="{BB962C8B-B14F-4D97-AF65-F5344CB8AC3E}">
-        <p14:creationId xmlns:p14="http://schemas.microsoft.com/office/powerpoint/2010/main" val="2805855639"/>
+        <p14:creationId xmlns:p14="http://schemas.microsoft.com/office/powerpoint/2010/main" xmlns:p="http://schemas.openxmlformats.org/presentationml/2006/main" xmlns:r="http://schemas.openxmlformats.org/officeDocument/2006/relationships" xmlns:a="http://schemas.openxmlformats.org/drawingml/2006/main" xmlns="" val="2192278482"/>
       </p:ext>
     </p:extLst>
   </p:cSld>
@@ -6530,15 +6120,15 @@
   <p:timing>
     <p:tnLst>
       <p:par>
-        <p:cTn xmlns:p14="http://schemas.microsoft.com/office/powerpoint/2010/main" id="1" dur="indefinite" restart="never" nodeType="tmRoot"/>
+        <p:cTn id="1" dur="indefinite" restart="never" nodeType="tmRoot"/>
       </p:par>
     </p:tnLst>
   </p:timing>
 </p:sld>
 </file>
 
-<file path=ppt/slides/slide12.xml><?xml version="1.0" encoding="utf-8"?>
-<p:sld xmlns:a="http://schemas.openxmlformats.org/drawingml/2006/main" xmlns:r="http://schemas.openxmlformats.org/officeDocument/2006/relationships" xmlns:p="http://schemas.openxmlformats.org/presentationml/2006/main">
+<file path=ppt/slides/slide4.xml><?xml version="1.0" encoding="utf-8"?>
+<p:sld xmlns:a="http://schemas.openxmlformats.org/drawingml/2006/main" xmlns:r="http://schemas.openxmlformats.org/officeDocument/2006/relationships" xmlns:mc="http://schemas.openxmlformats.org/markup-compatibility/2006" xmlns:mv="urn:schemas-microsoft-com:mac:vml" xmlns:p="http://schemas.openxmlformats.org/presentationml/2006/main" mc:Ignorable="mv" mc:PreserveAttributes="mv:*">
   <p:cSld>
     <p:spTree>
       <p:nvGrpSpPr>
@@ -6556,58 +6146,299 @@
       </p:grpSpPr>
       <p:sp>
         <p:nvSpPr>
-          <p:cNvPr id="3" name="Title 2"/>
-          <p:cNvSpPr>
-            <a:spLocks noGrp="1"/>
+          <p:cNvPr id="77825" name="Rectangle 2"/>
+          <p:cNvSpPr>
+            <a:spLocks noGrp="1" noChangeArrowheads="1"/>
           </p:cNvSpPr>
           <p:nvPr>
             <p:ph type="title"/>
           </p:nvPr>
         </p:nvSpPr>
-        <p:spPr/>
+        <p:spPr>
+          <a:xfrm>
+            <a:off x="541338" y="300038"/>
+            <a:ext cx="14724062" cy="1449387"/>
+          </a:xfrm>
+        </p:spPr>
         <p:txBody>
           <a:bodyPr/>
           <a:lstStyle/>
           <a:p>
             <a:r>
-              <a:rPr lang="en-US" dirty="0" smtClean="0"/>
-              <a:t>Title</a:t>
-            </a:r>
-            <a:endParaRPr lang="en-US" dirty="0"/>
-          </a:p>
-        </p:txBody>
-      </p:sp>
-      <p:sp>
-        <p:nvSpPr>
-          <p:cNvPr id="4" name="Content Placeholder 3"/>
-          <p:cNvSpPr>
-            <a:spLocks noGrp="1"/>
+              <a:rPr lang="en-US">
+                <a:latin typeface="Arial" charset="0"/>
+                <a:ea typeface="ＭＳ Ｐゴシック" charset="0"/>
+              </a:rPr>
+              <a:t>JSON-RPC Response</a:t>
+            </a:r>
+          </a:p>
+        </p:txBody>
+      </p:sp>
+      <p:sp>
+        <p:nvSpPr>
+          <p:cNvPr id="77826" name="Rectangle 3"/>
+          <p:cNvSpPr>
+            <a:spLocks noGrp="1" noChangeArrowheads="1"/>
           </p:cNvSpPr>
           <p:nvPr>
             <p:ph idx="1"/>
           </p:nvPr>
         </p:nvSpPr>
-        <p:spPr/>
-        <p:txBody>
-          <a:bodyPr>
-            <a:normAutofit/>
-          </a:bodyPr>
+        <p:spPr>
+          <a:xfrm>
+            <a:off x="541338" y="1911350"/>
+            <a:ext cx="15878175" cy="6202363"/>
+          </a:xfrm>
+        </p:spPr>
+        <p:txBody>
+          <a:bodyPr/>
           <a:lstStyle/>
           <a:p>
-            <a:r>
-              <a:rPr lang="en-US" sz="3200" dirty="0" smtClean="0"/>
-              <a:t>Content</a:t>
-            </a:r>
-          </a:p>
-          <a:p>
-            <a:endParaRPr lang="en-US" sz="3200" dirty="0"/>
+            <a:pPr>
+              <a:lnSpc>
+                <a:spcPct val="80000"/>
+              </a:lnSpc>
+              <a:buFontTx/>
+              <a:buNone/>
+            </a:pPr>
+            <a:r>
+              <a:rPr lang="en-US" sz="3700">
+                <a:latin typeface="Consolas" charset="0"/>
+                <a:ea typeface="ＭＳ Ｐゴシック" charset="0"/>
+                <a:cs typeface="Consolas" charset="0"/>
+              </a:rPr>
+              <a:t>{</a:t>
+            </a:r>
+          </a:p>
+          <a:p>
+            <a:pPr>
+              <a:lnSpc>
+                <a:spcPct val="80000"/>
+              </a:lnSpc>
+              <a:buFontTx/>
+              <a:buNone/>
+            </a:pPr>
+            <a:r>
+              <a:rPr lang="en-US" sz="3700">
+                <a:latin typeface="Consolas" charset="0"/>
+                <a:ea typeface="ＭＳ Ｐゴシック" charset="0"/>
+                <a:cs typeface="Consolas" charset="0"/>
+              </a:rPr>
+              <a:t>    "result": {</a:t>
+            </a:r>
+          </a:p>
+          <a:p>
+            <a:pPr>
+              <a:lnSpc>
+                <a:spcPct val="80000"/>
+              </a:lnSpc>
+              <a:buFontTx/>
+              <a:buNone/>
+            </a:pPr>
+            <a:r>
+              <a:rPr lang="en-US" sz="3700">
+                <a:latin typeface="Consolas" charset="0"/>
+                <a:ea typeface="ＭＳ Ｐゴシック" charset="0"/>
+                <a:cs typeface="Consolas" charset="0"/>
+              </a:rPr>
+              <a:t>        "video" : {</a:t>
+            </a:r>
+          </a:p>
+          <a:p>
+            <a:pPr>
+              <a:lnSpc>
+                <a:spcPct val="80000"/>
+              </a:lnSpc>
+              <a:buFontTx/>
+              <a:buNone/>
+            </a:pPr>
+            <a:r>
+              <a:rPr lang="en-US" sz="3700">
+                <a:latin typeface="Consolas" charset="0"/>
+                <a:ea typeface="ＭＳ Ｐゴシック" charset="0"/>
+                <a:cs typeface="Consolas" charset="0"/>
+              </a:rPr>
+              <a:t>            "id": 1234,</a:t>
+            </a:r>
+          </a:p>
+          <a:p>
+            <a:pPr>
+              <a:lnSpc>
+                <a:spcPct val="80000"/>
+              </a:lnSpc>
+              <a:buFontTx/>
+              <a:buNone/>
+            </a:pPr>
+            <a:r>
+              <a:rPr lang="en-US" sz="3700">
+                <a:latin typeface="Consolas" charset="0"/>
+                <a:ea typeface="ＭＳ Ｐゴシック" charset="0"/>
+                <a:cs typeface="Consolas" charset="0"/>
+              </a:rPr>
+              <a:t>            "name" : "new name"</a:t>
+            </a:r>
+          </a:p>
+          <a:p>
+            <a:pPr>
+              <a:lnSpc>
+                <a:spcPct val="80000"/>
+              </a:lnSpc>
+              <a:buFontTx/>
+              <a:buNone/>
+            </a:pPr>
+            <a:r>
+              <a:rPr lang="en-US" sz="3700">
+                <a:latin typeface="Consolas" charset="0"/>
+                <a:ea typeface="ＭＳ Ｐゴシック" charset="0"/>
+                <a:cs typeface="Consolas" charset="0"/>
+              </a:rPr>
+              <a:t>        } </a:t>
+            </a:r>
+          </a:p>
+          <a:p>
+            <a:pPr>
+              <a:lnSpc>
+                <a:spcPct val="80000"/>
+              </a:lnSpc>
+              <a:buFontTx/>
+              <a:buNone/>
+            </a:pPr>
+            <a:r>
+              <a:rPr lang="en-US" sz="3700">
+                <a:latin typeface="Consolas" charset="0"/>
+                <a:ea typeface="ＭＳ Ｐゴシック" charset="0"/>
+                <a:cs typeface="Consolas" charset="0"/>
+              </a:rPr>
+              <a:t>    },</a:t>
+            </a:r>
+          </a:p>
+          <a:p>
+            <a:pPr>
+              <a:lnSpc>
+                <a:spcPct val="80000"/>
+              </a:lnSpc>
+              <a:buFontTx/>
+              <a:buNone/>
+            </a:pPr>
+            <a:r>
+              <a:rPr lang="en-US" sz="3700">
+                <a:latin typeface="Consolas" charset="0"/>
+                <a:ea typeface="ＭＳ Ｐゴシック" charset="0"/>
+                <a:cs typeface="Consolas" charset="0"/>
+              </a:rPr>
+              <a:t>    "error": null</a:t>
+            </a:r>
+          </a:p>
+          <a:p>
+            <a:pPr>
+              <a:lnSpc>
+                <a:spcPct val="80000"/>
+              </a:lnSpc>
+              <a:buFontTx/>
+              <a:buNone/>
+            </a:pPr>
+            <a:r>
+              <a:rPr lang="en-US" sz="3700">
+                <a:latin typeface="Consolas" charset="0"/>
+                <a:ea typeface="ＭＳ Ｐゴシック" charset="0"/>
+                <a:cs typeface="Consolas" charset="0"/>
+              </a:rPr>
+              <a:t>}</a:t>
+            </a:r>
+          </a:p>
+          <a:p>
+            <a:pPr>
+              <a:lnSpc>
+                <a:spcPct val="80000"/>
+              </a:lnSpc>
+              <a:buFontTx/>
+              <a:buNone/>
+            </a:pPr>
+            <a:endParaRPr lang="en-US" sz="3700">
+              <a:latin typeface="Arial" charset="0"/>
+              <a:ea typeface="ＭＳ Ｐゴシック" charset="0"/>
+            </a:endParaRPr>
+          </a:p>
+          <a:p>
+            <a:pPr>
+              <a:lnSpc>
+                <a:spcPct val="80000"/>
+              </a:lnSpc>
+            </a:pPr>
+            <a:r>
+              <a:rPr lang="en-US" sz="3700">
+                <a:latin typeface="Arial" charset="0"/>
+                <a:ea typeface="ＭＳ Ｐゴシック" charset="0"/>
+              </a:rPr>
+              <a:t>either </a:t>
+            </a:r>
+            <a:r>
+              <a:rPr lang="ja-JP" altLang="en-US" sz="3700">
+                <a:latin typeface="Arial" charset="0"/>
+                <a:ea typeface="ＭＳ Ｐゴシック" charset="0"/>
+              </a:rPr>
+              <a:t>“</a:t>
+            </a:r>
+            <a:r>
+              <a:rPr lang="en-US" altLang="ja-JP" sz="3700">
+                <a:latin typeface="Arial" charset="0"/>
+                <a:ea typeface="ＭＳ Ｐゴシック" charset="0"/>
+              </a:rPr>
+              <a:t>result</a:t>
+            </a:r>
+            <a:r>
+              <a:rPr lang="ja-JP" altLang="en-US" sz="3700">
+                <a:latin typeface="Arial" charset="0"/>
+                <a:ea typeface="ＭＳ Ｐゴシック" charset="0"/>
+              </a:rPr>
+              <a:t>”</a:t>
+            </a:r>
+            <a:r>
+              <a:rPr lang="en-US" altLang="ja-JP" sz="3700">
+                <a:latin typeface="Arial" charset="0"/>
+                <a:ea typeface="ＭＳ Ｐゴシック" charset="0"/>
+              </a:rPr>
+              <a:t> or </a:t>
+            </a:r>
+            <a:r>
+              <a:rPr lang="ja-JP" altLang="en-US" sz="3700">
+                <a:latin typeface="Arial" charset="0"/>
+                <a:ea typeface="ＭＳ Ｐゴシック" charset="0"/>
+              </a:rPr>
+              <a:t>“</a:t>
+            </a:r>
+            <a:r>
+              <a:rPr lang="en-US" altLang="ja-JP" sz="3700">
+                <a:latin typeface="Arial" charset="0"/>
+                <a:ea typeface="ＭＳ Ｐゴシック" charset="0"/>
+              </a:rPr>
+              <a:t>error</a:t>
+            </a:r>
+            <a:r>
+              <a:rPr lang="ja-JP" altLang="en-US" sz="3700">
+                <a:latin typeface="Arial" charset="0"/>
+                <a:ea typeface="ＭＳ Ｐゴシック" charset="0"/>
+              </a:rPr>
+              <a:t>”</a:t>
+            </a:r>
+            <a:r>
+              <a:rPr lang="en-US" altLang="ja-JP" sz="3700">
+                <a:latin typeface="Arial" charset="0"/>
+                <a:ea typeface="ＭＳ Ｐゴシック" charset="0"/>
+              </a:rPr>
+              <a:t> will be null</a:t>
+            </a:r>
+            <a:endParaRPr lang="en-US" sz="3700">
+              <a:latin typeface="Arial" charset="0"/>
+              <a:ea typeface="ＭＳ Ｐゴシック" charset="0"/>
+            </a:endParaRPr>
           </a:p>
         </p:txBody>
       </p:sp>
     </p:spTree>
     <p:extLst>
       <p:ext uri="{BB962C8B-B14F-4D97-AF65-F5344CB8AC3E}">
-        <p14:creationId xmlns:p14="http://schemas.microsoft.com/office/powerpoint/2010/main" val="2514608167"/>
+        <p14:creationId xmlns:p14="http://schemas.microsoft.com/office/powerpoint/2010/main" xmlns:p="http://schemas.openxmlformats.org/presentationml/2006/main" xmlns:r="http://schemas.openxmlformats.org/officeDocument/2006/relationships" xmlns:a="http://schemas.openxmlformats.org/drawingml/2006/main" xmlns="" val="4161345460"/>
       </p:ext>
     </p:extLst>
   </p:cSld>
@@ -6617,15 +6448,15 @@
   <p:timing>
     <p:tnLst>
       <p:par>
-        <p:cTn xmlns:p14="http://schemas.microsoft.com/office/powerpoint/2010/main" id="1" dur="indefinite" restart="never" nodeType="tmRoot"/>
+        <p:cTn id="1" dur="indefinite" restart="never" nodeType="tmRoot"/>
       </p:par>
     </p:tnLst>
   </p:timing>
 </p:sld>
 </file>
 
-<file path=ppt/slides/slide13.xml><?xml version="1.0" encoding="utf-8"?>
-<p:sld xmlns:a="http://schemas.openxmlformats.org/drawingml/2006/main" xmlns:r="http://schemas.openxmlformats.org/officeDocument/2006/relationships" xmlns:p="http://schemas.openxmlformats.org/presentationml/2006/main">
+<file path=ppt/slides/slide5.xml><?xml version="1.0" encoding="utf-8"?>
+<p:sld xmlns:a="http://schemas.openxmlformats.org/drawingml/2006/main" xmlns:r="http://schemas.openxmlformats.org/officeDocument/2006/relationships" xmlns:mc="http://schemas.openxmlformats.org/markup-compatibility/2006" xmlns:mv="urn:schemas-microsoft-com:mac:vml" xmlns:p="http://schemas.openxmlformats.org/presentationml/2006/main" mc:Ignorable="mv" mc:PreserveAttributes="mv:*">
   <p:cSld>
     <p:spTree>
       <p:nvGrpSpPr>
@@ -6643,6 +6474,545 @@
       </p:grpSpPr>
       <p:sp>
         <p:nvSpPr>
+          <p:cNvPr id="79873" name="Rectangle 2"/>
+          <p:cNvSpPr>
+            <a:spLocks noGrp="1" noChangeArrowheads="1"/>
+          </p:cNvSpPr>
+          <p:nvPr>
+            <p:ph type="title"/>
+          </p:nvPr>
+        </p:nvSpPr>
+        <p:spPr>
+          <a:xfrm>
+            <a:off x="541338" y="300038"/>
+            <a:ext cx="14724062" cy="1449387"/>
+          </a:xfrm>
+        </p:spPr>
+        <p:txBody>
+          <a:bodyPr/>
+          <a:lstStyle/>
+          <a:p>
+            <a:r>
+              <a:rPr lang="en-US" dirty="0">
+                <a:latin typeface="Arial" charset="0"/>
+                <a:ea typeface="ＭＳ Ｐゴシック" charset="0"/>
+              </a:rPr>
+              <a:t>Constructing a Write API Request</a:t>
+            </a:r>
+          </a:p>
+        </p:txBody>
+      </p:sp>
+      <p:sp>
+        <p:nvSpPr>
+          <p:cNvPr id="79874" name="Rectangle 3"/>
+          <p:cNvSpPr>
+            <a:spLocks noGrp="1" noChangeArrowheads="1"/>
+          </p:cNvSpPr>
+          <p:nvPr>
+            <p:ph idx="1"/>
+          </p:nvPr>
+        </p:nvSpPr>
+        <p:spPr>
+          <a:xfrm>
+            <a:off x="541338" y="1911350"/>
+            <a:ext cx="15878175" cy="6202363"/>
+          </a:xfrm>
+        </p:spPr>
+        <p:txBody>
+          <a:bodyPr/>
+          <a:lstStyle/>
+          <a:p>
+            <a:r>
+              <a:rPr lang="en-US" sz="3000" dirty="0" smtClean="0">
+                <a:latin typeface="Arial" charset="0"/>
+                <a:ea typeface="ＭＳ Ｐゴシック" charset="0"/>
+              </a:rPr>
+              <a:t>Elements of a request</a:t>
+            </a:r>
+            <a:endParaRPr lang="en-US" sz="3000" dirty="0" smtClean="0">
+              <a:latin typeface="Arial" charset="0"/>
+              <a:ea typeface="ＭＳ Ｐゴシック" charset="0"/>
+            </a:endParaRPr>
+          </a:p>
+          <a:p>
+            <a:pPr lvl="1"/>
+            <a:r>
+              <a:rPr lang="en-US" sz="3000" dirty="0" smtClean="0">
+                <a:latin typeface="Arial" charset="0"/>
+                <a:ea typeface="ＭＳ Ｐゴシック" charset="0"/>
+              </a:rPr>
+              <a:t>Base URL: http</a:t>
+            </a:r>
+            <a:r>
+              <a:rPr lang="en-US" sz="3000" dirty="0" smtClean="0">
+                <a:latin typeface="Arial" charset="0"/>
+                <a:ea typeface="ＭＳ Ｐゴシック" charset="0"/>
+              </a:rPr>
+              <a:t>://api.brightcove.com/services/</a:t>
+            </a:r>
+            <a:r>
+              <a:rPr lang="en-US" sz="3000" dirty="0" smtClean="0">
+                <a:latin typeface="Arial" charset="0"/>
+                <a:ea typeface="ＭＳ Ｐゴシック" charset="0"/>
+              </a:rPr>
+              <a:t>post</a:t>
+            </a:r>
+            <a:endParaRPr lang="en-US" sz="3000" dirty="0" smtClean="0">
+              <a:latin typeface="Arial" charset="0"/>
+              <a:ea typeface="ＭＳ Ｐゴシック" charset="0"/>
+            </a:endParaRPr>
+          </a:p>
+          <a:p>
+            <a:pPr lvl="1"/>
+            <a:r>
+              <a:rPr lang="en-US" sz="3000" dirty="0" smtClean="0">
+                <a:latin typeface="Arial" charset="0"/>
+                <a:ea typeface="ＭＳ Ｐゴシック" charset="0"/>
+              </a:rPr>
+              <a:t>Method name: {</a:t>
+            </a:r>
+            <a:r>
+              <a:rPr lang="ja-JP" altLang="en-US" sz="3000" dirty="0">
+                <a:latin typeface="Arial" charset="0"/>
+                <a:ea typeface="ＭＳ Ｐゴシック" charset="0"/>
+              </a:rPr>
+              <a:t>“</a:t>
+            </a:r>
+            <a:r>
+              <a:rPr lang="en-US" altLang="ja-JP" sz="3000" dirty="0">
+                <a:latin typeface="Arial" charset="0"/>
+                <a:ea typeface="ＭＳ Ｐゴシック" charset="0"/>
+              </a:rPr>
+              <a:t>method</a:t>
+            </a:r>
+            <a:r>
+              <a:rPr lang="ja-JP" altLang="en-US" sz="3000" dirty="0">
+                <a:latin typeface="Arial" charset="0"/>
+                <a:ea typeface="ＭＳ Ｐゴシック" charset="0"/>
+              </a:rPr>
+              <a:t>”</a:t>
+            </a:r>
+            <a:r>
+              <a:rPr lang="en-US" altLang="ja-JP" sz="3000" dirty="0">
+                <a:latin typeface="Arial" charset="0"/>
+                <a:ea typeface="ＭＳ Ｐゴシック" charset="0"/>
+              </a:rPr>
+              <a:t> : </a:t>
+            </a:r>
+            <a:r>
+              <a:rPr lang="ja-JP" altLang="en-US" sz="3000" dirty="0">
+                <a:latin typeface="Arial" charset="0"/>
+                <a:ea typeface="ＭＳ Ｐゴシック" charset="0"/>
+              </a:rPr>
+              <a:t>“</a:t>
+            </a:r>
+            <a:r>
+              <a:rPr lang="en-US" altLang="ja-JP" sz="3000" dirty="0" err="1">
+                <a:latin typeface="Arial" charset="0"/>
+                <a:ea typeface="ＭＳ Ｐゴシック" charset="0"/>
+              </a:rPr>
+              <a:t>update_video</a:t>
+            </a:r>
+            <a:r>
+              <a:rPr lang="ja-JP" altLang="en-US" sz="3000" dirty="0">
+                <a:latin typeface="Arial" charset="0"/>
+                <a:ea typeface="ＭＳ Ｐゴシック" charset="0"/>
+              </a:rPr>
+              <a:t>”</a:t>
+            </a:r>
+            <a:r>
+              <a:rPr lang="en-US" altLang="ja-JP" sz="3000" dirty="0">
+                <a:latin typeface="Arial" charset="0"/>
+                <a:ea typeface="ＭＳ Ｐゴシック" charset="0"/>
+              </a:rPr>
+              <a:t>,</a:t>
+            </a:r>
+            <a:endParaRPr lang="en-US" altLang="ja-JP" sz="3000" dirty="0" smtClean="0">
+              <a:latin typeface="Arial" charset="0"/>
+              <a:ea typeface="ＭＳ Ｐゴシック" charset="0"/>
+            </a:endParaRPr>
+          </a:p>
+          <a:p>
+            <a:pPr lvl="1"/>
+            <a:r>
+              <a:rPr lang="en-US" altLang="ja-JP" sz="3000" dirty="0" smtClean="0">
+                <a:latin typeface="Arial" charset="0"/>
+                <a:ea typeface="ＭＳ Ｐゴシック" charset="0"/>
+              </a:rPr>
+              <a:t>Parameters including WRITE token: </a:t>
+            </a:r>
+            <a:r>
+              <a:rPr lang="ja-JP" altLang="en-US" sz="3000" dirty="0" smtClean="0">
+                <a:latin typeface="Arial" charset="0"/>
+                <a:ea typeface="ＭＳ Ｐゴシック" charset="0"/>
+              </a:rPr>
+              <a:t>“</a:t>
+            </a:r>
+            <a:r>
+              <a:rPr lang="en-US" altLang="ja-JP" sz="3000" dirty="0" err="1">
+                <a:latin typeface="Arial" charset="0"/>
+                <a:ea typeface="ＭＳ Ｐゴシック" charset="0"/>
+              </a:rPr>
+              <a:t>params</a:t>
+            </a:r>
+            <a:r>
+              <a:rPr lang="ja-JP" altLang="en-US" sz="3000" dirty="0">
+                <a:latin typeface="Arial" charset="0"/>
+                <a:ea typeface="ＭＳ Ｐゴシック" charset="0"/>
+              </a:rPr>
+              <a:t>”</a:t>
+            </a:r>
+            <a:r>
+              <a:rPr lang="en-US" altLang="ja-JP" sz="3000" dirty="0">
+                <a:latin typeface="Arial" charset="0"/>
+                <a:ea typeface="ＭＳ Ｐゴシック" charset="0"/>
+              </a:rPr>
+              <a:t> : {</a:t>
+            </a:r>
+            <a:r>
+              <a:rPr lang="ja-JP" altLang="en-US" sz="3000" dirty="0">
+                <a:latin typeface="Arial" charset="0"/>
+                <a:ea typeface="ＭＳ Ｐゴシック" charset="0"/>
+              </a:rPr>
+              <a:t>“</a:t>
+            </a:r>
+            <a:r>
+              <a:rPr lang="en-US" altLang="ja-JP" sz="3000" dirty="0">
+                <a:latin typeface="Arial" charset="0"/>
+                <a:ea typeface="ＭＳ Ｐゴシック" charset="0"/>
+              </a:rPr>
+              <a:t>token</a:t>
+            </a:r>
+            <a:r>
+              <a:rPr lang="ja-JP" altLang="en-US" sz="3000" dirty="0">
+                <a:latin typeface="Arial" charset="0"/>
+                <a:ea typeface="ＭＳ Ｐゴシック" charset="0"/>
+              </a:rPr>
+              <a:t>”</a:t>
+            </a:r>
+            <a:r>
+              <a:rPr lang="en-US" altLang="ja-JP" sz="3000" dirty="0">
+                <a:latin typeface="Arial" charset="0"/>
+                <a:ea typeface="ＭＳ Ｐゴシック" charset="0"/>
+              </a:rPr>
+              <a:t> : </a:t>
+            </a:r>
+            <a:r>
+              <a:rPr lang="ja-JP" altLang="en-US" sz="3000" dirty="0">
+                <a:latin typeface="Arial" charset="0"/>
+                <a:ea typeface="ＭＳ Ｐゴシック" charset="0"/>
+              </a:rPr>
+              <a:t>“</a:t>
+            </a:r>
+            <a:r>
+              <a:rPr lang="en-US" altLang="ja-JP" sz="3000" dirty="0">
+                <a:latin typeface="Arial" charset="0"/>
+                <a:ea typeface="ＭＳ Ｐゴシック" charset="0"/>
+              </a:rPr>
+              <a:t>…</a:t>
+            </a:r>
+            <a:r>
+              <a:rPr lang="ja-JP" altLang="en-US" sz="3000" dirty="0">
+                <a:latin typeface="Arial" charset="0"/>
+                <a:ea typeface="ＭＳ Ｐゴシック" charset="0"/>
+              </a:rPr>
+              <a:t>”</a:t>
+            </a:r>
+            <a:r>
+              <a:rPr lang="en-US" altLang="ja-JP" sz="3000" dirty="0">
+                <a:latin typeface="Arial" charset="0"/>
+                <a:ea typeface="ＭＳ Ｐゴシック" charset="0"/>
+              </a:rPr>
+              <a:t>, …}}</a:t>
+            </a:r>
+          </a:p>
+          <a:p>
+            <a:r>
+              <a:rPr lang="en-US" sz="3000" dirty="0">
+                <a:latin typeface="Arial" charset="0"/>
+                <a:ea typeface="ＭＳ Ｐゴシック" charset="0"/>
+              </a:rPr>
+              <a:t>parameter order does not matter</a:t>
+            </a:r>
+          </a:p>
+          <a:p>
+            <a:r>
+              <a:rPr lang="en-US" sz="3000" dirty="0">
+                <a:latin typeface="Arial" charset="0"/>
+                <a:ea typeface="ＭＳ Ｐゴシック" charset="0"/>
+              </a:rPr>
+              <a:t>most methods use </a:t>
+            </a:r>
+            <a:r>
+              <a:rPr lang="en-US" sz="3000" dirty="0" err="1">
+                <a:latin typeface="Arial" charset="0"/>
+                <a:ea typeface="ＭＳ Ｐゴシック" charset="0"/>
+              </a:rPr>
+              <a:t>application/x-www-form-urlencoded</a:t>
+            </a:r>
+            <a:r>
+              <a:rPr lang="en-US" sz="3000" dirty="0">
+                <a:latin typeface="Arial" charset="0"/>
+                <a:ea typeface="ＭＳ Ｐゴシック" charset="0"/>
+              </a:rPr>
+              <a:t>, with </a:t>
+            </a:r>
+            <a:r>
+              <a:rPr lang="ja-JP" altLang="en-US" sz="3000" dirty="0">
+                <a:latin typeface="Arial" charset="0"/>
+                <a:ea typeface="ＭＳ Ｐゴシック" charset="0"/>
+              </a:rPr>
+              <a:t>“</a:t>
+            </a:r>
+            <a:r>
+              <a:rPr lang="en-US" altLang="ja-JP" sz="3000" dirty="0" err="1">
+                <a:latin typeface="Arial" charset="0"/>
+                <a:ea typeface="ＭＳ Ｐゴシック" charset="0"/>
+              </a:rPr>
+              <a:t>json</a:t>
+            </a:r>
+            <a:r>
+              <a:rPr lang="ja-JP" altLang="en-US" sz="3000" dirty="0">
+                <a:latin typeface="Arial" charset="0"/>
+                <a:ea typeface="ＭＳ Ｐゴシック" charset="0"/>
+              </a:rPr>
+              <a:t>”</a:t>
+            </a:r>
+            <a:r>
+              <a:rPr lang="en-US" altLang="ja-JP" sz="3000" dirty="0">
+                <a:latin typeface="Arial" charset="0"/>
+                <a:ea typeface="ＭＳ Ｐゴシック" charset="0"/>
+              </a:rPr>
+              <a:t> as the name of the JSON-RPC data</a:t>
+            </a:r>
+            <a:endParaRPr lang="en-US" sz="3000" dirty="0">
+              <a:latin typeface="Arial" charset="0"/>
+              <a:ea typeface="ＭＳ Ｐゴシック" charset="0"/>
+            </a:endParaRPr>
+          </a:p>
+        </p:txBody>
+      </p:sp>
+    </p:spTree>
+    <p:extLst>
+      <p:ext uri="{BB962C8B-B14F-4D97-AF65-F5344CB8AC3E}">
+        <p14:creationId xmlns:p14="http://schemas.microsoft.com/office/powerpoint/2010/main" xmlns:p="http://schemas.openxmlformats.org/presentationml/2006/main" xmlns:r="http://schemas.openxmlformats.org/officeDocument/2006/relationships" xmlns:a="http://schemas.openxmlformats.org/drawingml/2006/main" xmlns="" val="1132370560"/>
+      </p:ext>
+    </p:extLst>
+  </p:cSld>
+  <p:clrMapOvr>
+    <a:masterClrMapping/>
+  </p:clrMapOvr>
+  <p:timing>
+    <p:tnLst>
+      <p:par>
+        <p:cTn id="1" dur="indefinite" restart="never" nodeType="tmRoot"/>
+      </p:par>
+    </p:tnLst>
+  </p:timing>
+</p:sld>
+</file>
+
+<file path=ppt/slides/slide6.xml><?xml version="1.0" encoding="utf-8"?>
+<p:sld xmlns:a="http://schemas.openxmlformats.org/drawingml/2006/main" xmlns:r="http://schemas.openxmlformats.org/officeDocument/2006/relationships" xmlns:mc="http://schemas.openxmlformats.org/markup-compatibility/2006" xmlns:mv="urn:schemas-microsoft-com:mac:vml" xmlns:p="http://schemas.openxmlformats.org/presentationml/2006/main" mc:Ignorable="mv" mc:PreserveAttributes="mv:*">
+  <p:cSld>
+    <p:spTree>
+      <p:nvGrpSpPr>
+        <p:cNvPr id="1" name=""/>
+        <p:cNvGrpSpPr/>
+        <p:nvPr/>
+      </p:nvGrpSpPr>
+      <p:grpSpPr>
+        <a:xfrm>
+          <a:off x="0" y="0"/>
+          <a:ext cx="0" cy="0"/>
+          <a:chOff x="0" y="0"/>
+          <a:chExt cx="0" cy="0"/>
+        </a:xfrm>
+      </p:grpSpPr>
+      <p:sp>
+        <p:nvSpPr>
+          <p:cNvPr id="83969" name="Rectangle 2"/>
+          <p:cNvSpPr>
+            <a:spLocks noGrp="1" noChangeArrowheads="1"/>
+          </p:cNvSpPr>
+          <p:nvPr>
+            <p:ph type="title"/>
+          </p:nvPr>
+        </p:nvSpPr>
+        <p:spPr>
+          <a:xfrm>
+            <a:off x="541338" y="300038"/>
+            <a:ext cx="14724062" cy="1449387"/>
+          </a:xfrm>
+        </p:spPr>
+        <p:txBody>
+          <a:bodyPr/>
+          <a:lstStyle/>
+          <a:p>
+            <a:r>
+              <a:rPr lang="en-US" dirty="0">
+                <a:latin typeface="Arial" charset="0"/>
+                <a:ea typeface="ＭＳ Ｐゴシック" charset="0"/>
+              </a:rPr>
+              <a:t>Write API Debugging Tools</a:t>
+            </a:r>
+          </a:p>
+        </p:txBody>
+      </p:sp>
+      <p:sp>
+        <p:nvSpPr>
+          <p:cNvPr id="83970" name="Rectangle 3"/>
+          <p:cNvSpPr>
+            <a:spLocks noGrp="1" noChangeArrowheads="1"/>
+          </p:cNvSpPr>
+          <p:nvPr>
+            <p:ph idx="1"/>
+          </p:nvPr>
+        </p:nvSpPr>
+        <p:spPr>
+          <a:xfrm>
+            <a:off x="541338" y="1911350"/>
+            <a:ext cx="15878175" cy="6202363"/>
+          </a:xfrm>
+        </p:spPr>
+        <p:txBody>
+          <a:bodyPr/>
+          <a:lstStyle/>
+          <a:p>
+            <a:r>
+              <a:rPr lang="en-US" sz="3000" dirty="0" smtClean="0">
+                <a:latin typeface="Arial" charset="0"/>
+                <a:ea typeface="ＭＳ Ｐゴシック" charset="0"/>
+              </a:rPr>
+              <a:t>Ensure your JSON post is </a:t>
+            </a:r>
+            <a:r>
+              <a:rPr lang="en-US" sz="3000" dirty="0" smtClean="0">
+                <a:latin typeface="Arial" charset="0"/>
+                <a:ea typeface="ＭＳ Ｐゴシック" charset="0"/>
+              </a:rPr>
+              <a:t>valid</a:t>
+            </a:r>
+          </a:p>
+          <a:p>
+            <a:pPr lvl="1"/>
+            <a:r>
+              <a:rPr lang="en-US" sz="3000" dirty="0" smtClean="0">
+                <a:latin typeface="Arial" charset="0"/>
+                <a:ea typeface="ＭＳ Ｐゴシック" charset="0"/>
+                <a:hlinkClick r:id="rId3"/>
+              </a:rPr>
+              <a:t>http://jsonlint.com</a:t>
+            </a:r>
+            <a:r>
+              <a:rPr lang="en-US" sz="3000" dirty="0" smtClean="0">
+                <a:latin typeface="Arial" charset="0"/>
+                <a:ea typeface="ＭＳ Ｐゴシック" charset="0"/>
+              </a:rPr>
+              <a:t> </a:t>
+            </a:r>
+          </a:p>
+          <a:p>
+            <a:pPr lvl="1">
+              <a:buNone/>
+            </a:pPr>
+            <a:endParaRPr lang="en-US" sz="3000" dirty="0" smtClean="0">
+              <a:latin typeface="Arial" charset="0"/>
+              <a:ea typeface="ＭＳ Ｐゴシック" charset="0"/>
+            </a:endParaRPr>
+          </a:p>
+          <a:p>
+            <a:r>
+              <a:rPr lang="en-US" sz="3000" dirty="0" smtClean="0">
+                <a:latin typeface="Arial" charset="0"/>
+                <a:ea typeface="ＭＳ Ｐゴシック" charset="0"/>
+              </a:rPr>
+              <a:t>Verify that your POST is formed correctly with an HTTP proxy</a:t>
+            </a:r>
+            <a:endParaRPr lang="en-US" sz="3000" dirty="0" smtClean="0">
+              <a:latin typeface="Arial" charset="0"/>
+              <a:ea typeface="ＭＳ Ｐゴシック" charset="0"/>
+            </a:endParaRPr>
+          </a:p>
+          <a:p>
+            <a:pPr lvl="1"/>
+            <a:r>
+              <a:rPr lang="en-US" sz="3000" dirty="0">
+                <a:latin typeface="Arial" charset="0"/>
+                <a:ea typeface="ＭＳ Ｐゴシック" charset="0"/>
+                <a:hlinkClick r:id="rId4"/>
+              </a:rPr>
+              <a:t>http://www.charlesproxy.com/</a:t>
+            </a:r>
+            <a:endParaRPr lang="en-US" sz="3000" dirty="0">
+              <a:latin typeface="Arial" charset="0"/>
+              <a:ea typeface="ＭＳ Ｐゴシック" charset="0"/>
+            </a:endParaRPr>
+          </a:p>
+          <a:p>
+            <a:pPr lvl="1"/>
+            <a:r>
+              <a:rPr lang="en-US" sz="3000" dirty="0">
+                <a:latin typeface="Arial" charset="0"/>
+                <a:ea typeface="ＭＳ Ｐゴシック" charset="0"/>
+                <a:hlinkClick r:id="rId5"/>
+              </a:rPr>
+              <a:t>http://www.kevinlangdon.com/serviceCapture</a:t>
+            </a:r>
+            <a:r>
+              <a:rPr lang="en-US" sz="3000" dirty="0" smtClean="0">
+                <a:latin typeface="Arial" charset="0"/>
+                <a:ea typeface="ＭＳ Ｐゴシック" charset="0"/>
+                <a:hlinkClick r:id="rId5"/>
+              </a:rPr>
+              <a:t>/</a:t>
+            </a:r>
+            <a:endParaRPr lang="en-US" sz="3000" dirty="0" smtClean="0">
+              <a:latin typeface="Arial" charset="0"/>
+              <a:ea typeface="ＭＳ Ｐゴシック" charset="0"/>
+            </a:endParaRPr>
+          </a:p>
+        </p:txBody>
+      </p:sp>
+    </p:spTree>
+    <p:extLst>
+      <p:ext uri="{BB962C8B-B14F-4D97-AF65-F5344CB8AC3E}">
+        <p14:creationId xmlns:p14="http://schemas.microsoft.com/office/powerpoint/2010/main" xmlns:p="http://schemas.openxmlformats.org/presentationml/2006/main" xmlns:r="http://schemas.openxmlformats.org/officeDocument/2006/relationships" xmlns:a="http://schemas.openxmlformats.org/drawingml/2006/main" xmlns="" val="3462573243"/>
+      </p:ext>
+    </p:extLst>
+  </p:cSld>
+  <p:clrMapOvr>
+    <a:masterClrMapping/>
+  </p:clrMapOvr>
+  <p:timing>
+    <p:tnLst>
+      <p:par>
+        <p:cTn id="1" dur="indefinite" restart="never" nodeType="tmRoot"/>
+      </p:par>
+    </p:tnLst>
+  </p:timing>
+</p:sld>
+</file>
+
+<file path=ppt/slides/slide7.xml><?xml version="1.0" encoding="utf-8"?>
+<p:sld xmlns:a="http://schemas.openxmlformats.org/drawingml/2006/main" xmlns:r="http://schemas.openxmlformats.org/officeDocument/2006/relationships" xmlns:mc="http://schemas.openxmlformats.org/markup-compatibility/2006" xmlns:mv="urn:schemas-microsoft-com:mac:vml" xmlns:p="http://schemas.openxmlformats.org/presentationml/2006/main" mc:Ignorable="mv" mc:PreserveAttributes="mv:*">
+  <p:cSld>
+    <p:spTree>
+      <p:nvGrpSpPr>
+        <p:cNvPr id="1" name=""/>
+        <p:cNvGrpSpPr/>
+        <p:nvPr/>
+      </p:nvGrpSpPr>
+      <p:grpSpPr>
+        <a:xfrm>
+          <a:off x="0" y="0"/>
+          <a:ext cx="0" cy="0"/>
+          <a:chOff x="0" y="0"/>
+          <a:chExt cx="0" cy="0"/>
+        </a:xfrm>
+      </p:grpSpPr>
+      <p:sp>
+        <p:nvSpPr>
           <p:cNvPr id="303106" name="Slide Number Placeholder 3"/>
           <p:cNvSpPr txBox="1">
             <a:spLocks noGrp="1"/>
@@ -6682,7 +7052,7 @@
               <a:pPr eaLnBrk="0" hangingPunct="0">
                 <a:defRPr/>
               </a:pPr>
-              <a:t>13</a:t>
+              <a:t>7</a:t>
             </a:fld>
             <a:endParaRPr lang="en-US" sz="1500" b="1" dirty="0">
               <a:solidFill>
@@ -6719,26 +7089,26 @@
     </p:spTree>
     <p:extLst>
       <p:ext uri="{BB962C8B-B14F-4D97-AF65-F5344CB8AC3E}">
-        <p14:creationId xmlns:p14="http://schemas.microsoft.com/office/powerpoint/2010/main" val="3539376714"/>
+        <p14:creationId xmlns:p14="http://schemas.microsoft.com/office/powerpoint/2010/main" xmlns:p="http://schemas.openxmlformats.org/presentationml/2006/main" xmlns:r="http://schemas.openxmlformats.org/officeDocument/2006/relationships" xmlns:a="http://schemas.openxmlformats.org/drawingml/2006/main" xmlns="" val="3539376714"/>
       </p:ext>
     </p:extLst>
   </p:cSld>
   <p:clrMapOvr>
     <a:masterClrMapping/>
   </p:clrMapOvr>
-  <p:transition xmlns:p14="http://schemas.microsoft.com/office/powerpoint/2010/main"/>
+  <p:transition/>
   <p:timing>
     <p:tnLst>
       <p:par>
-        <p:cTn xmlns:p14="http://schemas.microsoft.com/office/powerpoint/2010/main" id="1" dur="indefinite" restart="never" nodeType="tmRoot"/>
+        <p:cTn id="1" dur="indefinite" restart="never" nodeType="tmRoot"/>
       </p:par>
     </p:tnLst>
   </p:timing>
 </p:sld>
 </file>
 
-<file path=ppt/slides/slide14.xml><?xml version="1.0" encoding="utf-8"?>
-<p:sld xmlns:a="http://schemas.openxmlformats.org/drawingml/2006/main" xmlns:r="http://schemas.openxmlformats.org/officeDocument/2006/relationships" xmlns:p="http://schemas.openxmlformats.org/presentationml/2006/main">
+<file path=ppt/slides/slide8.xml><?xml version="1.0" encoding="utf-8"?>
+<p:sld xmlns:a="http://schemas.openxmlformats.org/drawingml/2006/main" xmlns:r="http://schemas.openxmlformats.org/officeDocument/2006/relationships" xmlns:mc="http://schemas.openxmlformats.org/markup-compatibility/2006" xmlns:mv="urn:schemas-microsoft-com:mac:vml" xmlns:p="http://schemas.openxmlformats.org/presentationml/2006/main" mc:Ignorable="mv" mc:PreserveAttributes="mv:*">
   <p:cSld>
     <p:spTree>
       <p:nvGrpSpPr>
@@ -6830,7 +7200,7 @@
               <a:pPr>
                 <a:defRPr/>
               </a:pPr>
-              <a:t>14</a:t>
+              <a:t>8</a:t>
             </a:fld>
             <a:endParaRPr lang="en-US" dirty="0"/>
           </a:p>
@@ -6839,1863 +7209,20 @@
     </p:spTree>
     <p:extLst>
       <p:ext uri="{BB962C8B-B14F-4D97-AF65-F5344CB8AC3E}">
-        <p14:creationId xmlns:p14="http://schemas.microsoft.com/office/powerpoint/2010/main" val="3700295984"/>
+        <p14:creationId xmlns:p14="http://schemas.microsoft.com/office/powerpoint/2010/main" xmlns:p="http://schemas.openxmlformats.org/presentationml/2006/main" xmlns:r="http://schemas.openxmlformats.org/officeDocument/2006/relationships" xmlns:a="http://schemas.openxmlformats.org/drawingml/2006/main" xmlns="" val="3700295984"/>
       </p:ext>
     </p:extLst>
   </p:cSld>
   <p:clrMapOvr>
     <a:masterClrMapping/>
   </p:clrMapOvr>
-  <p:transition xmlns:p14="http://schemas.microsoft.com/office/powerpoint/2010/main" spd="med">
+  <p:transition spd="med">
     <p:fade/>
   </p:transition>
   <p:timing>
     <p:tnLst>
       <p:par>
-        <p:cTn xmlns:p14="http://schemas.microsoft.com/office/powerpoint/2010/main" id="1" dur="indefinite" restart="never" nodeType="tmRoot"/>
-      </p:par>
-    </p:tnLst>
-  </p:timing>
-</p:sld>
-</file>
-
-<file path=ppt/slides/slide2.xml><?xml version="1.0" encoding="utf-8"?>
-<p:sld xmlns:a="http://schemas.openxmlformats.org/drawingml/2006/main" xmlns:r="http://schemas.openxmlformats.org/officeDocument/2006/relationships" xmlns:p="http://schemas.openxmlformats.org/presentationml/2006/main">
-  <p:cSld>
-    <p:spTree>
-      <p:nvGrpSpPr>
-        <p:cNvPr id="1" name=""/>
-        <p:cNvGrpSpPr/>
-        <p:nvPr/>
-      </p:nvGrpSpPr>
-      <p:grpSpPr>
-        <a:xfrm>
-          <a:off x="0" y="0"/>
-          <a:ext cx="0" cy="0"/>
-          <a:chOff x="0" y="0"/>
-          <a:chExt cx="0" cy="0"/>
-        </a:xfrm>
-      </p:grpSpPr>
-      <p:sp>
-        <p:nvSpPr>
-          <p:cNvPr id="69633" name="Slide Number Placeholder 4"/>
-          <p:cNvSpPr txBox="1">
-            <a:spLocks noGrp="1"/>
-          </p:cNvSpPr>
-          <p:nvPr/>
-        </p:nvSpPr>
-        <p:spPr bwMode="auto">
-          <a:xfrm>
-            <a:off x="315913" y="9190038"/>
-            <a:ext cx="866775" cy="541337"/>
-          </a:xfrm>
-          <a:prstGeom prst="rect">
-            <a:avLst/>
-          </a:prstGeom>
-          <a:noFill/>
-          <a:ln>
-            <a:noFill/>
-          </a:ln>
-          <a:extLst>
-            <a:ext uri="{909E8E84-426E-40dd-AFC4-6F175D3DCCD1}">
-              <a14:hiddenFill xmlns:a14="http://schemas.microsoft.com/office/drawing/2010/main">
-                <a:solidFill>
-                  <a:srgbClr val="FFFFFF"/>
-                </a:solidFill>
-              </a14:hiddenFill>
-            </a:ext>
-            <a:ext uri="{91240B29-F687-4f45-9708-019B960494DF}">
-              <a14:hiddenLine xmlns:a14="http://schemas.microsoft.com/office/drawing/2010/main" w="9525">
-                <a:solidFill>
-                  <a:srgbClr val="000000"/>
-                </a:solidFill>
-                <a:miter lim="800000"/>
-                <a:headEnd/>
-                <a:tailEnd/>
-              </a14:hiddenLine>
-            </a:ext>
-          </a:extLst>
-        </p:spPr>
-        <p:txBody>
-          <a:bodyPr lIns="154707" tIns="77354" rIns="154707" bIns="77354"/>
-          <a:lstStyle>
-            <a:lvl1pPr eaLnBrk="0" hangingPunct="0">
-              <a:defRPr sz="3000">
-                <a:solidFill>
-                  <a:schemeClr val="tx1"/>
-                </a:solidFill>
-                <a:latin typeface="Arial" charset="0"/>
-                <a:ea typeface="ＭＳ Ｐゴシック" charset="0"/>
-                <a:cs typeface="ＭＳ Ｐゴシック" charset="0"/>
-              </a:defRPr>
-            </a:lvl1pPr>
-            <a:lvl2pPr marL="742950" indent="-285750" eaLnBrk="0" hangingPunct="0">
-              <a:defRPr sz="3000">
-                <a:solidFill>
-                  <a:schemeClr val="tx1"/>
-                </a:solidFill>
-                <a:latin typeface="Arial" charset="0"/>
-                <a:ea typeface="ＭＳ Ｐゴシック" charset="0"/>
-              </a:defRPr>
-            </a:lvl2pPr>
-            <a:lvl3pPr marL="1143000" indent="-228600" eaLnBrk="0" hangingPunct="0">
-              <a:defRPr sz="3000">
-                <a:solidFill>
-                  <a:schemeClr val="tx1"/>
-                </a:solidFill>
-                <a:latin typeface="Arial" charset="0"/>
-                <a:ea typeface="ＭＳ Ｐゴシック" charset="0"/>
-              </a:defRPr>
-            </a:lvl3pPr>
-            <a:lvl4pPr marL="1600200" indent="-228600" eaLnBrk="0" hangingPunct="0">
-              <a:defRPr sz="3000">
-                <a:solidFill>
-                  <a:schemeClr val="tx1"/>
-                </a:solidFill>
-                <a:latin typeface="Arial" charset="0"/>
-                <a:ea typeface="ＭＳ Ｐゴシック" charset="0"/>
-              </a:defRPr>
-            </a:lvl4pPr>
-            <a:lvl5pPr marL="2057400" indent="-228600" eaLnBrk="0" hangingPunct="0">
-              <a:defRPr sz="3000">
-                <a:solidFill>
-                  <a:schemeClr val="tx1"/>
-                </a:solidFill>
-                <a:latin typeface="Arial" charset="0"/>
-                <a:ea typeface="ＭＳ Ｐゴシック" charset="0"/>
-              </a:defRPr>
-            </a:lvl5pPr>
-            <a:lvl6pPr marL="2514600" indent="-228600" defTabSz="773113" eaLnBrk="0" fontAlgn="base" hangingPunct="0">
-              <a:spcBef>
-                <a:spcPct val="0"/>
-              </a:spcBef>
-              <a:spcAft>
-                <a:spcPct val="0"/>
-              </a:spcAft>
-              <a:defRPr sz="3000">
-                <a:solidFill>
-                  <a:schemeClr val="tx1"/>
-                </a:solidFill>
-                <a:latin typeface="Arial" charset="0"/>
-                <a:ea typeface="ＭＳ Ｐゴシック" charset="0"/>
-              </a:defRPr>
-            </a:lvl6pPr>
-            <a:lvl7pPr marL="2971800" indent="-228600" defTabSz="773113" eaLnBrk="0" fontAlgn="base" hangingPunct="0">
-              <a:spcBef>
-                <a:spcPct val="0"/>
-              </a:spcBef>
-              <a:spcAft>
-                <a:spcPct val="0"/>
-              </a:spcAft>
-              <a:defRPr sz="3000">
-                <a:solidFill>
-                  <a:schemeClr val="tx1"/>
-                </a:solidFill>
-                <a:latin typeface="Arial" charset="0"/>
-                <a:ea typeface="ＭＳ Ｐゴシック" charset="0"/>
-              </a:defRPr>
-            </a:lvl7pPr>
-            <a:lvl8pPr marL="3429000" indent="-228600" defTabSz="773113" eaLnBrk="0" fontAlgn="base" hangingPunct="0">
-              <a:spcBef>
-                <a:spcPct val="0"/>
-              </a:spcBef>
-              <a:spcAft>
-                <a:spcPct val="0"/>
-              </a:spcAft>
-              <a:defRPr sz="3000">
-                <a:solidFill>
-                  <a:schemeClr val="tx1"/>
-                </a:solidFill>
-                <a:latin typeface="Arial" charset="0"/>
-                <a:ea typeface="ＭＳ Ｐゴシック" charset="0"/>
-              </a:defRPr>
-            </a:lvl8pPr>
-            <a:lvl9pPr marL="3886200" indent="-228600" defTabSz="773113" eaLnBrk="0" fontAlgn="base" hangingPunct="0">
-              <a:spcBef>
-                <a:spcPct val="0"/>
-              </a:spcBef>
-              <a:spcAft>
-                <a:spcPct val="0"/>
-              </a:spcAft>
-              <a:defRPr sz="3000">
-                <a:solidFill>
-                  <a:schemeClr val="tx1"/>
-                </a:solidFill>
-                <a:latin typeface="Arial" charset="0"/>
-                <a:ea typeface="ＭＳ Ｐゴシック" charset="0"/>
-              </a:defRPr>
-            </a:lvl9pPr>
-          </a:lstStyle>
-          <a:p>
-            <a:fld id="{7787B529-270C-0E4E-A9F5-6632F332FF66}" type="slidenum">
-              <a:rPr lang="en-US" sz="1500" b="1">
-                <a:solidFill>
-                  <a:srgbClr val="7B7B7B"/>
-                </a:solidFill>
-              </a:rPr>
-              <a:pPr/>
-              <a:t>2</a:t>
-            </a:fld>
-            <a:endParaRPr lang="en-US" sz="1500" b="1">
-              <a:solidFill>
-                <a:srgbClr val="7B7B7B"/>
-              </a:solidFill>
-            </a:endParaRPr>
-          </a:p>
-        </p:txBody>
-      </p:sp>
-      <p:sp>
-        <p:nvSpPr>
-          <p:cNvPr id="69634" name="Rectangle 2"/>
-          <p:cNvSpPr>
-            <a:spLocks noGrp="1" noChangeArrowheads="1"/>
-          </p:cNvSpPr>
-          <p:nvPr>
-            <p:ph type="title"/>
-          </p:nvPr>
-        </p:nvSpPr>
-        <p:spPr>
-          <a:xfrm>
-            <a:off x="541338" y="300038"/>
-            <a:ext cx="14724062" cy="1449387"/>
-          </a:xfrm>
-        </p:spPr>
-        <p:txBody>
-          <a:bodyPr/>
-          <a:lstStyle/>
-          <a:p>
-            <a:pPr eaLnBrk="1" hangingPunct="1"/>
-            <a:r>
-              <a:rPr lang="en-US">
-                <a:latin typeface="Arial" charset="0"/>
-                <a:ea typeface="ＭＳ Ｐゴシック" charset="0"/>
-              </a:rPr>
-              <a:t>Write API</a:t>
-            </a:r>
-          </a:p>
-        </p:txBody>
-      </p:sp>
-      <p:sp>
-        <p:nvSpPr>
-          <p:cNvPr id="69635" name="Content Placeholder 4"/>
-          <p:cNvSpPr>
-            <a:spLocks noGrp="1"/>
-          </p:cNvSpPr>
-          <p:nvPr>
-            <p:ph idx="1"/>
-          </p:nvPr>
-        </p:nvSpPr>
-        <p:spPr>
-          <a:xfrm>
-            <a:off x="541338" y="1911350"/>
-            <a:ext cx="15878175" cy="6202363"/>
-          </a:xfrm>
-        </p:spPr>
-        <p:txBody>
-          <a:bodyPr/>
-          <a:lstStyle/>
-          <a:p>
-            <a:pPr marL="479425" indent="-479425">
-              <a:spcBef>
-                <a:spcPct val="50000"/>
-              </a:spcBef>
-              <a:buFontTx/>
-              <a:buBlip>
-                <a:blip r:embed="rId3"/>
-              </a:buBlip>
-            </a:pPr>
-            <a:r>
-              <a:rPr lang="en-US" sz="3000">
-                <a:latin typeface="Arial" charset="0"/>
-                <a:ea typeface="ＭＳ Ｐゴシック" charset="0"/>
-                <a:cs typeface="ＭＳ Ｐゴシック" charset="0"/>
-              </a:rPr>
-              <a:t>Methods that create, update, or delete videos and playlists </a:t>
-            </a:r>
-            <a:endParaRPr lang="en-US" sz="3000">
-              <a:solidFill>
-                <a:srgbClr val="23383A"/>
-              </a:solidFill>
-              <a:latin typeface="Arial" charset="0"/>
-              <a:ea typeface="ＭＳ Ｐゴシック" charset="0"/>
-              <a:cs typeface="ＭＳ Ｐゴシック" charset="0"/>
-            </a:endParaRPr>
-          </a:p>
-          <a:p>
-            <a:pPr marL="479425" indent="-479425">
-              <a:spcBef>
-                <a:spcPct val="50000"/>
-              </a:spcBef>
-              <a:buFontTx/>
-              <a:buBlip>
-                <a:blip r:embed="rId3"/>
-              </a:buBlip>
-            </a:pPr>
-            <a:r>
-              <a:rPr lang="en-US" sz="3000">
-                <a:solidFill>
-                  <a:srgbClr val="23383A"/>
-                </a:solidFill>
-                <a:latin typeface="Arial" charset="0"/>
-                <a:ea typeface="ＭＳ Ｐゴシック" charset="0"/>
-                <a:cs typeface="ＭＳ Ｐゴシック" charset="0"/>
-              </a:rPr>
-              <a:t>Calling the WRITE API</a:t>
-            </a:r>
-          </a:p>
-          <a:p>
-            <a:pPr marL="1169988" lvl="1" indent="-396875">
-              <a:spcBef>
-                <a:spcPct val="15000"/>
-              </a:spcBef>
-              <a:spcAft>
-                <a:spcPct val="5000"/>
-              </a:spcAft>
-              <a:buFontTx/>
-              <a:buBlip>
-                <a:blip r:embed="rId4"/>
-              </a:buBlip>
-            </a:pPr>
-            <a:r>
-              <a:rPr lang="en-US" sz="3000">
-                <a:solidFill>
-                  <a:srgbClr val="23383A"/>
-                </a:solidFill>
-                <a:latin typeface="Arial" charset="0"/>
-                <a:ea typeface="ＭＳ Ｐゴシック" charset="0"/>
-                <a:cs typeface="ＭＳ Ｐゴシック" charset="0"/>
-              </a:rPr>
-              <a:t>HTTP POST Request</a:t>
-            </a:r>
-          </a:p>
-          <a:p>
-            <a:pPr marL="1169988" lvl="1" indent="-396875">
-              <a:spcBef>
-                <a:spcPct val="15000"/>
-              </a:spcBef>
-              <a:spcAft>
-                <a:spcPct val="5000"/>
-              </a:spcAft>
-              <a:buFontTx/>
-              <a:buBlip>
-                <a:blip r:embed="rId4"/>
-              </a:buBlip>
-            </a:pPr>
-            <a:r>
-              <a:rPr lang="en-US" sz="3000">
-                <a:latin typeface="Arial" charset="0"/>
-                <a:ea typeface="ＭＳ Ｐゴシック" charset="0"/>
-                <a:cs typeface="ＭＳ Ｐゴシック" charset="0"/>
-              </a:rPr>
-              <a:t>application/x-www-form-urlencoded or multipart/form-data</a:t>
-            </a:r>
-            <a:endParaRPr lang="en-US" sz="3000">
-              <a:solidFill>
-                <a:srgbClr val="23383A"/>
-              </a:solidFill>
-              <a:latin typeface="Arial" charset="0"/>
-              <a:ea typeface="ＭＳ Ｐゴシック" charset="0"/>
-              <a:cs typeface="ＭＳ Ｐゴシック" charset="0"/>
-            </a:endParaRPr>
-          </a:p>
-          <a:p>
-            <a:pPr marL="1169988" lvl="1" indent="-396875">
-              <a:spcBef>
-                <a:spcPct val="15000"/>
-              </a:spcBef>
-              <a:spcAft>
-                <a:spcPct val="5000"/>
-              </a:spcAft>
-              <a:buFontTx/>
-              <a:buBlip>
-                <a:blip r:embed="rId4"/>
-              </a:buBlip>
-            </a:pPr>
-            <a:r>
-              <a:rPr lang="en-US" sz="3000">
-                <a:solidFill>
-                  <a:srgbClr val="23383A"/>
-                </a:solidFill>
-                <a:latin typeface="Arial" charset="0"/>
-                <a:ea typeface="ＭＳ Ｐゴシック" charset="0"/>
-                <a:cs typeface="ＭＳ Ｐゴシック" charset="0"/>
-              </a:rPr>
-              <a:t>method-name and parameters in the body as JSON-RPC</a:t>
-            </a:r>
-          </a:p>
-          <a:p>
-            <a:pPr marL="1169988" lvl="1" indent="-396875">
-              <a:spcBef>
-                <a:spcPct val="15000"/>
-              </a:spcBef>
-              <a:spcAft>
-                <a:spcPct val="5000"/>
-              </a:spcAft>
-              <a:buFontTx/>
-              <a:buBlip>
-                <a:blip r:embed="rId4"/>
-              </a:buBlip>
-            </a:pPr>
-            <a:r>
-              <a:rPr lang="en-US" sz="3000">
-                <a:solidFill>
-                  <a:srgbClr val="23383A"/>
-                </a:solidFill>
-                <a:latin typeface="Arial" charset="0"/>
-                <a:ea typeface="ＭＳ Ｐゴシック" charset="0"/>
-                <a:cs typeface="ＭＳ Ｐゴシック" charset="0"/>
-              </a:rPr>
-              <a:t>must provide WRITE Token</a:t>
-            </a:r>
-          </a:p>
-          <a:p>
-            <a:pPr marL="1169988" lvl="1" indent="-396875">
-              <a:spcBef>
-                <a:spcPct val="15000"/>
-              </a:spcBef>
-              <a:spcAft>
-                <a:spcPct val="5000"/>
-              </a:spcAft>
-              <a:buFontTx/>
-              <a:buBlip>
-                <a:blip r:embed="rId4"/>
-              </a:buBlip>
-            </a:pPr>
-            <a:r>
-              <a:rPr lang="en-US" sz="3000">
-                <a:solidFill>
-                  <a:srgbClr val="23383A"/>
-                </a:solidFill>
-                <a:latin typeface="Arial" charset="0"/>
-                <a:ea typeface="ＭＳ Ｐゴシック" charset="0"/>
-                <a:cs typeface="ＭＳ Ｐゴシック" charset="0"/>
-              </a:rPr>
-              <a:t>ISO-8859-1 for special characters</a:t>
-            </a:r>
-          </a:p>
-          <a:p>
-            <a:pPr marL="479425" indent="-479425">
-              <a:spcBef>
-                <a:spcPct val="15000"/>
-              </a:spcBef>
-              <a:spcAft>
-                <a:spcPct val="5000"/>
-              </a:spcAft>
-              <a:buFontTx/>
-              <a:buBlip>
-                <a:blip r:embed="rId4"/>
-              </a:buBlip>
-            </a:pPr>
-            <a:r>
-              <a:rPr lang="en-US" sz="3000" i="1">
-                <a:solidFill>
-                  <a:srgbClr val="23383A"/>
-                </a:solidFill>
-                <a:latin typeface="Arial" charset="0"/>
-                <a:ea typeface="ＭＳ Ｐゴシック" charset="0"/>
-                <a:cs typeface="ＭＳ Ｐゴシック" charset="0"/>
-              </a:rPr>
-              <a:t>Write methods should not be made on the client-side except in exceptionally secure situations, as your Write Token will be exposed in the source code</a:t>
-            </a:r>
-            <a:endParaRPr lang="en-US" sz="3000" i="1">
-              <a:latin typeface="Arial" charset="0"/>
-              <a:ea typeface="ＭＳ Ｐゴシック" charset="0"/>
-              <a:cs typeface="ＭＳ Ｐゴシック" charset="0"/>
-            </a:endParaRPr>
-          </a:p>
-          <a:p>
-            <a:pPr marL="479425" indent="-479425"/>
-            <a:endParaRPr lang="en-US" sz="3000">
-              <a:latin typeface="Arial" charset="0"/>
-              <a:ea typeface="ＭＳ Ｐゴシック" charset="0"/>
-            </a:endParaRPr>
-          </a:p>
-        </p:txBody>
-      </p:sp>
-    </p:spTree>
-    <p:extLst>
-      <p:ext uri="{BB962C8B-B14F-4D97-AF65-F5344CB8AC3E}">
-        <p14:creationId xmlns:p14="http://schemas.microsoft.com/office/powerpoint/2010/main" val="2928590387"/>
-      </p:ext>
-    </p:extLst>
-  </p:cSld>
-  <p:clrMapOvr>
-    <a:masterClrMapping/>
-  </p:clrMapOvr>
-  <p:transition xmlns:p14="http://schemas.microsoft.com/office/powerpoint/2010/main">
-    <p:fade/>
-  </p:transition>
-  <p:timing>
-    <p:tnLst>
-      <p:par>
-        <p:cTn xmlns:p14="http://schemas.microsoft.com/office/powerpoint/2010/main" id="1" dur="indefinite" restart="never" nodeType="tmRoot"/>
-      </p:par>
-    </p:tnLst>
-  </p:timing>
-</p:sld>
-</file>
-
-<file path=ppt/slides/slide3.xml><?xml version="1.0" encoding="utf-8"?>
-<p:sld xmlns:a="http://schemas.openxmlformats.org/drawingml/2006/main" xmlns:r="http://schemas.openxmlformats.org/officeDocument/2006/relationships" xmlns:p="http://schemas.openxmlformats.org/presentationml/2006/main">
-  <p:cSld>
-    <p:spTree>
-      <p:nvGrpSpPr>
-        <p:cNvPr id="1" name=""/>
-        <p:cNvGrpSpPr/>
-        <p:nvPr/>
-      </p:nvGrpSpPr>
-      <p:grpSpPr>
-        <a:xfrm>
-          <a:off x="0" y="0"/>
-          <a:ext cx="0" cy="0"/>
-          <a:chOff x="0" y="0"/>
-          <a:chExt cx="0" cy="0"/>
-        </a:xfrm>
-      </p:grpSpPr>
-      <p:sp>
-        <p:nvSpPr>
-          <p:cNvPr id="73729" name="Rectangle 2"/>
-          <p:cNvSpPr>
-            <a:spLocks noGrp="1" noChangeArrowheads="1"/>
-          </p:cNvSpPr>
-          <p:nvPr>
-            <p:ph type="title"/>
-          </p:nvPr>
-        </p:nvSpPr>
-        <p:spPr>
-          <a:xfrm>
-            <a:off x="541338" y="300038"/>
-            <a:ext cx="14724062" cy="1449387"/>
-          </a:xfrm>
-        </p:spPr>
-        <p:txBody>
-          <a:bodyPr/>
-          <a:lstStyle/>
-          <a:p>
-            <a:r>
-              <a:rPr lang="en-US">
-                <a:latin typeface="Arial" charset="0"/>
-                <a:ea typeface="ＭＳ Ｐゴシック" charset="0"/>
-              </a:rPr>
-              <a:t>JSON-RPC</a:t>
-            </a:r>
-          </a:p>
-        </p:txBody>
-      </p:sp>
-      <p:sp>
-        <p:nvSpPr>
-          <p:cNvPr id="73730" name="Rectangle 3"/>
-          <p:cNvSpPr>
-            <a:spLocks noGrp="1" noChangeArrowheads="1"/>
-          </p:cNvSpPr>
-          <p:nvPr>
-            <p:ph idx="1"/>
-          </p:nvPr>
-        </p:nvSpPr>
-        <p:spPr>
-          <a:xfrm>
-            <a:off x="541338" y="1911350"/>
-            <a:ext cx="15878175" cy="6202363"/>
-          </a:xfrm>
-        </p:spPr>
-        <p:txBody>
-          <a:bodyPr/>
-          <a:lstStyle/>
-          <a:p>
-            <a:r>
-              <a:rPr lang="en-US" sz="3000">
-                <a:latin typeface="Arial" charset="0"/>
-                <a:ea typeface="ＭＳ Ｐゴシック" charset="0"/>
-              </a:rPr>
-              <a:t>Remote Procedure Calls with JSON</a:t>
-            </a:r>
-          </a:p>
-          <a:p>
-            <a:r>
-              <a:rPr lang="en-US" sz="3000">
-                <a:latin typeface="Arial" charset="0"/>
-                <a:ea typeface="ＭＳ Ｐゴシック" charset="0"/>
-              </a:rPr>
-              <a:t>request and response are well-defined JSON objects</a:t>
-            </a:r>
-          </a:p>
-          <a:p>
-            <a:r>
-              <a:rPr lang="en-US" sz="3000">
-                <a:latin typeface="Arial" charset="0"/>
-                <a:ea typeface="ＭＳ Ｐゴシック" charset="0"/>
-                <a:hlinkClick r:id="rId3"/>
-              </a:rPr>
-              <a:t>http://json-rpc.org/</a:t>
-            </a:r>
-            <a:endParaRPr lang="en-US" sz="3000">
-              <a:latin typeface="Arial" charset="0"/>
-              <a:ea typeface="ＭＳ Ｐゴシック" charset="0"/>
-            </a:endParaRPr>
-          </a:p>
-        </p:txBody>
-      </p:sp>
-    </p:spTree>
-    <p:extLst>
-      <p:ext uri="{BB962C8B-B14F-4D97-AF65-F5344CB8AC3E}">
-        <p14:creationId xmlns:p14="http://schemas.microsoft.com/office/powerpoint/2010/main" val="3529968541"/>
-      </p:ext>
-    </p:extLst>
-  </p:cSld>
-  <p:clrMapOvr>
-    <a:masterClrMapping/>
-  </p:clrMapOvr>
-  <p:timing>
-    <p:tnLst>
-      <p:par>
-        <p:cTn xmlns:p14="http://schemas.microsoft.com/office/powerpoint/2010/main" id="1" dur="indefinite" restart="never" nodeType="tmRoot"/>
-      </p:par>
-    </p:tnLst>
-  </p:timing>
-</p:sld>
-</file>
-
-<file path=ppt/slides/slide4.xml><?xml version="1.0" encoding="utf-8"?>
-<p:sld xmlns:a="http://schemas.openxmlformats.org/drawingml/2006/main" xmlns:r="http://schemas.openxmlformats.org/officeDocument/2006/relationships" xmlns:p="http://schemas.openxmlformats.org/presentationml/2006/main">
-  <p:cSld>
-    <p:spTree>
-      <p:nvGrpSpPr>
-        <p:cNvPr id="1" name=""/>
-        <p:cNvGrpSpPr/>
-        <p:nvPr/>
-      </p:nvGrpSpPr>
-      <p:grpSpPr>
-        <a:xfrm>
-          <a:off x="0" y="0"/>
-          <a:ext cx="0" cy="0"/>
-          <a:chOff x="0" y="0"/>
-          <a:chExt cx="0" cy="0"/>
-        </a:xfrm>
-      </p:grpSpPr>
-      <p:sp>
-        <p:nvSpPr>
-          <p:cNvPr id="75777" name="Rectangle 2"/>
-          <p:cNvSpPr>
-            <a:spLocks noGrp="1" noChangeArrowheads="1"/>
-          </p:cNvSpPr>
-          <p:nvPr>
-            <p:ph type="title"/>
-          </p:nvPr>
-        </p:nvSpPr>
-        <p:spPr>
-          <a:xfrm>
-            <a:off x="541338" y="300038"/>
-            <a:ext cx="14724062" cy="1449387"/>
-          </a:xfrm>
-        </p:spPr>
-        <p:txBody>
-          <a:bodyPr/>
-          <a:lstStyle/>
-          <a:p>
-            <a:r>
-              <a:rPr lang="en-US">
-                <a:latin typeface="Arial" charset="0"/>
-                <a:ea typeface="ＭＳ Ｐゴシック" charset="0"/>
-              </a:rPr>
-              <a:t>Media API JSON-RPC Request</a:t>
-            </a:r>
-          </a:p>
-        </p:txBody>
-      </p:sp>
-      <p:sp>
-        <p:nvSpPr>
-          <p:cNvPr id="75778" name="Rectangle 3"/>
-          <p:cNvSpPr>
-            <a:spLocks noGrp="1" noChangeArrowheads="1"/>
-          </p:cNvSpPr>
-          <p:nvPr>
-            <p:ph idx="1"/>
-          </p:nvPr>
-        </p:nvSpPr>
-        <p:spPr>
-          <a:xfrm>
-            <a:off x="541338" y="1911350"/>
-            <a:ext cx="15878175" cy="6202363"/>
-          </a:xfrm>
-        </p:spPr>
-        <p:txBody>
-          <a:bodyPr/>
-          <a:lstStyle/>
-          <a:p>
-            <a:pPr>
-              <a:lnSpc>
-                <a:spcPct val="90000"/>
-              </a:lnSpc>
-              <a:buFontTx/>
-              <a:buNone/>
-            </a:pPr>
-            <a:r>
-              <a:rPr lang="en-US" sz="3700">
-                <a:latin typeface="Consolas" charset="0"/>
-                <a:ea typeface="ＭＳ Ｐゴシック" charset="0"/>
-                <a:cs typeface="Consolas" charset="0"/>
-              </a:rPr>
-              <a:t>{</a:t>
-            </a:r>
-          </a:p>
-          <a:p>
-            <a:pPr>
-              <a:lnSpc>
-                <a:spcPct val="90000"/>
-              </a:lnSpc>
-              <a:buFontTx/>
-              <a:buNone/>
-            </a:pPr>
-            <a:r>
-              <a:rPr lang="en-US" sz="3700">
-                <a:latin typeface="Consolas" charset="0"/>
-                <a:ea typeface="ＭＳ Ｐゴシック" charset="0"/>
-                <a:cs typeface="Consolas" charset="0"/>
-              </a:rPr>
-              <a:t>    "method": "update_video",</a:t>
-            </a:r>
-          </a:p>
-          <a:p>
-            <a:pPr>
-              <a:lnSpc>
-                <a:spcPct val="90000"/>
-              </a:lnSpc>
-              <a:buFontTx/>
-              <a:buNone/>
-            </a:pPr>
-            <a:r>
-              <a:rPr lang="en-US" sz="3700">
-                <a:latin typeface="Consolas" charset="0"/>
-                <a:ea typeface="ＭＳ Ｐゴシック" charset="0"/>
-                <a:cs typeface="Consolas" charset="0"/>
-              </a:rPr>
-              <a:t>    "params": {</a:t>
-            </a:r>
-          </a:p>
-          <a:p>
-            <a:pPr>
-              <a:lnSpc>
-                <a:spcPct val="90000"/>
-              </a:lnSpc>
-              <a:buFontTx/>
-              <a:buNone/>
-            </a:pPr>
-            <a:r>
-              <a:rPr lang="en-US" sz="3700">
-                <a:latin typeface="Consolas" charset="0"/>
-                <a:ea typeface="ＭＳ Ｐゴシック" charset="0"/>
-                <a:cs typeface="Consolas" charset="0"/>
-              </a:rPr>
-              <a:t>        "token": "...",</a:t>
-            </a:r>
-          </a:p>
-          <a:p>
-            <a:pPr>
-              <a:lnSpc>
-                <a:spcPct val="90000"/>
-              </a:lnSpc>
-              <a:buFontTx/>
-              <a:buNone/>
-            </a:pPr>
-            <a:r>
-              <a:rPr lang="en-US" sz="3700">
-                <a:latin typeface="Consolas" charset="0"/>
-                <a:ea typeface="ＭＳ Ｐゴシック" charset="0"/>
-                <a:cs typeface="Consolas" charset="0"/>
-              </a:rPr>
-              <a:t>        "video" : {</a:t>
-            </a:r>
-          </a:p>
-          <a:p>
-            <a:pPr>
-              <a:lnSpc>
-                <a:spcPct val="90000"/>
-              </a:lnSpc>
-              <a:buFontTx/>
-              <a:buNone/>
-            </a:pPr>
-            <a:r>
-              <a:rPr lang="en-US" sz="3700">
-                <a:latin typeface="Consolas" charset="0"/>
-                <a:ea typeface="ＭＳ Ｐゴシック" charset="0"/>
-                <a:cs typeface="Consolas" charset="0"/>
-              </a:rPr>
-              <a:t>            "id" : 1234,</a:t>
-            </a:r>
-          </a:p>
-          <a:p>
-            <a:pPr>
-              <a:lnSpc>
-                <a:spcPct val="90000"/>
-              </a:lnSpc>
-              <a:buFontTx/>
-              <a:buNone/>
-            </a:pPr>
-            <a:r>
-              <a:rPr lang="en-US" sz="3700">
-                <a:latin typeface="Consolas" charset="0"/>
-                <a:ea typeface="ＭＳ Ｐゴシック" charset="0"/>
-                <a:cs typeface="Consolas" charset="0"/>
-              </a:rPr>
-              <a:t>            "name" : "new name"</a:t>
-            </a:r>
-          </a:p>
-          <a:p>
-            <a:pPr>
-              <a:lnSpc>
-                <a:spcPct val="90000"/>
-              </a:lnSpc>
-              <a:buFontTx/>
-              <a:buNone/>
-            </a:pPr>
-            <a:r>
-              <a:rPr lang="en-US" sz="3700">
-                <a:latin typeface="Consolas" charset="0"/>
-                <a:ea typeface="ＭＳ Ｐゴシック" charset="0"/>
-                <a:cs typeface="Consolas" charset="0"/>
-              </a:rPr>
-              <a:t>        } </a:t>
-            </a:r>
-          </a:p>
-          <a:p>
-            <a:pPr>
-              <a:lnSpc>
-                <a:spcPct val="90000"/>
-              </a:lnSpc>
-              <a:buFontTx/>
-              <a:buNone/>
-            </a:pPr>
-            <a:r>
-              <a:rPr lang="en-US" sz="3700">
-                <a:latin typeface="Consolas" charset="0"/>
-                <a:ea typeface="ＭＳ Ｐゴシック" charset="0"/>
-                <a:cs typeface="Consolas" charset="0"/>
-              </a:rPr>
-              <a:t>    }</a:t>
-            </a:r>
-          </a:p>
-          <a:p>
-            <a:pPr>
-              <a:lnSpc>
-                <a:spcPct val="90000"/>
-              </a:lnSpc>
-              <a:buFontTx/>
-              <a:buNone/>
-            </a:pPr>
-            <a:r>
-              <a:rPr lang="en-US" sz="3700">
-                <a:latin typeface="Consolas" charset="0"/>
-                <a:ea typeface="ＭＳ Ｐゴシック" charset="0"/>
-                <a:cs typeface="Consolas" charset="0"/>
-              </a:rPr>
-              <a:t>}</a:t>
-            </a:r>
-          </a:p>
-        </p:txBody>
-      </p:sp>
-    </p:spTree>
-    <p:extLst>
-      <p:ext uri="{BB962C8B-B14F-4D97-AF65-F5344CB8AC3E}">
-        <p14:creationId xmlns:p14="http://schemas.microsoft.com/office/powerpoint/2010/main" val="2192278482"/>
-      </p:ext>
-    </p:extLst>
-  </p:cSld>
-  <p:clrMapOvr>
-    <a:masterClrMapping/>
-  </p:clrMapOvr>
-  <p:timing>
-    <p:tnLst>
-      <p:par>
-        <p:cTn xmlns:p14="http://schemas.microsoft.com/office/powerpoint/2010/main" id="1" dur="indefinite" restart="never" nodeType="tmRoot"/>
-      </p:par>
-    </p:tnLst>
-  </p:timing>
-</p:sld>
-</file>
-
-<file path=ppt/slides/slide5.xml><?xml version="1.0" encoding="utf-8"?>
-<p:sld xmlns:a="http://schemas.openxmlformats.org/drawingml/2006/main" xmlns:r="http://schemas.openxmlformats.org/officeDocument/2006/relationships" xmlns:p="http://schemas.openxmlformats.org/presentationml/2006/main">
-  <p:cSld>
-    <p:spTree>
-      <p:nvGrpSpPr>
-        <p:cNvPr id="1" name=""/>
-        <p:cNvGrpSpPr/>
-        <p:nvPr/>
-      </p:nvGrpSpPr>
-      <p:grpSpPr>
-        <a:xfrm>
-          <a:off x="0" y="0"/>
-          <a:ext cx="0" cy="0"/>
-          <a:chOff x="0" y="0"/>
-          <a:chExt cx="0" cy="0"/>
-        </a:xfrm>
-      </p:grpSpPr>
-      <p:sp>
-        <p:nvSpPr>
-          <p:cNvPr id="77825" name="Rectangle 2"/>
-          <p:cNvSpPr>
-            <a:spLocks noGrp="1" noChangeArrowheads="1"/>
-          </p:cNvSpPr>
-          <p:nvPr>
-            <p:ph type="title"/>
-          </p:nvPr>
-        </p:nvSpPr>
-        <p:spPr>
-          <a:xfrm>
-            <a:off x="541338" y="300038"/>
-            <a:ext cx="14724062" cy="1449387"/>
-          </a:xfrm>
-        </p:spPr>
-        <p:txBody>
-          <a:bodyPr/>
-          <a:lstStyle/>
-          <a:p>
-            <a:r>
-              <a:rPr lang="en-US">
-                <a:latin typeface="Arial" charset="0"/>
-                <a:ea typeface="ＭＳ Ｐゴシック" charset="0"/>
-              </a:rPr>
-              <a:t>JSON-RPC Response</a:t>
-            </a:r>
-          </a:p>
-        </p:txBody>
-      </p:sp>
-      <p:sp>
-        <p:nvSpPr>
-          <p:cNvPr id="77826" name="Rectangle 3"/>
-          <p:cNvSpPr>
-            <a:spLocks noGrp="1" noChangeArrowheads="1"/>
-          </p:cNvSpPr>
-          <p:nvPr>
-            <p:ph idx="1"/>
-          </p:nvPr>
-        </p:nvSpPr>
-        <p:spPr>
-          <a:xfrm>
-            <a:off x="541338" y="1911350"/>
-            <a:ext cx="15878175" cy="6202363"/>
-          </a:xfrm>
-        </p:spPr>
-        <p:txBody>
-          <a:bodyPr/>
-          <a:lstStyle/>
-          <a:p>
-            <a:pPr>
-              <a:lnSpc>
-                <a:spcPct val="80000"/>
-              </a:lnSpc>
-              <a:buFontTx/>
-              <a:buNone/>
-            </a:pPr>
-            <a:r>
-              <a:rPr lang="en-US" sz="3700">
-                <a:latin typeface="Consolas" charset="0"/>
-                <a:ea typeface="ＭＳ Ｐゴシック" charset="0"/>
-                <a:cs typeface="Consolas" charset="0"/>
-              </a:rPr>
-              <a:t>{</a:t>
-            </a:r>
-          </a:p>
-          <a:p>
-            <a:pPr>
-              <a:lnSpc>
-                <a:spcPct val="80000"/>
-              </a:lnSpc>
-              <a:buFontTx/>
-              <a:buNone/>
-            </a:pPr>
-            <a:r>
-              <a:rPr lang="en-US" sz="3700">
-                <a:latin typeface="Consolas" charset="0"/>
-                <a:ea typeface="ＭＳ Ｐゴシック" charset="0"/>
-                <a:cs typeface="Consolas" charset="0"/>
-              </a:rPr>
-              <a:t>    "result": {</a:t>
-            </a:r>
-          </a:p>
-          <a:p>
-            <a:pPr>
-              <a:lnSpc>
-                <a:spcPct val="80000"/>
-              </a:lnSpc>
-              <a:buFontTx/>
-              <a:buNone/>
-            </a:pPr>
-            <a:r>
-              <a:rPr lang="en-US" sz="3700">
-                <a:latin typeface="Consolas" charset="0"/>
-                <a:ea typeface="ＭＳ Ｐゴシック" charset="0"/>
-                <a:cs typeface="Consolas" charset="0"/>
-              </a:rPr>
-              <a:t>        "video" : {</a:t>
-            </a:r>
-          </a:p>
-          <a:p>
-            <a:pPr>
-              <a:lnSpc>
-                <a:spcPct val="80000"/>
-              </a:lnSpc>
-              <a:buFontTx/>
-              <a:buNone/>
-            </a:pPr>
-            <a:r>
-              <a:rPr lang="en-US" sz="3700">
-                <a:latin typeface="Consolas" charset="0"/>
-                <a:ea typeface="ＭＳ Ｐゴシック" charset="0"/>
-                <a:cs typeface="Consolas" charset="0"/>
-              </a:rPr>
-              <a:t>            "id": 1234,</a:t>
-            </a:r>
-          </a:p>
-          <a:p>
-            <a:pPr>
-              <a:lnSpc>
-                <a:spcPct val="80000"/>
-              </a:lnSpc>
-              <a:buFontTx/>
-              <a:buNone/>
-            </a:pPr>
-            <a:r>
-              <a:rPr lang="en-US" sz="3700">
-                <a:latin typeface="Consolas" charset="0"/>
-                <a:ea typeface="ＭＳ Ｐゴシック" charset="0"/>
-                <a:cs typeface="Consolas" charset="0"/>
-              </a:rPr>
-              <a:t>            "name" : "new name"</a:t>
-            </a:r>
-          </a:p>
-          <a:p>
-            <a:pPr>
-              <a:lnSpc>
-                <a:spcPct val="80000"/>
-              </a:lnSpc>
-              <a:buFontTx/>
-              <a:buNone/>
-            </a:pPr>
-            <a:r>
-              <a:rPr lang="en-US" sz="3700">
-                <a:latin typeface="Consolas" charset="0"/>
-                <a:ea typeface="ＭＳ Ｐゴシック" charset="0"/>
-                <a:cs typeface="Consolas" charset="0"/>
-              </a:rPr>
-              <a:t>        } </a:t>
-            </a:r>
-          </a:p>
-          <a:p>
-            <a:pPr>
-              <a:lnSpc>
-                <a:spcPct val="80000"/>
-              </a:lnSpc>
-              <a:buFontTx/>
-              <a:buNone/>
-            </a:pPr>
-            <a:r>
-              <a:rPr lang="en-US" sz="3700">
-                <a:latin typeface="Consolas" charset="0"/>
-                <a:ea typeface="ＭＳ Ｐゴシック" charset="0"/>
-                <a:cs typeface="Consolas" charset="0"/>
-              </a:rPr>
-              <a:t>    },</a:t>
-            </a:r>
-          </a:p>
-          <a:p>
-            <a:pPr>
-              <a:lnSpc>
-                <a:spcPct val="80000"/>
-              </a:lnSpc>
-              <a:buFontTx/>
-              <a:buNone/>
-            </a:pPr>
-            <a:r>
-              <a:rPr lang="en-US" sz="3700">
-                <a:latin typeface="Consolas" charset="0"/>
-                <a:ea typeface="ＭＳ Ｐゴシック" charset="0"/>
-                <a:cs typeface="Consolas" charset="0"/>
-              </a:rPr>
-              <a:t>    "error": null</a:t>
-            </a:r>
-          </a:p>
-          <a:p>
-            <a:pPr>
-              <a:lnSpc>
-                <a:spcPct val="80000"/>
-              </a:lnSpc>
-              <a:buFontTx/>
-              <a:buNone/>
-            </a:pPr>
-            <a:r>
-              <a:rPr lang="en-US" sz="3700">
-                <a:latin typeface="Consolas" charset="0"/>
-                <a:ea typeface="ＭＳ Ｐゴシック" charset="0"/>
-                <a:cs typeface="Consolas" charset="0"/>
-              </a:rPr>
-              <a:t>}</a:t>
-            </a:r>
-          </a:p>
-          <a:p>
-            <a:pPr>
-              <a:lnSpc>
-                <a:spcPct val="80000"/>
-              </a:lnSpc>
-              <a:buFontTx/>
-              <a:buNone/>
-            </a:pPr>
-            <a:endParaRPr lang="en-US" sz="3700">
-              <a:latin typeface="Arial" charset="0"/>
-              <a:ea typeface="ＭＳ Ｐゴシック" charset="0"/>
-            </a:endParaRPr>
-          </a:p>
-          <a:p>
-            <a:pPr>
-              <a:lnSpc>
-                <a:spcPct val="80000"/>
-              </a:lnSpc>
-            </a:pPr>
-            <a:r>
-              <a:rPr lang="en-US" sz="3700">
-                <a:latin typeface="Arial" charset="0"/>
-                <a:ea typeface="ＭＳ Ｐゴシック" charset="0"/>
-              </a:rPr>
-              <a:t>either </a:t>
-            </a:r>
-            <a:r>
-              <a:rPr lang="ja-JP" altLang="en-US" sz="3700">
-                <a:latin typeface="Arial" charset="0"/>
-                <a:ea typeface="ＭＳ Ｐゴシック" charset="0"/>
-              </a:rPr>
-              <a:t>“</a:t>
-            </a:r>
-            <a:r>
-              <a:rPr lang="en-US" altLang="ja-JP" sz="3700">
-                <a:latin typeface="Arial" charset="0"/>
-                <a:ea typeface="ＭＳ Ｐゴシック" charset="0"/>
-              </a:rPr>
-              <a:t>result</a:t>
-            </a:r>
-            <a:r>
-              <a:rPr lang="ja-JP" altLang="en-US" sz="3700">
-                <a:latin typeface="Arial" charset="0"/>
-                <a:ea typeface="ＭＳ Ｐゴシック" charset="0"/>
-              </a:rPr>
-              <a:t>”</a:t>
-            </a:r>
-            <a:r>
-              <a:rPr lang="en-US" altLang="ja-JP" sz="3700">
-                <a:latin typeface="Arial" charset="0"/>
-                <a:ea typeface="ＭＳ Ｐゴシック" charset="0"/>
-              </a:rPr>
-              <a:t> or </a:t>
-            </a:r>
-            <a:r>
-              <a:rPr lang="ja-JP" altLang="en-US" sz="3700">
-                <a:latin typeface="Arial" charset="0"/>
-                <a:ea typeface="ＭＳ Ｐゴシック" charset="0"/>
-              </a:rPr>
-              <a:t>“</a:t>
-            </a:r>
-            <a:r>
-              <a:rPr lang="en-US" altLang="ja-JP" sz="3700">
-                <a:latin typeface="Arial" charset="0"/>
-                <a:ea typeface="ＭＳ Ｐゴシック" charset="0"/>
-              </a:rPr>
-              <a:t>error</a:t>
-            </a:r>
-            <a:r>
-              <a:rPr lang="ja-JP" altLang="en-US" sz="3700">
-                <a:latin typeface="Arial" charset="0"/>
-                <a:ea typeface="ＭＳ Ｐゴシック" charset="0"/>
-              </a:rPr>
-              <a:t>”</a:t>
-            </a:r>
-            <a:r>
-              <a:rPr lang="en-US" altLang="ja-JP" sz="3700">
-                <a:latin typeface="Arial" charset="0"/>
-                <a:ea typeface="ＭＳ Ｐゴシック" charset="0"/>
-              </a:rPr>
-              <a:t> will be null</a:t>
-            </a:r>
-            <a:endParaRPr lang="en-US" sz="3700">
-              <a:latin typeface="Arial" charset="0"/>
-              <a:ea typeface="ＭＳ Ｐゴシック" charset="0"/>
-            </a:endParaRPr>
-          </a:p>
-        </p:txBody>
-      </p:sp>
-    </p:spTree>
-    <p:extLst>
-      <p:ext uri="{BB962C8B-B14F-4D97-AF65-F5344CB8AC3E}">
-        <p14:creationId xmlns:p14="http://schemas.microsoft.com/office/powerpoint/2010/main" val="4161345460"/>
-      </p:ext>
-    </p:extLst>
-  </p:cSld>
-  <p:clrMapOvr>
-    <a:masterClrMapping/>
-  </p:clrMapOvr>
-  <p:timing>
-    <p:tnLst>
-      <p:par>
-        <p:cTn xmlns:p14="http://schemas.microsoft.com/office/powerpoint/2010/main" id="1" dur="indefinite" restart="never" nodeType="tmRoot"/>
-      </p:par>
-    </p:tnLst>
-  </p:timing>
-</p:sld>
-</file>
-
-<file path=ppt/slides/slide6.xml><?xml version="1.0" encoding="utf-8"?>
-<p:sld xmlns:a="http://schemas.openxmlformats.org/drawingml/2006/main" xmlns:r="http://schemas.openxmlformats.org/officeDocument/2006/relationships" xmlns:p="http://schemas.openxmlformats.org/presentationml/2006/main">
-  <p:cSld>
-    <p:spTree>
-      <p:nvGrpSpPr>
-        <p:cNvPr id="1" name=""/>
-        <p:cNvGrpSpPr/>
-        <p:nvPr/>
-      </p:nvGrpSpPr>
-      <p:grpSpPr>
-        <a:xfrm>
-          <a:off x="0" y="0"/>
-          <a:ext cx="0" cy="0"/>
-          <a:chOff x="0" y="0"/>
-          <a:chExt cx="0" cy="0"/>
-        </a:xfrm>
-      </p:grpSpPr>
-      <p:sp>
-        <p:nvSpPr>
-          <p:cNvPr id="79873" name="Rectangle 2"/>
-          <p:cNvSpPr>
-            <a:spLocks noGrp="1" noChangeArrowheads="1"/>
-          </p:cNvSpPr>
-          <p:nvPr>
-            <p:ph type="title"/>
-          </p:nvPr>
-        </p:nvSpPr>
-        <p:spPr>
-          <a:xfrm>
-            <a:off x="541338" y="300038"/>
-            <a:ext cx="14724062" cy="1449387"/>
-          </a:xfrm>
-        </p:spPr>
-        <p:txBody>
-          <a:bodyPr/>
-          <a:lstStyle/>
-          <a:p>
-            <a:r>
-              <a:rPr lang="en-US">
-                <a:latin typeface="Arial" charset="0"/>
-                <a:ea typeface="ＭＳ Ｐゴシック" charset="0"/>
-              </a:rPr>
-              <a:t>Constructing a Write API Request</a:t>
-            </a:r>
-          </a:p>
-        </p:txBody>
-      </p:sp>
-      <p:sp>
-        <p:nvSpPr>
-          <p:cNvPr id="79874" name="Rectangle 3"/>
-          <p:cNvSpPr>
-            <a:spLocks noGrp="1" noChangeArrowheads="1"/>
-          </p:cNvSpPr>
-          <p:nvPr>
-            <p:ph idx="1"/>
-          </p:nvPr>
-        </p:nvSpPr>
-        <p:spPr>
-          <a:xfrm>
-            <a:off x="541338" y="1911350"/>
-            <a:ext cx="15878175" cy="6202363"/>
-          </a:xfrm>
-        </p:spPr>
-        <p:txBody>
-          <a:bodyPr/>
-          <a:lstStyle/>
-          <a:p>
-            <a:r>
-              <a:rPr lang="en-US" sz="3000">
-                <a:latin typeface="Arial" charset="0"/>
-                <a:ea typeface="ＭＳ Ｐゴシック" charset="0"/>
-              </a:rPr>
-              <a:t>http://api.brightcove.com/services/post</a:t>
-            </a:r>
-          </a:p>
-          <a:p>
-            <a:r>
-              <a:rPr lang="en-US" sz="3000">
-                <a:latin typeface="Arial" charset="0"/>
-                <a:ea typeface="ＭＳ Ｐゴシック" charset="0"/>
-              </a:rPr>
-              <a:t>{</a:t>
-            </a:r>
-            <a:r>
-              <a:rPr lang="ja-JP" altLang="en-US" sz="3000">
-                <a:latin typeface="Arial" charset="0"/>
-                <a:ea typeface="ＭＳ Ｐゴシック" charset="0"/>
-              </a:rPr>
-              <a:t>“</a:t>
-            </a:r>
-            <a:r>
-              <a:rPr lang="en-US" altLang="ja-JP" sz="3000">
-                <a:latin typeface="Arial" charset="0"/>
-                <a:ea typeface="ＭＳ Ｐゴシック" charset="0"/>
-              </a:rPr>
-              <a:t>method</a:t>
-            </a:r>
-            <a:r>
-              <a:rPr lang="ja-JP" altLang="en-US" sz="3000">
-                <a:latin typeface="Arial" charset="0"/>
-                <a:ea typeface="ＭＳ Ｐゴシック" charset="0"/>
-              </a:rPr>
-              <a:t>”</a:t>
-            </a:r>
-            <a:r>
-              <a:rPr lang="en-US" altLang="ja-JP" sz="3000">
-                <a:latin typeface="Arial" charset="0"/>
-                <a:ea typeface="ＭＳ Ｐゴシック" charset="0"/>
-              </a:rPr>
-              <a:t> : </a:t>
-            </a:r>
-            <a:r>
-              <a:rPr lang="ja-JP" altLang="en-US" sz="3000">
-                <a:latin typeface="Arial" charset="0"/>
-                <a:ea typeface="ＭＳ Ｐゴシック" charset="0"/>
-              </a:rPr>
-              <a:t>“</a:t>
-            </a:r>
-            <a:r>
-              <a:rPr lang="en-US" altLang="ja-JP" sz="3000">
-                <a:latin typeface="Arial" charset="0"/>
-                <a:ea typeface="ＭＳ Ｐゴシック" charset="0"/>
-              </a:rPr>
-              <a:t>update_video</a:t>
-            </a:r>
-            <a:r>
-              <a:rPr lang="ja-JP" altLang="en-US" sz="3000">
-                <a:latin typeface="Arial" charset="0"/>
-                <a:ea typeface="ＭＳ Ｐゴシック" charset="0"/>
-              </a:rPr>
-              <a:t>”</a:t>
-            </a:r>
-            <a:r>
-              <a:rPr lang="en-US" altLang="ja-JP" sz="3000">
-                <a:latin typeface="Arial" charset="0"/>
-                <a:ea typeface="ＭＳ Ｐゴシック" charset="0"/>
-              </a:rPr>
-              <a:t>,</a:t>
-            </a:r>
-          </a:p>
-          <a:p>
-            <a:r>
-              <a:rPr lang="ja-JP" altLang="en-US" sz="3000">
-                <a:latin typeface="Arial" charset="0"/>
-                <a:ea typeface="ＭＳ Ｐゴシック" charset="0"/>
-              </a:rPr>
-              <a:t>“</a:t>
-            </a:r>
-            <a:r>
-              <a:rPr lang="en-US" altLang="ja-JP" sz="3000">
-                <a:latin typeface="Arial" charset="0"/>
-                <a:ea typeface="ＭＳ Ｐゴシック" charset="0"/>
-              </a:rPr>
-              <a:t>params</a:t>
-            </a:r>
-            <a:r>
-              <a:rPr lang="ja-JP" altLang="en-US" sz="3000">
-                <a:latin typeface="Arial" charset="0"/>
-                <a:ea typeface="ＭＳ Ｐゴシック" charset="0"/>
-              </a:rPr>
-              <a:t>”</a:t>
-            </a:r>
-            <a:r>
-              <a:rPr lang="en-US" altLang="ja-JP" sz="3000">
-                <a:latin typeface="Arial" charset="0"/>
-                <a:ea typeface="ＭＳ Ｐゴシック" charset="0"/>
-              </a:rPr>
-              <a:t> : {</a:t>
-            </a:r>
-            <a:r>
-              <a:rPr lang="ja-JP" altLang="en-US" sz="3000">
-                <a:latin typeface="Arial" charset="0"/>
-                <a:ea typeface="ＭＳ Ｐゴシック" charset="0"/>
-              </a:rPr>
-              <a:t>“</a:t>
-            </a:r>
-            <a:r>
-              <a:rPr lang="en-US" altLang="ja-JP" sz="3000">
-                <a:latin typeface="Arial" charset="0"/>
-                <a:ea typeface="ＭＳ Ｐゴシック" charset="0"/>
-              </a:rPr>
-              <a:t>token</a:t>
-            </a:r>
-            <a:r>
-              <a:rPr lang="ja-JP" altLang="en-US" sz="3000">
-                <a:latin typeface="Arial" charset="0"/>
-                <a:ea typeface="ＭＳ Ｐゴシック" charset="0"/>
-              </a:rPr>
-              <a:t>”</a:t>
-            </a:r>
-            <a:r>
-              <a:rPr lang="en-US" altLang="ja-JP" sz="3000">
-                <a:latin typeface="Arial" charset="0"/>
-                <a:ea typeface="ＭＳ Ｐゴシック" charset="0"/>
-              </a:rPr>
-              <a:t> : </a:t>
-            </a:r>
-            <a:r>
-              <a:rPr lang="ja-JP" altLang="en-US" sz="3000">
-                <a:latin typeface="Arial" charset="0"/>
-                <a:ea typeface="ＭＳ Ｐゴシック" charset="0"/>
-              </a:rPr>
-              <a:t>“</a:t>
-            </a:r>
-            <a:r>
-              <a:rPr lang="en-US" altLang="ja-JP" sz="3000">
-                <a:latin typeface="Arial" charset="0"/>
-                <a:ea typeface="ＭＳ Ｐゴシック" charset="0"/>
-              </a:rPr>
-              <a:t>…</a:t>
-            </a:r>
-            <a:r>
-              <a:rPr lang="ja-JP" altLang="en-US" sz="3000">
-                <a:latin typeface="Arial" charset="0"/>
-                <a:ea typeface="ＭＳ Ｐゴシック" charset="0"/>
-              </a:rPr>
-              <a:t>”</a:t>
-            </a:r>
-            <a:r>
-              <a:rPr lang="en-US" altLang="ja-JP" sz="3000">
-                <a:latin typeface="Arial" charset="0"/>
-                <a:ea typeface="ＭＳ Ｐゴシック" charset="0"/>
-              </a:rPr>
-              <a:t>, …}}</a:t>
-            </a:r>
-          </a:p>
-          <a:p>
-            <a:r>
-              <a:rPr lang="en-US" sz="3000">
-                <a:latin typeface="Arial" charset="0"/>
-                <a:ea typeface="ＭＳ Ｐゴシック" charset="0"/>
-              </a:rPr>
-              <a:t>parameter order does not matter</a:t>
-            </a:r>
-          </a:p>
-          <a:p>
-            <a:r>
-              <a:rPr lang="en-US" sz="3000">
-                <a:latin typeface="Arial" charset="0"/>
-                <a:ea typeface="ＭＳ Ｐゴシック" charset="0"/>
-              </a:rPr>
-              <a:t>most methods use application/x-www-form-urlencoded, with </a:t>
-            </a:r>
-            <a:r>
-              <a:rPr lang="ja-JP" altLang="en-US" sz="3000">
-                <a:latin typeface="Arial" charset="0"/>
-                <a:ea typeface="ＭＳ Ｐゴシック" charset="0"/>
-              </a:rPr>
-              <a:t>“</a:t>
-            </a:r>
-            <a:r>
-              <a:rPr lang="en-US" altLang="ja-JP" sz="3000">
-                <a:latin typeface="Arial" charset="0"/>
-                <a:ea typeface="ＭＳ Ｐゴシック" charset="0"/>
-              </a:rPr>
-              <a:t>json</a:t>
-            </a:r>
-            <a:r>
-              <a:rPr lang="ja-JP" altLang="en-US" sz="3000">
-                <a:latin typeface="Arial" charset="0"/>
-                <a:ea typeface="ＭＳ Ｐゴシック" charset="0"/>
-              </a:rPr>
-              <a:t>”</a:t>
-            </a:r>
-            <a:r>
-              <a:rPr lang="en-US" altLang="ja-JP" sz="3000">
-                <a:latin typeface="Arial" charset="0"/>
-                <a:ea typeface="ＭＳ Ｐゴシック" charset="0"/>
-              </a:rPr>
-              <a:t> as the name of the JSON-RPC data</a:t>
-            </a:r>
-            <a:endParaRPr lang="en-US" sz="3000">
-              <a:latin typeface="Arial" charset="0"/>
-              <a:ea typeface="ＭＳ Ｐゴシック" charset="0"/>
-            </a:endParaRPr>
-          </a:p>
-        </p:txBody>
-      </p:sp>
-    </p:spTree>
-    <p:extLst>
-      <p:ext uri="{BB962C8B-B14F-4D97-AF65-F5344CB8AC3E}">
-        <p14:creationId xmlns:p14="http://schemas.microsoft.com/office/powerpoint/2010/main" val="1132370560"/>
-      </p:ext>
-    </p:extLst>
-  </p:cSld>
-  <p:clrMapOvr>
-    <a:masterClrMapping/>
-  </p:clrMapOvr>
-  <p:timing>
-    <p:tnLst>
-      <p:par>
-        <p:cTn xmlns:p14="http://schemas.microsoft.com/office/powerpoint/2010/main" id="1" dur="indefinite" restart="never" nodeType="tmRoot"/>
-      </p:par>
-    </p:tnLst>
-  </p:timing>
-</p:sld>
-</file>
-
-<file path=ppt/slides/slide7.xml><?xml version="1.0" encoding="utf-8"?>
-<p:sld xmlns:a="http://schemas.openxmlformats.org/drawingml/2006/main" xmlns:r="http://schemas.openxmlformats.org/officeDocument/2006/relationships" xmlns:p="http://schemas.openxmlformats.org/presentationml/2006/main">
-  <p:cSld>
-    <p:spTree>
-      <p:nvGrpSpPr>
-        <p:cNvPr id="1" name=""/>
-        <p:cNvGrpSpPr/>
-        <p:nvPr/>
-      </p:nvGrpSpPr>
-      <p:grpSpPr>
-        <a:xfrm>
-          <a:off x="0" y="0"/>
-          <a:ext cx="0" cy="0"/>
-          <a:chOff x="0" y="0"/>
-          <a:chExt cx="0" cy="0"/>
-        </a:xfrm>
-      </p:grpSpPr>
-      <p:sp>
-        <p:nvSpPr>
-          <p:cNvPr id="81921" name="Rectangle 2"/>
-          <p:cNvSpPr>
-            <a:spLocks noGrp="1" noChangeArrowheads="1"/>
-          </p:cNvSpPr>
-          <p:nvPr>
-            <p:ph type="title"/>
-          </p:nvPr>
-        </p:nvSpPr>
-        <p:spPr>
-          <a:xfrm>
-            <a:off x="541338" y="300038"/>
-            <a:ext cx="14724062" cy="1449387"/>
-          </a:xfrm>
-        </p:spPr>
-        <p:txBody>
-          <a:bodyPr/>
-          <a:lstStyle/>
-          <a:p>
-            <a:r>
-              <a:rPr lang="en-US" sz="3400">
-                <a:latin typeface="Arial" charset="0"/>
-                <a:ea typeface="ＭＳ Ｐゴシック" charset="0"/>
-              </a:rPr>
-              <a:t>Constructing a Write API Request with Upload</a:t>
-            </a:r>
-          </a:p>
-        </p:txBody>
-      </p:sp>
-      <p:sp>
-        <p:nvSpPr>
-          <p:cNvPr id="81922" name="Rectangle 3"/>
-          <p:cNvSpPr>
-            <a:spLocks noGrp="1" noChangeArrowheads="1"/>
-          </p:cNvSpPr>
-          <p:nvPr>
-            <p:ph idx="1"/>
-          </p:nvPr>
-        </p:nvSpPr>
-        <p:spPr>
-          <a:xfrm>
-            <a:off x="541338" y="1911350"/>
-            <a:ext cx="15878175" cy="6202363"/>
-          </a:xfrm>
-        </p:spPr>
-        <p:txBody>
-          <a:bodyPr/>
-          <a:lstStyle/>
-          <a:p>
-            <a:r>
-              <a:rPr lang="en-US" sz="3000">
-                <a:latin typeface="Arial" charset="0"/>
-                <a:ea typeface="ＭＳ Ｐゴシック" charset="0"/>
-              </a:rPr>
-              <a:t>upload methods (create_video, add_image) use multipart/form-data POST</a:t>
-            </a:r>
-          </a:p>
-          <a:p>
-            <a:r>
-              <a:rPr lang="en-US" sz="3000">
-                <a:latin typeface="Arial" charset="0"/>
-                <a:ea typeface="ＭＳ Ｐゴシック" charset="0"/>
-              </a:rPr>
-              <a:t>JSON-RPC must come first</a:t>
-            </a:r>
-          </a:p>
-          <a:p>
-            <a:r>
-              <a:rPr lang="en-US" sz="3000">
-                <a:latin typeface="Arial" charset="0"/>
-                <a:ea typeface="ＭＳ Ｐゴシック" charset="0"/>
-              </a:rPr>
-              <a:t>followed by a File part</a:t>
-            </a:r>
-          </a:p>
-        </p:txBody>
-      </p:sp>
-    </p:spTree>
-    <p:extLst>
-      <p:ext uri="{BB962C8B-B14F-4D97-AF65-F5344CB8AC3E}">
-        <p14:creationId xmlns:p14="http://schemas.microsoft.com/office/powerpoint/2010/main" val="1717267429"/>
-      </p:ext>
-    </p:extLst>
-  </p:cSld>
-  <p:clrMapOvr>
-    <a:masterClrMapping/>
-  </p:clrMapOvr>
-  <p:timing>
-    <p:tnLst>
-      <p:par>
-        <p:cTn xmlns:p14="http://schemas.microsoft.com/office/powerpoint/2010/main" id="1" dur="indefinite" restart="never" nodeType="tmRoot"/>
-      </p:par>
-    </p:tnLst>
-  </p:timing>
-</p:sld>
-</file>
-
-<file path=ppt/slides/slide8.xml><?xml version="1.0" encoding="utf-8"?>
-<p:sld xmlns:a="http://schemas.openxmlformats.org/drawingml/2006/main" xmlns:r="http://schemas.openxmlformats.org/officeDocument/2006/relationships" xmlns:p="http://schemas.openxmlformats.org/presentationml/2006/main">
-  <p:cSld>
-    <p:spTree>
-      <p:nvGrpSpPr>
-        <p:cNvPr id="1" name=""/>
-        <p:cNvGrpSpPr/>
-        <p:nvPr/>
-      </p:nvGrpSpPr>
-      <p:grpSpPr>
-        <a:xfrm>
-          <a:off x="0" y="0"/>
-          <a:ext cx="0" cy="0"/>
-          <a:chOff x="0" y="0"/>
-          <a:chExt cx="0" cy="0"/>
-        </a:xfrm>
-      </p:grpSpPr>
-      <p:sp>
-        <p:nvSpPr>
-          <p:cNvPr id="83969" name="Rectangle 2"/>
-          <p:cNvSpPr>
-            <a:spLocks noGrp="1" noChangeArrowheads="1"/>
-          </p:cNvSpPr>
-          <p:nvPr>
-            <p:ph type="title"/>
-          </p:nvPr>
-        </p:nvSpPr>
-        <p:spPr>
-          <a:xfrm>
-            <a:off x="541338" y="300038"/>
-            <a:ext cx="14724062" cy="1449387"/>
-          </a:xfrm>
-        </p:spPr>
-        <p:txBody>
-          <a:bodyPr/>
-          <a:lstStyle/>
-          <a:p>
-            <a:r>
-              <a:rPr lang="en-US">
-                <a:latin typeface="Arial" charset="0"/>
-                <a:ea typeface="ＭＳ Ｐゴシック" charset="0"/>
-              </a:rPr>
-              <a:t>Write API Debugging Tools</a:t>
-            </a:r>
-          </a:p>
-        </p:txBody>
-      </p:sp>
-      <p:sp>
-        <p:nvSpPr>
-          <p:cNvPr id="83970" name="Rectangle 3"/>
-          <p:cNvSpPr>
-            <a:spLocks noGrp="1" noChangeArrowheads="1"/>
-          </p:cNvSpPr>
-          <p:nvPr>
-            <p:ph idx="1"/>
-          </p:nvPr>
-        </p:nvSpPr>
-        <p:spPr>
-          <a:xfrm>
-            <a:off x="541338" y="1911350"/>
-            <a:ext cx="15878175" cy="6202363"/>
-          </a:xfrm>
-        </p:spPr>
-        <p:txBody>
-          <a:bodyPr/>
-          <a:lstStyle/>
-          <a:p>
-            <a:r>
-              <a:rPr lang="en-US" sz="3000">
-                <a:latin typeface="Arial" charset="0"/>
-                <a:ea typeface="ＭＳ Ｐゴシック" charset="0"/>
-                <a:hlinkClick r:id="rId3"/>
-              </a:rPr>
-              <a:t>http://jsonlint.com</a:t>
-            </a:r>
-            <a:endParaRPr lang="en-US" sz="3000">
-              <a:latin typeface="Arial" charset="0"/>
-              <a:ea typeface="ＭＳ Ｐゴシック" charset="0"/>
-            </a:endParaRPr>
-          </a:p>
-          <a:p>
-            <a:pPr lvl="1"/>
-            <a:r>
-              <a:rPr lang="en-US" sz="3000">
-                <a:latin typeface="Arial" charset="0"/>
-                <a:ea typeface="ＭＳ Ｐゴシック" charset="0"/>
-              </a:rPr>
-              <a:t>ensure your JSON post is valid</a:t>
-            </a:r>
-          </a:p>
-          <a:p>
-            <a:r>
-              <a:rPr lang="en-US" sz="3000">
-                <a:latin typeface="Arial" charset="0"/>
-                <a:ea typeface="ＭＳ Ｐゴシック" charset="0"/>
-              </a:rPr>
-              <a:t>HTTP proxy</a:t>
-            </a:r>
-          </a:p>
-          <a:p>
-            <a:pPr lvl="1"/>
-            <a:r>
-              <a:rPr lang="en-US" sz="3000">
-                <a:latin typeface="Arial" charset="0"/>
-                <a:ea typeface="ＭＳ Ｐゴシック" charset="0"/>
-                <a:hlinkClick r:id="rId4"/>
-              </a:rPr>
-              <a:t>http://www.charlesproxy.com/</a:t>
-            </a:r>
-            <a:endParaRPr lang="en-US" sz="3000">
-              <a:latin typeface="Arial" charset="0"/>
-              <a:ea typeface="ＭＳ Ｐゴシック" charset="0"/>
-            </a:endParaRPr>
-          </a:p>
-          <a:p>
-            <a:pPr lvl="1"/>
-            <a:r>
-              <a:rPr lang="en-US" sz="3000">
-                <a:latin typeface="Arial" charset="0"/>
-                <a:ea typeface="ＭＳ Ｐゴシック" charset="0"/>
-                <a:hlinkClick r:id="rId5"/>
-              </a:rPr>
-              <a:t>http://www.kevinlangdon.com/serviceCapture/</a:t>
-            </a:r>
-            <a:endParaRPr lang="en-US" sz="3000">
-              <a:latin typeface="Arial" charset="0"/>
-              <a:ea typeface="ＭＳ Ｐゴシック" charset="0"/>
-            </a:endParaRPr>
-          </a:p>
-          <a:p>
-            <a:pPr lvl="1"/>
-            <a:r>
-              <a:rPr lang="en-US" sz="3000">
-                <a:latin typeface="Arial" charset="0"/>
-                <a:ea typeface="ＭＳ Ｐゴシック" charset="0"/>
-              </a:rPr>
-              <a:t>verify that your POST is formed correctly</a:t>
-            </a:r>
-          </a:p>
-        </p:txBody>
-      </p:sp>
-    </p:spTree>
-    <p:extLst>
-      <p:ext uri="{BB962C8B-B14F-4D97-AF65-F5344CB8AC3E}">
-        <p14:creationId xmlns:p14="http://schemas.microsoft.com/office/powerpoint/2010/main" val="3462573243"/>
-      </p:ext>
-    </p:extLst>
-  </p:cSld>
-  <p:clrMapOvr>
-    <a:masterClrMapping/>
-  </p:clrMapOvr>
-  <p:timing>
-    <p:tnLst>
-      <p:par>
-        <p:cTn xmlns:p14="http://schemas.microsoft.com/office/powerpoint/2010/main" id="1" dur="indefinite" restart="never" nodeType="tmRoot"/>
-      </p:par>
-    </p:tnLst>
-  </p:timing>
-</p:sld>
-</file>
-
-<file path=ppt/slides/slide9.xml><?xml version="1.0" encoding="utf-8"?>
-<p:sld xmlns:a="http://schemas.openxmlformats.org/drawingml/2006/main" xmlns:r="http://schemas.openxmlformats.org/officeDocument/2006/relationships" xmlns:p="http://schemas.openxmlformats.org/presentationml/2006/main">
-  <p:cSld>
-    <p:spTree>
-      <p:nvGrpSpPr>
-        <p:cNvPr id="1" name=""/>
-        <p:cNvGrpSpPr/>
-        <p:nvPr/>
-      </p:nvGrpSpPr>
-      <p:grpSpPr>
-        <a:xfrm>
-          <a:off x="0" y="0"/>
-          <a:ext cx="0" cy="0"/>
-          <a:chOff x="0" y="0"/>
-          <a:chExt cx="0" cy="0"/>
-        </a:xfrm>
-      </p:grpSpPr>
-      <p:sp>
-        <p:nvSpPr>
-          <p:cNvPr id="3" name="Title 2"/>
-          <p:cNvSpPr>
-            <a:spLocks noGrp="1"/>
-          </p:cNvSpPr>
-          <p:nvPr>
-            <p:ph type="title"/>
-          </p:nvPr>
-        </p:nvSpPr>
-        <p:spPr/>
-        <p:txBody>
-          <a:bodyPr/>
-          <a:lstStyle/>
-          <a:p>
-            <a:r>
-              <a:rPr lang="en-US" dirty="0" smtClean="0"/>
-              <a:t>Title</a:t>
-            </a:r>
-            <a:endParaRPr lang="en-US" dirty="0"/>
-          </a:p>
-        </p:txBody>
-      </p:sp>
-      <p:sp>
-        <p:nvSpPr>
-          <p:cNvPr id="4" name="Content Placeholder 3"/>
-          <p:cNvSpPr>
-            <a:spLocks noGrp="1"/>
-          </p:cNvSpPr>
-          <p:nvPr>
-            <p:ph idx="1"/>
-          </p:nvPr>
-        </p:nvSpPr>
-        <p:spPr/>
-        <p:txBody>
-          <a:bodyPr>
-            <a:normAutofit/>
-          </a:bodyPr>
-          <a:lstStyle/>
-          <a:p>
-            <a:r>
-              <a:rPr lang="en-US" sz="3200" dirty="0" smtClean="0"/>
-              <a:t>Content</a:t>
-            </a:r>
-          </a:p>
-          <a:p>
-            <a:endParaRPr lang="en-US" sz="3200" dirty="0"/>
-          </a:p>
-        </p:txBody>
-      </p:sp>
-    </p:spTree>
-    <p:extLst>
-      <p:ext uri="{BB962C8B-B14F-4D97-AF65-F5344CB8AC3E}">
-        <p14:creationId xmlns:p14="http://schemas.microsoft.com/office/powerpoint/2010/main" val="1723545958"/>
-      </p:ext>
-    </p:extLst>
-  </p:cSld>
-  <p:clrMapOvr>
-    <a:masterClrMapping/>
-  </p:clrMapOvr>
-  <p:timing>
-    <p:tnLst>
-      <p:par>
-        <p:cTn xmlns:p14="http://schemas.microsoft.com/office/powerpoint/2010/main" id="1" dur="indefinite" restart="never" nodeType="tmRoot"/>
+        <p:cTn id="1" dur="indefinite" restart="never" nodeType="tmRoot"/>
       </p:par>
     </p:tnLst>
   </p:timing>

--- a/VideoSessionsMaterials/creating-write-requests.pptx
+++ b/VideoSessionsMaterials/creating-write-requests.pptx
@@ -1,6 +1,6 @@
 
 <file path=ppt/presentation.xml><?xml version="1.0" encoding="utf-8"?>
-<p:presentation xmlns:a="http://schemas.openxmlformats.org/drawingml/2006/main" xmlns:r="http://schemas.openxmlformats.org/officeDocument/2006/relationships" xmlns:mc="http://schemas.openxmlformats.org/markup-compatibility/2006" xmlns:mv="urn:schemas-microsoft-com:mac:vml" xmlns:p="http://schemas.openxmlformats.org/presentationml/2006/main" mc:Ignorable="mv" mc:PreserveAttributes="mv:*" showSpecialPlsOnTitleSld="0" saveSubsetFonts="1" autoCompressPictures="0">
+<p:presentation xmlns:a="http://schemas.openxmlformats.org/drawingml/2006/main" xmlns:r="http://schemas.openxmlformats.org/officeDocument/2006/relationships" xmlns:p="http://schemas.openxmlformats.org/presentationml/2006/main" showSpecialPlsOnTitleSld="0" saveSubsetFonts="1" autoCompressPictures="0">
   <p:sldMasterIdLst>
     <p:sldMasterId id="2147483648" r:id="rId1"/>
   </p:sldMasterIdLst>
@@ -148,7 +148,7 @@
 </file>
 
 <file path=ppt/notesMasters/notesMaster1.xml><?xml version="1.0" encoding="utf-8"?>
-<p:notesMaster xmlns:a="http://schemas.openxmlformats.org/drawingml/2006/main" xmlns:r="http://schemas.openxmlformats.org/officeDocument/2006/relationships" xmlns:mc="http://schemas.openxmlformats.org/markup-compatibility/2006" xmlns:mv="urn:schemas-microsoft-com:mac:vml" xmlns:p="http://schemas.openxmlformats.org/presentationml/2006/main" mc:Ignorable="mv" mc:PreserveAttributes="mv:*">
+<p:notesMaster xmlns:a="http://schemas.openxmlformats.org/drawingml/2006/main" xmlns:r="http://schemas.openxmlformats.org/officeDocument/2006/relationships" xmlns:p="http://schemas.openxmlformats.org/presentationml/2006/main">
   <p:cSld>
     <p:bg>
       <p:bgRef idx="1001">
@@ -399,7 +399,7 @@
     </p:spTree>
     <p:extLst>
       <p:ext uri="{BB962C8B-B14F-4D97-AF65-F5344CB8AC3E}">
-        <p14:creationId xmlns:p14="http://schemas.microsoft.com/office/powerpoint/2010/main" xmlns:p="http://schemas.openxmlformats.org/presentationml/2006/main" xmlns:r="http://schemas.openxmlformats.org/officeDocument/2006/relationships" xmlns:a="http://schemas.openxmlformats.org/drawingml/2006/main" xmlns="" val="4045051341"/>
+        <p14:creationId xmlns:p14="http://schemas.microsoft.com/office/powerpoint/2010/main" val="4045051341"/>
       </p:ext>
     </p:extLst>
   </p:cSld>
@@ -500,7 +500,7 @@
 </file>
 
 <file path=ppt/notesSlides/notesSlide1.xml><?xml version="1.0" encoding="utf-8"?>
-<p:notes xmlns:a="http://schemas.openxmlformats.org/drawingml/2006/main" xmlns:r="http://schemas.openxmlformats.org/officeDocument/2006/relationships" xmlns:mc="http://schemas.openxmlformats.org/markup-compatibility/2006" xmlns:mv="urn:schemas-microsoft-com:mac:vml" xmlns:p="http://schemas.openxmlformats.org/presentationml/2006/main" mc:Ignorable="mv" mc:PreserveAttributes="mv:*">
+<p:notes xmlns:a="http://schemas.openxmlformats.org/drawingml/2006/main" xmlns:r="http://schemas.openxmlformats.org/officeDocument/2006/relationships" xmlns:p="http://schemas.openxmlformats.org/presentationml/2006/main">
   <p:cSld>
     <p:spTree>
       <p:nvGrpSpPr>
@@ -574,7 +574,7 @@
     </p:spTree>
     <p:extLst>
       <p:ext uri="{BB962C8B-B14F-4D97-AF65-F5344CB8AC3E}">
-        <p14:creationId xmlns:p14="http://schemas.microsoft.com/office/powerpoint/2010/main" xmlns:p="http://schemas.openxmlformats.org/presentationml/2006/main" xmlns:r="http://schemas.openxmlformats.org/officeDocument/2006/relationships" xmlns:a="http://schemas.openxmlformats.org/drawingml/2006/main" xmlns="" val="3250658828"/>
+        <p14:creationId xmlns:p14="http://schemas.microsoft.com/office/powerpoint/2010/main" val="3250658828"/>
       </p:ext>
     </p:extLst>
   </p:cSld>
@@ -585,7 +585,7 @@
 </file>
 
 <file path=ppt/notesSlides/notesSlide2.xml><?xml version="1.0" encoding="utf-8"?>
-<p:notes xmlns:a="http://schemas.openxmlformats.org/drawingml/2006/main" xmlns:r="http://schemas.openxmlformats.org/officeDocument/2006/relationships" xmlns:mc="http://schemas.openxmlformats.org/markup-compatibility/2006" xmlns:mv="urn:schemas-microsoft-com:mac:vml" xmlns:p="http://schemas.openxmlformats.org/presentationml/2006/main" mc:Ignorable="mv" mc:PreserveAttributes="mv:*">
+<p:notes xmlns:a="http://schemas.openxmlformats.org/drawingml/2006/main" xmlns:r="http://schemas.openxmlformats.org/officeDocument/2006/relationships" xmlns:p="http://schemas.openxmlformats.org/presentationml/2006/main">
   <p:cSld>
     <p:spTree>
       <p:nvGrpSpPr>
@@ -623,14 +623,14 @@
           </a:ln>
           <a:extLst>
             <a:ext uri="{909E8E84-426E-40dd-AFC4-6F175D3DCCD1}">
-              <a14:hiddenFill xmlns:a14="http://schemas.microsoft.com/office/drawing/2010/main" xmlns:p="http://schemas.openxmlformats.org/presentationml/2006/main" xmlns:r="http://schemas.openxmlformats.org/officeDocument/2006/relationships" xmlns:a="http://schemas.openxmlformats.org/drawingml/2006/main" xmlns="">
+              <a14:hiddenFill xmlns:a14="http://schemas.microsoft.com/office/drawing/2010/main">
                 <a:solidFill>
                   <a:srgbClr val="FFFFFF"/>
                 </a:solidFill>
               </a14:hiddenFill>
             </a:ext>
             <a:ext uri="{FAA26D3D-D897-4be2-8F04-BA451C77F1D7}">
-              <ma14:placeholderFlag xmlns:ma14="http://schemas.microsoft.com/office/mac/drawingml/2011/main" xmlns:p="http://schemas.openxmlformats.org/presentationml/2006/main" xmlns:r="http://schemas.openxmlformats.org/officeDocument/2006/relationships" xmlns:a="http://schemas.openxmlformats.org/drawingml/2006/main" xmlns="" val="1"/>
+              <ma14:placeholderFlag xmlns:ma14="http://schemas.microsoft.com/office/mac/drawingml/2011/main" val="1"/>
             </a:ext>
           </a:extLst>
         </p:spPr>
@@ -649,14 +649,14 @@
           <a:noFill/>
           <a:extLst>
             <a:ext uri="{909E8E84-426E-40dd-AFC4-6F175D3DCCD1}">
-              <a14:hiddenFill xmlns:a14="http://schemas.microsoft.com/office/drawing/2010/main" xmlns:p="http://schemas.openxmlformats.org/presentationml/2006/main" xmlns:r="http://schemas.openxmlformats.org/officeDocument/2006/relationships" xmlns:a="http://schemas.openxmlformats.org/drawingml/2006/main" xmlns="">
+              <a14:hiddenFill xmlns:a14="http://schemas.microsoft.com/office/drawing/2010/main">
                 <a:solidFill>
                   <a:srgbClr val="FFFFFF"/>
                 </a:solidFill>
               </a14:hiddenFill>
             </a:ext>
             <a:ext uri="{91240B29-F687-4f45-9708-019B960494DF}">
-              <a14:hiddenLine xmlns:a14="http://schemas.microsoft.com/office/drawing/2010/main" xmlns:p="http://schemas.openxmlformats.org/presentationml/2006/main" xmlns:r="http://schemas.openxmlformats.org/officeDocument/2006/relationships" xmlns:a="http://schemas.openxmlformats.org/drawingml/2006/main" xmlns="" w="9525">
+              <a14:hiddenLine xmlns:a14="http://schemas.microsoft.com/office/drawing/2010/main" w="9525">
                 <a:solidFill>
                   <a:srgbClr val="000000"/>
                 </a:solidFill>
@@ -666,7 +666,7 @@
               </a14:hiddenLine>
             </a:ext>
             <a:ext uri="{FAA26D3D-D897-4be2-8F04-BA451C77F1D7}">
-              <ma14:placeholderFlag xmlns:ma14="http://schemas.microsoft.com/office/mac/drawingml/2011/main" xmlns:p="http://schemas.openxmlformats.org/presentationml/2006/main" xmlns:r="http://schemas.openxmlformats.org/officeDocument/2006/relationships" xmlns:a="http://schemas.openxmlformats.org/drawingml/2006/main" xmlns="" val="1"/>
+              <ma14:placeholderFlag xmlns:ma14="http://schemas.microsoft.com/office/mac/drawingml/2011/main" val="1"/>
             </a:ext>
           </a:extLst>
         </p:spPr>
@@ -693,7 +693,7 @@
 </file>
 
 <file path=ppt/notesSlides/notesSlide3.xml><?xml version="1.0" encoding="utf-8"?>
-<p:notes xmlns:a="http://schemas.openxmlformats.org/drawingml/2006/main" xmlns:r="http://schemas.openxmlformats.org/officeDocument/2006/relationships" xmlns:mc="http://schemas.openxmlformats.org/markup-compatibility/2006" xmlns:mv="urn:schemas-microsoft-com:mac:vml" xmlns:p="http://schemas.openxmlformats.org/presentationml/2006/main" mc:Ignorable="mv" mc:PreserveAttributes="mv:*">
+<p:notes xmlns:a="http://schemas.openxmlformats.org/drawingml/2006/main" xmlns:r="http://schemas.openxmlformats.org/officeDocument/2006/relationships" xmlns:p="http://schemas.openxmlformats.org/presentationml/2006/main">
   <p:cSld>
     <p:spTree>
       <p:nvGrpSpPr>
@@ -731,14 +731,14 @@
           </a:ln>
           <a:extLst>
             <a:ext uri="{909E8E84-426E-40dd-AFC4-6F175D3DCCD1}">
-              <a14:hiddenFill xmlns:a14="http://schemas.microsoft.com/office/drawing/2010/main" xmlns:p="http://schemas.openxmlformats.org/presentationml/2006/main" xmlns:r="http://schemas.openxmlformats.org/officeDocument/2006/relationships" xmlns:a="http://schemas.openxmlformats.org/drawingml/2006/main" xmlns="">
+              <a14:hiddenFill xmlns:a14="http://schemas.microsoft.com/office/drawing/2010/main">
                 <a:solidFill>
                   <a:srgbClr val="FFFFFF"/>
                 </a:solidFill>
               </a14:hiddenFill>
             </a:ext>
             <a:ext uri="{FAA26D3D-D897-4be2-8F04-BA451C77F1D7}">
-              <ma14:placeholderFlag xmlns:ma14="http://schemas.microsoft.com/office/mac/drawingml/2011/main" xmlns:p="http://schemas.openxmlformats.org/presentationml/2006/main" xmlns:r="http://schemas.openxmlformats.org/officeDocument/2006/relationships" xmlns:a="http://schemas.openxmlformats.org/drawingml/2006/main" xmlns="" val="1"/>
+              <ma14:placeholderFlag xmlns:ma14="http://schemas.microsoft.com/office/mac/drawingml/2011/main" val="1"/>
             </a:ext>
           </a:extLst>
         </p:spPr>
@@ -757,14 +757,14 @@
           <a:noFill/>
           <a:extLst>
             <a:ext uri="{909E8E84-426E-40dd-AFC4-6F175D3DCCD1}">
-              <a14:hiddenFill xmlns:a14="http://schemas.microsoft.com/office/drawing/2010/main" xmlns:p="http://schemas.openxmlformats.org/presentationml/2006/main" xmlns:r="http://schemas.openxmlformats.org/officeDocument/2006/relationships" xmlns:a="http://schemas.openxmlformats.org/drawingml/2006/main" xmlns="">
+              <a14:hiddenFill xmlns:a14="http://schemas.microsoft.com/office/drawing/2010/main">
                 <a:solidFill>
                   <a:srgbClr val="FFFFFF"/>
                 </a:solidFill>
               </a14:hiddenFill>
             </a:ext>
             <a:ext uri="{91240B29-F687-4f45-9708-019B960494DF}">
-              <a14:hiddenLine xmlns:a14="http://schemas.microsoft.com/office/drawing/2010/main" xmlns:p="http://schemas.openxmlformats.org/presentationml/2006/main" xmlns:r="http://schemas.openxmlformats.org/officeDocument/2006/relationships" xmlns:a="http://schemas.openxmlformats.org/drawingml/2006/main" xmlns="" w="9525">
+              <a14:hiddenLine xmlns:a14="http://schemas.microsoft.com/office/drawing/2010/main" w="9525">
                 <a:solidFill>
                   <a:srgbClr val="000000"/>
                 </a:solidFill>
@@ -774,7 +774,7 @@
               </a14:hiddenLine>
             </a:ext>
             <a:ext uri="{FAA26D3D-D897-4be2-8F04-BA451C77F1D7}">
-              <ma14:placeholderFlag xmlns:ma14="http://schemas.microsoft.com/office/mac/drawingml/2011/main" xmlns:p="http://schemas.openxmlformats.org/presentationml/2006/main" xmlns:r="http://schemas.openxmlformats.org/officeDocument/2006/relationships" xmlns:a="http://schemas.openxmlformats.org/drawingml/2006/main" xmlns="" val="1"/>
+              <ma14:placeholderFlag xmlns:ma14="http://schemas.microsoft.com/office/mac/drawingml/2011/main" val="1"/>
             </a:ext>
           </a:extLst>
         </p:spPr>
@@ -801,7 +801,7 @@
 </file>
 
 <file path=ppt/notesSlides/notesSlide4.xml><?xml version="1.0" encoding="utf-8"?>
-<p:notes xmlns:a="http://schemas.openxmlformats.org/drawingml/2006/main" xmlns:r="http://schemas.openxmlformats.org/officeDocument/2006/relationships" xmlns:mc="http://schemas.openxmlformats.org/markup-compatibility/2006" xmlns:mv="urn:schemas-microsoft-com:mac:vml" xmlns:p="http://schemas.openxmlformats.org/presentationml/2006/main" mc:Ignorable="mv" mc:PreserveAttributes="mv:*">
+<p:notes xmlns:a="http://schemas.openxmlformats.org/drawingml/2006/main" xmlns:r="http://schemas.openxmlformats.org/officeDocument/2006/relationships" xmlns:p="http://schemas.openxmlformats.org/presentationml/2006/main">
   <p:cSld>
     <p:spTree>
       <p:nvGrpSpPr>
@@ -839,14 +839,14 @@
           </a:ln>
           <a:extLst>
             <a:ext uri="{909E8E84-426E-40dd-AFC4-6F175D3DCCD1}">
-              <a14:hiddenFill xmlns:a14="http://schemas.microsoft.com/office/drawing/2010/main" xmlns:p="http://schemas.openxmlformats.org/presentationml/2006/main" xmlns:r="http://schemas.openxmlformats.org/officeDocument/2006/relationships" xmlns:a="http://schemas.openxmlformats.org/drawingml/2006/main" xmlns="">
+              <a14:hiddenFill xmlns:a14="http://schemas.microsoft.com/office/drawing/2010/main">
                 <a:solidFill>
                   <a:srgbClr val="FFFFFF"/>
                 </a:solidFill>
               </a14:hiddenFill>
             </a:ext>
             <a:ext uri="{FAA26D3D-D897-4be2-8F04-BA451C77F1D7}">
-              <ma14:placeholderFlag xmlns:ma14="http://schemas.microsoft.com/office/mac/drawingml/2011/main" xmlns:p="http://schemas.openxmlformats.org/presentationml/2006/main" xmlns:r="http://schemas.openxmlformats.org/officeDocument/2006/relationships" xmlns:a="http://schemas.openxmlformats.org/drawingml/2006/main" xmlns="" val="1"/>
+              <ma14:placeholderFlag xmlns:ma14="http://schemas.microsoft.com/office/mac/drawingml/2011/main" val="1"/>
             </a:ext>
           </a:extLst>
         </p:spPr>
@@ -865,14 +865,14 @@
           <a:noFill/>
           <a:extLst>
             <a:ext uri="{909E8E84-426E-40dd-AFC4-6F175D3DCCD1}">
-              <a14:hiddenFill xmlns:a14="http://schemas.microsoft.com/office/drawing/2010/main" xmlns:p="http://schemas.openxmlformats.org/presentationml/2006/main" xmlns:r="http://schemas.openxmlformats.org/officeDocument/2006/relationships" xmlns:a="http://schemas.openxmlformats.org/drawingml/2006/main" xmlns="">
+              <a14:hiddenFill xmlns:a14="http://schemas.microsoft.com/office/drawing/2010/main">
                 <a:solidFill>
                   <a:srgbClr val="FFFFFF"/>
                 </a:solidFill>
               </a14:hiddenFill>
             </a:ext>
             <a:ext uri="{91240B29-F687-4f45-9708-019B960494DF}">
-              <a14:hiddenLine xmlns:a14="http://schemas.microsoft.com/office/drawing/2010/main" xmlns:p="http://schemas.openxmlformats.org/presentationml/2006/main" xmlns:r="http://schemas.openxmlformats.org/officeDocument/2006/relationships" xmlns:a="http://schemas.openxmlformats.org/drawingml/2006/main" xmlns="" w="9525">
+              <a14:hiddenLine xmlns:a14="http://schemas.microsoft.com/office/drawing/2010/main" w="9525">
                 <a:solidFill>
                   <a:srgbClr val="000000"/>
                 </a:solidFill>
@@ -882,7 +882,7 @@
               </a14:hiddenLine>
             </a:ext>
             <a:ext uri="{FAA26D3D-D897-4be2-8F04-BA451C77F1D7}">
-              <ma14:placeholderFlag xmlns:ma14="http://schemas.microsoft.com/office/mac/drawingml/2011/main" xmlns:p="http://schemas.openxmlformats.org/presentationml/2006/main" xmlns:r="http://schemas.openxmlformats.org/officeDocument/2006/relationships" xmlns:a="http://schemas.openxmlformats.org/drawingml/2006/main" xmlns="" val="1"/>
+              <ma14:placeholderFlag xmlns:ma14="http://schemas.microsoft.com/office/mac/drawingml/2011/main" val="1"/>
             </a:ext>
           </a:extLst>
         </p:spPr>
@@ -909,7 +909,7 @@
 </file>
 
 <file path=ppt/notesSlides/notesSlide5.xml><?xml version="1.0" encoding="utf-8"?>
-<p:notes xmlns:a="http://schemas.openxmlformats.org/drawingml/2006/main" xmlns:r="http://schemas.openxmlformats.org/officeDocument/2006/relationships" xmlns:mc="http://schemas.openxmlformats.org/markup-compatibility/2006" xmlns:mv="urn:schemas-microsoft-com:mac:vml" xmlns:p="http://schemas.openxmlformats.org/presentationml/2006/main" mc:Ignorable="mv" mc:PreserveAttributes="mv:*">
+<p:notes xmlns:a="http://schemas.openxmlformats.org/drawingml/2006/main" xmlns:r="http://schemas.openxmlformats.org/officeDocument/2006/relationships" xmlns:p="http://schemas.openxmlformats.org/presentationml/2006/main">
   <p:cSld>
     <p:spTree>
       <p:nvGrpSpPr>
@@ -947,14 +947,14 @@
           </a:ln>
           <a:extLst>
             <a:ext uri="{909E8E84-426E-40dd-AFC4-6F175D3DCCD1}">
-              <a14:hiddenFill xmlns:a14="http://schemas.microsoft.com/office/drawing/2010/main" xmlns:p="http://schemas.openxmlformats.org/presentationml/2006/main" xmlns:r="http://schemas.openxmlformats.org/officeDocument/2006/relationships" xmlns:a="http://schemas.openxmlformats.org/drawingml/2006/main" xmlns="">
+              <a14:hiddenFill xmlns:a14="http://schemas.microsoft.com/office/drawing/2010/main">
                 <a:solidFill>
                   <a:srgbClr val="FFFFFF"/>
                 </a:solidFill>
               </a14:hiddenFill>
             </a:ext>
             <a:ext uri="{FAA26D3D-D897-4be2-8F04-BA451C77F1D7}">
-              <ma14:placeholderFlag xmlns:ma14="http://schemas.microsoft.com/office/mac/drawingml/2011/main" xmlns:p="http://schemas.openxmlformats.org/presentationml/2006/main" xmlns:r="http://schemas.openxmlformats.org/officeDocument/2006/relationships" xmlns:a="http://schemas.openxmlformats.org/drawingml/2006/main" xmlns="" val="1"/>
+              <ma14:placeholderFlag xmlns:ma14="http://schemas.microsoft.com/office/mac/drawingml/2011/main" val="1"/>
             </a:ext>
           </a:extLst>
         </p:spPr>
@@ -973,14 +973,14 @@
           <a:noFill/>
           <a:extLst>
             <a:ext uri="{909E8E84-426E-40dd-AFC4-6F175D3DCCD1}">
-              <a14:hiddenFill xmlns:a14="http://schemas.microsoft.com/office/drawing/2010/main" xmlns:p="http://schemas.openxmlformats.org/presentationml/2006/main" xmlns:r="http://schemas.openxmlformats.org/officeDocument/2006/relationships" xmlns:a="http://schemas.openxmlformats.org/drawingml/2006/main" xmlns="">
+              <a14:hiddenFill xmlns:a14="http://schemas.microsoft.com/office/drawing/2010/main">
                 <a:solidFill>
                   <a:srgbClr val="FFFFFF"/>
                 </a:solidFill>
               </a14:hiddenFill>
             </a:ext>
             <a:ext uri="{91240B29-F687-4f45-9708-019B960494DF}">
-              <a14:hiddenLine xmlns:a14="http://schemas.microsoft.com/office/drawing/2010/main" xmlns:p="http://schemas.openxmlformats.org/presentationml/2006/main" xmlns:r="http://schemas.openxmlformats.org/officeDocument/2006/relationships" xmlns:a="http://schemas.openxmlformats.org/drawingml/2006/main" xmlns="" w="9525">
+              <a14:hiddenLine xmlns:a14="http://schemas.microsoft.com/office/drawing/2010/main" w="9525">
                 <a:solidFill>
                   <a:srgbClr val="000000"/>
                 </a:solidFill>
@@ -990,7 +990,7 @@
               </a14:hiddenLine>
             </a:ext>
             <a:ext uri="{FAA26D3D-D897-4be2-8F04-BA451C77F1D7}">
-              <ma14:placeholderFlag xmlns:ma14="http://schemas.microsoft.com/office/mac/drawingml/2011/main" xmlns:p="http://schemas.openxmlformats.org/presentationml/2006/main" xmlns:r="http://schemas.openxmlformats.org/officeDocument/2006/relationships" xmlns:a="http://schemas.openxmlformats.org/drawingml/2006/main" xmlns="" val="1"/>
+              <ma14:placeholderFlag xmlns:ma14="http://schemas.microsoft.com/office/mac/drawingml/2011/main" val="1"/>
             </a:ext>
           </a:extLst>
         </p:spPr>
@@ -1017,7 +1017,7 @@
 </file>
 
 <file path=ppt/notesSlides/notesSlide6.xml><?xml version="1.0" encoding="utf-8"?>
-<p:notes xmlns:a="http://schemas.openxmlformats.org/drawingml/2006/main" xmlns:r="http://schemas.openxmlformats.org/officeDocument/2006/relationships" xmlns:mc="http://schemas.openxmlformats.org/markup-compatibility/2006" xmlns:mv="urn:schemas-microsoft-com:mac:vml" xmlns:p="http://schemas.openxmlformats.org/presentationml/2006/main" mc:Ignorable="mv" mc:PreserveAttributes="mv:*">
+<p:notes xmlns:a="http://schemas.openxmlformats.org/drawingml/2006/main" xmlns:r="http://schemas.openxmlformats.org/officeDocument/2006/relationships" xmlns:p="http://schemas.openxmlformats.org/presentationml/2006/main">
   <p:cSld>
     <p:spTree>
       <p:nvGrpSpPr>
@@ -1055,14 +1055,14 @@
           </a:ln>
           <a:extLst>
             <a:ext uri="{909E8E84-426E-40dd-AFC4-6F175D3DCCD1}">
-              <a14:hiddenFill xmlns:a14="http://schemas.microsoft.com/office/drawing/2010/main" xmlns:p="http://schemas.openxmlformats.org/presentationml/2006/main" xmlns:r="http://schemas.openxmlformats.org/officeDocument/2006/relationships" xmlns:a="http://schemas.openxmlformats.org/drawingml/2006/main" xmlns="">
+              <a14:hiddenFill xmlns:a14="http://schemas.microsoft.com/office/drawing/2010/main">
                 <a:solidFill>
                   <a:srgbClr val="FFFFFF"/>
                 </a:solidFill>
               </a14:hiddenFill>
             </a:ext>
             <a:ext uri="{FAA26D3D-D897-4be2-8F04-BA451C77F1D7}">
-              <ma14:placeholderFlag xmlns:ma14="http://schemas.microsoft.com/office/mac/drawingml/2011/main" xmlns:p="http://schemas.openxmlformats.org/presentationml/2006/main" xmlns:r="http://schemas.openxmlformats.org/officeDocument/2006/relationships" xmlns:a="http://schemas.openxmlformats.org/drawingml/2006/main" xmlns="" val="1"/>
+              <ma14:placeholderFlag xmlns:ma14="http://schemas.microsoft.com/office/mac/drawingml/2011/main" val="1"/>
             </a:ext>
           </a:extLst>
         </p:spPr>
@@ -1081,14 +1081,14 @@
           <a:noFill/>
           <a:extLst>
             <a:ext uri="{909E8E84-426E-40dd-AFC4-6F175D3DCCD1}">
-              <a14:hiddenFill xmlns:a14="http://schemas.microsoft.com/office/drawing/2010/main" xmlns:p="http://schemas.openxmlformats.org/presentationml/2006/main" xmlns:r="http://schemas.openxmlformats.org/officeDocument/2006/relationships" xmlns:a="http://schemas.openxmlformats.org/drawingml/2006/main" xmlns="">
+              <a14:hiddenFill xmlns:a14="http://schemas.microsoft.com/office/drawing/2010/main">
                 <a:solidFill>
                   <a:srgbClr val="FFFFFF"/>
                 </a:solidFill>
               </a14:hiddenFill>
             </a:ext>
             <a:ext uri="{91240B29-F687-4f45-9708-019B960494DF}">
-              <a14:hiddenLine xmlns:a14="http://schemas.microsoft.com/office/drawing/2010/main" xmlns:p="http://schemas.openxmlformats.org/presentationml/2006/main" xmlns:r="http://schemas.openxmlformats.org/officeDocument/2006/relationships" xmlns:a="http://schemas.openxmlformats.org/drawingml/2006/main" xmlns="" w="9525">
+              <a14:hiddenLine xmlns:a14="http://schemas.microsoft.com/office/drawing/2010/main" w="9525">
                 <a:solidFill>
                   <a:srgbClr val="000000"/>
                 </a:solidFill>
@@ -1098,7 +1098,7 @@
               </a14:hiddenLine>
             </a:ext>
             <a:ext uri="{FAA26D3D-D897-4be2-8F04-BA451C77F1D7}">
-              <ma14:placeholderFlag xmlns:ma14="http://schemas.microsoft.com/office/mac/drawingml/2011/main" xmlns:p="http://schemas.openxmlformats.org/presentationml/2006/main" xmlns:r="http://schemas.openxmlformats.org/officeDocument/2006/relationships" xmlns:a="http://schemas.openxmlformats.org/drawingml/2006/main" xmlns="" val="1"/>
+              <ma14:placeholderFlag xmlns:ma14="http://schemas.microsoft.com/office/mac/drawingml/2011/main" val="1"/>
             </a:ext>
           </a:extLst>
         </p:spPr>
@@ -1125,7 +1125,7 @@
 </file>
 
 <file path=ppt/notesSlides/notesSlide7.xml><?xml version="1.0" encoding="utf-8"?>
-<p:notes xmlns:a="http://schemas.openxmlformats.org/drawingml/2006/main" xmlns:r="http://schemas.openxmlformats.org/officeDocument/2006/relationships" xmlns:mc="http://schemas.openxmlformats.org/markup-compatibility/2006" xmlns:mv="urn:schemas-microsoft-com:mac:vml" xmlns:p="http://schemas.openxmlformats.org/presentationml/2006/main" mc:Ignorable="mv" mc:PreserveAttributes="mv:*">
+<p:notes xmlns:a="http://schemas.openxmlformats.org/drawingml/2006/main" xmlns:r="http://schemas.openxmlformats.org/officeDocument/2006/relationships" xmlns:p="http://schemas.openxmlformats.org/presentationml/2006/main">
   <p:cSld>
     <p:spTree>
       <p:nvGrpSpPr>
@@ -1236,7 +1236,7 @@
 </file>
 
 <file path=ppt/notesSlides/notesSlide8.xml><?xml version="1.0" encoding="utf-8"?>
-<p:notes xmlns:a="http://schemas.openxmlformats.org/drawingml/2006/main" xmlns:r="http://schemas.openxmlformats.org/officeDocument/2006/relationships" xmlns:mc="http://schemas.openxmlformats.org/markup-compatibility/2006" xmlns:mv="urn:schemas-microsoft-com:mac:vml" xmlns:p="http://schemas.openxmlformats.org/presentationml/2006/main" mc:Ignorable="mv" mc:PreserveAttributes="mv:*">
+<p:notes xmlns:a="http://schemas.openxmlformats.org/drawingml/2006/main" xmlns:r="http://schemas.openxmlformats.org/officeDocument/2006/relationships" xmlns:p="http://schemas.openxmlformats.org/presentationml/2006/main">
   <p:cSld>
     <p:spTree>
       <p:nvGrpSpPr>
@@ -1310,7 +1310,7 @@
     </p:spTree>
     <p:extLst>
       <p:ext uri="{BB962C8B-B14F-4D97-AF65-F5344CB8AC3E}">
-        <p14:creationId xmlns:p14="http://schemas.microsoft.com/office/powerpoint/2010/main" xmlns:p="http://schemas.openxmlformats.org/presentationml/2006/main" xmlns:r="http://schemas.openxmlformats.org/officeDocument/2006/relationships" xmlns:a="http://schemas.openxmlformats.org/drawingml/2006/main" xmlns="" val="1443086944"/>
+        <p14:creationId xmlns:p14="http://schemas.microsoft.com/office/powerpoint/2010/main" val="1443086944"/>
       </p:ext>
     </p:extLst>
   </p:cSld>
@@ -1321,7 +1321,7 @@
 </file>
 
 <file path=ppt/slideLayouts/slideLayout1.xml><?xml version="1.0" encoding="utf-8"?>
-<p:sldLayout xmlns:a="http://schemas.openxmlformats.org/drawingml/2006/main" xmlns:r="http://schemas.openxmlformats.org/officeDocument/2006/relationships" xmlns:mc="http://schemas.openxmlformats.org/markup-compatibility/2006" xmlns:mv="urn:schemas-microsoft-com:mac:vml" xmlns:p="http://schemas.openxmlformats.org/presentationml/2006/main" mc:Ignorable="mv" mc:PreserveAttributes="mv:*" type="title" preserve="1">
+<p:sldLayout xmlns:a="http://schemas.openxmlformats.org/drawingml/2006/main" xmlns:r="http://schemas.openxmlformats.org/officeDocument/2006/relationships" xmlns:p="http://schemas.openxmlformats.org/presentationml/2006/main" type="title" preserve="1">
   <p:cSld name="Title Slide">
     <p:bg>
       <p:bgPr>
@@ -1545,7 +1545,7 @@
 </file>
 
 <file path=ppt/slideLayouts/slideLayout10.xml><?xml version="1.0" encoding="utf-8"?>
-<p:sldLayout xmlns:a="http://schemas.openxmlformats.org/drawingml/2006/main" xmlns:r="http://schemas.openxmlformats.org/officeDocument/2006/relationships" xmlns:mc="http://schemas.openxmlformats.org/markup-compatibility/2006" xmlns:mv="urn:schemas-microsoft-com:mac:vml" xmlns:p="http://schemas.openxmlformats.org/presentationml/2006/main" mc:Ignorable="mv" mc:PreserveAttributes="mv:*" preserve="1" userDrawn="1">
+<p:sldLayout xmlns:a="http://schemas.openxmlformats.org/drawingml/2006/main" xmlns:r="http://schemas.openxmlformats.org/officeDocument/2006/relationships" xmlns:p="http://schemas.openxmlformats.org/presentationml/2006/main" preserve="1" userDrawn="1">
   <p:cSld name="Impact Slide - Pink">
     <p:bg>
       <p:bgPr>
@@ -1618,7 +1618,7 @@
 </file>
 
 <file path=ppt/slideLayouts/slideLayout11.xml><?xml version="1.0" encoding="utf-8"?>
-<p:sldLayout xmlns:a="http://schemas.openxmlformats.org/drawingml/2006/main" xmlns:r="http://schemas.openxmlformats.org/officeDocument/2006/relationships" xmlns:mc="http://schemas.openxmlformats.org/markup-compatibility/2006" xmlns:mv="urn:schemas-microsoft-com:mac:vml" xmlns:p="http://schemas.openxmlformats.org/presentationml/2006/main" mc:Ignorable="mv" mc:PreserveAttributes="mv:*" preserve="1" userDrawn="1">
+<p:sldLayout xmlns:a="http://schemas.openxmlformats.org/drawingml/2006/main" xmlns:r="http://schemas.openxmlformats.org/officeDocument/2006/relationships" xmlns:p="http://schemas.openxmlformats.org/presentationml/2006/main" preserve="1" userDrawn="1">
   <p:cSld name="Quote Slide - Neutral">
     <p:bg>
       <p:bgPr>
@@ -1777,7 +1777,7 @@
 </file>
 
 <file path=ppt/slideLayouts/slideLayout12.xml><?xml version="1.0" encoding="utf-8"?>
-<p:sldLayout xmlns:a="http://schemas.openxmlformats.org/drawingml/2006/main" xmlns:r="http://schemas.openxmlformats.org/officeDocument/2006/relationships" xmlns:mc="http://schemas.openxmlformats.org/markup-compatibility/2006" xmlns:mv="urn:schemas-microsoft-com:mac:vml" xmlns:p="http://schemas.openxmlformats.org/presentationml/2006/main" mc:Ignorable="mv" mc:PreserveAttributes="mv:*" preserve="1" userDrawn="1">
+<p:sldLayout xmlns:a="http://schemas.openxmlformats.org/drawingml/2006/main" xmlns:r="http://schemas.openxmlformats.org/officeDocument/2006/relationships" xmlns:p="http://schemas.openxmlformats.org/presentationml/2006/main" preserve="1" userDrawn="1">
   <p:cSld name="Quote Slide - Teal">
     <p:bg>
       <p:bgPr>
@@ -1930,7 +1930,7 @@
 </file>
 
 <file path=ppt/slideLayouts/slideLayout13.xml><?xml version="1.0" encoding="utf-8"?>
-<p:sldLayout xmlns:a="http://schemas.openxmlformats.org/drawingml/2006/main" xmlns:r="http://schemas.openxmlformats.org/officeDocument/2006/relationships" xmlns:mc="http://schemas.openxmlformats.org/markup-compatibility/2006" xmlns:mv="urn:schemas-microsoft-com:mac:vml" xmlns:p="http://schemas.openxmlformats.org/presentationml/2006/main" mc:Ignorable="mv" mc:PreserveAttributes="mv:*" preserve="1" userDrawn="1">
+<p:sldLayout xmlns:a="http://schemas.openxmlformats.org/drawingml/2006/main" xmlns:r="http://schemas.openxmlformats.org/officeDocument/2006/relationships" xmlns:p="http://schemas.openxmlformats.org/presentationml/2006/main" preserve="1" userDrawn="1">
   <p:cSld name="Quote Slide - Green">
     <p:bg>
       <p:bgPr>
@@ -2083,7 +2083,7 @@
 </file>
 
 <file path=ppt/slideLayouts/slideLayout14.xml><?xml version="1.0" encoding="utf-8"?>
-<p:sldLayout xmlns:a="http://schemas.openxmlformats.org/drawingml/2006/main" xmlns:r="http://schemas.openxmlformats.org/officeDocument/2006/relationships" xmlns:mc="http://schemas.openxmlformats.org/markup-compatibility/2006" xmlns:mv="urn:schemas-microsoft-com:mac:vml" xmlns:p="http://schemas.openxmlformats.org/presentationml/2006/main" mc:Ignorable="mv" mc:PreserveAttributes="mv:*" preserve="1" userDrawn="1">
+<p:sldLayout xmlns:a="http://schemas.openxmlformats.org/drawingml/2006/main" xmlns:r="http://schemas.openxmlformats.org/officeDocument/2006/relationships" xmlns:p="http://schemas.openxmlformats.org/presentationml/2006/main" preserve="1" userDrawn="1">
   <p:cSld name="Orange Quote Slide">
     <p:bg>
       <p:bgPr>
@@ -2236,7 +2236,7 @@
 </file>
 
 <file path=ppt/slideLayouts/slideLayout15.xml><?xml version="1.0" encoding="utf-8"?>
-<p:sldLayout xmlns:a="http://schemas.openxmlformats.org/drawingml/2006/main" xmlns:r="http://schemas.openxmlformats.org/officeDocument/2006/relationships" xmlns:mc="http://schemas.openxmlformats.org/markup-compatibility/2006" xmlns:mv="urn:schemas-microsoft-com:mac:vml" xmlns:p="http://schemas.openxmlformats.org/presentationml/2006/main" mc:Ignorable="mv" mc:PreserveAttributes="mv:*" preserve="1" userDrawn="1">
+<p:sldLayout xmlns:a="http://schemas.openxmlformats.org/drawingml/2006/main" xmlns:r="http://schemas.openxmlformats.org/officeDocument/2006/relationships" xmlns:p="http://schemas.openxmlformats.org/presentationml/2006/main" preserve="1" userDrawn="1">
   <p:cSld name="Quote Slide - Pink">
     <p:bg>
       <p:bgPr>
@@ -2389,7 +2389,7 @@
 </file>
 
 <file path=ppt/slideLayouts/slideLayout16.xml><?xml version="1.0" encoding="utf-8"?>
-<p:sldLayout xmlns:a="http://schemas.openxmlformats.org/drawingml/2006/main" xmlns:r="http://schemas.openxmlformats.org/officeDocument/2006/relationships" xmlns:mc="http://schemas.openxmlformats.org/markup-compatibility/2006" xmlns:mv="urn:schemas-microsoft-com:mac:vml" xmlns:p="http://schemas.openxmlformats.org/presentationml/2006/main" mc:Ignorable="mv" mc:PreserveAttributes="mv:*" preserve="1" userDrawn="1">
+<p:sldLayout xmlns:a="http://schemas.openxmlformats.org/drawingml/2006/main" xmlns:r="http://schemas.openxmlformats.org/officeDocument/2006/relationships" xmlns:p="http://schemas.openxmlformats.org/presentationml/2006/main" preserve="1" userDrawn="1">
   <p:cSld name="Thank You - Teal">
     <p:bg>
       <p:bgPr>
@@ -2520,7 +2520,7 @@
 </file>
 
 <file path=ppt/slideLayouts/slideLayout17.xml><?xml version="1.0" encoding="utf-8"?>
-<p:sldLayout xmlns:a="http://schemas.openxmlformats.org/drawingml/2006/main" xmlns:r="http://schemas.openxmlformats.org/officeDocument/2006/relationships" xmlns:mc="http://schemas.openxmlformats.org/markup-compatibility/2006" xmlns:mv="urn:schemas-microsoft-com:mac:vml" xmlns:p="http://schemas.openxmlformats.org/presentationml/2006/main" mc:Ignorable="mv" mc:PreserveAttributes="mv:*" preserve="1" userDrawn="1">
+<p:sldLayout xmlns:a="http://schemas.openxmlformats.org/drawingml/2006/main" xmlns:r="http://schemas.openxmlformats.org/officeDocument/2006/relationships" xmlns:p="http://schemas.openxmlformats.org/presentationml/2006/main" preserve="1" userDrawn="1">
   <p:cSld name="Thank You - Green">
     <p:bg>
       <p:bgPr>
@@ -2651,7 +2651,7 @@
 </file>
 
 <file path=ppt/slideLayouts/slideLayout18.xml><?xml version="1.0" encoding="utf-8"?>
-<p:sldLayout xmlns:a="http://schemas.openxmlformats.org/drawingml/2006/main" xmlns:r="http://schemas.openxmlformats.org/officeDocument/2006/relationships" xmlns:mc="http://schemas.openxmlformats.org/markup-compatibility/2006" xmlns:mv="urn:schemas-microsoft-com:mac:vml" xmlns:p="http://schemas.openxmlformats.org/presentationml/2006/main" mc:Ignorable="mv" mc:PreserveAttributes="mv:*" userDrawn="1">
+<p:sldLayout xmlns:a="http://schemas.openxmlformats.org/drawingml/2006/main" xmlns:r="http://schemas.openxmlformats.org/officeDocument/2006/relationships" xmlns:p="http://schemas.openxmlformats.org/presentationml/2006/main" userDrawn="1">
   <p:cSld name="Thank You - Orange">
     <p:bg>
       <p:bgPr>
@@ -2782,7 +2782,7 @@
 </file>
 
 <file path=ppt/slideLayouts/slideLayout19.xml><?xml version="1.0" encoding="utf-8"?>
-<p:sldLayout xmlns:a="http://schemas.openxmlformats.org/drawingml/2006/main" xmlns:r="http://schemas.openxmlformats.org/officeDocument/2006/relationships" xmlns:mc="http://schemas.openxmlformats.org/markup-compatibility/2006" xmlns:mv="urn:schemas-microsoft-com:mac:vml" xmlns:p="http://schemas.openxmlformats.org/presentationml/2006/main" mc:Ignorable="mv" mc:PreserveAttributes="mv:*" userDrawn="1">
+<p:sldLayout xmlns:a="http://schemas.openxmlformats.org/drawingml/2006/main" xmlns:r="http://schemas.openxmlformats.org/officeDocument/2006/relationships" xmlns:p="http://schemas.openxmlformats.org/presentationml/2006/main" userDrawn="1">
   <p:cSld name="Thank You - Pink">
     <p:bg>
       <p:bgPr>
@@ -2913,7 +2913,7 @@
 </file>
 
 <file path=ppt/slideLayouts/slideLayout2.xml><?xml version="1.0" encoding="utf-8"?>
-<p:sldLayout xmlns:a="http://schemas.openxmlformats.org/drawingml/2006/main" xmlns:r="http://schemas.openxmlformats.org/officeDocument/2006/relationships" xmlns:mc="http://schemas.openxmlformats.org/markup-compatibility/2006" xmlns:mv="urn:schemas-microsoft-com:mac:vml" xmlns:p="http://schemas.openxmlformats.org/presentationml/2006/main" mc:Ignorable="mv" mc:PreserveAttributes="mv:*" preserve="1" userDrawn="1">
+<p:sldLayout xmlns:a="http://schemas.openxmlformats.org/drawingml/2006/main" xmlns:r="http://schemas.openxmlformats.org/officeDocument/2006/relationships" xmlns:p="http://schemas.openxmlformats.org/presentationml/2006/main" preserve="1" userDrawn="1">
   <p:cSld name="Title and Single Element">
     <p:spTree>
       <p:nvGrpSpPr>
@@ -3244,7 +3244,7 @@
 </file>
 
 <file path=ppt/slideLayouts/slideLayout3.xml><?xml version="1.0" encoding="utf-8"?>
-<p:sldLayout xmlns:a="http://schemas.openxmlformats.org/drawingml/2006/main" xmlns:r="http://schemas.openxmlformats.org/officeDocument/2006/relationships" xmlns:mc="http://schemas.openxmlformats.org/markup-compatibility/2006" xmlns:mv="urn:schemas-microsoft-com:mac:vml" xmlns:p="http://schemas.openxmlformats.org/presentationml/2006/main" mc:Ignorable="mv" mc:PreserveAttributes="mv:*" preserve="1" userDrawn="1">
+<p:sldLayout xmlns:a="http://schemas.openxmlformats.org/drawingml/2006/main" xmlns:r="http://schemas.openxmlformats.org/officeDocument/2006/relationships" xmlns:p="http://schemas.openxmlformats.org/presentationml/2006/main" preserve="1" userDrawn="1">
   <p:cSld name="Title and Two Element">
     <p:spTree>
       <p:nvGrpSpPr>
@@ -3636,7 +3636,7 @@
 </file>
 
 <file path=ppt/slideLayouts/slideLayout4.xml><?xml version="1.0" encoding="utf-8"?>
-<p:sldLayout xmlns:a="http://schemas.openxmlformats.org/drawingml/2006/main" xmlns:r="http://schemas.openxmlformats.org/officeDocument/2006/relationships" xmlns:mc="http://schemas.openxmlformats.org/markup-compatibility/2006" xmlns:mv="urn:schemas-microsoft-com:mac:vml" xmlns:p="http://schemas.openxmlformats.org/presentationml/2006/main" mc:Ignorable="mv" mc:PreserveAttributes="mv:*" preserve="1" userDrawn="1">
+<p:sldLayout xmlns:a="http://schemas.openxmlformats.org/drawingml/2006/main" xmlns:r="http://schemas.openxmlformats.org/officeDocument/2006/relationships" xmlns:p="http://schemas.openxmlformats.org/presentationml/2006/main" preserve="1" userDrawn="1">
   <p:cSld name="Title Only and Blank">
     <p:spTree>
       <p:nvGrpSpPr>
@@ -3910,7 +3910,7 @@
 </file>
 
 <file path=ppt/slideLayouts/slideLayout5.xml><?xml version="1.0" encoding="utf-8"?>
-<p:sldLayout xmlns:a="http://schemas.openxmlformats.org/drawingml/2006/main" xmlns:r="http://schemas.openxmlformats.org/officeDocument/2006/relationships" xmlns:mc="http://schemas.openxmlformats.org/markup-compatibility/2006" xmlns:mv="urn:schemas-microsoft-com:mac:vml" xmlns:p="http://schemas.openxmlformats.org/presentationml/2006/main" mc:Ignorable="mv" mc:PreserveAttributes="mv:*" userDrawn="1">
+<p:sldLayout xmlns:a="http://schemas.openxmlformats.org/drawingml/2006/main" xmlns:r="http://schemas.openxmlformats.org/officeDocument/2006/relationships" xmlns:p="http://schemas.openxmlformats.org/presentationml/2006/main" userDrawn="1">
   <p:cSld name="Left Text and Right Image">
     <p:spTree>
       <p:nvGrpSpPr>
@@ -4271,7 +4271,7 @@
 </file>
 
 <file path=ppt/slideLayouts/slideLayout6.xml><?xml version="1.0" encoding="utf-8"?>
-<p:sldLayout xmlns:a="http://schemas.openxmlformats.org/drawingml/2006/main" xmlns:r="http://schemas.openxmlformats.org/officeDocument/2006/relationships" xmlns:mc="http://schemas.openxmlformats.org/markup-compatibility/2006" xmlns:mv="urn:schemas-microsoft-com:mac:vml" xmlns:p="http://schemas.openxmlformats.org/presentationml/2006/main" mc:Ignorable="mv" mc:PreserveAttributes="mv:*" preserve="1" userDrawn="1">
+<p:sldLayout xmlns:a="http://schemas.openxmlformats.org/drawingml/2006/main" xmlns:r="http://schemas.openxmlformats.org/officeDocument/2006/relationships" xmlns:p="http://schemas.openxmlformats.org/presentationml/2006/main" preserve="1" userDrawn="1">
   <p:cSld name="Left Image and Right Text">
     <p:spTree>
       <p:nvGrpSpPr>
@@ -4632,7 +4632,7 @@
 </file>
 
 <file path=ppt/slideLayouts/slideLayout7.xml><?xml version="1.0" encoding="utf-8"?>
-<p:sldLayout xmlns:a="http://schemas.openxmlformats.org/drawingml/2006/main" xmlns:r="http://schemas.openxmlformats.org/officeDocument/2006/relationships" xmlns:mc="http://schemas.openxmlformats.org/markup-compatibility/2006" xmlns:mv="urn:schemas-microsoft-com:mac:vml" xmlns:p="http://schemas.openxmlformats.org/presentationml/2006/main" mc:Ignorable="mv" mc:PreserveAttributes="mv:*" preserve="1" userDrawn="1">
+<p:sldLayout xmlns:a="http://schemas.openxmlformats.org/drawingml/2006/main" xmlns:r="http://schemas.openxmlformats.org/officeDocument/2006/relationships" xmlns:p="http://schemas.openxmlformats.org/presentationml/2006/main" preserve="1" userDrawn="1">
   <p:cSld name="Impact Slide - Teal">
     <p:bg>
       <p:bgPr>
@@ -4727,7 +4727,7 @@
 </file>
 
 <file path=ppt/slideLayouts/slideLayout8.xml><?xml version="1.0" encoding="utf-8"?>
-<p:sldLayout xmlns:a="http://schemas.openxmlformats.org/drawingml/2006/main" xmlns:r="http://schemas.openxmlformats.org/officeDocument/2006/relationships" xmlns:mc="http://schemas.openxmlformats.org/markup-compatibility/2006" xmlns:mv="urn:schemas-microsoft-com:mac:vml" xmlns:p="http://schemas.openxmlformats.org/presentationml/2006/main" mc:Ignorable="mv" mc:PreserveAttributes="mv:*" preserve="1" userDrawn="1">
+<p:sldLayout xmlns:a="http://schemas.openxmlformats.org/drawingml/2006/main" xmlns:r="http://schemas.openxmlformats.org/officeDocument/2006/relationships" xmlns:p="http://schemas.openxmlformats.org/presentationml/2006/main" preserve="1" userDrawn="1">
   <p:cSld name="Impact Slide - Green">
     <p:bg>
       <p:bgPr>
@@ -4822,7 +4822,7 @@
 </file>
 
 <file path=ppt/slideLayouts/slideLayout9.xml><?xml version="1.0" encoding="utf-8"?>
-<p:sldLayout xmlns:a="http://schemas.openxmlformats.org/drawingml/2006/main" xmlns:r="http://schemas.openxmlformats.org/officeDocument/2006/relationships" xmlns:mc="http://schemas.openxmlformats.org/markup-compatibility/2006" xmlns:mv="urn:schemas-microsoft-com:mac:vml" xmlns:p="http://schemas.openxmlformats.org/presentationml/2006/main" mc:Ignorable="mv" mc:PreserveAttributes="mv:*" preserve="1" userDrawn="1">
+<p:sldLayout xmlns:a="http://schemas.openxmlformats.org/drawingml/2006/main" xmlns:r="http://schemas.openxmlformats.org/officeDocument/2006/relationships" xmlns:p="http://schemas.openxmlformats.org/presentationml/2006/main" preserve="1" userDrawn="1">
   <p:cSld name="Impact Slide - Orange">
     <p:bg>
       <p:bgPr>
@@ -4917,7 +4917,7 @@
 </file>
 
 <file path=ppt/slideMasters/slideMaster1.xml><?xml version="1.0" encoding="utf-8"?>
-<p:sldMaster xmlns:a="http://schemas.openxmlformats.org/drawingml/2006/main" xmlns:r="http://schemas.openxmlformats.org/officeDocument/2006/relationships" xmlns:mc="http://schemas.openxmlformats.org/markup-compatibility/2006" xmlns:mv="urn:schemas-microsoft-com:mac:vml" xmlns:p="http://schemas.openxmlformats.org/presentationml/2006/main" mc:Ignorable="mv" mc:PreserveAttributes="mv:*">
+<p:sldMaster xmlns:a="http://schemas.openxmlformats.org/drawingml/2006/main" xmlns:r="http://schemas.openxmlformats.org/officeDocument/2006/relationships" xmlns:p="http://schemas.openxmlformats.org/presentationml/2006/main">
   <p:cSld>
     <p:bg>
       <p:bgPr>
@@ -5539,7 +5539,7 @@
 </file>
 
 <file path=ppt/slides/slide1.xml><?xml version="1.0" encoding="utf-8"?>
-<p:sld xmlns:a="http://schemas.openxmlformats.org/drawingml/2006/main" xmlns:r="http://schemas.openxmlformats.org/officeDocument/2006/relationships" xmlns:mc="http://schemas.openxmlformats.org/markup-compatibility/2006" xmlns:mv="urn:schemas-microsoft-com:mac:vml" xmlns:p="http://schemas.openxmlformats.org/presentationml/2006/main" mc:Ignorable="mv" mc:PreserveAttributes="mv:*">
+<p:sld xmlns:a="http://schemas.openxmlformats.org/drawingml/2006/main" xmlns:r="http://schemas.openxmlformats.org/officeDocument/2006/relationships" xmlns:p="http://schemas.openxmlformats.org/presentationml/2006/main">
   <p:cSld>
     <p:spTree>
       <p:nvGrpSpPr>
@@ -5619,20 +5619,20 @@
     </p:spTree>
     <p:extLst>
       <p:ext uri="{BB962C8B-B14F-4D97-AF65-F5344CB8AC3E}">
-        <p14:creationId xmlns:p14="http://schemas.microsoft.com/office/powerpoint/2010/main" xmlns:p="http://schemas.openxmlformats.org/presentationml/2006/main" xmlns:r="http://schemas.openxmlformats.org/officeDocument/2006/relationships" xmlns:a="http://schemas.openxmlformats.org/drawingml/2006/main" xmlns="" val="2352184382"/>
+        <p14:creationId xmlns:p14="http://schemas.microsoft.com/office/powerpoint/2010/main" val="2352184382"/>
       </p:ext>
     </p:extLst>
   </p:cSld>
   <p:clrMapOvr>
     <a:masterClrMapping/>
   </p:clrMapOvr>
-  <p:transition spd="med">
+  <p:transition xmlns:p14="http://schemas.microsoft.com/office/powerpoint/2010/main" spd="med">
     <p:fade/>
   </p:transition>
   <p:timing>
     <p:tnLst>
       <p:par>
-        <p:cTn id="1" dur="indefinite" restart="never" nodeType="tmRoot"/>
+        <p:cTn xmlns:p14="http://schemas.microsoft.com/office/powerpoint/2010/main" id="1" dur="indefinite" restart="never" nodeType="tmRoot"/>
       </p:par>
     </p:tnLst>
   </p:timing>
@@ -5640,7 +5640,7 @@
 </file>
 
 <file path=ppt/slides/slide2.xml><?xml version="1.0" encoding="utf-8"?>
-<p:sld xmlns:a="http://schemas.openxmlformats.org/drawingml/2006/main" xmlns:r="http://schemas.openxmlformats.org/officeDocument/2006/relationships" xmlns:mc="http://schemas.openxmlformats.org/markup-compatibility/2006" xmlns:mv="urn:schemas-microsoft-com:mac:vml" xmlns:p="http://schemas.openxmlformats.org/presentationml/2006/main" mc:Ignorable="mv" mc:PreserveAttributes="mv:*">
+<p:sld xmlns:a="http://schemas.openxmlformats.org/drawingml/2006/main" xmlns:r="http://schemas.openxmlformats.org/officeDocument/2006/relationships" xmlns:p="http://schemas.openxmlformats.org/presentationml/2006/main">
   <p:cSld>
     <p:spTree>
       <p:nvGrpSpPr>
@@ -5714,14 +5714,14 @@
           <a:lstStyle/>
           <a:p>
             <a:r>
-              <a:rPr lang="en-US" sz="3000" dirty="0">
+              <a:rPr lang="en-US" sz="3200" dirty="0">
                 <a:latin typeface="Arial" charset="0"/>
                 <a:ea typeface="ＭＳ Ｐゴシック" charset="0"/>
               </a:rPr>
               <a:t>Remote Procedure Calls with </a:t>
             </a:r>
             <a:r>
-              <a:rPr lang="en-US" sz="3000" dirty="0" smtClean="0">
+              <a:rPr lang="en-US" sz="3200" dirty="0" smtClean="0">
                 <a:latin typeface="Arial" charset="0"/>
                 <a:ea typeface="ＭＳ Ｐゴシック" charset="0"/>
               </a:rPr>
@@ -5731,7 +5731,7 @@
           <a:p>
             <a:pPr lvl="1"/>
             <a:r>
-              <a:rPr lang="en-US" sz="3000" dirty="0" smtClean="0">
+              <a:rPr lang="en-US" sz="3200" dirty="0" smtClean="0">
                 <a:latin typeface="Arial" charset="0"/>
                 <a:ea typeface="ＭＳ Ｐゴシック" charset="0"/>
               </a:rPr>
@@ -5741,7 +5741,7 @@
           <a:p>
             <a:pPr lvl="2"/>
             <a:r>
-              <a:rPr lang="en-US" sz="3000" dirty="0" smtClean="0">
+              <a:rPr lang="en-US" sz="3200" dirty="0" smtClean="0">
                 <a:latin typeface="Arial" charset="0"/>
                 <a:ea typeface="ＭＳ Ｐゴシック" charset="0"/>
               </a:rPr>
@@ -5751,7 +5751,7 @@
           <a:p>
             <a:pPr lvl="2"/>
             <a:r>
-              <a:rPr lang="en-US" sz="3000" dirty="0" smtClean="0">
+              <a:rPr lang="en-US" sz="3200" dirty="0" smtClean="0">
                 <a:latin typeface="Arial" charset="0"/>
                 <a:ea typeface="ＭＳ Ｐゴシック" charset="0"/>
               </a:rPr>
@@ -5761,7 +5761,7 @@
           <a:p>
             <a:pPr lvl="2"/>
             <a:r>
-              <a:rPr lang="en-US" sz="3000" dirty="0" smtClean="0">
+              <a:rPr lang="en-US" sz="3200" dirty="0" smtClean="0">
                 <a:latin typeface="Arial" charset="0"/>
                 <a:ea typeface="ＭＳ Ｐゴシック" charset="0"/>
               </a:rPr>
@@ -5771,7 +5771,7 @@
           <a:p>
             <a:pPr lvl="1"/>
             <a:r>
-              <a:rPr lang="en-US" sz="3000" dirty="0" smtClean="0">
+              <a:rPr lang="en-US" sz="3200" dirty="0" smtClean="0">
                 <a:latin typeface="Arial" charset="0"/>
                 <a:ea typeface="ＭＳ Ｐゴシック" charset="0"/>
               </a:rPr>
@@ -5781,7 +5781,7 @@
           <a:p>
             <a:pPr lvl="2"/>
             <a:r>
-              <a:rPr lang="en-US" sz="3000" dirty="0" smtClean="0">
+              <a:rPr lang="en-US" sz="3200" dirty="0" smtClean="0">
                 <a:latin typeface="Arial" charset="0"/>
                 <a:ea typeface="ＭＳ Ｐゴシック" charset="0"/>
               </a:rPr>
@@ -5791,53 +5791,102 @@
           <a:p>
             <a:pPr lvl="2"/>
             <a:r>
-              <a:rPr lang="en-US" sz="3000" dirty="0" smtClean="0">
+              <a:rPr lang="en-US" sz="3200" dirty="0" smtClean="0">
                 <a:latin typeface="Arial" charset="0"/>
                 <a:ea typeface="ＭＳ Ｐゴシック" charset="0"/>
               </a:rPr>
               <a:t>Error code</a:t>
             </a:r>
-            <a:endParaRPr lang="en-US" sz="3000" dirty="0" smtClean="0">
+          </a:p>
+          <a:p>
+            <a:r>
+              <a:rPr lang="en-US" sz="3200" dirty="0">
+                <a:latin typeface="Arial" charset="0"/>
+                <a:ea typeface="ＭＳ Ｐゴシック" charset="0"/>
+              </a:rPr>
+              <a:t>R</a:t>
+            </a:r>
+            <a:r>
+              <a:rPr lang="en-US" sz="3200" dirty="0" smtClean="0">
+                <a:latin typeface="Arial" charset="0"/>
+                <a:ea typeface="ＭＳ Ｐゴシック" charset="0"/>
+              </a:rPr>
+              <a:t>equest </a:t>
+            </a:r>
+            <a:r>
+              <a:rPr lang="en-US" sz="3200" dirty="0">
+                <a:latin typeface="Arial" charset="0"/>
+                <a:ea typeface="ＭＳ Ｐゴシック" charset="0"/>
+              </a:rPr>
+              <a:t>and response are well-defined JSON objects</a:t>
+            </a:r>
+          </a:p>
+          <a:p>
+            <a:pPr lvl="1"/>
+            <a:r>
+              <a:rPr lang="en-US" sz="3200" dirty="0">
+                <a:latin typeface="Arial" charset="0"/>
+                <a:ea typeface="ＭＳ Ｐゴシック" charset="0"/>
+                <a:hlinkClick r:id="rId3"/>
+              </a:rPr>
+              <a:t>http://json-rpc.org/</a:t>
+            </a:r>
+            <a:endParaRPr lang="en-US" sz="3200" dirty="0">
               <a:latin typeface="Arial" charset="0"/>
               <a:ea typeface="ＭＳ Ｐゴシック" charset="0"/>
             </a:endParaRPr>
           </a:p>
-          <a:p>
-            <a:r>
-              <a:rPr lang="en-US" sz="3000" dirty="0">
-                <a:latin typeface="Arial" charset="0"/>
-                <a:ea typeface="ＭＳ Ｐゴシック" charset="0"/>
-              </a:rPr>
-              <a:t>R</a:t>
-            </a:r>
-            <a:r>
-              <a:rPr lang="en-US" sz="3000" dirty="0" smtClean="0">
-                <a:latin typeface="Arial" charset="0"/>
-                <a:ea typeface="ＭＳ Ｐゴシック" charset="0"/>
-              </a:rPr>
-              <a:t>equest </a:t>
-            </a:r>
-            <a:r>
-              <a:rPr lang="en-US" sz="3000" dirty="0">
-                <a:latin typeface="Arial" charset="0"/>
-                <a:ea typeface="ＭＳ Ｐゴシック" charset="0"/>
-              </a:rPr>
-              <a:t>and response are well-defined JSON objects</a:t>
-            </a:r>
-          </a:p>
-          <a:p>
-            <a:pPr lvl="1"/>
-            <a:r>
-              <a:rPr lang="en-US" sz="3000" dirty="0">
-                <a:latin typeface="Arial" charset="0"/>
-                <a:ea typeface="ＭＳ Ｐゴシック" charset="0"/>
-                <a:hlinkClick r:id="rId3"/>
-              </a:rPr>
-              <a:t>http://json-rpc.org/</a:t>
-            </a:r>
-            <a:endParaRPr lang="en-US" sz="3000" dirty="0">
-              <a:latin typeface="Arial" charset="0"/>
-              <a:ea typeface="ＭＳ Ｐゴシック" charset="0"/>
+        </p:txBody>
+      </p:sp>
+      <p:sp>
+        <p:nvSpPr>
+          <p:cNvPr id="4" name="Slide Number Placeholder 3"/>
+          <p:cNvSpPr txBox="1">
+            <a:spLocks noGrp="1"/>
+          </p:cNvSpPr>
+          <p:nvPr/>
+        </p:nvSpPr>
+        <p:spPr bwMode="auto">
+          <a:xfrm>
+            <a:off x="315868" y="9270583"/>
+            <a:ext cx="866378" cy="541514"/>
+          </a:xfrm>
+          <a:prstGeom prst="rect">
+            <a:avLst/>
+          </a:prstGeom>
+          <a:noFill/>
+          <a:ln>
+            <a:miter lim="800000"/>
+            <a:headEnd/>
+            <a:tailEnd/>
+          </a:ln>
+        </p:spPr>
+        <p:txBody>
+          <a:bodyPr lIns="154707" tIns="77354" rIns="154707" bIns="77354"/>
+          <a:lstStyle/>
+          <a:p>
+            <a:pPr eaLnBrk="0" hangingPunct="0">
+              <a:defRPr/>
+            </a:pPr>
+            <a:fld id="{1BD3BB7B-F997-4B7C-BCBE-A063D59C732E}" type="slidenum">
+              <a:rPr lang="en-US" sz="1500" b="1">
+                <a:solidFill>
+                  <a:srgbClr val="7B7B7B"/>
+                </a:solidFill>
+                <a:ea typeface="ＭＳ Ｐゴシック" pitchFamily="34" charset="-128"/>
+                <a:cs typeface="+mn-cs"/>
+              </a:rPr>
+              <a:pPr eaLnBrk="0" hangingPunct="0">
+                <a:defRPr/>
+              </a:pPr>
+              <a:t>2</a:t>
+            </a:fld>
+            <a:endParaRPr lang="en-US" sz="1500" b="1" dirty="0">
+              <a:solidFill>
+                <a:srgbClr val="7B7B7B"/>
+              </a:solidFill>
+              <a:ea typeface="ＭＳ Ｐゴシック" pitchFamily="34" charset="-128"/>
+              <a:cs typeface="+mn-cs"/>
             </a:endParaRPr>
           </a:p>
         </p:txBody>
@@ -5845,7 +5894,7 @@
     </p:spTree>
     <p:extLst>
       <p:ext uri="{BB962C8B-B14F-4D97-AF65-F5344CB8AC3E}">
-        <p14:creationId xmlns:p14="http://schemas.microsoft.com/office/powerpoint/2010/main" xmlns:p="http://schemas.openxmlformats.org/presentationml/2006/main" xmlns:r="http://schemas.openxmlformats.org/officeDocument/2006/relationships" xmlns:a="http://schemas.openxmlformats.org/drawingml/2006/main" xmlns="" val="3529968541"/>
+        <p14:creationId xmlns:p14="http://schemas.microsoft.com/office/powerpoint/2010/main" val="3529968541"/>
       </p:ext>
     </p:extLst>
   </p:cSld>
@@ -5855,7 +5904,7 @@
   <p:timing>
     <p:tnLst>
       <p:par>
-        <p:cTn id="1" dur="indefinite" restart="never" nodeType="tmRoot"/>
+        <p:cTn xmlns:p14="http://schemas.microsoft.com/office/powerpoint/2010/main" id="1" dur="indefinite" restart="never" nodeType="tmRoot"/>
       </p:par>
     </p:tnLst>
   </p:timing>
@@ -5863,7 +5912,7 @@
 </file>
 
 <file path=ppt/slides/slide3.xml><?xml version="1.0" encoding="utf-8"?>
-<p:sld xmlns:a="http://schemas.openxmlformats.org/drawingml/2006/main" xmlns:r="http://schemas.openxmlformats.org/officeDocument/2006/relationships" xmlns:mc="http://schemas.openxmlformats.org/markup-compatibility/2006" xmlns:mv="urn:schemas-microsoft-com:mac:vml" xmlns:p="http://schemas.openxmlformats.org/presentationml/2006/main" mc:Ignorable="mv" mc:PreserveAttributes="mv:*">
+<p:sld xmlns:a="http://schemas.openxmlformats.org/drawingml/2006/main" xmlns:r="http://schemas.openxmlformats.org/officeDocument/2006/relationships" xmlns:p="http://schemas.openxmlformats.org/presentationml/2006/main">
   <p:cSld>
     <p:spTree>
       <p:nvGrpSpPr>
@@ -6107,10 +6156,63 @@
           </a:p>
         </p:txBody>
       </p:sp>
+      <p:sp>
+        <p:nvSpPr>
+          <p:cNvPr id="4" name="Slide Number Placeholder 3"/>
+          <p:cNvSpPr txBox="1">
+            <a:spLocks noGrp="1"/>
+          </p:cNvSpPr>
+          <p:nvPr/>
+        </p:nvSpPr>
+        <p:spPr bwMode="auto">
+          <a:xfrm>
+            <a:off x="315868" y="9270583"/>
+            <a:ext cx="866378" cy="541514"/>
+          </a:xfrm>
+          <a:prstGeom prst="rect">
+            <a:avLst/>
+          </a:prstGeom>
+          <a:noFill/>
+          <a:ln>
+            <a:miter lim="800000"/>
+            <a:headEnd/>
+            <a:tailEnd/>
+          </a:ln>
+        </p:spPr>
+        <p:txBody>
+          <a:bodyPr lIns="154707" tIns="77354" rIns="154707" bIns="77354"/>
+          <a:lstStyle/>
+          <a:p>
+            <a:pPr eaLnBrk="0" hangingPunct="0">
+              <a:defRPr/>
+            </a:pPr>
+            <a:fld id="{1BD3BB7B-F997-4B7C-BCBE-A063D59C732E}" type="slidenum">
+              <a:rPr lang="en-US" sz="1500" b="1">
+                <a:solidFill>
+                  <a:srgbClr val="7B7B7B"/>
+                </a:solidFill>
+                <a:ea typeface="ＭＳ Ｐゴシック" pitchFamily="34" charset="-128"/>
+                <a:cs typeface="+mn-cs"/>
+              </a:rPr>
+              <a:pPr eaLnBrk="0" hangingPunct="0">
+                <a:defRPr/>
+              </a:pPr>
+              <a:t>3</a:t>
+            </a:fld>
+            <a:endParaRPr lang="en-US" sz="1500" b="1" dirty="0">
+              <a:solidFill>
+                <a:srgbClr val="7B7B7B"/>
+              </a:solidFill>
+              <a:ea typeface="ＭＳ Ｐゴシック" pitchFamily="34" charset="-128"/>
+              <a:cs typeface="+mn-cs"/>
+            </a:endParaRPr>
+          </a:p>
+        </p:txBody>
+      </p:sp>
     </p:spTree>
     <p:extLst>
       <p:ext uri="{BB962C8B-B14F-4D97-AF65-F5344CB8AC3E}">
-        <p14:creationId xmlns:p14="http://schemas.microsoft.com/office/powerpoint/2010/main" xmlns:p="http://schemas.openxmlformats.org/presentationml/2006/main" xmlns:r="http://schemas.openxmlformats.org/officeDocument/2006/relationships" xmlns:a="http://schemas.openxmlformats.org/drawingml/2006/main" xmlns="" val="2192278482"/>
+        <p14:creationId xmlns:p14="http://schemas.microsoft.com/office/powerpoint/2010/main" val="2192278482"/>
       </p:ext>
     </p:extLst>
   </p:cSld>
@@ -6120,7 +6222,7 @@
   <p:timing>
     <p:tnLst>
       <p:par>
-        <p:cTn id="1" dur="indefinite" restart="never" nodeType="tmRoot"/>
+        <p:cTn xmlns:p14="http://schemas.microsoft.com/office/powerpoint/2010/main" id="1" dur="indefinite" restart="never" nodeType="tmRoot"/>
       </p:par>
     </p:tnLst>
   </p:timing>
@@ -6128,7 +6230,7 @@
 </file>
 
 <file path=ppt/slides/slide4.xml><?xml version="1.0" encoding="utf-8"?>
-<p:sld xmlns:a="http://schemas.openxmlformats.org/drawingml/2006/main" xmlns:r="http://schemas.openxmlformats.org/officeDocument/2006/relationships" xmlns:mc="http://schemas.openxmlformats.org/markup-compatibility/2006" xmlns:mv="urn:schemas-microsoft-com:mac:vml" xmlns:p="http://schemas.openxmlformats.org/presentationml/2006/main" mc:Ignorable="mv" mc:PreserveAttributes="mv:*">
+<p:sld xmlns:a="http://schemas.openxmlformats.org/drawingml/2006/main" xmlns:r="http://schemas.openxmlformats.org/officeDocument/2006/relationships" xmlns:p="http://schemas.openxmlformats.org/presentationml/2006/main">
   <p:cSld>
     <p:spTree>
       <p:nvGrpSpPr>
@@ -6202,7 +6304,7 @@
               <a:buNone/>
             </a:pPr>
             <a:r>
-              <a:rPr lang="en-US" sz="3700">
+              <a:rPr lang="en-US" sz="3700" dirty="0">
                 <a:latin typeface="Consolas" charset="0"/>
                 <a:ea typeface="ＭＳ Ｐゴシック" charset="0"/>
                 <a:cs typeface="Consolas" charset="0"/>
@@ -6219,7 +6321,7 @@
               <a:buNone/>
             </a:pPr>
             <a:r>
-              <a:rPr lang="en-US" sz="3700">
+              <a:rPr lang="en-US" sz="3700" dirty="0">
                 <a:latin typeface="Consolas" charset="0"/>
                 <a:ea typeface="ＭＳ Ｐゴシック" charset="0"/>
                 <a:cs typeface="Consolas" charset="0"/>
@@ -6236,7 +6338,7 @@
               <a:buNone/>
             </a:pPr>
             <a:r>
-              <a:rPr lang="en-US" sz="3700">
+              <a:rPr lang="en-US" sz="3700" dirty="0">
                 <a:latin typeface="Consolas" charset="0"/>
                 <a:ea typeface="ＭＳ Ｐゴシック" charset="0"/>
                 <a:cs typeface="Consolas" charset="0"/>
@@ -6253,7 +6355,7 @@
               <a:buNone/>
             </a:pPr>
             <a:r>
-              <a:rPr lang="en-US" sz="3700">
+              <a:rPr lang="en-US" sz="3700" dirty="0">
                 <a:latin typeface="Consolas" charset="0"/>
                 <a:ea typeface="ＭＳ Ｐゴシック" charset="0"/>
                 <a:cs typeface="Consolas" charset="0"/>
@@ -6270,7 +6372,7 @@
               <a:buNone/>
             </a:pPr>
             <a:r>
-              <a:rPr lang="en-US" sz="3700">
+              <a:rPr lang="en-US" sz="3700" dirty="0">
                 <a:latin typeface="Consolas" charset="0"/>
                 <a:ea typeface="ＭＳ Ｐゴシック" charset="0"/>
                 <a:cs typeface="Consolas" charset="0"/>
@@ -6287,7 +6389,7 @@
               <a:buNone/>
             </a:pPr>
             <a:r>
-              <a:rPr lang="en-US" sz="3700">
+              <a:rPr lang="en-US" sz="3700" dirty="0">
                 <a:latin typeface="Consolas" charset="0"/>
                 <a:ea typeface="ＭＳ Ｐゴシック" charset="0"/>
                 <a:cs typeface="Consolas" charset="0"/>
@@ -6304,7 +6406,7 @@
               <a:buNone/>
             </a:pPr>
             <a:r>
-              <a:rPr lang="en-US" sz="3700">
+              <a:rPr lang="en-US" sz="3700" dirty="0">
                 <a:latin typeface="Consolas" charset="0"/>
                 <a:ea typeface="ＭＳ Ｐゴシック" charset="0"/>
                 <a:cs typeface="Consolas" charset="0"/>
@@ -6321,7 +6423,7 @@
               <a:buNone/>
             </a:pPr>
             <a:r>
-              <a:rPr lang="en-US" sz="3700">
+              <a:rPr lang="en-US" sz="3700" dirty="0">
                 <a:latin typeface="Consolas" charset="0"/>
                 <a:ea typeface="ＭＳ Ｐゴシック" charset="0"/>
                 <a:cs typeface="Consolas" charset="0"/>
@@ -6338,7 +6440,7 @@
               <a:buNone/>
             </a:pPr>
             <a:r>
-              <a:rPr lang="en-US" sz="3700">
+              <a:rPr lang="en-US" sz="3700" dirty="0">
                 <a:latin typeface="Consolas" charset="0"/>
                 <a:ea typeface="ＭＳ Ｐゴシック" charset="0"/>
                 <a:cs typeface="Consolas" charset="0"/>
@@ -6354,7 +6456,7 @@
               <a:buFontTx/>
               <a:buNone/>
             </a:pPr>
-            <a:endParaRPr lang="en-US" sz="3700">
+            <a:endParaRPr lang="en-US" sz="3700" dirty="0">
               <a:latin typeface="Arial" charset="0"/>
               <a:ea typeface="ＭＳ Ｐゴシック" charset="0"/>
             </a:endParaRPr>
@@ -6366,79 +6468,132 @@
               </a:lnSpc>
             </a:pPr>
             <a:r>
-              <a:rPr lang="en-US" sz="3700">
-                <a:latin typeface="Arial" charset="0"/>
-                <a:ea typeface="ＭＳ Ｐゴシック" charset="0"/>
-              </a:rPr>
-              <a:t>either </a:t>
-            </a:r>
-            <a:r>
-              <a:rPr lang="ja-JP" altLang="en-US" sz="3700">
+              <a:rPr lang="en-US" sz="3700" dirty="0" smtClean="0">
+                <a:latin typeface="Arial" charset="0"/>
+                <a:ea typeface="ＭＳ Ｐゴシック" charset="0"/>
+              </a:rPr>
+              <a:t>Either </a:t>
+            </a:r>
+            <a:r>
+              <a:rPr lang="ja-JP" altLang="en-US" sz="3700" dirty="0">
                 <a:latin typeface="Arial" charset="0"/>
                 <a:ea typeface="ＭＳ Ｐゴシック" charset="0"/>
               </a:rPr>
               <a:t>“</a:t>
             </a:r>
             <a:r>
-              <a:rPr lang="en-US" altLang="ja-JP" sz="3700">
+              <a:rPr lang="en-US" altLang="ja-JP" sz="3700" dirty="0">
                 <a:latin typeface="Arial" charset="0"/>
                 <a:ea typeface="ＭＳ Ｐゴシック" charset="0"/>
               </a:rPr>
               <a:t>result</a:t>
             </a:r>
             <a:r>
-              <a:rPr lang="ja-JP" altLang="en-US" sz="3700">
+              <a:rPr lang="ja-JP" altLang="en-US" sz="3700" dirty="0">
                 <a:latin typeface="Arial" charset="0"/>
                 <a:ea typeface="ＭＳ Ｐゴシック" charset="0"/>
               </a:rPr>
               <a:t>”</a:t>
             </a:r>
             <a:r>
-              <a:rPr lang="en-US" altLang="ja-JP" sz="3700">
+              <a:rPr lang="en-US" altLang="ja-JP" sz="3700" dirty="0">
                 <a:latin typeface="Arial" charset="0"/>
                 <a:ea typeface="ＭＳ Ｐゴシック" charset="0"/>
               </a:rPr>
               <a:t> or </a:t>
             </a:r>
             <a:r>
-              <a:rPr lang="ja-JP" altLang="en-US" sz="3700">
+              <a:rPr lang="ja-JP" altLang="en-US" sz="3700" dirty="0">
                 <a:latin typeface="Arial" charset="0"/>
                 <a:ea typeface="ＭＳ Ｐゴシック" charset="0"/>
               </a:rPr>
               <a:t>“</a:t>
             </a:r>
             <a:r>
-              <a:rPr lang="en-US" altLang="ja-JP" sz="3700">
+              <a:rPr lang="en-US" altLang="ja-JP" sz="3700" dirty="0">
                 <a:latin typeface="Arial" charset="0"/>
                 <a:ea typeface="ＭＳ Ｐゴシック" charset="0"/>
               </a:rPr>
               <a:t>error</a:t>
             </a:r>
             <a:r>
-              <a:rPr lang="ja-JP" altLang="en-US" sz="3700">
+              <a:rPr lang="ja-JP" altLang="en-US" sz="3700" dirty="0">
                 <a:latin typeface="Arial" charset="0"/>
                 <a:ea typeface="ＭＳ Ｐゴシック" charset="0"/>
               </a:rPr>
               <a:t>”</a:t>
             </a:r>
             <a:r>
-              <a:rPr lang="en-US" altLang="ja-JP" sz="3700">
+              <a:rPr lang="en-US" altLang="ja-JP" sz="3700" dirty="0">
                 <a:latin typeface="Arial" charset="0"/>
                 <a:ea typeface="ＭＳ Ｐゴシック" charset="0"/>
               </a:rPr>
               <a:t> will be null</a:t>
             </a:r>
-            <a:endParaRPr lang="en-US" sz="3700">
+            <a:endParaRPr lang="en-US" sz="3700" dirty="0">
               <a:latin typeface="Arial" charset="0"/>
               <a:ea typeface="ＭＳ Ｐゴシック" charset="0"/>
             </a:endParaRPr>
           </a:p>
         </p:txBody>
       </p:sp>
+      <p:sp>
+        <p:nvSpPr>
+          <p:cNvPr id="4" name="Slide Number Placeholder 3"/>
+          <p:cNvSpPr txBox="1">
+            <a:spLocks noGrp="1"/>
+          </p:cNvSpPr>
+          <p:nvPr/>
+        </p:nvSpPr>
+        <p:spPr bwMode="auto">
+          <a:xfrm>
+            <a:off x="315868" y="9270583"/>
+            <a:ext cx="866378" cy="541514"/>
+          </a:xfrm>
+          <a:prstGeom prst="rect">
+            <a:avLst/>
+          </a:prstGeom>
+          <a:noFill/>
+          <a:ln>
+            <a:miter lim="800000"/>
+            <a:headEnd/>
+            <a:tailEnd/>
+          </a:ln>
+        </p:spPr>
+        <p:txBody>
+          <a:bodyPr lIns="154707" tIns="77354" rIns="154707" bIns="77354"/>
+          <a:lstStyle/>
+          <a:p>
+            <a:pPr eaLnBrk="0" hangingPunct="0">
+              <a:defRPr/>
+            </a:pPr>
+            <a:fld id="{1BD3BB7B-F997-4B7C-BCBE-A063D59C732E}" type="slidenum">
+              <a:rPr lang="en-US" sz="1500" b="1">
+                <a:solidFill>
+                  <a:srgbClr val="7B7B7B"/>
+                </a:solidFill>
+                <a:ea typeface="ＭＳ Ｐゴシック" pitchFamily="34" charset="-128"/>
+                <a:cs typeface="+mn-cs"/>
+              </a:rPr>
+              <a:pPr eaLnBrk="0" hangingPunct="0">
+                <a:defRPr/>
+              </a:pPr>
+              <a:t>4</a:t>
+            </a:fld>
+            <a:endParaRPr lang="en-US" sz="1500" b="1" dirty="0">
+              <a:solidFill>
+                <a:srgbClr val="7B7B7B"/>
+              </a:solidFill>
+              <a:ea typeface="ＭＳ Ｐゴシック" pitchFamily="34" charset="-128"/>
+              <a:cs typeface="+mn-cs"/>
+            </a:endParaRPr>
+          </a:p>
+        </p:txBody>
+      </p:sp>
     </p:spTree>
     <p:extLst>
       <p:ext uri="{BB962C8B-B14F-4D97-AF65-F5344CB8AC3E}">
-        <p14:creationId xmlns:p14="http://schemas.microsoft.com/office/powerpoint/2010/main" xmlns:p="http://schemas.openxmlformats.org/presentationml/2006/main" xmlns:r="http://schemas.openxmlformats.org/officeDocument/2006/relationships" xmlns:a="http://schemas.openxmlformats.org/drawingml/2006/main" xmlns="" val="4161345460"/>
+        <p14:creationId xmlns:p14="http://schemas.microsoft.com/office/powerpoint/2010/main" val="4161345460"/>
       </p:ext>
     </p:extLst>
   </p:cSld>
@@ -6448,7 +6603,7 @@
   <p:timing>
     <p:tnLst>
       <p:par>
-        <p:cTn id="1" dur="indefinite" restart="never" nodeType="tmRoot"/>
+        <p:cTn xmlns:p14="http://schemas.microsoft.com/office/powerpoint/2010/main" id="1" dur="indefinite" restart="never" nodeType="tmRoot"/>
       </p:par>
     </p:tnLst>
   </p:timing>
@@ -6456,7 +6611,7 @@
 </file>
 
 <file path=ppt/slides/slide5.xml><?xml version="1.0" encoding="utf-8"?>
-<p:sld xmlns:a="http://schemas.openxmlformats.org/drawingml/2006/main" xmlns:r="http://schemas.openxmlformats.org/officeDocument/2006/relationships" xmlns:mc="http://schemas.openxmlformats.org/markup-compatibility/2006" xmlns:mv="urn:schemas-microsoft-com:mac:vml" xmlns:p="http://schemas.openxmlformats.org/presentationml/2006/main" mc:Ignorable="mv" mc:PreserveAttributes="mv:*">
+<p:sld xmlns:a="http://schemas.openxmlformats.org/drawingml/2006/main" xmlns:r="http://schemas.openxmlformats.org/officeDocument/2006/relationships" xmlns:p="http://schemas.openxmlformats.org/presentationml/2006/main">
   <p:cSld>
     <p:spTree>
       <p:nvGrpSpPr>
@@ -6523,271 +6678,353 @@
           <a:lstStyle/>
           <a:p>
             <a:r>
-              <a:rPr lang="en-US" sz="3000" dirty="0" smtClean="0">
+              <a:rPr lang="en-US" sz="3200" dirty="0" smtClean="0">
                 <a:latin typeface="Arial" charset="0"/>
                 <a:ea typeface="ＭＳ Ｐゴシック" charset="0"/>
               </a:rPr>
               <a:t>Elements of a request</a:t>
             </a:r>
-            <a:endParaRPr lang="en-US" sz="3000" dirty="0" smtClean="0">
+          </a:p>
+          <a:p>
+            <a:pPr lvl="1"/>
+            <a:r>
+              <a:rPr lang="en-US" sz="3200" dirty="0" smtClean="0">
+                <a:latin typeface="Arial" charset="0"/>
+                <a:ea typeface="ＭＳ Ｐゴシック" charset="0"/>
+              </a:rPr>
+              <a:t>Base URL</a:t>
+            </a:r>
+            <a:r>
+              <a:rPr lang="en-US" sz="3200" dirty="0" smtClean="0">
+                <a:latin typeface="Source Code Pro"/>
+                <a:ea typeface="ＭＳ Ｐゴシック" charset="0"/>
+                <a:cs typeface="Source Code Pro"/>
+              </a:rPr>
+              <a:t>: http://api.brightcove.com/services/post</a:t>
+            </a:r>
+          </a:p>
+          <a:p>
+            <a:pPr lvl="1"/>
+            <a:r>
+              <a:rPr lang="en-US" sz="3200" dirty="0" smtClean="0">
+                <a:latin typeface="Arial" charset="0"/>
+                <a:ea typeface="ＭＳ Ｐゴシック" charset="0"/>
+              </a:rPr>
+              <a:t>Method name</a:t>
+            </a:r>
+            <a:r>
+              <a:rPr lang="en-US" sz="3200" dirty="0" smtClean="0">
+                <a:latin typeface="Source Code Pro"/>
+                <a:ea typeface="ＭＳ Ｐゴシック" charset="0"/>
+                <a:cs typeface="Source Code Pro"/>
+              </a:rPr>
+              <a:t>: {</a:t>
+            </a:r>
+            <a:r>
+              <a:rPr lang="ja-JP" altLang="en-US" sz="3200" dirty="0">
+                <a:latin typeface="Source Code Pro"/>
+                <a:ea typeface="ＭＳ Ｐゴシック" charset="0"/>
+                <a:cs typeface="Source Code Pro"/>
+              </a:rPr>
+              <a:t>“</a:t>
+            </a:r>
+            <a:r>
+              <a:rPr lang="en-US" altLang="ja-JP" sz="3200" dirty="0">
+                <a:latin typeface="Source Code Pro"/>
+                <a:ea typeface="ＭＳ Ｐゴシック" charset="0"/>
+                <a:cs typeface="Source Code Pro"/>
+              </a:rPr>
+              <a:t>method</a:t>
+            </a:r>
+            <a:r>
+              <a:rPr lang="ja-JP" altLang="en-US" sz="3200" dirty="0">
+                <a:latin typeface="Source Code Pro"/>
+                <a:ea typeface="ＭＳ Ｐゴシック" charset="0"/>
+                <a:cs typeface="Source Code Pro"/>
+              </a:rPr>
+              <a:t>”</a:t>
+            </a:r>
+            <a:r>
+              <a:rPr lang="en-US" altLang="ja-JP" sz="3200" dirty="0">
+                <a:latin typeface="Source Code Pro"/>
+                <a:ea typeface="ＭＳ Ｐゴシック" charset="0"/>
+                <a:cs typeface="Source Code Pro"/>
+              </a:rPr>
+              <a:t> : </a:t>
+            </a:r>
+            <a:r>
+              <a:rPr lang="ja-JP" altLang="en-US" sz="3200" dirty="0">
+                <a:latin typeface="Source Code Pro"/>
+                <a:ea typeface="ＭＳ Ｐゴシック" charset="0"/>
+                <a:cs typeface="Source Code Pro"/>
+              </a:rPr>
+              <a:t>“</a:t>
+            </a:r>
+            <a:r>
+              <a:rPr lang="en-US" altLang="ja-JP" sz="3200" dirty="0" err="1">
+                <a:latin typeface="Source Code Pro"/>
+                <a:ea typeface="ＭＳ Ｐゴシック" charset="0"/>
+                <a:cs typeface="Source Code Pro"/>
+              </a:rPr>
+              <a:t>update_video</a:t>
+            </a:r>
+            <a:r>
+              <a:rPr lang="ja-JP" altLang="en-US" sz="3200" dirty="0">
+                <a:latin typeface="Source Code Pro"/>
+                <a:ea typeface="ＭＳ Ｐゴシック" charset="0"/>
+                <a:cs typeface="Source Code Pro"/>
+              </a:rPr>
+              <a:t>”</a:t>
+            </a:r>
+            <a:r>
+              <a:rPr lang="en-US" altLang="ja-JP" sz="3200" dirty="0">
+                <a:latin typeface="Source Code Pro"/>
+                <a:ea typeface="ＭＳ Ｐゴシック" charset="0"/>
+                <a:cs typeface="Source Code Pro"/>
+              </a:rPr>
+              <a:t>,</a:t>
+            </a:r>
+            <a:endParaRPr lang="en-US" altLang="ja-JP" sz="3200" dirty="0" smtClean="0">
+              <a:latin typeface="Source Code Pro"/>
+              <a:ea typeface="ＭＳ Ｐゴシック" charset="0"/>
+              <a:cs typeface="Source Code Pro"/>
+            </a:endParaRPr>
+          </a:p>
+          <a:p>
+            <a:pPr lvl="1"/>
+            <a:r>
+              <a:rPr lang="en-US" altLang="ja-JP" sz="3200" dirty="0" smtClean="0">
+                <a:latin typeface="Arial" charset="0"/>
+                <a:ea typeface="ＭＳ Ｐゴシック" charset="0"/>
+              </a:rPr>
+              <a:t>Parameters including WRITE token: </a:t>
+            </a:r>
+            <a:r>
+              <a:rPr lang="ja-JP" altLang="en-US" sz="3200" dirty="0" smtClean="0">
+                <a:latin typeface="Source Code Pro"/>
+                <a:ea typeface="ＭＳ Ｐゴシック" charset="0"/>
+                <a:cs typeface="Source Code Pro"/>
+              </a:rPr>
+              <a:t>“</a:t>
+            </a:r>
+            <a:r>
+              <a:rPr lang="en-US" altLang="ja-JP" sz="3200" dirty="0" err="1">
+                <a:latin typeface="Source Code Pro"/>
+                <a:ea typeface="ＭＳ Ｐゴシック" charset="0"/>
+                <a:cs typeface="Source Code Pro"/>
+              </a:rPr>
+              <a:t>params</a:t>
+            </a:r>
+            <a:r>
+              <a:rPr lang="ja-JP" altLang="en-US" sz="3200" dirty="0">
+                <a:latin typeface="Source Code Pro"/>
+                <a:ea typeface="ＭＳ Ｐゴシック" charset="0"/>
+                <a:cs typeface="Source Code Pro"/>
+              </a:rPr>
+              <a:t>”</a:t>
+            </a:r>
+            <a:r>
+              <a:rPr lang="en-US" altLang="ja-JP" sz="3200" dirty="0">
+                <a:latin typeface="Source Code Pro"/>
+                <a:ea typeface="ＭＳ Ｐゴシック" charset="0"/>
+                <a:cs typeface="Source Code Pro"/>
+              </a:rPr>
+              <a:t> : {</a:t>
+            </a:r>
+            <a:r>
+              <a:rPr lang="ja-JP" altLang="en-US" sz="3200" dirty="0">
+                <a:latin typeface="Source Code Pro"/>
+                <a:ea typeface="ＭＳ Ｐゴシック" charset="0"/>
+                <a:cs typeface="Source Code Pro"/>
+              </a:rPr>
+              <a:t>“</a:t>
+            </a:r>
+            <a:r>
+              <a:rPr lang="en-US" altLang="ja-JP" sz="3200" dirty="0">
+                <a:latin typeface="Source Code Pro"/>
+                <a:ea typeface="ＭＳ Ｐゴシック" charset="0"/>
+                <a:cs typeface="Source Code Pro"/>
+              </a:rPr>
+              <a:t>token</a:t>
+            </a:r>
+            <a:r>
+              <a:rPr lang="ja-JP" altLang="en-US" sz="3200" dirty="0">
+                <a:latin typeface="Source Code Pro"/>
+                <a:ea typeface="ＭＳ Ｐゴシック" charset="0"/>
+                <a:cs typeface="Source Code Pro"/>
+              </a:rPr>
+              <a:t>”</a:t>
+            </a:r>
+            <a:r>
+              <a:rPr lang="en-US" altLang="ja-JP" sz="3200" dirty="0">
+                <a:latin typeface="Source Code Pro"/>
+                <a:ea typeface="ＭＳ Ｐゴシック" charset="0"/>
+                <a:cs typeface="Source Code Pro"/>
+              </a:rPr>
+              <a:t> : </a:t>
+            </a:r>
+            <a:r>
+              <a:rPr lang="ja-JP" altLang="en-US" sz="3200" dirty="0">
+                <a:latin typeface="Source Code Pro"/>
+                <a:ea typeface="ＭＳ Ｐゴシック" charset="0"/>
+                <a:cs typeface="Source Code Pro"/>
+              </a:rPr>
+              <a:t>“</a:t>
+            </a:r>
+            <a:r>
+              <a:rPr lang="en-US" altLang="ja-JP" sz="3200" dirty="0">
+                <a:latin typeface="Source Code Pro"/>
+                <a:ea typeface="ＭＳ Ｐゴシック" charset="0"/>
+                <a:cs typeface="Source Code Pro"/>
+              </a:rPr>
+              <a:t>…</a:t>
+            </a:r>
+            <a:r>
+              <a:rPr lang="ja-JP" altLang="en-US" sz="3200" dirty="0">
+                <a:latin typeface="Source Code Pro"/>
+                <a:ea typeface="ＭＳ Ｐゴシック" charset="0"/>
+                <a:cs typeface="Source Code Pro"/>
+              </a:rPr>
+              <a:t>”</a:t>
+            </a:r>
+            <a:r>
+              <a:rPr lang="en-US" altLang="ja-JP" sz="3200" dirty="0">
+                <a:latin typeface="Source Code Pro"/>
+                <a:ea typeface="ＭＳ Ｐゴシック" charset="0"/>
+                <a:cs typeface="Source Code Pro"/>
+              </a:rPr>
+              <a:t>, …}}</a:t>
+            </a:r>
+          </a:p>
+          <a:p>
+            <a:r>
+              <a:rPr lang="en-US" sz="3200" dirty="0" smtClean="0">
+                <a:latin typeface="Arial" charset="0"/>
+                <a:ea typeface="ＭＳ Ｐゴシック" charset="0"/>
+              </a:rPr>
+              <a:t>Parameter </a:t>
+            </a:r>
+            <a:r>
+              <a:rPr lang="en-US" sz="3200" dirty="0">
+                <a:latin typeface="Arial" charset="0"/>
+                <a:ea typeface="ＭＳ Ｐゴシック" charset="0"/>
+              </a:rPr>
+              <a:t>order does not matter</a:t>
+            </a:r>
+          </a:p>
+          <a:p>
+            <a:r>
+              <a:rPr lang="en-US" sz="3200" dirty="0" smtClean="0">
+                <a:latin typeface="Arial" charset="0"/>
+                <a:ea typeface="ＭＳ Ｐゴシック" charset="0"/>
+              </a:rPr>
+              <a:t>Most </a:t>
+            </a:r>
+            <a:r>
+              <a:rPr lang="en-US" sz="3200" dirty="0">
+                <a:latin typeface="Arial" charset="0"/>
+                <a:ea typeface="ＭＳ Ｐゴシック" charset="0"/>
+              </a:rPr>
+              <a:t>methods use application/x-www-form-</a:t>
+            </a:r>
+            <a:r>
+              <a:rPr lang="en-US" sz="3200" dirty="0" err="1">
+                <a:latin typeface="Arial" charset="0"/>
+                <a:ea typeface="ＭＳ Ｐゴシック" charset="0"/>
+              </a:rPr>
+              <a:t>urlencoded</a:t>
+            </a:r>
+            <a:r>
+              <a:rPr lang="en-US" sz="3200" dirty="0">
+                <a:latin typeface="Arial" charset="0"/>
+                <a:ea typeface="ＭＳ Ｐゴシック" charset="0"/>
+              </a:rPr>
+              <a:t>, with </a:t>
+            </a:r>
+            <a:r>
+              <a:rPr lang="ja-JP" altLang="en-US" sz="3200" dirty="0">
+                <a:latin typeface="Arial" charset="0"/>
+                <a:ea typeface="ＭＳ Ｐゴシック" charset="0"/>
+              </a:rPr>
+              <a:t>“</a:t>
+            </a:r>
+            <a:r>
+              <a:rPr lang="en-US" altLang="ja-JP" sz="3200" dirty="0" err="1">
+                <a:latin typeface="Arial" charset="0"/>
+                <a:ea typeface="ＭＳ Ｐゴシック" charset="0"/>
+              </a:rPr>
+              <a:t>json</a:t>
+            </a:r>
+            <a:r>
+              <a:rPr lang="ja-JP" altLang="en-US" sz="3200" dirty="0">
+                <a:latin typeface="Arial" charset="0"/>
+                <a:ea typeface="ＭＳ Ｐゴシック" charset="0"/>
+              </a:rPr>
+              <a:t>”</a:t>
+            </a:r>
+            <a:r>
+              <a:rPr lang="en-US" altLang="ja-JP" sz="3200" dirty="0">
+                <a:latin typeface="Arial" charset="0"/>
+                <a:ea typeface="ＭＳ Ｐゴシック" charset="0"/>
+              </a:rPr>
+              <a:t> as the name of the JSON-RPC data</a:t>
+            </a:r>
+            <a:endParaRPr lang="en-US" sz="3200" dirty="0">
               <a:latin typeface="Arial" charset="0"/>
               <a:ea typeface="ＭＳ Ｐゴシック" charset="0"/>
             </a:endParaRPr>
           </a:p>
-          <a:p>
-            <a:pPr lvl="1"/>
-            <a:r>
-              <a:rPr lang="en-US" sz="3000" dirty="0" smtClean="0">
-                <a:latin typeface="Arial" charset="0"/>
-                <a:ea typeface="ＭＳ Ｐゴシック" charset="0"/>
-              </a:rPr>
-              <a:t>Base URL: http</a:t>
-            </a:r>
-            <a:r>
-              <a:rPr lang="en-US" sz="3000" dirty="0" smtClean="0">
-                <a:latin typeface="Arial" charset="0"/>
-                <a:ea typeface="ＭＳ Ｐゴシック" charset="0"/>
-              </a:rPr>
-              <a:t>://api.brightcove.com/services/</a:t>
-            </a:r>
-            <a:r>
-              <a:rPr lang="en-US" sz="3000" dirty="0" smtClean="0">
-                <a:latin typeface="Arial" charset="0"/>
-                <a:ea typeface="ＭＳ Ｐゴシック" charset="0"/>
-              </a:rPr>
-              <a:t>post</a:t>
-            </a:r>
-            <a:endParaRPr lang="en-US" sz="3000" dirty="0" smtClean="0">
-              <a:latin typeface="Arial" charset="0"/>
-              <a:ea typeface="ＭＳ Ｐゴシック" charset="0"/>
-            </a:endParaRPr>
-          </a:p>
-          <a:p>
-            <a:pPr lvl="1"/>
-            <a:r>
-              <a:rPr lang="en-US" sz="3000" dirty="0" smtClean="0">
-                <a:latin typeface="Arial" charset="0"/>
-                <a:ea typeface="ＭＳ Ｐゴシック" charset="0"/>
-              </a:rPr>
-              <a:t>Method name: {</a:t>
-            </a:r>
-            <a:r>
-              <a:rPr lang="ja-JP" altLang="en-US" sz="3000" dirty="0">
-                <a:latin typeface="Arial" charset="0"/>
-                <a:ea typeface="ＭＳ Ｐゴシック" charset="0"/>
-              </a:rPr>
-              <a:t>“</a:t>
-            </a:r>
-            <a:r>
-              <a:rPr lang="en-US" altLang="ja-JP" sz="3000" dirty="0">
-                <a:latin typeface="Arial" charset="0"/>
-                <a:ea typeface="ＭＳ Ｐゴシック" charset="0"/>
-              </a:rPr>
-              <a:t>method</a:t>
-            </a:r>
-            <a:r>
-              <a:rPr lang="ja-JP" altLang="en-US" sz="3000" dirty="0">
-                <a:latin typeface="Arial" charset="0"/>
-                <a:ea typeface="ＭＳ Ｐゴシック" charset="0"/>
-              </a:rPr>
-              <a:t>”</a:t>
-            </a:r>
-            <a:r>
-              <a:rPr lang="en-US" altLang="ja-JP" sz="3000" dirty="0">
-                <a:latin typeface="Arial" charset="0"/>
-                <a:ea typeface="ＭＳ Ｐゴシック" charset="0"/>
-              </a:rPr>
-              <a:t> : </a:t>
-            </a:r>
-            <a:r>
-              <a:rPr lang="ja-JP" altLang="en-US" sz="3000" dirty="0">
-                <a:latin typeface="Arial" charset="0"/>
-                <a:ea typeface="ＭＳ Ｐゴシック" charset="0"/>
-              </a:rPr>
-              <a:t>“</a:t>
-            </a:r>
-            <a:r>
-              <a:rPr lang="en-US" altLang="ja-JP" sz="3000" dirty="0" err="1">
-                <a:latin typeface="Arial" charset="0"/>
-                <a:ea typeface="ＭＳ Ｐゴシック" charset="0"/>
-              </a:rPr>
-              <a:t>update_video</a:t>
-            </a:r>
-            <a:r>
-              <a:rPr lang="ja-JP" altLang="en-US" sz="3000" dirty="0">
-                <a:latin typeface="Arial" charset="0"/>
-                <a:ea typeface="ＭＳ Ｐゴシック" charset="0"/>
-              </a:rPr>
-              <a:t>”</a:t>
-            </a:r>
-            <a:r>
-              <a:rPr lang="en-US" altLang="ja-JP" sz="3000" dirty="0">
-                <a:latin typeface="Arial" charset="0"/>
-                <a:ea typeface="ＭＳ Ｐゴシック" charset="0"/>
-              </a:rPr>
-              <a:t>,</a:t>
-            </a:r>
-            <a:endParaRPr lang="en-US" altLang="ja-JP" sz="3000" dirty="0" smtClean="0">
-              <a:latin typeface="Arial" charset="0"/>
-              <a:ea typeface="ＭＳ Ｐゴシック" charset="0"/>
-            </a:endParaRPr>
-          </a:p>
-          <a:p>
-            <a:pPr lvl="1"/>
-            <a:r>
-              <a:rPr lang="en-US" altLang="ja-JP" sz="3000" dirty="0" smtClean="0">
-                <a:latin typeface="Arial" charset="0"/>
-                <a:ea typeface="ＭＳ Ｐゴシック" charset="0"/>
-              </a:rPr>
-              <a:t>Parameters including WRITE token: </a:t>
-            </a:r>
-            <a:r>
-              <a:rPr lang="ja-JP" altLang="en-US" sz="3000" dirty="0" smtClean="0">
-                <a:latin typeface="Arial" charset="0"/>
-                <a:ea typeface="ＭＳ Ｐゴシック" charset="0"/>
-              </a:rPr>
-              <a:t>“</a:t>
-            </a:r>
-            <a:r>
-              <a:rPr lang="en-US" altLang="ja-JP" sz="3000" dirty="0" err="1">
-                <a:latin typeface="Arial" charset="0"/>
-                <a:ea typeface="ＭＳ Ｐゴシック" charset="0"/>
-              </a:rPr>
-              <a:t>params</a:t>
-            </a:r>
-            <a:r>
-              <a:rPr lang="ja-JP" altLang="en-US" sz="3000" dirty="0">
-                <a:latin typeface="Arial" charset="0"/>
-                <a:ea typeface="ＭＳ Ｐゴシック" charset="0"/>
-              </a:rPr>
-              <a:t>”</a:t>
-            </a:r>
-            <a:r>
-              <a:rPr lang="en-US" altLang="ja-JP" sz="3000" dirty="0">
-                <a:latin typeface="Arial" charset="0"/>
-                <a:ea typeface="ＭＳ Ｐゴシック" charset="0"/>
-              </a:rPr>
-              <a:t> : {</a:t>
-            </a:r>
-            <a:r>
-              <a:rPr lang="ja-JP" altLang="en-US" sz="3000" dirty="0">
-                <a:latin typeface="Arial" charset="0"/>
-                <a:ea typeface="ＭＳ Ｐゴシック" charset="0"/>
-              </a:rPr>
-              <a:t>“</a:t>
-            </a:r>
-            <a:r>
-              <a:rPr lang="en-US" altLang="ja-JP" sz="3000" dirty="0">
-                <a:latin typeface="Arial" charset="0"/>
-                <a:ea typeface="ＭＳ Ｐゴシック" charset="0"/>
-              </a:rPr>
-              <a:t>token</a:t>
-            </a:r>
-            <a:r>
-              <a:rPr lang="ja-JP" altLang="en-US" sz="3000" dirty="0">
-                <a:latin typeface="Arial" charset="0"/>
-                <a:ea typeface="ＭＳ Ｐゴシック" charset="0"/>
-              </a:rPr>
-              <a:t>”</a:t>
-            </a:r>
-            <a:r>
-              <a:rPr lang="en-US" altLang="ja-JP" sz="3000" dirty="0">
-                <a:latin typeface="Arial" charset="0"/>
-                <a:ea typeface="ＭＳ Ｐゴシック" charset="0"/>
-              </a:rPr>
-              <a:t> : </a:t>
-            </a:r>
-            <a:r>
-              <a:rPr lang="ja-JP" altLang="en-US" sz="3000" dirty="0">
-                <a:latin typeface="Arial" charset="0"/>
-                <a:ea typeface="ＭＳ Ｐゴシック" charset="0"/>
-              </a:rPr>
-              <a:t>“</a:t>
-            </a:r>
-            <a:r>
-              <a:rPr lang="en-US" altLang="ja-JP" sz="3000" dirty="0">
-                <a:latin typeface="Arial" charset="0"/>
-                <a:ea typeface="ＭＳ Ｐゴシック" charset="0"/>
-              </a:rPr>
-              <a:t>…</a:t>
-            </a:r>
-            <a:r>
-              <a:rPr lang="ja-JP" altLang="en-US" sz="3000" dirty="0">
-                <a:latin typeface="Arial" charset="0"/>
-                <a:ea typeface="ＭＳ Ｐゴシック" charset="0"/>
-              </a:rPr>
-              <a:t>”</a:t>
-            </a:r>
-            <a:r>
-              <a:rPr lang="en-US" altLang="ja-JP" sz="3000" dirty="0">
-                <a:latin typeface="Arial" charset="0"/>
-                <a:ea typeface="ＭＳ Ｐゴシック" charset="0"/>
-              </a:rPr>
-              <a:t>, …}}</a:t>
-            </a:r>
-          </a:p>
-          <a:p>
-            <a:r>
-              <a:rPr lang="en-US" sz="3000" dirty="0">
-                <a:latin typeface="Arial" charset="0"/>
-                <a:ea typeface="ＭＳ Ｐゴシック" charset="0"/>
-              </a:rPr>
-              <a:t>parameter order does not matter</a:t>
-            </a:r>
-          </a:p>
-          <a:p>
-            <a:r>
-              <a:rPr lang="en-US" sz="3000" dirty="0">
-                <a:latin typeface="Arial" charset="0"/>
-                <a:ea typeface="ＭＳ Ｐゴシック" charset="0"/>
-              </a:rPr>
-              <a:t>most methods use </a:t>
-            </a:r>
-            <a:r>
-              <a:rPr lang="en-US" sz="3000" dirty="0" err="1">
-                <a:latin typeface="Arial" charset="0"/>
-                <a:ea typeface="ＭＳ Ｐゴシック" charset="0"/>
-              </a:rPr>
-              <a:t>application/x-www-form-urlencoded</a:t>
-            </a:r>
-            <a:r>
-              <a:rPr lang="en-US" sz="3000" dirty="0">
-                <a:latin typeface="Arial" charset="0"/>
-                <a:ea typeface="ＭＳ Ｐゴシック" charset="0"/>
-              </a:rPr>
-              <a:t>, with </a:t>
-            </a:r>
-            <a:r>
-              <a:rPr lang="ja-JP" altLang="en-US" sz="3000" dirty="0">
-                <a:latin typeface="Arial" charset="0"/>
-                <a:ea typeface="ＭＳ Ｐゴシック" charset="0"/>
-              </a:rPr>
-              <a:t>“</a:t>
-            </a:r>
-            <a:r>
-              <a:rPr lang="en-US" altLang="ja-JP" sz="3000" dirty="0" err="1">
-                <a:latin typeface="Arial" charset="0"/>
-                <a:ea typeface="ＭＳ Ｐゴシック" charset="0"/>
-              </a:rPr>
-              <a:t>json</a:t>
-            </a:r>
-            <a:r>
-              <a:rPr lang="ja-JP" altLang="en-US" sz="3000" dirty="0">
-                <a:latin typeface="Arial" charset="0"/>
-                <a:ea typeface="ＭＳ Ｐゴシック" charset="0"/>
-              </a:rPr>
-              <a:t>”</a:t>
-            </a:r>
-            <a:r>
-              <a:rPr lang="en-US" altLang="ja-JP" sz="3000" dirty="0">
-                <a:latin typeface="Arial" charset="0"/>
-                <a:ea typeface="ＭＳ Ｐゴシック" charset="0"/>
-              </a:rPr>
-              <a:t> as the name of the JSON-RPC data</a:t>
-            </a:r>
-            <a:endParaRPr lang="en-US" sz="3000" dirty="0">
-              <a:latin typeface="Arial" charset="0"/>
-              <a:ea typeface="ＭＳ Ｐゴシック" charset="0"/>
+        </p:txBody>
+      </p:sp>
+      <p:sp>
+        <p:nvSpPr>
+          <p:cNvPr id="4" name="Slide Number Placeholder 3"/>
+          <p:cNvSpPr txBox="1">
+            <a:spLocks noGrp="1"/>
+          </p:cNvSpPr>
+          <p:nvPr/>
+        </p:nvSpPr>
+        <p:spPr bwMode="auto">
+          <a:xfrm>
+            <a:off x="315868" y="9270583"/>
+            <a:ext cx="866378" cy="541514"/>
+          </a:xfrm>
+          <a:prstGeom prst="rect">
+            <a:avLst/>
+          </a:prstGeom>
+          <a:noFill/>
+          <a:ln>
+            <a:miter lim="800000"/>
+            <a:headEnd/>
+            <a:tailEnd/>
+          </a:ln>
+        </p:spPr>
+        <p:txBody>
+          <a:bodyPr lIns="154707" tIns="77354" rIns="154707" bIns="77354"/>
+          <a:lstStyle/>
+          <a:p>
+            <a:pPr eaLnBrk="0" hangingPunct="0">
+              <a:defRPr/>
+            </a:pPr>
+            <a:fld id="{1BD3BB7B-F997-4B7C-BCBE-A063D59C732E}" type="slidenum">
+              <a:rPr lang="en-US" sz="1500" b="1">
+                <a:solidFill>
+                  <a:srgbClr val="7B7B7B"/>
+                </a:solidFill>
+                <a:ea typeface="ＭＳ Ｐゴシック" pitchFamily="34" charset="-128"/>
+                <a:cs typeface="+mn-cs"/>
+              </a:rPr>
+              <a:pPr eaLnBrk="0" hangingPunct="0">
+                <a:defRPr/>
+              </a:pPr>
+              <a:t>5</a:t>
+            </a:fld>
+            <a:endParaRPr lang="en-US" sz="1500" b="1" dirty="0">
+              <a:solidFill>
+                <a:srgbClr val="7B7B7B"/>
+              </a:solidFill>
+              <a:ea typeface="ＭＳ Ｐゴシック" pitchFamily="34" charset="-128"/>
+              <a:cs typeface="+mn-cs"/>
             </a:endParaRPr>
           </a:p>
         </p:txBody>
@@ -6795,7 +7032,7 @@
     </p:spTree>
     <p:extLst>
       <p:ext uri="{BB962C8B-B14F-4D97-AF65-F5344CB8AC3E}">
-        <p14:creationId xmlns:p14="http://schemas.microsoft.com/office/powerpoint/2010/main" xmlns:p="http://schemas.openxmlformats.org/presentationml/2006/main" xmlns:r="http://schemas.openxmlformats.org/officeDocument/2006/relationships" xmlns:a="http://schemas.openxmlformats.org/drawingml/2006/main" xmlns="" val="1132370560"/>
+        <p14:creationId xmlns:p14="http://schemas.microsoft.com/office/powerpoint/2010/main" val="1132370560"/>
       </p:ext>
     </p:extLst>
   </p:cSld>
@@ -6805,7 +7042,7 @@
   <p:timing>
     <p:tnLst>
       <p:par>
-        <p:cTn id="1" dur="indefinite" restart="never" nodeType="tmRoot"/>
+        <p:cTn xmlns:p14="http://schemas.microsoft.com/office/powerpoint/2010/main" id="1" dur="indefinite" restart="never" nodeType="tmRoot"/>
       </p:par>
     </p:tnLst>
   </p:timing>
@@ -6813,7 +7050,7 @@
 </file>
 
 <file path=ppt/slides/slide6.xml><?xml version="1.0" encoding="utf-8"?>
-<p:sld xmlns:a="http://schemas.openxmlformats.org/drawingml/2006/main" xmlns:r="http://schemas.openxmlformats.org/officeDocument/2006/relationships" xmlns:mc="http://schemas.openxmlformats.org/markup-compatibility/2006" xmlns:mv="urn:schemas-microsoft-com:mac:vml" xmlns:p="http://schemas.openxmlformats.org/presentationml/2006/main" mc:Ignorable="mv" mc:PreserveAttributes="mv:*">
+<p:sld xmlns:a="http://schemas.openxmlformats.org/drawingml/2006/main" xmlns:r="http://schemas.openxmlformats.org/officeDocument/2006/relationships" xmlns:p="http://schemas.openxmlformats.org/presentationml/2006/main">
   <p:cSld>
     <p:spTree>
       <p:nvGrpSpPr>
@@ -6884,14 +7121,7 @@
                 <a:latin typeface="Arial" charset="0"/>
                 <a:ea typeface="ＭＳ Ｐゴシック" charset="0"/>
               </a:rPr>
-              <a:t>Ensure your JSON post is </a:t>
-            </a:r>
-            <a:r>
-              <a:rPr lang="en-US" sz="3000" dirty="0" smtClean="0">
-                <a:latin typeface="Arial" charset="0"/>
-                <a:ea typeface="ＭＳ Ｐゴシック" charset="0"/>
-              </a:rPr>
-              <a:t>valid</a:t>
+              <a:t>Ensure your JSON post is valid</a:t>
             </a:r>
           </a:p>
           <a:p>
@@ -6929,47 +7159,96 @@
               </a:rPr>
               <a:t>Verify that your POST is formed correctly with an HTTP proxy</a:t>
             </a:r>
+          </a:p>
+          <a:p>
+            <a:pPr lvl="1"/>
+            <a:r>
+              <a:rPr lang="en-US" sz="3000" dirty="0">
+                <a:latin typeface="Arial" charset="0"/>
+                <a:ea typeface="ＭＳ Ｐゴシック" charset="0"/>
+                <a:hlinkClick r:id="rId4"/>
+              </a:rPr>
+              <a:t>http://www.charlesproxy.com/</a:t>
+            </a:r>
+            <a:endParaRPr lang="en-US" sz="3000" dirty="0">
+              <a:latin typeface="Arial" charset="0"/>
+              <a:ea typeface="ＭＳ Ｐゴシック" charset="0"/>
+            </a:endParaRPr>
+          </a:p>
+          <a:p>
+            <a:pPr lvl="1"/>
+            <a:r>
+              <a:rPr lang="en-US" sz="3000" dirty="0">
+                <a:latin typeface="Arial" charset="0"/>
+                <a:ea typeface="ＭＳ Ｐゴシック" charset="0"/>
+                <a:hlinkClick r:id="rId5"/>
+              </a:rPr>
+              <a:t>http://www.kevinlangdon.com/serviceCapture</a:t>
+            </a:r>
+            <a:r>
+              <a:rPr lang="en-US" sz="3000" dirty="0" smtClean="0">
+                <a:latin typeface="Arial" charset="0"/>
+                <a:ea typeface="ＭＳ Ｐゴシック" charset="0"/>
+                <a:hlinkClick r:id="rId5"/>
+              </a:rPr>
+              <a:t>/</a:t>
+            </a:r>
             <a:endParaRPr lang="en-US" sz="3000" dirty="0" smtClean="0">
               <a:latin typeface="Arial" charset="0"/>
               <a:ea typeface="ＭＳ Ｐゴシック" charset="0"/>
             </a:endParaRPr>
           </a:p>
-          <a:p>
-            <a:pPr lvl="1"/>
-            <a:r>
-              <a:rPr lang="en-US" sz="3000" dirty="0">
-                <a:latin typeface="Arial" charset="0"/>
-                <a:ea typeface="ＭＳ Ｐゴシック" charset="0"/>
-                <a:hlinkClick r:id="rId4"/>
-              </a:rPr>
-              <a:t>http://www.charlesproxy.com/</a:t>
-            </a:r>
-            <a:endParaRPr lang="en-US" sz="3000" dirty="0">
-              <a:latin typeface="Arial" charset="0"/>
-              <a:ea typeface="ＭＳ Ｐゴシック" charset="0"/>
-            </a:endParaRPr>
-          </a:p>
-          <a:p>
-            <a:pPr lvl="1"/>
-            <a:r>
-              <a:rPr lang="en-US" sz="3000" dirty="0">
-                <a:latin typeface="Arial" charset="0"/>
-                <a:ea typeface="ＭＳ Ｐゴシック" charset="0"/>
-                <a:hlinkClick r:id="rId5"/>
-              </a:rPr>
-              <a:t>http://www.kevinlangdon.com/serviceCapture</a:t>
-            </a:r>
-            <a:r>
-              <a:rPr lang="en-US" sz="3000" dirty="0" smtClean="0">
-                <a:latin typeface="Arial" charset="0"/>
-                <a:ea typeface="ＭＳ Ｐゴシック" charset="0"/>
-                <a:hlinkClick r:id="rId5"/>
-              </a:rPr>
-              <a:t>/</a:t>
-            </a:r>
-            <a:endParaRPr lang="en-US" sz="3000" dirty="0" smtClean="0">
-              <a:latin typeface="Arial" charset="0"/>
-              <a:ea typeface="ＭＳ Ｐゴシック" charset="0"/>
+        </p:txBody>
+      </p:sp>
+      <p:sp>
+        <p:nvSpPr>
+          <p:cNvPr id="4" name="Slide Number Placeholder 3"/>
+          <p:cNvSpPr txBox="1">
+            <a:spLocks noGrp="1"/>
+          </p:cNvSpPr>
+          <p:nvPr/>
+        </p:nvSpPr>
+        <p:spPr bwMode="auto">
+          <a:xfrm>
+            <a:off x="315868" y="9270583"/>
+            <a:ext cx="866378" cy="541514"/>
+          </a:xfrm>
+          <a:prstGeom prst="rect">
+            <a:avLst/>
+          </a:prstGeom>
+          <a:noFill/>
+          <a:ln>
+            <a:miter lim="800000"/>
+            <a:headEnd/>
+            <a:tailEnd/>
+          </a:ln>
+        </p:spPr>
+        <p:txBody>
+          <a:bodyPr lIns="154707" tIns="77354" rIns="154707" bIns="77354"/>
+          <a:lstStyle/>
+          <a:p>
+            <a:pPr eaLnBrk="0" hangingPunct="0">
+              <a:defRPr/>
+            </a:pPr>
+            <a:fld id="{1BD3BB7B-F997-4B7C-BCBE-A063D59C732E}" type="slidenum">
+              <a:rPr lang="en-US" sz="1500" b="1">
+                <a:solidFill>
+                  <a:srgbClr val="7B7B7B"/>
+                </a:solidFill>
+                <a:ea typeface="ＭＳ Ｐゴシック" pitchFamily="34" charset="-128"/>
+                <a:cs typeface="+mn-cs"/>
+              </a:rPr>
+              <a:pPr eaLnBrk="0" hangingPunct="0">
+                <a:defRPr/>
+              </a:pPr>
+              <a:t>6</a:t>
+            </a:fld>
+            <a:endParaRPr lang="en-US" sz="1500" b="1" dirty="0">
+              <a:solidFill>
+                <a:srgbClr val="7B7B7B"/>
+              </a:solidFill>
+              <a:ea typeface="ＭＳ Ｐゴシック" pitchFamily="34" charset="-128"/>
+              <a:cs typeface="+mn-cs"/>
             </a:endParaRPr>
           </a:p>
         </p:txBody>
@@ -6977,7 +7256,7 @@
     </p:spTree>
     <p:extLst>
       <p:ext uri="{BB962C8B-B14F-4D97-AF65-F5344CB8AC3E}">
-        <p14:creationId xmlns:p14="http://schemas.microsoft.com/office/powerpoint/2010/main" xmlns:p="http://schemas.openxmlformats.org/presentationml/2006/main" xmlns:r="http://schemas.openxmlformats.org/officeDocument/2006/relationships" xmlns:a="http://schemas.openxmlformats.org/drawingml/2006/main" xmlns="" val="3462573243"/>
+        <p14:creationId xmlns:p14="http://schemas.microsoft.com/office/powerpoint/2010/main" val="3462573243"/>
       </p:ext>
     </p:extLst>
   </p:cSld>
@@ -6987,7 +7266,7 @@
   <p:timing>
     <p:tnLst>
       <p:par>
-        <p:cTn id="1" dur="indefinite" restart="never" nodeType="tmRoot"/>
+        <p:cTn xmlns:p14="http://schemas.microsoft.com/office/powerpoint/2010/main" id="1" dur="indefinite" restart="never" nodeType="tmRoot"/>
       </p:par>
     </p:tnLst>
   </p:timing>
@@ -6995,7 +7274,7 @@
 </file>
 
 <file path=ppt/slides/slide7.xml><?xml version="1.0" encoding="utf-8"?>
-<p:sld xmlns:a="http://schemas.openxmlformats.org/drawingml/2006/main" xmlns:r="http://schemas.openxmlformats.org/officeDocument/2006/relationships" xmlns:mc="http://schemas.openxmlformats.org/markup-compatibility/2006" xmlns:mv="urn:schemas-microsoft-com:mac:vml" xmlns:p="http://schemas.openxmlformats.org/presentationml/2006/main" mc:Ignorable="mv" mc:PreserveAttributes="mv:*">
+<p:sld xmlns:a="http://schemas.openxmlformats.org/drawingml/2006/main" xmlns:r="http://schemas.openxmlformats.org/officeDocument/2006/relationships" xmlns:p="http://schemas.openxmlformats.org/presentationml/2006/main">
   <p:cSld>
     <p:spTree>
       <p:nvGrpSpPr>
@@ -7089,18 +7368,18 @@
     </p:spTree>
     <p:extLst>
       <p:ext uri="{BB962C8B-B14F-4D97-AF65-F5344CB8AC3E}">
-        <p14:creationId xmlns:p14="http://schemas.microsoft.com/office/powerpoint/2010/main" xmlns:p="http://schemas.openxmlformats.org/presentationml/2006/main" xmlns:r="http://schemas.openxmlformats.org/officeDocument/2006/relationships" xmlns:a="http://schemas.openxmlformats.org/drawingml/2006/main" xmlns="" val="3539376714"/>
+        <p14:creationId xmlns:p14="http://schemas.microsoft.com/office/powerpoint/2010/main" val="3539376714"/>
       </p:ext>
     </p:extLst>
   </p:cSld>
   <p:clrMapOvr>
     <a:masterClrMapping/>
   </p:clrMapOvr>
-  <p:transition/>
+  <p:transition xmlns:p14="http://schemas.microsoft.com/office/powerpoint/2010/main"/>
   <p:timing>
     <p:tnLst>
       <p:par>
-        <p:cTn id="1" dur="indefinite" restart="never" nodeType="tmRoot"/>
+        <p:cTn xmlns:p14="http://schemas.microsoft.com/office/powerpoint/2010/main" id="1" dur="indefinite" restart="never" nodeType="tmRoot"/>
       </p:par>
     </p:tnLst>
   </p:timing>
@@ -7108,7 +7387,7 @@
 </file>
 
 <file path=ppt/slides/slide8.xml><?xml version="1.0" encoding="utf-8"?>
-<p:sld xmlns:a="http://schemas.openxmlformats.org/drawingml/2006/main" xmlns:r="http://schemas.openxmlformats.org/officeDocument/2006/relationships" xmlns:mc="http://schemas.openxmlformats.org/markup-compatibility/2006" xmlns:mv="urn:schemas-microsoft-com:mac:vml" xmlns:p="http://schemas.openxmlformats.org/presentationml/2006/main" mc:Ignorable="mv" mc:PreserveAttributes="mv:*">
+<p:sld xmlns:a="http://schemas.openxmlformats.org/drawingml/2006/main" xmlns:r="http://schemas.openxmlformats.org/officeDocument/2006/relationships" xmlns:p="http://schemas.openxmlformats.org/presentationml/2006/main">
   <p:cSld>
     <p:spTree>
       <p:nvGrpSpPr>
@@ -7209,20 +7488,20 @@
     </p:spTree>
     <p:extLst>
       <p:ext uri="{BB962C8B-B14F-4D97-AF65-F5344CB8AC3E}">
-        <p14:creationId xmlns:p14="http://schemas.microsoft.com/office/powerpoint/2010/main" xmlns:p="http://schemas.openxmlformats.org/presentationml/2006/main" xmlns:r="http://schemas.openxmlformats.org/officeDocument/2006/relationships" xmlns:a="http://schemas.openxmlformats.org/drawingml/2006/main" xmlns="" val="3700295984"/>
+        <p14:creationId xmlns:p14="http://schemas.microsoft.com/office/powerpoint/2010/main" val="3700295984"/>
       </p:ext>
     </p:extLst>
   </p:cSld>
   <p:clrMapOvr>
     <a:masterClrMapping/>
   </p:clrMapOvr>
-  <p:transition spd="med">
+  <p:transition xmlns:p14="http://schemas.microsoft.com/office/powerpoint/2010/main" spd="med">
     <p:fade/>
   </p:transition>
   <p:timing>
     <p:tnLst>
       <p:par>
-        <p:cTn id="1" dur="indefinite" restart="never" nodeType="tmRoot"/>
+        <p:cTn xmlns:p14="http://schemas.microsoft.com/office/powerpoint/2010/main" id="1" dur="indefinite" restart="never" nodeType="tmRoot"/>
       </p:par>
     </p:tnLst>
   </p:timing>
